--- a/courses/theory/slides/lec14-nelson.pptx
+++ b/courses/theory/slides/lec14-nelson.pptx
@@ -1,41 +1,44 @@
 
 <file path=ppt/presentation.xml><?xml version="1.0" encoding="utf-8"?>
-<p:presentation xmlns:a="http://schemas.openxmlformats.org/drawingml/2006/main" xmlns:r="http://schemas.openxmlformats.org/officeDocument/2006/relationships" xmlns:p="http://schemas.openxmlformats.org/presentationml/2006/main" saveSubsetFonts="1">
+<p:presentation xmlns:a="http://schemas.openxmlformats.org/drawingml/2006/main" xmlns:r="http://schemas.openxmlformats.org/officeDocument/2006/relationships" xmlns:p="http://schemas.openxmlformats.org/presentationml/2006/main">
   <p:sldMasterIdLst>
-    <p:sldMasterId id="2147483649" r:id="rId1"/>
+    <p:sldMasterId id="2147483648" r:id="rId1"/>
   </p:sldMasterIdLst>
+  <p:notesMasterIdLst>
+    <p:notesMasterId r:id="rId25"/>
+  </p:notesMasterIdLst>
   <p:handoutMasterIdLst>
-    <p:handoutMasterId r:id="rId27"/>
+    <p:handoutMasterId r:id="rId29"/>
   </p:handoutMasterIdLst>
   <p:sldIdLst>
-    <p:sldId id="256" r:id="rId2"/>
-    <p:sldId id="459" r:id="rId3"/>
-    <p:sldId id="455" r:id="rId4"/>
-    <p:sldId id="456" r:id="rId5"/>
-    <p:sldId id="457" r:id="rId6"/>
-    <p:sldId id="473" r:id="rId7"/>
-    <p:sldId id="460" r:id="rId8"/>
-    <p:sldId id="458" r:id="rId9"/>
-    <p:sldId id="487" r:id="rId10"/>
-    <p:sldId id="461" r:id="rId11"/>
-    <p:sldId id="483" r:id="rId12"/>
-    <p:sldId id="462" r:id="rId13"/>
-    <p:sldId id="463" r:id="rId14"/>
-    <p:sldId id="484" r:id="rId15"/>
-    <p:sldId id="485" r:id="rId16"/>
-    <p:sldId id="321" r:id="rId17"/>
-    <p:sldId id="464" r:id="rId18"/>
-    <p:sldId id="486" r:id="rId19"/>
-    <p:sldId id="467" r:id="rId20"/>
-    <p:sldId id="468" r:id="rId21"/>
-    <p:sldId id="469" r:id="rId22"/>
-    <p:sldId id="470" r:id="rId23"/>
-    <p:sldId id="471" r:id="rId24"/>
-    <p:sldId id="472" r:id="rId25"/>
-    <p:sldId id="424" r:id="rId26"/>
+    <p:sldId id="256" r:id="rId3"/>
+    <p:sldId id="459" r:id="rId4"/>
+    <p:sldId id="455" r:id="rId5"/>
+    <p:sldId id="456" r:id="rId6"/>
+    <p:sldId id="457" r:id="rId7"/>
+    <p:sldId id="473" r:id="rId8"/>
+    <p:sldId id="460" r:id="rId9"/>
+    <p:sldId id="458" r:id="rId10"/>
+    <p:sldId id="487" r:id="rId11"/>
+    <p:sldId id="461" r:id="rId12"/>
+    <p:sldId id="483" r:id="rId13"/>
+    <p:sldId id="462" r:id="rId14"/>
+    <p:sldId id="463" r:id="rId15"/>
+    <p:sldId id="484" r:id="rId16"/>
+    <p:sldId id="485" r:id="rId17"/>
+    <p:sldId id="321" r:id="rId18"/>
+    <p:sldId id="464" r:id="rId19"/>
+    <p:sldId id="486" r:id="rId20"/>
+    <p:sldId id="467" r:id="rId21"/>
+    <p:sldId id="468" r:id="rId22"/>
+    <p:sldId id="469" r:id="rId23"/>
+    <p:sldId id="470" r:id="rId24"/>
+    <p:sldId id="471" r:id="rId26"/>
+    <p:sldId id="472" r:id="rId27"/>
+    <p:sldId id="424" r:id="rId28"/>
   </p:sldIdLst>
   <p:sldSz cx="9144000" cy="6858000" type="screen4x3"/>
-  <p:notesSz cx="7099300" cy="10234613"/>
+  <p:notesSz cx="7099300" cy="10234295"/>
   <p:defaultTextStyle>
     <a:defPPr>
       <a:defRPr lang="zh-CN"/>
@@ -161,36 +164,6 @@
       </a:defRPr>
     </a:lvl9pPr>
   </p:defaultTextStyle>
-  <p:extLst>
-    <p:ext uri="{EFAFB233-063F-42B5-8137-9DF3F51BA10A}">
-      <p15:sldGuideLst xmlns:p15="http://schemas.microsoft.com/office/powerpoint/2012/main">
-        <p15:guide id="1" orient="horz" pos="2160">
-          <p15:clr>
-            <a:srgbClr val="A4A3A4"/>
-          </p15:clr>
-        </p15:guide>
-        <p15:guide id="2" pos="2880">
-          <p15:clr>
-            <a:srgbClr val="A4A3A4"/>
-          </p15:clr>
-        </p15:guide>
-      </p15:sldGuideLst>
-    </p:ext>
-    <p:ext uri="{2D200454-40CA-4A62-9FC3-DE9A4176ACB9}">
-      <p15:notesGuideLst xmlns:p15="http://schemas.microsoft.com/office/powerpoint/2012/main">
-        <p15:guide id="1" orient="horz" pos="3224">
-          <p15:clr>
-            <a:srgbClr val="A4A3A4"/>
-          </p15:clr>
-        </p15:guide>
-        <p15:guide id="2" pos="2236">
-          <p15:clr>
-            <a:srgbClr val="A4A3A4"/>
-          </p15:clr>
-        </p15:guide>
-      </p15:notesGuideLst>
-    </p:ext>
-  </p:extLst>
 </p:presentation>
 </file>
 
@@ -221,13 +194,7 @@
       </p:grpSpPr>
       <p:sp>
         <p:nvSpPr>
-          <p:cNvPr id="6146" name="Rectangle 2">
-            <a:extLst>
-              <a:ext uri="{FF2B5EF4-FFF2-40B4-BE49-F238E27FC236}">
-                <a16:creationId xmlns:a16="http://schemas.microsoft.com/office/drawing/2014/main" id="{46255887-7C20-5F40-88F5-DC07E009366A}"/>
-              </a:ext>
-            </a:extLst>
-          </p:cNvPr>
+          <p:cNvPr id="6146" name="Rectangle 2"/>
           <p:cNvSpPr>
             <a:spLocks noGrp="1" noChangeArrowheads="1"/>
           </p:cNvSpPr>
@@ -247,21 +214,15 @@
           <a:ln w="9525">
             <a:noFill/>
             <a:miter lim="800000"/>
-            <a:headEnd/>
-            <a:tailEnd/>
           </a:ln>
           <a:effectLst/>
         </p:spPr>
         <p:txBody>
-          <a:bodyPr vert="horz" wrap="square" lIns="99048" tIns="49524" rIns="99048" bIns="49524" numCol="1" anchor="t" anchorCtr="0" compatLnSpc="1">
-            <a:prstTxWarp prst="textNoShape">
-              <a:avLst/>
-            </a:prstTxWarp>
-          </a:bodyPr>
+          <a:bodyPr vert="horz" wrap="square" lIns="99048" tIns="49524" rIns="99048" bIns="49524" numCol="1" anchor="t" anchorCtr="0" compatLnSpc="1"/>
           <a:lstStyle>
             <a:lvl1pPr defTabSz="990600" eaLnBrk="1" hangingPunct="1">
               <a:defRPr sz="1300">
-                <a:latin typeface="Arial" charset="0"/>
+                <a:latin typeface="Arial" panose="020B0604020202020204" pitchFamily="34" charset="0"/>
               </a:defRPr>
             </a:lvl1pPr>
           </a:lstStyle>
@@ -275,13 +236,7 @@
       </p:sp>
       <p:sp>
         <p:nvSpPr>
-          <p:cNvPr id="6147" name="Rectangle 3">
-            <a:extLst>
-              <a:ext uri="{FF2B5EF4-FFF2-40B4-BE49-F238E27FC236}">
-                <a16:creationId xmlns:a16="http://schemas.microsoft.com/office/drawing/2014/main" id="{B442A776-FF54-8D4A-8F1A-B5440D7A3E8E}"/>
-              </a:ext>
-            </a:extLst>
-          </p:cNvPr>
+          <p:cNvPr id="6147" name="Rectangle 3"/>
           <p:cNvSpPr>
             <a:spLocks noGrp="1" noChangeArrowheads="1"/>
           </p:cNvSpPr>
@@ -301,21 +256,15 @@
           <a:ln w="9525">
             <a:noFill/>
             <a:miter lim="800000"/>
-            <a:headEnd/>
-            <a:tailEnd/>
           </a:ln>
           <a:effectLst/>
         </p:spPr>
         <p:txBody>
-          <a:bodyPr vert="horz" wrap="square" lIns="99048" tIns="49524" rIns="99048" bIns="49524" numCol="1" anchor="t" anchorCtr="0" compatLnSpc="1">
-            <a:prstTxWarp prst="textNoShape">
-              <a:avLst/>
-            </a:prstTxWarp>
-          </a:bodyPr>
+          <a:bodyPr vert="horz" wrap="square" lIns="99048" tIns="49524" rIns="99048" bIns="49524" numCol="1" anchor="t" anchorCtr="0" compatLnSpc="1"/>
           <a:lstStyle>
             <a:lvl1pPr algn="r" defTabSz="990600" eaLnBrk="1" hangingPunct="1">
               <a:defRPr sz="1300">
-                <a:latin typeface="Arial" charset="0"/>
+                <a:latin typeface="Arial" panose="020B0604020202020204" pitchFamily="34" charset="0"/>
               </a:defRPr>
             </a:lvl1pPr>
           </a:lstStyle>
@@ -329,13 +278,7 @@
       </p:sp>
       <p:sp>
         <p:nvSpPr>
-          <p:cNvPr id="6148" name="Rectangle 4">
-            <a:extLst>
-              <a:ext uri="{FF2B5EF4-FFF2-40B4-BE49-F238E27FC236}">
-                <a16:creationId xmlns:a16="http://schemas.microsoft.com/office/drawing/2014/main" id="{DC290E11-1746-2A4C-A43A-EB9011E0C54E}"/>
-              </a:ext>
-            </a:extLst>
-          </p:cNvPr>
+          <p:cNvPr id="6148" name="Rectangle 4"/>
           <p:cNvSpPr>
             <a:spLocks noGrp="1" noChangeArrowheads="1"/>
           </p:cNvSpPr>
@@ -355,21 +298,15 @@
           <a:ln w="9525">
             <a:noFill/>
             <a:miter lim="800000"/>
-            <a:headEnd/>
-            <a:tailEnd/>
           </a:ln>
           <a:effectLst/>
         </p:spPr>
         <p:txBody>
-          <a:bodyPr vert="horz" wrap="square" lIns="99048" tIns="49524" rIns="99048" bIns="49524" numCol="1" anchor="b" anchorCtr="0" compatLnSpc="1">
-            <a:prstTxWarp prst="textNoShape">
-              <a:avLst/>
-            </a:prstTxWarp>
-          </a:bodyPr>
+          <a:bodyPr vert="horz" wrap="square" lIns="99048" tIns="49524" rIns="99048" bIns="49524" numCol="1" anchor="b" anchorCtr="0" compatLnSpc="1"/>
           <a:lstStyle>
             <a:lvl1pPr defTabSz="990600" eaLnBrk="1" hangingPunct="1">
               <a:defRPr sz="1300">
-                <a:latin typeface="Arial" charset="0"/>
+                <a:latin typeface="Arial" panose="020B0604020202020204" pitchFamily="34" charset="0"/>
               </a:defRPr>
             </a:lvl1pPr>
           </a:lstStyle>
@@ -383,13 +320,7 @@
       </p:sp>
       <p:sp>
         <p:nvSpPr>
-          <p:cNvPr id="6149" name="Rectangle 5">
-            <a:extLst>
-              <a:ext uri="{FF2B5EF4-FFF2-40B4-BE49-F238E27FC236}">
-                <a16:creationId xmlns:a16="http://schemas.microsoft.com/office/drawing/2014/main" id="{02245770-81F5-604C-B1AE-5A9406AD2B2A}"/>
-              </a:ext>
-            </a:extLst>
-          </p:cNvPr>
+          <p:cNvPr id="6149" name="Rectangle 5"/>
           <p:cNvSpPr>
             <a:spLocks noGrp="1" noChangeArrowheads="1"/>
           </p:cNvSpPr>
@@ -409,17 +340,11 @@
           <a:ln w="9525">
             <a:noFill/>
             <a:miter lim="800000"/>
-            <a:headEnd/>
-            <a:tailEnd/>
           </a:ln>
           <a:effectLst/>
         </p:spPr>
         <p:txBody>
-          <a:bodyPr vert="horz" wrap="square" lIns="99048" tIns="49524" rIns="99048" bIns="49524" numCol="1" anchor="b" anchorCtr="0" compatLnSpc="1">
-            <a:prstTxWarp prst="textNoShape">
-              <a:avLst/>
-            </a:prstTxWarp>
-          </a:bodyPr>
+          <a:bodyPr vert="horz" wrap="square" lIns="99048" tIns="49524" rIns="99048" bIns="49524" numCol="1" anchor="b" anchorCtr="0" compatLnSpc="1"/>
           <a:lstStyle>
             <a:lvl1pPr algn="r" defTabSz="990600" eaLnBrk="1" hangingPunct="1">
               <a:defRPr sz="1300">
@@ -433,10 +358,6 @@
             </a:pPr>
             <a:fld id="{59DFDCF0-3A25-1B44-957E-06E14821E89E}" type="slidenum">
               <a:rPr lang="en-US" altLang="zh-CN"/>
-              <a:pPr>
-                <a:defRPr/>
-              </a:pPr>
-              <a:t>‹#›</a:t>
             </a:fld>
             <a:endParaRPr lang="en-US" altLang="zh-CN"/>
           </a:p>
@@ -448,8 +369,399 @@
 </p:handoutMaster>
 </file>
 
+<file path=ppt/notesMasters/notesMaster1.xml><?xml version="1.0" encoding="utf-8"?>
+<p:notesMaster xmlns:a="http://schemas.openxmlformats.org/drawingml/2006/main" xmlns:r="http://schemas.openxmlformats.org/officeDocument/2006/relationships" xmlns:p="http://schemas.openxmlformats.org/presentationml/2006/main">
+  <p:cSld>
+    <p:bg>
+      <p:bgRef idx="1001">
+        <a:schemeClr val="bg1"/>
+      </p:bgRef>
+    </p:bg>
+    <p:spTree>
+      <p:nvGrpSpPr>
+        <p:cNvPr id="1" name=""/>
+        <p:cNvGrpSpPr/>
+        <p:nvPr/>
+      </p:nvGrpSpPr>
+      <p:grpSpPr>
+        <a:xfrm>
+          <a:off x="0" y="0"/>
+          <a:ext cx="0" cy="0"/>
+          <a:chOff x="0" y="0"/>
+          <a:chExt cx="0" cy="0"/>
+        </a:xfrm>
+      </p:grpSpPr>
+      <p:sp>
+        <p:nvSpPr>
+          <p:cNvPr id="2" name="页眉占位符 1"/>
+          <p:cNvSpPr>
+            <a:spLocks noGrp="1"/>
+          </p:cNvSpPr>
+          <p:nvPr>
+            <p:ph type="hdr" sz="quarter"/>
+          </p:nvPr>
+        </p:nvSpPr>
+        <p:spPr>
+          <a:xfrm>
+            <a:off x="0" y="0"/>
+            <a:ext cx="3184606" cy="574719"/>
+          </a:xfrm>
+          <a:prstGeom prst="rect">
+            <a:avLst/>
+          </a:prstGeom>
+        </p:spPr>
+        <p:txBody>
+          <a:bodyPr vert="horz" lIns="91440" tIns="45720" rIns="91440" bIns="45720" rtlCol="0"/>
+          <a:lstStyle>
+            <a:lvl1pPr algn="l">
+              <a:defRPr sz="1200"/>
+            </a:lvl1pPr>
+          </a:lstStyle>
+          <a:p>
+            <a:endParaRPr lang="zh-CN" altLang="en-US"/>
+          </a:p>
+        </p:txBody>
+      </p:sp>
+      <p:sp>
+        <p:nvSpPr>
+          <p:cNvPr id="3" name="日期占位符 2"/>
+          <p:cNvSpPr>
+            <a:spLocks noGrp="1"/>
+          </p:cNvSpPr>
+          <p:nvPr>
+            <p:ph type="dt" idx="1"/>
+          </p:nvPr>
+        </p:nvSpPr>
+        <p:spPr>
+          <a:xfrm>
+            <a:off x="4162784" y="0"/>
+            <a:ext cx="3184606" cy="574719"/>
+          </a:xfrm>
+          <a:prstGeom prst="rect">
+            <a:avLst/>
+          </a:prstGeom>
+        </p:spPr>
+        <p:txBody>
+          <a:bodyPr vert="horz" lIns="91440" tIns="45720" rIns="91440" bIns="45720" rtlCol="0"/>
+          <a:lstStyle>
+            <a:lvl1pPr algn="r">
+              <a:defRPr sz="1200"/>
+            </a:lvl1pPr>
+          </a:lstStyle>
+          <a:p>
+            <a:fld id="{D2A48B96-639E-45A3-A0BA-2464DFDB1FAA}" type="datetimeFigureOut">
+              <a:rPr lang="zh-CN" altLang="en-US" smtClean="0"/>
+            </a:fld>
+            <a:endParaRPr lang="zh-CN" altLang="en-US"/>
+          </a:p>
+        </p:txBody>
+      </p:sp>
+      <p:sp>
+        <p:nvSpPr>
+          <p:cNvPr id="4" name="幻灯片图像占位符 3"/>
+          <p:cNvSpPr>
+            <a:spLocks noGrp="1" noRot="1" noChangeAspect="1"/>
+          </p:cNvSpPr>
+          <p:nvPr>
+            <p:ph type="sldImg" idx="2"/>
+          </p:nvPr>
+        </p:nvSpPr>
+        <p:spPr>
+          <a:xfrm>
+            <a:off x="238167" y="1431824"/>
+            <a:ext cx="6872756" cy="3865925"/>
+          </a:xfrm>
+          <a:prstGeom prst="rect">
+            <a:avLst/>
+          </a:prstGeom>
+          <a:noFill/>
+          <a:ln w="12700">
+            <a:solidFill>
+              <a:prstClr val="black"/>
+            </a:solidFill>
+          </a:ln>
+        </p:spPr>
+        <p:txBody>
+          <a:bodyPr vert="horz" lIns="91440" tIns="45720" rIns="91440" bIns="45720" rtlCol="0" anchor="ctr"/>
+          <a:lstStyle/>
+          <a:p>
+            <a:endParaRPr lang="zh-CN" altLang="en-US"/>
+          </a:p>
+        </p:txBody>
+      </p:sp>
+      <p:sp>
+        <p:nvSpPr>
+          <p:cNvPr id="5" name="备注占位符 4"/>
+          <p:cNvSpPr>
+            <a:spLocks noGrp="1"/>
+          </p:cNvSpPr>
+          <p:nvPr>
+            <p:ph type="body" sz="quarter" idx="3"/>
+          </p:nvPr>
+        </p:nvSpPr>
+        <p:spPr>
+          <a:xfrm>
+            <a:off x="734909" y="5512523"/>
+            <a:ext cx="5879272" cy="4510246"/>
+          </a:xfrm>
+          <a:prstGeom prst="rect">
+            <a:avLst/>
+          </a:prstGeom>
+        </p:spPr>
+        <p:txBody>
+          <a:bodyPr vert="horz" lIns="91440" tIns="45720" rIns="91440" bIns="45720" rtlCol="0"/>
+          <a:lstStyle/>
+          <a:p>
+            <a:pPr lvl="0"/>
+            <a:r>
+              <a:rPr lang="zh-CN" altLang="en-US" smtClean="0"/>
+              <a:t>单击此处编辑母版文本样式</a:t>
+            </a:r>
+            <a:endParaRPr lang="zh-CN" altLang="en-US" smtClean="0"/>
+          </a:p>
+          <a:p>
+            <a:pPr lvl="1"/>
+            <a:r>
+              <a:rPr lang="zh-CN" altLang="en-US" smtClean="0"/>
+              <a:t>第二级</a:t>
+            </a:r>
+            <a:endParaRPr lang="zh-CN" altLang="en-US" smtClean="0"/>
+          </a:p>
+          <a:p>
+            <a:pPr lvl="2"/>
+            <a:r>
+              <a:rPr lang="zh-CN" altLang="en-US" smtClean="0"/>
+              <a:t>第三级</a:t>
+            </a:r>
+            <a:endParaRPr lang="zh-CN" altLang="en-US" smtClean="0"/>
+          </a:p>
+          <a:p>
+            <a:pPr lvl="3"/>
+            <a:r>
+              <a:rPr lang="zh-CN" altLang="en-US" smtClean="0"/>
+              <a:t>第四级</a:t>
+            </a:r>
+            <a:endParaRPr lang="zh-CN" altLang="en-US" smtClean="0"/>
+          </a:p>
+          <a:p>
+            <a:pPr lvl="4"/>
+            <a:r>
+              <a:rPr lang="zh-CN" altLang="en-US" smtClean="0"/>
+              <a:t>第五级</a:t>
+            </a:r>
+            <a:endParaRPr lang="zh-CN" altLang="en-US"/>
+          </a:p>
+        </p:txBody>
+      </p:sp>
+      <p:sp>
+        <p:nvSpPr>
+          <p:cNvPr id="6" name="页脚占位符 5"/>
+          <p:cNvSpPr>
+            <a:spLocks noGrp="1"/>
+          </p:cNvSpPr>
+          <p:nvPr>
+            <p:ph type="ftr" sz="quarter" idx="4"/>
+          </p:nvPr>
+        </p:nvSpPr>
+        <p:spPr>
+          <a:xfrm>
+            <a:off x="0" y="10879875"/>
+            <a:ext cx="3184606" cy="574718"/>
+          </a:xfrm>
+          <a:prstGeom prst="rect">
+            <a:avLst/>
+          </a:prstGeom>
+        </p:spPr>
+        <p:txBody>
+          <a:bodyPr vert="horz" lIns="91440" tIns="45720" rIns="91440" bIns="45720" rtlCol="0" anchor="b"/>
+          <a:lstStyle>
+            <a:lvl1pPr algn="l">
+              <a:defRPr sz="1200"/>
+            </a:lvl1pPr>
+          </a:lstStyle>
+          <a:p>
+            <a:endParaRPr lang="zh-CN" altLang="en-US"/>
+          </a:p>
+        </p:txBody>
+      </p:sp>
+      <p:sp>
+        <p:nvSpPr>
+          <p:cNvPr id="7" name="灯片编号占位符 6"/>
+          <p:cNvSpPr>
+            <a:spLocks noGrp="1"/>
+          </p:cNvSpPr>
+          <p:nvPr>
+            <p:ph type="sldNum" sz="quarter" idx="5"/>
+          </p:nvPr>
+        </p:nvSpPr>
+        <p:spPr>
+          <a:xfrm>
+            <a:off x="4162784" y="10879875"/>
+            <a:ext cx="3184606" cy="574718"/>
+          </a:xfrm>
+          <a:prstGeom prst="rect">
+            <a:avLst/>
+          </a:prstGeom>
+        </p:spPr>
+        <p:txBody>
+          <a:bodyPr vert="horz" lIns="91440" tIns="45720" rIns="91440" bIns="45720" rtlCol="0" anchor="b"/>
+          <a:lstStyle>
+            <a:lvl1pPr algn="r">
+              <a:defRPr sz="1200"/>
+            </a:lvl1pPr>
+          </a:lstStyle>
+          <a:p>
+            <a:fld id="{A6837353-30EB-4A48-80EB-173D804AEFBD}" type="slidenum">
+              <a:rPr lang="zh-CN" altLang="en-US" smtClean="0"/>
+            </a:fld>
+            <a:endParaRPr lang="zh-CN" altLang="en-US"/>
+          </a:p>
+        </p:txBody>
+      </p:sp>
+    </p:spTree>
+  </p:cSld>
+  <p:clrMap bg1="lt1" tx1="dk1" bg2="lt2" tx2="dk2" accent1="accent1" accent2="accent2" accent3="accent3" accent4="accent4" accent5="accent5" accent6="accent6" hlink="hlink" folHlink="folHlink"/>
+  <p:notesStyle>
+    <a:lvl1pPr marL="0" algn="l" defTabSz="914400" rtl="0" eaLnBrk="1" latinLnBrk="0" hangingPunct="1">
+      <a:defRPr sz="1200" kern="1200">
+        <a:solidFill>
+          <a:schemeClr val="tx1"/>
+        </a:solidFill>
+        <a:latin typeface="+mn-lt"/>
+        <a:ea typeface="+mn-ea"/>
+        <a:cs typeface="+mn-cs"/>
+      </a:defRPr>
+    </a:lvl1pPr>
+    <a:lvl2pPr marL="457200" algn="l" defTabSz="914400" rtl="0" eaLnBrk="1" latinLnBrk="0" hangingPunct="1">
+      <a:defRPr sz="1200" kern="1200">
+        <a:solidFill>
+          <a:schemeClr val="tx1"/>
+        </a:solidFill>
+        <a:latin typeface="+mn-lt"/>
+        <a:ea typeface="+mn-ea"/>
+        <a:cs typeface="+mn-cs"/>
+      </a:defRPr>
+    </a:lvl2pPr>
+    <a:lvl3pPr marL="914400" algn="l" defTabSz="914400" rtl="0" eaLnBrk="1" latinLnBrk="0" hangingPunct="1">
+      <a:defRPr sz="1200" kern="1200">
+        <a:solidFill>
+          <a:schemeClr val="tx1"/>
+        </a:solidFill>
+        <a:latin typeface="+mn-lt"/>
+        <a:ea typeface="+mn-ea"/>
+        <a:cs typeface="+mn-cs"/>
+      </a:defRPr>
+    </a:lvl3pPr>
+    <a:lvl4pPr marL="1371600" algn="l" defTabSz="914400" rtl="0" eaLnBrk="1" latinLnBrk="0" hangingPunct="1">
+      <a:defRPr sz="1200" kern="1200">
+        <a:solidFill>
+          <a:schemeClr val="tx1"/>
+        </a:solidFill>
+        <a:latin typeface="+mn-lt"/>
+        <a:ea typeface="+mn-ea"/>
+        <a:cs typeface="+mn-cs"/>
+      </a:defRPr>
+    </a:lvl4pPr>
+    <a:lvl5pPr marL="1828800" algn="l" defTabSz="914400" rtl="0" eaLnBrk="1" latinLnBrk="0" hangingPunct="1">
+      <a:defRPr sz="1200" kern="1200">
+        <a:solidFill>
+          <a:schemeClr val="tx1"/>
+        </a:solidFill>
+        <a:latin typeface="+mn-lt"/>
+        <a:ea typeface="+mn-ea"/>
+        <a:cs typeface="+mn-cs"/>
+      </a:defRPr>
+    </a:lvl5pPr>
+    <a:lvl6pPr marL="2286000" algn="l" defTabSz="914400" rtl="0" eaLnBrk="1" latinLnBrk="0" hangingPunct="1">
+      <a:defRPr sz="1200" kern="1200">
+        <a:solidFill>
+          <a:schemeClr val="tx1"/>
+        </a:solidFill>
+        <a:latin typeface="+mn-lt"/>
+        <a:ea typeface="+mn-ea"/>
+        <a:cs typeface="+mn-cs"/>
+      </a:defRPr>
+    </a:lvl6pPr>
+    <a:lvl7pPr marL="2743200" algn="l" defTabSz="914400" rtl="0" eaLnBrk="1" latinLnBrk="0" hangingPunct="1">
+      <a:defRPr sz="1200" kern="1200">
+        <a:solidFill>
+          <a:schemeClr val="tx1"/>
+        </a:solidFill>
+        <a:latin typeface="+mn-lt"/>
+        <a:ea typeface="+mn-ea"/>
+        <a:cs typeface="+mn-cs"/>
+      </a:defRPr>
+    </a:lvl7pPr>
+    <a:lvl8pPr marL="3200400" algn="l" defTabSz="914400" rtl="0" eaLnBrk="1" latinLnBrk="0" hangingPunct="1">
+      <a:defRPr sz="1200" kern="1200">
+        <a:solidFill>
+          <a:schemeClr val="tx1"/>
+        </a:solidFill>
+        <a:latin typeface="+mn-lt"/>
+        <a:ea typeface="+mn-ea"/>
+        <a:cs typeface="+mn-cs"/>
+      </a:defRPr>
+    </a:lvl8pPr>
+    <a:lvl9pPr marL="3657600" algn="l" defTabSz="914400" rtl="0" eaLnBrk="1" latinLnBrk="0" hangingPunct="1">
+      <a:defRPr sz="1200" kern="1200">
+        <a:solidFill>
+          <a:schemeClr val="tx1"/>
+        </a:solidFill>
+        <a:latin typeface="+mn-lt"/>
+        <a:ea typeface="+mn-ea"/>
+        <a:cs typeface="+mn-cs"/>
+      </a:defRPr>
+    </a:lvl9pPr>
+  </p:notesStyle>
+</p:notesMaster>
+</file>
+
+<file path=ppt/notesSlides/notesSlide1.xml><?xml version="1.0" encoding="utf-8"?>
+<p:notes xmlns:a="http://schemas.openxmlformats.org/drawingml/2006/main" xmlns:r="http://schemas.openxmlformats.org/officeDocument/2006/relationships" xmlns:p="http://schemas.openxmlformats.org/presentationml/2006/main">
+  <p:cSld>
+    <p:spTree>
+      <p:nvGrpSpPr>
+        <p:cNvPr id="1" name=""/>
+        <p:cNvGrpSpPr/>
+        <p:nvPr/>
+      </p:nvGrpSpPr>
+      <p:grpSpPr/>
+      <p:sp>
+        <p:nvSpPr>
+          <p:cNvPr id="2" name="幻灯片图像占位符 1"/>
+          <p:cNvSpPr/>
+          <p:nvPr>
+            <p:ph type="sldImg" idx="2"/>
+          </p:nvPr>
+        </p:nvSpPr>
+        <p:spPr/>
+      </p:sp>
+      <p:sp>
+        <p:nvSpPr>
+          <p:cNvPr id="3" name="文本占位符 2"/>
+          <p:cNvSpPr/>
+          <p:nvPr>
+            <p:ph type="body" idx="3"/>
+          </p:nvPr>
+        </p:nvSpPr>
+        <p:spPr/>
+        <p:txBody>
+          <a:bodyPr/>
+          <a:p>
+            <a:endParaRPr lang="zh-CN" altLang="en-US"/>
+          </a:p>
+        </p:txBody>
+      </p:sp>
+    </p:spTree>
+  </p:cSld>
+  <p:clrMapOvr>
+    <a:masterClrMapping/>
+  </p:clrMapOvr>
+</p:notes>
+</file>
+
 <file path=ppt/slideLayouts/slideLayout1.xml><?xml version="1.0" encoding="utf-8"?>
-<p:sldLayout xmlns:a="http://schemas.openxmlformats.org/drawingml/2006/main" xmlns:r="http://schemas.openxmlformats.org/officeDocument/2006/relationships" xmlns:p="http://schemas.openxmlformats.org/presentationml/2006/main" showMasterSp="0" type="title" preserve="1">
+<p:sldLayout xmlns:a="http://schemas.openxmlformats.org/drawingml/2006/main" xmlns:r="http://schemas.openxmlformats.org/officeDocument/2006/relationships" xmlns:p="http://schemas.openxmlformats.org/presentationml/2006/main" type="title" preserve="1" showMasterSp="0">
   <p:cSld name="标题幻灯片">
     <p:spTree>
       <p:nvGrpSpPr>
@@ -467,16 +779,8 @@
       </p:grpSpPr>
       <p:grpSp>
         <p:nvGrpSpPr>
-          <p:cNvPr id="4" name="Group 2">
-            <a:extLst>
-              <a:ext uri="{FF2B5EF4-FFF2-40B4-BE49-F238E27FC236}">
-                <a16:creationId xmlns:a16="http://schemas.microsoft.com/office/drawing/2014/main" id="{B63668DE-41B2-B840-8464-61D50D8F9AEF}"/>
-              </a:ext>
-            </a:extLst>
-          </p:cNvPr>
-          <p:cNvGrpSpPr>
-            <a:grpSpLocks/>
-          </p:cNvGrpSpPr>
+          <p:cNvPr id="4" name="Group 2"/>
+          <p:cNvGrpSpPr/>
           <p:nvPr/>
         </p:nvGrpSpPr>
         <p:grpSpPr bwMode="auto">
@@ -489,16 +793,8 @@
         </p:grpSpPr>
         <p:grpSp>
           <p:nvGrpSpPr>
-            <p:cNvPr id="5" name="Group 3">
-              <a:extLst>
-                <a:ext uri="{FF2B5EF4-FFF2-40B4-BE49-F238E27FC236}">
-                  <a16:creationId xmlns:a16="http://schemas.microsoft.com/office/drawing/2014/main" id="{4DD8CABA-2308-F347-8A69-17F991D1D11C}"/>
-                </a:ext>
-              </a:extLst>
-            </p:cNvPr>
-            <p:cNvGrpSpPr>
-              <a:grpSpLocks/>
-            </p:cNvGrpSpPr>
+            <p:cNvPr id="5" name="Group 3"/>
+            <p:cNvGrpSpPr/>
             <p:nvPr/>
           </p:nvGrpSpPr>
           <p:grpSpPr bwMode="auto">
@@ -511,13 +807,7 @@
           </p:grpSpPr>
           <p:sp>
             <p:nvSpPr>
-              <p:cNvPr id="12" name="Rectangle 4">
-                <a:extLst>
-                  <a:ext uri="{FF2B5EF4-FFF2-40B4-BE49-F238E27FC236}">
-                    <a16:creationId xmlns:a16="http://schemas.microsoft.com/office/drawing/2014/main" id="{BC90C53F-106A-594B-816F-FBBE09ED0CEC}"/>
-                  </a:ext>
-                </a:extLst>
-              </p:cNvPr>
+              <p:cNvPr id="12" name="Rectangle 4"/>
               <p:cNvSpPr>
                 <a:spLocks noChangeArrowheads="1"/>
               </p:cNvSpPr>
@@ -669,13 +959,7 @@
           </p:sp>
           <p:sp>
             <p:nvSpPr>
-              <p:cNvPr id="13" name="Rectangle 5">
-                <a:extLst>
-                  <a:ext uri="{FF2B5EF4-FFF2-40B4-BE49-F238E27FC236}">
-                    <a16:creationId xmlns:a16="http://schemas.microsoft.com/office/drawing/2014/main" id="{13A923C9-0DAE-5044-82AD-0E432BFFD015}"/>
-                  </a:ext>
-                </a:extLst>
-              </p:cNvPr>
+              <p:cNvPr id="13" name="Rectangle 5"/>
               <p:cNvSpPr>
                 <a:spLocks noChangeArrowheads="1"/>
               </p:cNvSpPr>
@@ -836,16 +1120,8 @@
         </p:grpSp>
         <p:grpSp>
           <p:nvGrpSpPr>
-            <p:cNvPr id="6" name="Group 6">
-              <a:extLst>
-                <a:ext uri="{FF2B5EF4-FFF2-40B4-BE49-F238E27FC236}">
-                  <a16:creationId xmlns:a16="http://schemas.microsoft.com/office/drawing/2014/main" id="{5FA28DE7-4EBE-E242-BE11-88C84DA4CA5F}"/>
-                </a:ext>
-              </a:extLst>
-            </p:cNvPr>
-            <p:cNvGrpSpPr>
-              <a:grpSpLocks/>
-            </p:cNvGrpSpPr>
+            <p:cNvPr id="6" name="Group 6"/>
+            <p:cNvGrpSpPr/>
             <p:nvPr/>
           </p:nvGrpSpPr>
           <p:grpSpPr bwMode="auto">
@@ -858,13 +1134,7 @@
           </p:grpSpPr>
           <p:sp>
             <p:nvSpPr>
-              <p:cNvPr id="10" name="Rectangle 7">
-                <a:extLst>
-                  <a:ext uri="{FF2B5EF4-FFF2-40B4-BE49-F238E27FC236}">
-                    <a16:creationId xmlns:a16="http://schemas.microsoft.com/office/drawing/2014/main" id="{55B07155-43D3-3342-B259-7727441EBEF3}"/>
-                  </a:ext>
-                </a:extLst>
-              </p:cNvPr>
+              <p:cNvPr id="10" name="Rectangle 7"/>
               <p:cNvSpPr>
                 <a:spLocks noChangeArrowheads="1"/>
               </p:cNvSpPr>
@@ -1016,13 +1286,7 @@
           </p:sp>
           <p:sp>
             <p:nvSpPr>
-              <p:cNvPr id="11" name="Rectangle 8">
-                <a:extLst>
-                  <a:ext uri="{FF2B5EF4-FFF2-40B4-BE49-F238E27FC236}">
-                    <a16:creationId xmlns:a16="http://schemas.microsoft.com/office/drawing/2014/main" id="{5043667A-50D5-BD4A-899F-BACBE537B6E1}"/>
-                  </a:ext>
-                </a:extLst>
-              </p:cNvPr>
+              <p:cNvPr id="11" name="Rectangle 8"/>
               <p:cNvSpPr>
                 <a:spLocks noChangeArrowheads="1"/>
               </p:cNvSpPr>
@@ -1183,13 +1447,7 @@
         </p:grpSp>
         <p:sp>
           <p:nvSpPr>
-            <p:cNvPr id="7" name="Rectangle 9">
-              <a:extLst>
-                <a:ext uri="{FF2B5EF4-FFF2-40B4-BE49-F238E27FC236}">
-                  <a16:creationId xmlns:a16="http://schemas.microsoft.com/office/drawing/2014/main" id="{026AC772-E99A-4F46-A0AF-BDC88C893B27}"/>
-                </a:ext>
-              </a:extLst>
-            </p:cNvPr>
+            <p:cNvPr id="7" name="Rectangle 9"/>
             <p:cNvSpPr>
               <a:spLocks noChangeArrowheads="1"/>
             </p:cNvSpPr>
@@ -1349,13 +1607,7 @@
         </p:sp>
         <p:sp>
           <p:nvSpPr>
-            <p:cNvPr id="8" name="Rectangle 10">
-              <a:extLst>
-                <a:ext uri="{FF2B5EF4-FFF2-40B4-BE49-F238E27FC236}">
-                  <a16:creationId xmlns:a16="http://schemas.microsoft.com/office/drawing/2014/main" id="{95ED622E-E2EB-AE47-84DA-22CE8CA457C5}"/>
-                </a:ext>
-              </a:extLst>
-            </p:cNvPr>
+            <p:cNvPr id="8" name="Rectangle 10"/>
             <p:cNvSpPr>
               <a:spLocks noChangeArrowheads="1"/>
             </p:cNvSpPr>
@@ -1507,13 +1759,7 @@
         </p:sp>
         <p:sp>
           <p:nvSpPr>
-            <p:cNvPr id="9" name="Rectangle 11">
-              <a:extLst>
-                <a:ext uri="{FF2B5EF4-FFF2-40B4-BE49-F238E27FC236}">
-                  <a16:creationId xmlns:a16="http://schemas.microsoft.com/office/drawing/2014/main" id="{51262C24-48BF-CD4C-937E-331BF8501E8E}"/>
-                </a:ext>
-              </a:extLst>
-            </p:cNvPr>
+            <p:cNvPr id="9" name="Rectangle 11"/>
             <p:cNvSpPr>
               <a:spLocks noChangeArrowheads="1"/>
             </p:cNvSpPr>
@@ -1700,6 +1946,7 @@
               <a:rPr lang="zh-CN" altLang="en-US"/>
               <a:t>单击此处编辑母版标题样式</a:t>
             </a:r>
+            <a:endParaRPr lang="zh-CN" altLang="en-US"/>
           </a:p>
         </p:txBody>
       </p:sp>
@@ -1723,7 +1970,7 @@
           <a:bodyPr/>
           <a:lstStyle>
             <a:lvl1pPr marL="0" indent="0" algn="ctr">
-              <a:buFont typeface="Wingdings" pitchFamily="2" charset="2"/>
+              <a:buFont typeface="Wingdings" panose="05000000000000000000" pitchFamily="2" charset="2"/>
               <a:buNone/>
               <a:defRPr/>
             </a:lvl1pPr>
@@ -1733,18 +1980,13 @@
               <a:rPr lang="zh-CN" altLang="en-US"/>
               <a:t>单击此处编辑母版副标题样式</a:t>
             </a:r>
+            <a:endParaRPr lang="zh-CN" altLang="en-US"/>
           </a:p>
         </p:txBody>
       </p:sp>
       <p:sp>
         <p:nvSpPr>
-          <p:cNvPr id="14" name="Rectangle 14">
-            <a:extLst>
-              <a:ext uri="{FF2B5EF4-FFF2-40B4-BE49-F238E27FC236}">
-                <a16:creationId xmlns:a16="http://schemas.microsoft.com/office/drawing/2014/main" id="{43F62A85-0DF1-9F4C-B6E2-275D2310556F}"/>
-              </a:ext>
-            </a:extLst>
-          </p:cNvPr>
+          <p:cNvPr id="14" name="Rectangle 14"/>
           <p:cNvSpPr>
             <a:spLocks noGrp="1" noChangeArrowheads="1"/>
           </p:cNvSpPr>
@@ -1779,13 +2021,7 @@
       </p:sp>
       <p:sp>
         <p:nvSpPr>
-          <p:cNvPr id="15" name="Rectangle 15">
-            <a:extLst>
-              <a:ext uri="{FF2B5EF4-FFF2-40B4-BE49-F238E27FC236}">
-                <a16:creationId xmlns:a16="http://schemas.microsoft.com/office/drawing/2014/main" id="{25E5B91A-4C02-F247-8E23-8E414AB52CE2}"/>
-              </a:ext>
-            </a:extLst>
-          </p:cNvPr>
+          <p:cNvPr id="15" name="Rectangle 15"/>
           <p:cNvSpPr>
             <a:spLocks noGrp="1" noChangeArrowheads="1"/>
           </p:cNvSpPr>
@@ -1820,13 +2056,7 @@
       </p:sp>
       <p:sp>
         <p:nvSpPr>
-          <p:cNvPr id="16" name="Rectangle 16">
-            <a:extLst>
-              <a:ext uri="{FF2B5EF4-FFF2-40B4-BE49-F238E27FC236}">
-                <a16:creationId xmlns:a16="http://schemas.microsoft.com/office/drawing/2014/main" id="{4893DA04-B417-5246-8AE0-91F0B65648C2}"/>
-              </a:ext>
-            </a:extLst>
-          </p:cNvPr>
+          <p:cNvPr id="16" name="Rectangle 16"/>
           <p:cNvSpPr>
             <a:spLocks noGrp="1" noChangeArrowheads="1"/>
           </p:cNvSpPr>
@@ -1857,21 +2087,12 @@
             </a:pPr>
             <a:fld id="{6A8B626B-81AA-F040-92F0-D02736E321A4}" type="slidenum">
               <a:rPr lang="en-US" altLang="zh-CN"/>
-              <a:pPr>
-                <a:defRPr/>
-              </a:pPr>
-              <a:t>‹#›</a:t>
             </a:fld>
             <a:endParaRPr lang="en-US" altLang="zh-CN"/>
           </a:p>
         </p:txBody>
       </p:sp>
     </p:spTree>
-    <p:extLst>
-      <p:ext uri="{BB962C8B-B14F-4D97-AF65-F5344CB8AC3E}">
-        <p14:creationId xmlns:p14="http://schemas.microsoft.com/office/powerpoint/2010/main" val="2740411246"/>
-      </p:ext>
-    </p:extLst>
   </p:cSld>
   <p:clrMapOvr>
     <a:masterClrMapping/>
@@ -1915,6 +2136,7 @@
               <a:rPr lang="zh-CN" altLang="en-US"/>
               <a:t>单击此处编辑母版标题样式</a:t>
             </a:r>
+            <a:endParaRPr lang="zh-CN" altLang="en-US"/>
           </a:p>
         </p:txBody>
       </p:sp>
@@ -1938,6 +2160,7 @@
               <a:rPr lang="zh-CN" altLang="en-US"/>
               <a:t>单击此处编辑母版文本样式</a:t>
             </a:r>
+            <a:endParaRPr lang="zh-CN" altLang="en-US"/>
           </a:p>
           <a:p>
             <a:pPr lvl="1"/>
@@ -1945,6 +2168,7 @@
               <a:rPr lang="zh-CN" altLang="en-US"/>
               <a:t>第二级</a:t>
             </a:r>
+            <a:endParaRPr lang="zh-CN" altLang="en-US"/>
           </a:p>
           <a:p>
             <a:pPr lvl="2"/>
@@ -1952,6 +2176,7 @@
               <a:rPr lang="zh-CN" altLang="en-US"/>
               <a:t>第三级</a:t>
             </a:r>
+            <a:endParaRPr lang="zh-CN" altLang="en-US"/>
           </a:p>
           <a:p>
             <a:pPr lvl="3"/>
@@ -1959,6 +2184,7 @@
               <a:rPr lang="zh-CN" altLang="en-US"/>
               <a:t>第四级</a:t>
             </a:r>
+            <a:endParaRPr lang="zh-CN" altLang="en-US"/>
           </a:p>
           <a:p>
             <a:pPr lvl="4"/>
@@ -1966,18 +2192,13 @@
               <a:rPr lang="zh-CN" altLang="en-US"/>
               <a:t>第五级</a:t>
             </a:r>
+            <a:endParaRPr lang="zh-CN" altLang="en-US"/>
           </a:p>
         </p:txBody>
       </p:sp>
       <p:sp>
         <p:nvSpPr>
-          <p:cNvPr id="4" name="Rectangle 11">
-            <a:extLst>
-              <a:ext uri="{FF2B5EF4-FFF2-40B4-BE49-F238E27FC236}">
-                <a16:creationId xmlns:a16="http://schemas.microsoft.com/office/drawing/2014/main" id="{5D26FD10-20F2-BE4B-A198-B567EEE34FA2}"/>
-              </a:ext>
-            </a:extLst>
-          </p:cNvPr>
+          <p:cNvPr id="4" name="Rectangle 11"/>
           <p:cNvSpPr>
             <a:spLocks noGrp="1" noChangeArrowheads="1"/>
           </p:cNvSpPr>
@@ -1985,9 +2206,7 @@
             <p:ph type="dt" sz="half" idx="10"/>
           </p:nvPr>
         </p:nvSpPr>
-        <p:spPr>
-          <a:ln/>
-        </p:spPr>
+        <p:spPr/>
         <p:txBody>
           <a:bodyPr/>
           <a:lstStyle>
@@ -2005,13 +2224,7 @@
       </p:sp>
       <p:sp>
         <p:nvSpPr>
-          <p:cNvPr id="5" name="Rectangle 12">
-            <a:extLst>
-              <a:ext uri="{FF2B5EF4-FFF2-40B4-BE49-F238E27FC236}">
-                <a16:creationId xmlns:a16="http://schemas.microsoft.com/office/drawing/2014/main" id="{F95028F1-A44A-2647-AF6B-29B329952025}"/>
-              </a:ext>
-            </a:extLst>
-          </p:cNvPr>
+          <p:cNvPr id="5" name="Rectangle 12"/>
           <p:cNvSpPr>
             <a:spLocks noGrp="1" noChangeArrowheads="1"/>
           </p:cNvSpPr>
@@ -2019,9 +2232,7 @@
             <p:ph type="ftr" sz="quarter" idx="11"/>
           </p:nvPr>
         </p:nvSpPr>
-        <p:spPr>
-          <a:ln/>
-        </p:spPr>
+        <p:spPr/>
         <p:txBody>
           <a:bodyPr/>
           <a:lstStyle>
@@ -2039,13 +2250,7 @@
       </p:sp>
       <p:sp>
         <p:nvSpPr>
-          <p:cNvPr id="6" name="Rectangle 13">
-            <a:extLst>
-              <a:ext uri="{FF2B5EF4-FFF2-40B4-BE49-F238E27FC236}">
-                <a16:creationId xmlns:a16="http://schemas.microsoft.com/office/drawing/2014/main" id="{CDE85904-D501-6C46-A2AD-9CA56C67E9E9}"/>
-              </a:ext>
-            </a:extLst>
-          </p:cNvPr>
+          <p:cNvPr id="6" name="Rectangle 13"/>
           <p:cNvSpPr>
             <a:spLocks noGrp="1" noChangeArrowheads="1"/>
           </p:cNvSpPr>
@@ -2053,9 +2258,7 @@
             <p:ph type="sldNum" sz="quarter" idx="12"/>
           </p:nvPr>
         </p:nvSpPr>
-        <p:spPr>
-          <a:ln/>
-        </p:spPr>
+        <p:spPr/>
         <p:txBody>
           <a:bodyPr/>
           <a:lstStyle>
@@ -2069,21 +2272,12 @@
             </a:pPr>
             <a:fld id="{1BB6E24A-3567-904B-B86C-E4AE21B6ED3B}" type="slidenum">
               <a:rPr lang="en-US" altLang="zh-CN"/>
-              <a:pPr>
-                <a:defRPr/>
-              </a:pPr>
-              <a:t>‹#›</a:t>
             </a:fld>
             <a:endParaRPr lang="en-US" altLang="zh-CN"/>
           </a:p>
         </p:txBody>
       </p:sp>
     </p:spTree>
-    <p:extLst>
-      <p:ext uri="{BB962C8B-B14F-4D97-AF65-F5344CB8AC3E}">
-        <p14:creationId xmlns:p14="http://schemas.microsoft.com/office/powerpoint/2010/main" val="2706655803"/>
-      </p:ext>
-    </p:extLst>
   </p:cSld>
   <p:clrMapOvr>
     <a:masterClrMapping/>
@@ -2132,6 +2326,7 @@
               <a:rPr lang="zh-CN" altLang="en-US"/>
               <a:t>单击此处编辑母版标题样式</a:t>
             </a:r>
+            <a:endParaRPr lang="zh-CN" altLang="en-US"/>
           </a:p>
         </p:txBody>
       </p:sp>
@@ -2160,6 +2355,7 @@
               <a:rPr lang="zh-CN" altLang="en-US"/>
               <a:t>单击此处编辑母版文本样式</a:t>
             </a:r>
+            <a:endParaRPr lang="zh-CN" altLang="en-US"/>
           </a:p>
           <a:p>
             <a:pPr lvl="1"/>
@@ -2167,6 +2363,7 @@
               <a:rPr lang="zh-CN" altLang="en-US"/>
               <a:t>第二级</a:t>
             </a:r>
+            <a:endParaRPr lang="zh-CN" altLang="en-US"/>
           </a:p>
           <a:p>
             <a:pPr lvl="2"/>
@@ -2174,6 +2371,7 @@
               <a:rPr lang="zh-CN" altLang="en-US"/>
               <a:t>第三级</a:t>
             </a:r>
+            <a:endParaRPr lang="zh-CN" altLang="en-US"/>
           </a:p>
           <a:p>
             <a:pPr lvl="3"/>
@@ -2181,6 +2379,7 @@
               <a:rPr lang="zh-CN" altLang="en-US"/>
               <a:t>第四级</a:t>
             </a:r>
+            <a:endParaRPr lang="zh-CN" altLang="en-US"/>
           </a:p>
           <a:p>
             <a:pPr lvl="4"/>
@@ -2188,18 +2387,13 @@
               <a:rPr lang="zh-CN" altLang="en-US"/>
               <a:t>第五级</a:t>
             </a:r>
+            <a:endParaRPr lang="zh-CN" altLang="en-US"/>
           </a:p>
         </p:txBody>
       </p:sp>
       <p:sp>
         <p:nvSpPr>
-          <p:cNvPr id="4" name="Rectangle 11">
-            <a:extLst>
-              <a:ext uri="{FF2B5EF4-FFF2-40B4-BE49-F238E27FC236}">
-                <a16:creationId xmlns:a16="http://schemas.microsoft.com/office/drawing/2014/main" id="{8C5833C8-4BDB-0F44-8B0D-35498B25425C}"/>
-              </a:ext>
-            </a:extLst>
-          </p:cNvPr>
+          <p:cNvPr id="4" name="Rectangle 11"/>
           <p:cNvSpPr>
             <a:spLocks noGrp="1" noChangeArrowheads="1"/>
           </p:cNvSpPr>
@@ -2207,9 +2401,7 @@
             <p:ph type="dt" sz="half" idx="10"/>
           </p:nvPr>
         </p:nvSpPr>
-        <p:spPr>
-          <a:ln/>
-        </p:spPr>
+        <p:spPr/>
         <p:txBody>
           <a:bodyPr/>
           <a:lstStyle>
@@ -2227,13 +2419,7 @@
       </p:sp>
       <p:sp>
         <p:nvSpPr>
-          <p:cNvPr id="5" name="Rectangle 12">
-            <a:extLst>
-              <a:ext uri="{FF2B5EF4-FFF2-40B4-BE49-F238E27FC236}">
-                <a16:creationId xmlns:a16="http://schemas.microsoft.com/office/drawing/2014/main" id="{089FF3E9-C35F-4E4B-8AF3-3BAD855509B2}"/>
-              </a:ext>
-            </a:extLst>
-          </p:cNvPr>
+          <p:cNvPr id="5" name="Rectangle 12"/>
           <p:cNvSpPr>
             <a:spLocks noGrp="1" noChangeArrowheads="1"/>
           </p:cNvSpPr>
@@ -2241,9 +2427,7 @@
             <p:ph type="ftr" sz="quarter" idx="11"/>
           </p:nvPr>
         </p:nvSpPr>
-        <p:spPr>
-          <a:ln/>
-        </p:spPr>
+        <p:spPr/>
         <p:txBody>
           <a:bodyPr/>
           <a:lstStyle>
@@ -2261,13 +2445,7 @@
       </p:sp>
       <p:sp>
         <p:nvSpPr>
-          <p:cNvPr id="6" name="Rectangle 13">
-            <a:extLst>
-              <a:ext uri="{FF2B5EF4-FFF2-40B4-BE49-F238E27FC236}">
-                <a16:creationId xmlns:a16="http://schemas.microsoft.com/office/drawing/2014/main" id="{2E5996E1-CC22-3945-A3BF-28E3C78E727A}"/>
-              </a:ext>
-            </a:extLst>
-          </p:cNvPr>
+          <p:cNvPr id="6" name="Rectangle 13"/>
           <p:cNvSpPr>
             <a:spLocks noGrp="1" noChangeArrowheads="1"/>
           </p:cNvSpPr>
@@ -2275,9 +2453,7 @@
             <p:ph type="sldNum" sz="quarter" idx="12"/>
           </p:nvPr>
         </p:nvSpPr>
-        <p:spPr>
-          <a:ln/>
-        </p:spPr>
+        <p:spPr/>
         <p:txBody>
           <a:bodyPr/>
           <a:lstStyle>
@@ -2291,21 +2467,12 @@
             </a:pPr>
             <a:fld id="{37BB2DC2-6B55-5E4C-8395-621F8054D647}" type="slidenum">
               <a:rPr lang="en-US" altLang="zh-CN"/>
-              <a:pPr>
-                <a:defRPr/>
-              </a:pPr>
-              <a:t>‹#›</a:t>
             </a:fld>
             <a:endParaRPr lang="en-US" altLang="zh-CN"/>
           </a:p>
         </p:txBody>
       </p:sp>
     </p:spTree>
-    <p:extLst>
-      <p:ext uri="{BB962C8B-B14F-4D97-AF65-F5344CB8AC3E}">
-        <p14:creationId xmlns:p14="http://schemas.microsoft.com/office/powerpoint/2010/main" val="115945719"/>
-      </p:ext>
-    </p:extLst>
   </p:cSld>
   <p:clrMapOvr>
     <a:masterClrMapping/>
@@ -2349,6 +2516,7 @@
               <a:rPr lang="zh-CN" altLang="en-US"/>
               <a:t>单击此处编辑母版标题样式</a:t>
             </a:r>
+            <a:endParaRPr lang="zh-CN" altLang="en-US"/>
           </a:p>
         </p:txBody>
       </p:sp>
@@ -2372,6 +2540,7 @@
               <a:rPr lang="zh-CN" altLang="en-US"/>
               <a:t>单击此处编辑母版文本样式</a:t>
             </a:r>
+            <a:endParaRPr lang="zh-CN" altLang="en-US"/>
           </a:p>
           <a:p>
             <a:pPr lvl="1"/>
@@ -2379,6 +2548,7 @@
               <a:rPr lang="zh-CN" altLang="en-US"/>
               <a:t>第二级</a:t>
             </a:r>
+            <a:endParaRPr lang="zh-CN" altLang="en-US"/>
           </a:p>
           <a:p>
             <a:pPr lvl="2"/>
@@ -2386,6 +2556,7 @@
               <a:rPr lang="zh-CN" altLang="en-US"/>
               <a:t>第三级</a:t>
             </a:r>
+            <a:endParaRPr lang="zh-CN" altLang="en-US"/>
           </a:p>
           <a:p>
             <a:pPr lvl="3"/>
@@ -2393,6 +2564,7 @@
               <a:rPr lang="zh-CN" altLang="en-US"/>
               <a:t>第四级</a:t>
             </a:r>
+            <a:endParaRPr lang="zh-CN" altLang="en-US"/>
           </a:p>
           <a:p>
             <a:pPr lvl="4"/>
@@ -2400,18 +2572,13 @@
               <a:rPr lang="zh-CN" altLang="en-US"/>
               <a:t>第五级</a:t>
             </a:r>
+            <a:endParaRPr lang="zh-CN" altLang="en-US"/>
           </a:p>
         </p:txBody>
       </p:sp>
       <p:sp>
         <p:nvSpPr>
-          <p:cNvPr id="4" name="Rectangle 11">
-            <a:extLst>
-              <a:ext uri="{FF2B5EF4-FFF2-40B4-BE49-F238E27FC236}">
-                <a16:creationId xmlns:a16="http://schemas.microsoft.com/office/drawing/2014/main" id="{74AC7456-85F6-DD40-81C0-4C8BD0E9F226}"/>
-              </a:ext>
-            </a:extLst>
-          </p:cNvPr>
+          <p:cNvPr id="4" name="Rectangle 11"/>
           <p:cNvSpPr>
             <a:spLocks noGrp="1" noChangeArrowheads="1"/>
           </p:cNvSpPr>
@@ -2419,9 +2586,7 @@
             <p:ph type="dt" sz="half" idx="10"/>
           </p:nvPr>
         </p:nvSpPr>
-        <p:spPr>
-          <a:ln/>
-        </p:spPr>
+        <p:spPr/>
         <p:txBody>
           <a:bodyPr/>
           <a:lstStyle>
@@ -2439,13 +2604,7 @@
       </p:sp>
       <p:sp>
         <p:nvSpPr>
-          <p:cNvPr id="5" name="Rectangle 12">
-            <a:extLst>
-              <a:ext uri="{FF2B5EF4-FFF2-40B4-BE49-F238E27FC236}">
-                <a16:creationId xmlns:a16="http://schemas.microsoft.com/office/drawing/2014/main" id="{7BAB3D1D-BE10-304F-BEFE-012D6E790D58}"/>
-              </a:ext>
-            </a:extLst>
-          </p:cNvPr>
+          <p:cNvPr id="5" name="Rectangle 12"/>
           <p:cNvSpPr>
             <a:spLocks noGrp="1" noChangeArrowheads="1"/>
           </p:cNvSpPr>
@@ -2453,9 +2612,7 @@
             <p:ph type="ftr" sz="quarter" idx="11"/>
           </p:nvPr>
         </p:nvSpPr>
-        <p:spPr>
-          <a:ln/>
-        </p:spPr>
+        <p:spPr/>
         <p:txBody>
           <a:bodyPr/>
           <a:lstStyle>
@@ -2473,13 +2630,7 @@
       </p:sp>
       <p:sp>
         <p:nvSpPr>
-          <p:cNvPr id="6" name="Rectangle 13">
-            <a:extLst>
-              <a:ext uri="{FF2B5EF4-FFF2-40B4-BE49-F238E27FC236}">
-                <a16:creationId xmlns:a16="http://schemas.microsoft.com/office/drawing/2014/main" id="{50A960C3-CA72-8540-A7D0-1A6E75F0E4FC}"/>
-              </a:ext>
-            </a:extLst>
-          </p:cNvPr>
+          <p:cNvPr id="6" name="Rectangle 13"/>
           <p:cNvSpPr>
             <a:spLocks noGrp="1" noChangeArrowheads="1"/>
           </p:cNvSpPr>
@@ -2487,9 +2638,7 @@
             <p:ph type="sldNum" sz="quarter" idx="12"/>
           </p:nvPr>
         </p:nvSpPr>
-        <p:spPr>
-          <a:ln/>
-        </p:spPr>
+        <p:spPr/>
         <p:txBody>
           <a:bodyPr/>
           <a:lstStyle>
@@ -2503,21 +2652,12 @@
             </a:pPr>
             <a:fld id="{1BF748D9-7FA6-E441-821E-F3F88EC4F9C5}" type="slidenum">
               <a:rPr lang="en-US" altLang="zh-CN"/>
-              <a:pPr>
-                <a:defRPr/>
-              </a:pPr>
-              <a:t>‹#›</a:t>
             </a:fld>
             <a:endParaRPr lang="en-US" altLang="zh-CN"/>
           </a:p>
         </p:txBody>
       </p:sp>
     </p:spTree>
-    <p:extLst>
-      <p:ext uri="{BB962C8B-B14F-4D97-AF65-F5344CB8AC3E}">
-        <p14:creationId xmlns:p14="http://schemas.microsoft.com/office/powerpoint/2010/main" val="3009831964"/>
-      </p:ext>
-    </p:extLst>
   </p:cSld>
   <p:clrMapOvr>
     <a:masterClrMapping/>
@@ -2570,6 +2710,7 @@
               <a:rPr lang="zh-CN" altLang="en-US"/>
               <a:t>单击此处编辑母版标题样式</a:t>
             </a:r>
+            <a:endParaRPr lang="zh-CN" altLang="en-US"/>
           </a:p>
         </p:txBody>
       </p:sp>
@@ -2635,18 +2776,13 @@
               <a:rPr lang="zh-CN" altLang="en-US"/>
               <a:t>单击此处编辑母版文本样式</a:t>
             </a:r>
+            <a:endParaRPr lang="zh-CN" altLang="en-US"/>
           </a:p>
         </p:txBody>
       </p:sp>
       <p:sp>
         <p:nvSpPr>
-          <p:cNvPr id="4" name="Rectangle 11">
-            <a:extLst>
-              <a:ext uri="{FF2B5EF4-FFF2-40B4-BE49-F238E27FC236}">
-                <a16:creationId xmlns:a16="http://schemas.microsoft.com/office/drawing/2014/main" id="{B4C5B8B4-B421-6040-879F-D3D697BB72D8}"/>
-              </a:ext>
-            </a:extLst>
-          </p:cNvPr>
+          <p:cNvPr id="4" name="Rectangle 11"/>
           <p:cNvSpPr>
             <a:spLocks noGrp="1" noChangeArrowheads="1"/>
           </p:cNvSpPr>
@@ -2654,9 +2790,7 @@
             <p:ph type="dt" sz="half" idx="10"/>
           </p:nvPr>
         </p:nvSpPr>
-        <p:spPr>
-          <a:ln/>
-        </p:spPr>
+        <p:spPr/>
         <p:txBody>
           <a:bodyPr/>
           <a:lstStyle>
@@ -2674,13 +2808,7 @@
       </p:sp>
       <p:sp>
         <p:nvSpPr>
-          <p:cNvPr id="5" name="Rectangle 12">
-            <a:extLst>
-              <a:ext uri="{FF2B5EF4-FFF2-40B4-BE49-F238E27FC236}">
-                <a16:creationId xmlns:a16="http://schemas.microsoft.com/office/drawing/2014/main" id="{F7543519-18B0-7740-8051-46BAC5573B35}"/>
-              </a:ext>
-            </a:extLst>
-          </p:cNvPr>
+          <p:cNvPr id="5" name="Rectangle 12"/>
           <p:cNvSpPr>
             <a:spLocks noGrp="1" noChangeArrowheads="1"/>
           </p:cNvSpPr>
@@ -2688,9 +2816,7 @@
             <p:ph type="ftr" sz="quarter" idx="11"/>
           </p:nvPr>
         </p:nvSpPr>
-        <p:spPr>
-          <a:ln/>
-        </p:spPr>
+        <p:spPr/>
         <p:txBody>
           <a:bodyPr/>
           <a:lstStyle>
@@ -2708,13 +2834,7 @@
       </p:sp>
       <p:sp>
         <p:nvSpPr>
-          <p:cNvPr id="6" name="Rectangle 13">
-            <a:extLst>
-              <a:ext uri="{FF2B5EF4-FFF2-40B4-BE49-F238E27FC236}">
-                <a16:creationId xmlns:a16="http://schemas.microsoft.com/office/drawing/2014/main" id="{DD3F58C5-102C-E640-8D6D-6542CFC35A56}"/>
-              </a:ext>
-            </a:extLst>
-          </p:cNvPr>
+          <p:cNvPr id="6" name="Rectangle 13"/>
           <p:cNvSpPr>
             <a:spLocks noGrp="1" noChangeArrowheads="1"/>
           </p:cNvSpPr>
@@ -2722,9 +2842,7 @@
             <p:ph type="sldNum" sz="quarter" idx="12"/>
           </p:nvPr>
         </p:nvSpPr>
-        <p:spPr>
-          <a:ln/>
-        </p:spPr>
+        <p:spPr/>
         <p:txBody>
           <a:bodyPr/>
           <a:lstStyle>
@@ -2738,21 +2856,12 @@
             </a:pPr>
             <a:fld id="{3B2B18E6-536B-3E49-87F7-F67360CCFABB}" type="slidenum">
               <a:rPr lang="en-US" altLang="zh-CN"/>
-              <a:pPr>
-                <a:defRPr/>
-              </a:pPr>
-              <a:t>‹#›</a:t>
             </a:fld>
             <a:endParaRPr lang="en-US" altLang="zh-CN"/>
           </a:p>
         </p:txBody>
       </p:sp>
     </p:spTree>
-    <p:extLst>
-      <p:ext uri="{BB962C8B-B14F-4D97-AF65-F5344CB8AC3E}">
-        <p14:creationId xmlns:p14="http://schemas.microsoft.com/office/powerpoint/2010/main" val="2619860102"/>
-      </p:ext>
-    </p:extLst>
   </p:cSld>
   <p:clrMapOvr>
     <a:masterClrMapping/>
@@ -2796,6 +2905,7 @@
               <a:rPr lang="zh-CN" altLang="en-US"/>
               <a:t>单击此处编辑母版标题样式</a:t>
             </a:r>
+            <a:endParaRPr lang="zh-CN" altLang="en-US"/>
           </a:p>
         </p:txBody>
       </p:sp>
@@ -2852,6 +2962,7 @@
               <a:rPr lang="zh-CN" altLang="en-US"/>
               <a:t>单击此处编辑母版文本样式</a:t>
             </a:r>
+            <a:endParaRPr lang="zh-CN" altLang="en-US"/>
           </a:p>
           <a:p>
             <a:pPr lvl="1"/>
@@ -2859,6 +2970,7 @@
               <a:rPr lang="zh-CN" altLang="en-US"/>
               <a:t>第二级</a:t>
             </a:r>
+            <a:endParaRPr lang="zh-CN" altLang="en-US"/>
           </a:p>
           <a:p>
             <a:pPr lvl="2"/>
@@ -2866,6 +2978,7 @@
               <a:rPr lang="zh-CN" altLang="en-US"/>
               <a:t>第三级</a:t>
             </a:r>
+            <a:endParaRPr lang="zh-CN" altLang="en-US"/>
           </a:p>
           <a:p>
             <a:pPr lvl="3"/>
@@ -2873,6 +2986,7 @@
               <a:rPr lang="zh-CN" altLang="en-US"/>
               <a:t>第四级</a:t>
             </a:r>
+            <a:endParaRPr lang="zh-CN" altLang="en-US"/>
           </a:p>
           <a:p>
             <a:pPr lvl="4"/>
@@ -2880,6 +2994,7 @@
               <a:rPr lang="zh-CN" altLang="en-US"/>
               <a:t>第五级</a:t>
             </a:r>
+            <a:endParaRPr lang="zh-CN" altLang="en-US"/>
           </a:p>
         </p:txBody>
       </p:sp>
@@ -2936,6 +3051,7 @@
               <a:rPr lang="zh-CN" altLang="en-US"/>
               <a:t>单击此处编辑母版文本样式</a:t>
             </a:r>
+            <a:endParaRPr lang="zh-CN" altLang="en-US"/>
           </a:p>
           <a:p>
             <a:pPr lvl="1"/>
@@ -2943,6 +3059,7 @@
               <a:rPr lang="zh-CN" altLang="en-US"/>
               <a:t>第二级</a:t>
             </a:r>
+            <a:endParaRPr lang="zh-CN" altLang="en-US"/>
           </a:p>
           <a:p>
             <a:pPr lvl="2"/>
@@ -2950,6 +3067,7 @@
               <a:rPr lang="zh-CN" altLang="en-US"/>
               <a:t>第三级</a:t>
             </a:r>
+            <a:endParaRPr lang="zh-CN" altLang="en-US"/>
           </a:p>
           <a:p>
             <a:pPr lvl="3"/>
@@ -2957,6 +3075,7 @@
               <a:rPr lang="zh-CN" altLang="en-US"/>
               <a:t>第四级</a:t>
             </a:r>
+            <a:endParaRPr lang="zh-CN" altLang="en-US"/>
           </a:p>
           <a:p>
             <a:pPr lvl="4"/>
@@ -2964,18 +3083,13 @@
               <a:rPr lang="zh-CN" altLang="en-US"/>
               <a:t>第五级</a:t>
             </a:r>
+            <a:endParaRPr lang="zh-CN" altLang="en-US"/>
           </a:p>
         </p:txBody>
       </p:sp>
       <p:sp>
         <p:nvSpPr>
-          <p:cNvPr id="5" name="Rectangle 11">
-            <a:extLst>
-              <a:ext uri="{FF2B5EF4-FFF2-40B4-BE49-F238E27FC236}">
-                <a16:creationId xmlns:a16="http://schemas.microsoft.com/office/drawing/2014/main" id="{467775B8-8071-4E41-AB03-00486E0A2283}"/>
-              </a:ext>
-            </a:extLst>
-          </p:cNvPr>
+          <p:cNvPr id="5" name="Rectangle 11"/>
           <p:cNvSpPr>
             <a:spLocks noGrp="1" noChangeArrowheads="1"/>
           </p:cNvSpPr>
@@ -2983,9 +3097,7 @@
             <p:ph type="dt" sz="half" idx="10"/>
           </p:nvPr>
         </p:nvSpPr>
-        <p:spPr>
-          <a:ln/>
-        </p:spPr>
+        <p:spPr/>
         <p:txBody>
           <a:bodyPr/>
           <a:lstStyle>
@@ -3003,13 +3115,7 @@
       </p:sp>
       <p:sp>
         <p:nvSpPr>
-          <p:cNvPr id="6" name="Rectangle 12">
-            <a:extLst>
-              <a:ext uri="{FF2B5EF4-FFF2-40B4-BE49-F238E27FC236}">
-                <a16:creationId xmlns:a16="http://schemas.microsoft.com/office/drawing/2014/main" id="{A56D8A38-D3FC-AD48-8316-038FB054F040}"/>
-              </a:ext>
-            </a:extLst>
-          </p:cNvPr>
+          <p:cNvPr id="6" name="Rectangle 12"/>
           <p:cNvSpPr>
             <a:spLocks noGrp="1" noChangeArrowheads="1"/>
           </p:cNvSpPr>
@@ -3017,9 +3123,7 @@
             <p:ph type="ftr" sz="quarter" idx="11"/>
           </p:nvPr>
         </p:nvSpPr>
-        <p:spPr>
-          <a:ln/>
-        </p:spPr>
+        <p:spPr/>
         <p:txBody>
           <a:bodyPr/>
           <a:lstStyle>
@@ -3037,13 +3141,7 @@
       </p:sp>
       <p:sp>
         <p:nvSpPr>
-          <p:cNvPr id="7" name="Rectangle 13">
-            <a:extLst>
-              <a:ext uri="{FF2B5EF4-FFF2-40B4-BE49-F238E27FC236}">
-                <a16:creationId xmlns:a16="http://schemas.microsoft.com/office/drawing/2014/main" id="{FCB84722-1E49-9E4D-836F-D732E94C27F6}"/>
-              </a:ext>
-            </a:extLst>
-          </p:cNvPr>
+          <p:cNvPr id="7" name="Rectangle 13"/>
           <p:cNvSpPr>
             <a:spLocks noGrp="1" noChangeArrowheads="1"/>
           </p:cNvSpPr>
@@ -3051,9 +3149,7 @@
             <p:ph type="sldNum" sz="quarter" idx="12"/>
           </p:nvPr>
         </p:nvSpPr>
-        <p:spPr>
-          <a:ln/>
-        </p:spPr>
+        <p:spPr/>
         <p:txBody>
           <a:bodyPr/>
           <a:lstStyle>
@@ -3067,21 +3163,12 @@
             </a:pPr>
             <a:fld id="{249FD8DE-E3EB-EA4E-8EE7-F04FE4665C2A}" type="slidenum">
               <a:rPr lang="en-US" altLang="zh-CN"/>
-              <a:pPr>
-                <a:defRPr/>
-              </a:pPr>
-              <a:t>‹#›</a:t>
             </a:fld>
             <a:endParaRPr lang="en-US" altLang="zh-CN"/>
           </a:p>
         </p:txBody>
       </p:sp>
     </p:spTree>
-    <p:extLst>
-      <p:ext uri="{BB962C8B-B14F-4D97-AF65-F5344CB8AC3E}">
-        <p14:creationId xmlns:p14="http://schemas.microsoft.com/office/powerpoint/2010/main" val="3289757150"/>
-      </p:ext>
-    </p:extLst>
   </p:cSld>
   <p:clrMapOvr>
     <a:masterClrMapping/>
@@ -3134,6 +3221,7 @@
               <a:rPr lang="zh-CN" altLang="en-US"/>
               <a:t>单击此处编辑母版标题样式</a:t>
             </a:r>
+            <a:endParaRPr lang="zh-CN" altLang="en-US"/>
           </a:p>
         </p:txBody>
       </p:sp>
@@ -3199,6 +3287,7 @@
               <a:rPr lang="zh-CN" altLang="en-US"/>
               <a:t>单击此处编辑母版文本样式</a:t>
             </a:r>
+            <a:endParaRPr lang="zh-CN" altLang="en-US"/>
           </a:p>
         </p:txBody>
       </p:sp>
@@ -3255,6 +3344,7 @@
               <a:rPr lang="zh-CN" altLang="en-US"/>
               <a:t>单击此处编辑母版文本样式</a:t>
             </a:r>
+            <a:endParaRPr lang="zh-CN" altLang="en-US"/>
           </a:p>
           <a:p>
             <a:pPr lvl="1"/>
@@ -3262,6 +3352,7 @@
               <a:rPr lang="zh-CN" altLang="en-US"/>
               <a:t>第二级</a:t>
             </a:r>
+            <a:endParaRPr lang="zh-CN" altLang="en-US"/>
           </a:p>
           <a:p>
             <a:pPr lvl="2"/>
@@ -3269,6 +3360,7 @@
               <a:rPr lang="zh-CN" altLang="en-US"/>
               <a:t>第三级</a:t>
             </a:r>
+            <a:endParaRPr lang="zh-CN" altLang="en-US"/>
           </a:p>
           <a:p>
             <a:pPr lvl="3"/>
@@ -3276,6 +3368,7 @@
               <a:rPr lang="zh-CN" altLang="en-US"/>
               <a:t>第四级</a:t>
             </a:r>
+            <a:endParaRPr lang="zh-CN" altLang="en-US"/>
           </a:p>
           <a:p>
             <a:pPr lvl="4"/>
@@ -3283,6 +3376,7 @@
               <a:rPr lang="zh-CN" altLang="en-US"/>
               <a:t>第五级</a:t>
             </a:r>
+            <a:endParaRPr lang="zh-CN" altLang="en-US"/>
           </a:p>
         </p:txBody>
       </p:sp>
@@ -3348,6 +3442,7 @@
               <a:rPr lang="zh-CN" altLang="en-US"/>
               <a:t>单击此处编辑母版文本样式</a:t>
             </a:r>
+            <a:endParaRPr lang="zh-CN" altLang="en-US"/>
           </a:p>
         </p:txBody>
       </p:sp>
@@ -3404,6 +3499,7 @@
               <a:rPr lang="zh-CN" altLang="en-US"/>
               <a:t>单击此处编辑母版文本样式</a:t>
             </a:r>
+            <a:endParaRPr lang="zh-CN" altLang="en-US"/>
           </a:p>
           <a:p>
             <a:pPr lvl="1"/>
@@ -3411,6 +3507,7 @@
               <a:rPr lang="zh-CN" altLang="en-US"/>
               <a:t>第二级</a:t>
             </a:r>
+            <a:endParaRPr lang="zh-CN" altLang="en-US"/>
           </a:p>
           <a:p>
             <a:pPr lvl="2"/>
@@ -3418,6 +3515,7 @@
               <a:rPr lang="zh-CN" altLang="en-US"/>
               <a:t>第三级</a:t>
             </a:r>
+            <a:endParaRPr lang="zh-CN" altLang="en-US"/>
           </a:p>
           <a:p>
             <a:pPr lvl="3"/>
@@ -3425,6 +3523,7 @@
               <a:rPr lang="zh-CN" altLang="en-US"/>
               <a:t>第四级</a:t>
             </a:r>
+            <a:endParaRPr lang="zh-CN" altLang="en-US"/>
           </a:p>
           <a:p>
             <a:pPr lvl="4"/>
@@ -3432,18 +3531,13 @@
               <a:rPr lang="zh-CN" altLang="en-US"/>
               <a:t>第五级</a:t>
             </a:r>
+            <a:endParaRPr lang="zh-CN" altLang="en-US"/>
           </a:p>
         </p:txBody>
       </p:sp>
       <p:sp>
         <p:nvSpPr>
-          <p:cNvPr id="7" name="Rectangle 11">
-            <a:extLst>
-              <a:ext uri="{FF2B5EF4-FFF2-40B4-BE49-F238E27FC236}">
-                <a16:creationId xmlns:a16="http://schemas.microsoft.com/office/drawing/2014/main" id="{CFB82EF0-DDD0-6B4A-867E-3E6388D616DA}"/>
-              </a:ext>
-            </a:extLst>
-          </p:cNvPr>
+          <p:cNvPr id="7" name="Rectangle 11"/>
           <p:cNvSpPr>
             <a:spLocks noGrp="1" noChangeArrowheads="1"/>
           </p:cNvSpPr>
@@ -3451,9 +3545,7 @@
             <p:ph type="dt" sz="half" idx="10"/>
           </p:nvPr>
         </p:nvSpPr>
-        <p:spPr>
-          <a:ln/>
-        </p:spPr>
+        <p:spPr/>
         <p:txBody>
           <a:bodyPr/>
           <a:lstStyle>
@@ -3471,13 +3563,7 @@
       </p:sp>
       <p:sp>
         <p:nvSpPr>
-          <p:cNvPr id="8" name="Rectangle 12">
-            <a:extLst>
-              <a:ext uri="{FF2B5EF4-FFF2-40B4-BE49-F238E27FC236}">
-                <a16:creationId xmlns:a16="http://schemas.microsoft.com/office/drawing/2014/main" id="{7BFB65D6-F186-3C48-B54B-497EC9B3843C}"/>
-              </a:ext>
-            </a:extLst>
-          </p:cNvPr>
+          <p:cNvPr id="8" name="Rectangle 12"/>
           <p:cNvSpPr>
             <a:spLocks noGrp="1" noChangeArrowheads="1"/>
           </p:cNvSpPr>
@@ -3485,9 +3571,7 @@
             <p:ph type="ftr" sz="quarter" idx="11"/>
           </p:nvPr>
         </p:nvSpPr>
-        <p:spPr>
-          <a:ln/>
-        </p:spPr>
+        <p:spPr/>
         <p:txBody>
           <a:bodyPr/>
           <a:lstStyle>
@@ -3505,13 +3589,7 @@
       </p:sp>
       <p:sp>
         <p:nvSpPr>
-          <p:cNvPr id="9" name="Rectangle 13">
-            <a:extLst>
-              <a:ext uri="{FF2B5EF4-FFF2-40B4-BE49-F238E27FC236}">
-                <a16:creationId xmlns:a16="http://schemas.microsoft.com/office/drawing/2014/main" id="{E2702551-92CD-8D4E-9A9F-51CB64BE93F1}"/>
-              </a:ext>
-            </a:extLst>
-          </p:cNvPr>
+          <p:cNvPr id="9" name="Rectangle 13"/>
           <p:cNvSpPr>
             <a:spLocks noGrp="1" noChangeArrowheads="1"/>
           </p:cNvSpPr>
@@ -3519,9 +3597,7 @@
             <p:ph type="sldNum" sz="quarter" idx="12"/>
           </p:nvPr>
         </p:nvSpPr>
-        <p:spPr>
-          <a:ln/>
-        </p:spPr>
+        <p:spPr/>
         <p:txBody>
           <a:bodyPr/>
           <a:lstStyle>
@@ -3535,21 +3611,12 @@
             </a:pPr>
             <a:fld id="{90FCA741-66C6-D343-8412-89FF6A0F853D}" type="slidenum">
               <a:rPr lang="en-US" altLang="zh-CN"/>
-              <a:pPr>
-                <a:defRPr/>
-              </a:pPr>
-              <a:t>‹#›</a:t>
             </a:fld>
             <a:endParaRPr lang="en-US" altLang="zh-CN"/>
           </a:p>
         </p:txBody>
       </p:sp>
     </p:spTree>
-    <p:extLst>
-      <p:ext uri="{BB962C8B-B14F-4D97-AF65-F5344CB8AC3E}">
-        <p14:creationId xmlns:p14="http://schemas.microsoft.com/office/powerpoint/2010/main" val="1974899849"/>
-      </p:ext>
-    </p:extLst>
   </p:cSld>
   <p:clrMapOvr>
     <a:masterClrMapping/>
@@ -3593,18 +3660,13 @@
               <a:rPr lang="zh-CN" altLang="en-US"/>
               <a:t>单击此处编辑母版标题样式</a:t>
             </a:r>
+            <a:endParaRPr lang="zh-CN" altLang="en-US"/>
           </a:p>
         </p:txBody>
       </p:sp>
       <p:sp>
         <p:nvSpPr>
-          <p:cNvPr id="3" name="Rectangle 11">
-            <a:extLst>
-              <a:ext uri="{FF2B5EF4-FFF2-40B4-BE49-F238E27FC236}">
-                <a16:creationId xmlns:a16="http://schemas.microsoft.com/office/drawing/2014/main" id="{87F0065C-425F-FA4C-B6C4-FD2068F544FE}"/>
-              </a:ext>
-            </a:extLst>
-          </p:cNvPr>
+          <p:cNvPr id="3" name="Rectangle 11"/>
           <p:cNvSpPr>
             <a:spLocks noGrp="1" noChangeArrowheads="1"/>
           </p:cNvSpPr>
@@ -3612,9 +3674,7 @@
             <p:ph type="dt" sz="half" idx="10"/>
           </p:nvPr>
         </p:nvSpPr>
-        <p:spPr>
-          <a:ln/>
-        </p:spPr>
+        <p:spPr/>
         <p:txBody>
           <a:bodyPr/>
           <a:lstStyle>
@@ -3632,13 +3692,7 @@
       </p:sp>
       <p:sp>
         <p:nvSpPr>
-          <p:cNvPr id="4" name="Rectangle 12">
-            <a:extLst>
-              <a:ext uri="{FF2B5EF4-FFF2-40B4-BE49-F238E27FC236}">
-                <a16:creationId xmlns:a16="http://schemas.microsoft.com/office/drawing/2014/main" id="{D7C70384-6A7F-504B-9F2A-1F5CFAAD2DF1}"/>
-              </a:ext>
-            </a:extLst>
-          </p:cNvPr>
+          <p:cNvPr id="4" name="Rectangle 12"/>
           <p:cNvSpPr>
             <a:spLocks noGrp="1" noChangeArrowheads="1"/>
           </p:cNvSpPr>
@@ -3646,9 +3700,7 @@
             <p:ph type="ftr" sz="quarter" idx="11"/>
           </p:nvPr>
         </p:nvSpPr>
-        <p:spPr>
-          <a:ln/>
-        </p:spPr>
+        <p:spPr/>
         <p:txBody>
           <a:bodyPr/>
           <a:lstStyle>
@@ -3666,13 +3718,7 @@
       </p:sp>
       <p:sp>
         <p:nvSpPr>
-          <p:cNvPr id="5" name="Rectangle 13">
-            <a:extLst>
-              <a:ext uri="{FF2B5EF4-FFF2-40B4-BE49-F238E27FC236}">
-                <a16:creationId xmlns:a16="http://schemas.microsoft.com/office/drawing/2014/main" id="{5C95F566-FAE0-7049-8CC7-F3FD4197326B}"/>
-              </a:ext>
-            </a:extLst>
-          </p:cNvPr>
+          <p:cNvPr id="5" name="Rectangle 13"/>
           <p:cNvSpPr>
             <a:spLocks noGrp="1" noChangeArrowheads="1"/>
           </p:cNvSpPr>
@@ -3680,9 +3726,7 @@
             <p:ph type="sldNum" sz="quarter" idx="12"/>
           </p:nvPr>
         </p:nvSpPr>
-        <p:spPr>
-          <a:ln/>
-        </p:spPr>
+        <p:spPr/>
         <p:txBody>
           <a:bodyPr/>
           <a:lstStyle>
@@ -3696,21 +3740,12 @@
             </a:pPr>
             <a:fld id="{32318140-2A5D-0E44-BF65-E264B2E441BD}" type="slidenum">
               <a:rPr lang="en-US" altLang="zh-CN"/>
-              <a:pPr>
-                <a:defRPr/>
-              </a:pPr>
-              <a:t>‹#›</a:t>
             </a:fld>
             <a:endParaRPr lang="en-US" altLang="zh-CN"/>
           </a:p>
         </p:txBody>
       </p:sp>
     </p:spTree>
-    <p:extLst>
-      <p:ext uri="{BB962C8B-B14F-4D97-AF65-F5344CB8AC3E}">
-        <p14:creationId xmlns:p14="http://schemas.microsoft.com/office/powerpoint/2010/main" val="2249610167"/>
-      </p:ext>
-    </p:extLst>
   </p:cSld>
   <p:clrMapOvr>
     <a:masterClrMapping/>
@@ -3737,13 +3772,7 @@
       </p:grpSpPr>
       <p:sp>
         <p:nvSpPr>
-          <p:cNvPr id="2" name="Rectangle 11">
-            <a:extLst>
-              <a:ext uri="{FF2B5EF4-FFF2-40B4-BE49-F238E27FC236}">
-                <a16:creationId xmlns:a16="http://schemas.microsoft.com/office/drawing/2014/main" id="{5F7FBCE8-7588-F049-A140-AC6ECEEBA420}"/>
-              </a:ext>
-            </a:extLst>
-          </p:cNvPr>
+          <p:cNvPr id="2" name="Rectangle 11"/>
           <p:cNvSpPr>
             <a:spLocks noGrp="1" noChangeArrowheads="1"/>
           </p:cNvSpPr>
@@ -3751,9 +3780,7 @@
             <p:ph type="dt" sz="half" idx="10"/>
           </p:nvPr>
         </p:nvSpPr>
-        <p:spPr>
-          <a:ln/>
-        </p:spPr>
+        <p:spPr/>
         <p:txBody>
           <a:bodyPr/>
           <a:lstStyle>
@@ -3771,13 +3798,7 @@
       </p:sp>
       <p:sp>
         <p:nvSpPr>
-          <p:cNvPr id="3" name="Rectangle 12">
-            <a:extLst>
-              <a:ext uri="{FF2B5EF4-FFF2-40B4-BE49-F238E27FC236}">
-                <a16:creationId xmlns:a16="http://schemas.microsoft.com/office/drawing/2014/main" id="{9EDEB25C-C69B-AF49-92C5-20DDF64A0CFF}"/>
-              </a:ext>
-            </a:extLst>
-          </p:cNvPr>
+          <p:cNvPr id="3" name="Rectangle 12"/>
           <p:cNvSpPr>
             <a:spLocks noGrp="1" noChangeArrowheads="1"/>
           </p:cNvSpPr>
@@ -3785,9 +3806,7 @@
             <p:ph type="ftr" sz="quarter" idx="11"/>
           </p:nvPr>
         </p:nvSpPr>
-        <p:spPr>
-          <a:ln/>
-        </p:spPr>
+        <p:spPr/>
         <p:txBody>
           <a:bodyPr/>
           <a:lstStyle>
@@ -3805,13 +3824,7 @@
       </p:sp>
       <p:sp>
         <p:nvSpPr>
-          <p:cNvPr id="4" name="Rectangle 13">
-            <a:extLst>
-              <a:ext uri="{FF2B5EF4-FFF2-40B4-BE49-F238E27FC236}">
-                <a16:creationId xmlns:a16="http://schemas.microsoft.com/office/drawing/2014/main" id="{D7ADDEEE-A7A1-C54E-B356-0D31023DC8F6}"/>
-              </a:ext>
-            </a:extLst>
-          </p:cNvPr>
+          <p:cNvPr id="4" name="Rectangle 13"/>
           <p:cNvSpPr>
             <a:spLocks noGrp="1" noChangeArrowheads="1"/>
           </p:cNvSpPr>
@@ -3819,9 +3832,7 @@
             <p:ph type="sldNum" sz="quarter" idx="12"/>
           </p:nvPr>
         </p:nvSpPr>
-        <p:spPr>
-          <a:ln/>
-        </p:spPr>
+        <p:spPr/>
         <p:txBody>
           <a:bodyPr/>
           <a:lstStyle>
@@ -3835,21 +3846,12 @@
             </a:pPr>
             <a:fld id="{748883DD-3DDB-6A4B-AF53-C06217DC1C45}" type="slidenum">
               <a:rPr lang="en-US" altLang="zh-CN"/>
-              <a:pPr>
-                <a:defRPr/>
-              </a:pPr>
-              <a:t>‹#›</a:t>
             </a:fld>
             <a:endParaRPr lang="en-US" altLang="zh-CN"/>
           </a:p>
         </p:txBody>
       </p:sp>
     </p:spTree>
-    <p:extLst>
-      <p:ext uri="{BB962C8B-B14F-4D97-AF65-F5344CB8AC3E}">
-        <p14:creationId xmlns:p14="http://schemas.microsoft.com/office/powerpoint/2010/main" val="4250811453"/>
-      </p:ext>
-    </p:extLst>
   </p:cSld>
   <p:clrMapOvr>
     <a:masterClrMapping/>
@@ -3902,6 +3904,7 @@
               <a:rPr lang="zh-CN" altLang="en-US"/>
               <a:t>单击此处编辑母版标题样式</a:t>
             </a:r>
+            <a:endParaRPr lang="zh-CN" altLang="en-US"/>
           </a:p>
         </p:txBody>
       </p:sp>
@@ -3958,6 +3961,7 @@
               <a:rPr lang="zh-CN" altLang="en-US"/>
               <a:t>单击此处编辑母版文本样式</a:t>
             </a:r>
+            <a:endParaRPr lang="zh-CN" altLang="en-US"/>
           </a:p>
           <a:p>
             <a:pPr lvl="1"/>
@@ -3965,6 +3969,7 @@
               <a:rPr lang="zh-CN" altLang="en-US"/>
               <a:t>第二级</a:t>
             </a:r>
+            <a:endParaRPr lang="zh-CN" altLang="en-US"/>
           </a:p>
           <a:p>
             <a:pPr lvl="2"/>
@@ -3972,6 +3977,7 @@
               <a:rPr lang="zh-CN" altLang="en-US"/>
               <a:t>第三级</a:t>
             </a:r>
+            <a:endParaRPr lang="zh-CN" altLang="en-US"/>
           </a:p>
           <a:p>
             <a:pPr lvl="3"/>
@@ -3979,6 +3985,7 @@
               <a:rPr lang="zh-CN" altLang="en-US"/>
               <a:t>第四级</a:t>
             </a:r>
+            <a:endParaRPr lang="zh-CN" altLang="en-US"/>
           </a:p>
           <a:p>
             <a:pPr lvl="4"/>
@@ -3986,6 +3993,7 @@
               <a:rPr lang="zh-CN" altLang="en-US"/>
               <a:t>第五级</a:t>
             </a:r>
+            <a:endParaRPr lang="zh-CN" altLang="en-US"/>
           </a:p>
         </p:txBody>
       </p:sp>
@@ -4051,18 +4059,13 @@
               <a:rPr lang="zh-CN" altLang="en-US"/>
               <a:t>单击此处编辑母版文本样式</a:t>
             </a:r>
+            <a:endParaRPr lang="zh-CN" altLang="en-US"/>
           </a:p>
         </p:txBody>
       </p:sp>
       <p:sp>
         <p:nvSpPr>
-          <p:cNvPr id="5" name="Rectangle 11">
-            <a:extLst>
-              <a:ext uri="{FF2B5EF4-FFF2-40B4-BE49-F238E27FC236}">
-                <a16:creationId xmlns:a16="http://schemas.microsoft.com/office/drawing/2014/main" id="{D951196D-4FBC-5244-AE77-A0DCBCE7B108}"/>
-              </a:ext>
-            </a:extLst>
-          </p:cNvPr>
+          <p:cNvPr id="5" name="Rectangle 11"/>
           <p:cNvSpPr>
             <a:spLocks noGrp="1" noChangeArrowheads="1"/>
           </p:cNvSpPr>
@@ -4070,9 +4073,7 @@
             <p:ph type="dt" sz="half" idx="10"/>
           </p:nvPr>
         </p:nvSpPr>
-        <p:spPr>
-          <a:ln/>
-        </p:spPr>
+        <p:spPr/>
         <p:txBody>
           <a:bodyPr/>
           <a:lstStyle>
@@ -4090,13 +4091,7 @@
       </p:sp>
       <p:sp>
         <p:nvSpPr>
-          <p:cNvPr id="6" name="Rectangle 12">
-            <a:extLst>
-              <a:ext uri="{FF2B5EF4-FFF2-40B4-BE49-F238E27FC236}">
-                <a16:creationId xmlns:a16="http://schemas.microsoft.com/office/drawing/2014/main" id="{06B8D535-A7F6-6245-AF7C-3991555EBB39}"/>
-              </a:ext>
-            </a:extLst>
-          </p:cNvPr>
+          <p:cNvPr id="6" name="Rectangle 12"/>
           <p:cNvSpPr>
             <a:spLocks noGrp="1" noChangeArrowheads="1"/>
           </p:cNvSpPr>
@@ -4104,9 +4099,7 @@
             <p:ph type="ftr" sz="quarter" idx="11"/>
           </p:nvPr>
         </p:nvSpPr>
-        <p:spPr>
-          <a:ln/>
-        </p:spPr>
+        <p:spPr/>
         <p:txBody>
           <a:bodyPr/>
           <a:lstStyle>
@@ -4124,13 +4117,7 @@
       </p:sp>
       <p:sp>
         <p:nvSpPr>
-          <p:cNvPr id="7" name="Rectangle 13">
-            <a:extLst>
-              <a:ext uri="{FF2B5EF4-FFF2-40B4-BE49-F238E27FC236}">
-                <a16:creationId xmlns:a16="http://schemas.microsoft.com/office/drawing/2014/main" id="{900E33DC-CFB4-6940-9A06-5E5739184249}"/>
-              </a:ext>
-            </a:extLst>
-          </p:cNvPr>
+          <p:cNvPr id="7" name="Rectangle 13"/>
           <p:cNvSpPr>
             <a:spLocks noGrp="1" noChangeArrowheads="1"/>
           </p:cNvSpPr>
@@ -4138,9 +4125,7 @@
             <p:ph type="sldNum" sz="quarter" idx="12"/>
           </p:nvPr>
         </p:nvSpPr>
-        <p:spPr>
-          <a:ln/>
-        </p:spPr>
+        <p:spPr/>
         <p:txBody>
           <a:bodyPr/>
           <a:lstStyle>
@@ -4154,21 +4139,12 @@
             </a:pPr>
             <a:fld id="{6B099AE6-659C-DD4F-AB55-9243AB08769D}" type="slidenum">
               <a:rPr lang="en-US" altLang="zh-CN"/>
-              <a:pPr>
-                <a:defRPr/>
-              </a:pPr>
-              <a:t>‹#›</a:t>
             </a:fld>
             <a:endParaRPr lang="en-US" altLang="zh-CN"/>
           </a:p>
         </p:txBody>
       </p:sp>
     </p:spTree>
-    <p:extLst>
-      <p:ext uri="{BB962C8B-B14F-4D97-AF65-F5344CB8AC3E}">
-        <p14:creationId xmlns:p14="http://schemas.microsoft.com/office/powerpoint/2010/main" val="4031346842"/>
-      </p:ext>
-    </p:extLst>
   </p:cSld>
   <p:clrMapOvr>
     <a:masterClrMapping/>
@@ -4221,6 +4197,7 @@
               <a:rPr lang="zh-CN" altLang="en-US"/>
               <a:t>单击此处编辑母版标题样式</a:t>
             </a:r>
+            <a:endParaRPr lang="zh-CN" altLang="en-US"/>
           </a:p>
         </p:txBody>
       </p:sp>
@@ -4348,18 +4325,13 @@
               <a:rPr lang="zh-CN" altLang="en-US"/>
               <a:t>单击此处编辑母版文本样式</a:t>
             </a:r>
+            <a:endParaRPr lang="zh-CN" altLang="en-US"/>
           </a:p>
         </p:txBody>
       </p:sp>
       <p:sp>
         <p:nvSpPr>
-          <p:cNvPr id="5" name="Rectangle 11">
-            <a:extLst>
-              <a:ext uri="{FF2B5EF4-FFF2-40B4-BE49-F238E27FC236}">
-                <a16:creationId xmlns:a16="http://schemas.microsoft.com/office/drawing/2014/main" id="{9641F442-FF5A-3E4F-B7E3-4F3B309167BC}"/>
-              </a:ext>
-            </a:extLst>
-          </p:cNvPr>
+          <p:cNvPr id="5" name="Rectangle 11"/>
           <p:cNvSpPr>
             <a:spLocks noGrp="1" noChangeArrowheads="1"/>
           </p:cNvSpPr>
@@ -4367,9 +4339,7 @@
             <p:ph type="dt" sz="half" idx="10"/>
           </p:nvPr>
         </p:nvSpPr>
-        <p:spPr>
-          <a:ln/>
-        </p:spPr>
+        <p:spPr/>
         <p:txBody>
           <a:bodyPr/>
           <a:lstStyle>
@@ -4387,13 +4357,7 @@
       </p:sp>
       <p:sp>
         <p:nvSpPr>
-          <p:cNvPr id="6" name="Rectangle 12">
-            <a:extLst>
-              <a:ext uri="{FF2B5EF4-FFF2-40B4-BE49-F238E27FC236}">
-                <a16:creationId xmlns:a16="http://schemas.microsoft.com/office/drawing/2014/main" id="{D4BF4FC7-F279-814B-BE9E-21CEA875BCCF}"/>
-              </a:ext>
-            </a:extLst>
-          </p:cNvPr>
+          <p:cNvPr id="6" name="Rectangle 12"/>
           <p:cNvSpPr>
             <a:spLocks noGrp="1" noChangeArrowheads="1"/>
           </p:cNvSpPr>
@@ -4401,9 +4365,7 @@
             <p:ph type="ftr" sz="quarter" idx="11"/>
           </p:nvPr>
         </p:nvSpPr>
-        <p:spPr>
-          <a:ln/>
-        </p:spPr>
+        <p:spPr/>
         <p:txBody>
           <a:bodyPr/>
           <a:lstStyle>
@@ -4421,13 +4383,7 @@
       </p:sp>
       <p:sp>
         <p:nvSpPr>
-          <p:cNvPr id="7" name="Rectangle 13">
-            <a:extLst>
-              <a:ext uri="{FF2B5EF4-FFF2-40B4-BE49-F238E27FC236}">
-                <a16:creationId xmlns:a16="http://schemas.microsoft.com/office/drawing/2014/main" id="{8FDFF4A7-138E-6343-9081-AB08C7444181}"/>
-              </a:ext>
-            </a:extLst>
-          </p:cNvPr>
+          <p:cNvPr id="7" name="Rectangle 13"/>
           <p:cNvSpPr>
             <a:spLocks noGrp="1" noChangeArrowheads="1"/>
           </p:cNvSpPr>
@@ -4435,9 +4391,7 @@
             <p:ph type="sldNum" sz="quarter" idx="12"/>
           </p:nvPr>
         </p:nvSpPr>
-        <p:spPr>
-          <a:ln/>
-        </p:spPr>
+        <p:spPr/>
         <p:txBody>
           <a:bodyPr/>
           <a:lstStyle>
@@ -4451,21 +4405,12 @@
             </a:pPr>
             <a:fld id="{31EB066F-829B-004C-A374-751C5611884F}" type="slidenum">
               <a:rPr lang="en-US" altLang="zh-CN"/>
-              <a:pPr>
-                <a:defRPr/>
-              </a:pPr>
-              <a:t>‹#›</a:t>
             </a:fld>
             <a:endParaRPr lang="en-US" altLang="zh-CN"/>
           </a:p>
         </p:txBody>
       </p:sp>
     </p:spTree>
-    <p:extLst>
-      <p:ext uri="{BB962C8B-B14F-4D97-AF65-F5344CB8AC3E}">
-        <p14:creationId xmlns:p14="http://schemas.microsoft.com/office/powerpoint/2010/main" val="2665361912"/>
-      </p:ext>
-    </p:extLst>
   </p:cSld>
   <p:clrMapOvr>
     <a:masterClrMapping/>
@@ -4500,13 +4445,7 @@
       </p:grpSpPr>
       <p:sp>
         <p:nvSpPr>
-          <p:cNvPr id="1026" name="Rectangle 2">
-            <a:extLst>
-              <a:ext uri="{FF2B5EF4-FFF2-40B4-BE49-F238E27FC236}">
-                <a16:creationId xmlns:a16="http://schemas.microsoft.com/office/drawing/2014/main" id="{AD8F330B-6D69-3B48-94AA-84D980473E79}"/>
-              </a:ext>
-            </a:extLst>
-          </p:cNvPr>
+          <p:cNvPr id="1026" name="Rectangle 2"/>
           <p:cNvSpPr>
             <a:spLocks noChangeArrowheads="1"/>
           </p:cNvSpPr>
@@ -4658,13 +4597,7 @@
       </p:sp>
       <p:sp>
         <p:nvSpPr>
-          <p:cNvPr id="1027" name="Rectangle 3">
-            <a:extLst>
-              <a:ext uri="{FF2B5EF4-FFF2-40B4-BE49-F238E27FC236}">
-                <a16:creationId xmlns:a16="http://schemas.microsoft.com/office/drawing/2014/main" id="{20019EAC-5FB6-7F49-82BE-B9C6E565D19E}"/>
-              </a:ext>
-            </a:extLst>
-          </p:cNvPr>
+          <p:cNvPr id="1027" name="Rectangle 3"/>
           <p:cNvSpPr>
             <a:spLocks noChangeArrowheads="1"/>
           </p:cNvSpPr>
@@ -4824,13 +4757,7 @@
       </p:sp>
       <p:sp>
         <p:nvSpPr>
-          <p:cNvPr id="1028" name="Rectangle 4">
-            <a:extLst>
-              <a:ext uri="{FF2B5EF4-FFF2-40B4-BE49-F238E27FC236}">
-                <a16:creationId xmlns:a16="http://schemas.microsoft.com/office/drawing/2014/main" id="{2A7743FD-0EAE-AE43-B059-5C59C205ED23}"/>
-              </a:ext>
-            </a:extLst>
-          </p:cNvPr>
+          <p:cNvPr id="1028" name="Rectangle 4"/>
           <p:cNvSpPr>
             <a:spLocks noChangeArrowheads="1"/>
           </p:cNvSpPr>
@@ -4982,13 +4909,7 @@
       </p:sp>
       <p:sp>
         <p:nvSpPr>
-          <p:cNvPr id="1029" name="Rectangle 5">
-            <a:extLst>
-              <a:ext uri="{FF2B5EF4-FFF2-40B4-BE49-F238E27FC236}">
-                <a16:creationId xmlns:a16="http://schemas.microsoft.com/office/drawing/2014/main" id="{89C3DD9A-EB2E-6F4B-B2C1-287B25CFF38E}"/>
-              </a:ext>
-            </a:extLst>
-          </p:cNvPr>
+          <p:cNvPr id="1029" name="Rectangle 5"/>
           <p:cNvSpPr>
             <a:spLocks noChangeArrowheads="1"/>
           </p:cNvSpPr>
@@ -5148,13 +5069,7 @@
       </p:sp>
       <p:sp>
         <p:nvSpPr>
-          <p:cNvPr id="1030" name="Rectangle 6">
-            <a:extLst>
-              <a:ext uri="{FF2B5EF4-FFF2-40B4-BE49-F238E27FC236}">
-                <a16:creationId xmlns:a16="http://schemas.microsoft.com/office/drawing/2014/main" id="{42536DE4-E734-8D4C-93F9-1098F8D02B90}"/>
-              </a:ext>
-            </a:extLst>
-          </p:cNvPr>
+          <p:cNvPr id="1030" name="Rectangle 6"/>
           <p:cNvSpPr>
             <a:spLocks noChangeArrowheads="1"/>
           </p:cNvSpPr>
@@ -5314,13 +5229,7 @@
       </p:sp>
       <p:sp>
         <p:nvSpPr>
-          <p:cNvPr id="1031" name="Rectangle 7">
-            <a:extLst>
-              <a:ext uri="{FF2B5EF4-FFF2-40B4-BE49-F238E27FC236}">
-                <a16:creationId xmlns:a16="http://schemas.microsoft.com/office/drawing/2014/main" id="{6D863680-FD48-694E-A03B-D9033B0DA834}"/>
-              </a:ext>
-            </a:extLst>
-          </p:cNvPr>
+          <p:cNvPr id="1031" name="Rectangle 7"/>
           <p:cNvSpPr>
             <a:spLocks noChangeArrowheads="1"/>
           </p:cNvSpPr>
@@ -5472,13 +5381,7 @@
       </p:sp>
       <p:sp>
         <p:nvSpPr>
-          <p:cNvPr id="1032" name="Rectangle 8">
-            <a:extLst>
-              <a:ext uri="{FF2B5EF4-FFF2-40B4-BE49-F238E27FC236}">
-                <a16:creationId xmlns:a16="http://schemas.microsoft.com/office/drawing/2014/main" id="{F170802E-96C7-5A40-9A9A-95EE098C8380}"/>
-              </a:ext>
-            </a:extLst>
-          </p:cNvPr>
+          <p:cNvPr id="1032" name="Rectangle 8"/>
           <p:cNvSpPr>
             <a:spLocks noChangeArrowheads="1"/>
           </p:cNvSpPr>
@@ -5638,13 +5541,7 @@
       </p:sp>
       <p:sp>
         <p:nvSpPr>
-          <p:cNvPr id="1033" name="Rectangle 9">
-            <a:extLst>
-              <a:ext uri="{FF2B5EF4-FFF2-40B4-BE49-F238E27FC236}">
-                <a16:creationId xmlns:a16="http://schemas.microsoft.com/office/drawing/2014/main" id="{8B107CC5-4F23-7840-9D8C-A91D6DEA2FE7}"/>
-              </a:ext>
-            </a:extLst>
-          </p:cNvPr>
+          <p:cNvPr id="1033" name="Rectangle 9"/>
           <p:cNvSpPr>
             <a:spLocks noGrp="1" noChangeArrowheads="1"/>
           </p:cNvSpPr>
@@ -5685,11 +5582,7 @@
           </a:extLst>
         </p:spPr>
         <p:txBody>
-          <a:bodyPr vert="horz" wrap="square" lIns="91440" tIns="45720" rIns="91440" bIns="45720" numCol="1" anchor="b" anchorCtr="0" compatLnSpc="1">
-            <a:prstTxWarp prst="textNoShape">
-              <a:avLst/>
-            </a:prstTxWarp>
-          </a:bodyPr>
+          <a:bodyPr vert="horz" wrap="square" lIns="91440" tIns="45720" rIns="91440" bIns="45720" numCol="1" anchor="b" anchorCtr="0" compatLnSpc="1"/>
           <a:lstStyle/>
           <a:p>
             <a:pPr lvl="0"/>
@@ -5697,18 +5590,13 @@
               <a:rPr lang="zh-CN" altLang="en-US"/>
               <a:t>单击此处编辑母版标题样式</a:t>
             </a:r>
+            <a:endParaRPr lang="zh-CN" altLang="en-US"/>
           </a:p>
         </p:txBody>
       </p:sp>
       <p:sp>
         <p:nvSpPr>
-          <p:cNvPr id="1034" name="Rectangle 10">
-            <a:extLst>
-              <a:ext uri="{FF2B5EF4-FFF2-40B4-BE49-F238E27FC236}">
-                <a16:creationId xmlns:a16="http://schemas.microsoft.com/office/drawing/2014/main" id="{FE065584-58F1-DF49-988D-E4179129D9E0}"/>
-              </a:ext>
-            </a:extLst>
-          </p:cNvPr>
+          <p:cNvPr id="1034" name="Rectangle 10"/>
           <p:cNvSpPr>
             <a:spLocks noGrp="1" noChangeArrowheads="1"/>
           </p:cNvSpPr>
@@ -5749,11 +5637,7 @@
           </a:extLst>
         </p:spPr>
         <p:txBody>
-          <a:bodyPr vert="horz" wrap="square" lIns="91440" tIns="45720" rIns="91440" bIns="45720" numCol="1" anchor="t" anchorCtr="0" compatLnSpc="1">
-            <a:prstTxWarp prst="textNoShape">
-              <a:avLst/>
-            </a:prstTxWarp>
-          </a:bodyPr>
+          <a:bodyPr vert="horz" wrap="square" lIns="91440" tIns="45720" rIns="91440" bIns="45720" numCol="1" anchor="t" anchorCtr="0" compatLnSpc="1"/>
           <a:lstStyle/>
           <a:p>
             <a:pPr lvl="0"/>
@@ -5761,6 +5645,7 @@
               <a:rPr lang="zh-CN" altLang="en-US"/>
               <a:t>单击此处编辑母版文本样式</a:t>
             </a:r>
+            <a:endParaRPr lang="zh-CN" altLang="en-US"/>
           </a:p>
           <a:p>
             <a:pPr lvl="1"/>
@@ -5768,6 +5653,7 @@
               <a:rPr lang="zh-CN" altLang="en-US"/>
               <a:t>第二级</a:t>
             </a:r>
+            <a:endParaRPr lang="zh-CN" altLang="en-US"/>
           </a:p>
           <a:p>
             <a:pPr lvl="2"/>
@@ -5775,6 +5661,7 @@
               <a:rPr lang="zh-CN" altLang="en-US"/>
               <a:t>第三级</a:t>
             </a:r>
+            <a:endParaRPr lang="zh-CN" altLang="en-US"/>
           </a:p>
           <a:p>
             <a:pPr lvl="3"/>
@@ -5782,6 +5669,7 @@
               <a:rPr lang="zh-CN" altLang="en-US"/>
               <a:t>第四级</a:t>
             </a:r>
+            <a:endParaRPr lang="zh-CN" altLang="en-US"/>
           </a:p>
           <a:p>
             <a:pPr lvl="4"/>
@@ -5789,18 +5677,13 @@
               <a:rPr lang="zh-CN" altLang="en-US"/>
               <a:t>第五级</a:t>
             </a:r>
+            <a:endParaRPr lang="zh-CN" altLang="en-US"/>
           </a:p>
         </p:txBody>
       </p:sp>
       <p:sp>
         <p:nvSpPr>
-          <p:cNvPr id="9227" name="Rectangle 11">
-            <a:extLst>
-              <a:ext uri="{FF2B5EF4-FFF2-40B4-BE49-F238E27FC236}">
-                <a16:creationId xmlns:a16="http://schemas.microsoft.com/office/drawing/2014/main" id="{BEFFB746-8CD7-AA4A-B6F9-332BF0161723}"/>
-              </a:ext>
-            </a:extLst>
-          </p:cNvPr>
+          <p:cNvPr id="9227" name="Rectangle 11"/>
           <p:cNvSpPr>
             <a:spLocks noGrp="1" noChangeArrowheads="1"/>
           </p:cNvSpPr>
@@ -5820,17 +5703,11 @@
           <a:ln w="9525">
             <a:noFill/>
             <a:miter lim="800000"/>
-            <a:headEnd/>
-            <a:tailEnd/>
           </a:ln>
           <a:effectLst/>
         </p:spPr>
         <p:txBody>
-          <a:bodyPr vert="horz" wrap="square" lIns="91440" tIns="45720" rIns="91440" bIns="45720" numCol="1" anchor="b" anchorCtr="0" compatLnSpc="1">
-            <a:prstTxWarp prst="textNoShape">
-              <a:avLst/>
-            </a:prstTxWarp>
-          </a:bodyPr>
+          <a:bodyPr vert="horz" wrap="square" lIns="91440" tIns="45720" rIns="91440" bIns="45720" numCol="1" anchor="b" anchorCtr="0" compatLnSpc="1"/>
           <a:lstStyle>
             <a:lvl1pPr eaLnBrk="1" hangingPunct="1">
               <a:defRPr sz="1400"/>
@@ -5846,13 +5723,7 @@
       </p:sp>
       <p:sp>
         <p:nvSpPr>
-          <p:cNvPr id="9228" name="Rectangle 12">
-            <a:extLst>
-              <a:ext uri="{FF2B5EF4-FFF2-40B4-BE49-F238E27FC236}">
-                <a16:creationId xmlns:a16="http://schemas.microsoft.com/office/drawing/2014/main" id="{986FEBD8-864A-0B4D-B3B2-0C180D3B82E5}"/>
-              </a:ext>
-            </a:extLst>
-          </p:cNvPr>
+          <p:cNvPr id="9228" name="Rectangle 12"/>
           <p:cNvSpPr>
             <a:spLocks noGrp="1" noChangeArrowheads="1"/>
           </p:cNvSpPr>
@@ -5872,17 +5743,11 @@
           <a:ln w="9525">
             <a:noFill/>
             <a:miter lim="800000"/>
-            <a:headEnd/>
-            <a:tailEnd/>
           </a:ln>
           <a:effectLst/>
         </p:spPr>
         <p:txBody>
-          <a:bodyPr vert="horz" wrap="square" lIns="91440" tIns="45720" rIns="91440" bIns="45720" numCol="1" anchor="b" anchorCtr="0" compatLnSpc="1">
-            <a:prstTxWarp prst="textNoShape">
-              <a:avLst/>
-            </a:prstTxWarp>
-          </a:bodyPr>
+          <a:bodyPr vert="horz" wrap="square" lIns="91440" tIns="45720" rIns="91440" bIns="45720" numCol="1" anchor="b" anchorCtr="0" compatLnSpc="1"/>
           <a:lstStyle>
             <a:lvl1pPr algn="ctr" eaLnBrk="1" hangingPunct="1">
               <a:defRPr sz="1400"/>
@@ -5898,13 +5763,7 @@
       </p:sp>
       <p:sp>
         <p:nvSpPr>
-          <p:cNvPr id="9229" name="Rectangle 13">
-            <a:extLst>
-              <a:ext uri="{FF2B5EF4-FFF2-40B4-BE49-F238E27FC236}">
-                <a16:creationId xmlns:a16="http://schemas.microsoft.com/office/drawing/2014/main" id="{9EC76A7F-43CA-B94D-8105-DC195EBDA500}"/>
-              </a:ext>
-            </a:extLst>
-          </p:cNvPr>
+          <p:cNvPr id="9229" name="Rectangle 13"/>
           <p:cNvSpPr>
             <a:spLocks noGrp="1" noChangeArrowheads="1"/>
           </p:cNvSpPr>
@@ -5924,17 +5783,11 @@
           <a:ln w="9525">
             <a:noFill/>
             <a:miter lim="800000"/>
-            <a:headEnd/>
-            <a:tailEnd/>
           </a:ln>
           <a:effectLst/>
         </p:spPr>
         <p:txBody>
-          <a:bodyPr vert="horz" wrap="square" lIns="91440" tIns="45720" rIns="91440" bIns="45720" numCol="1" anchor="b" anchorCtr="0" compatLnSpc="1">
-            <a:prstTxWarp prst="textNoShape">
-              <a:avLst/>
-            </a:prstTxWarp>
-          </a:bodyPr>
+          <a:bodyPr vert="horz" wrap="square" lIns="91440" tIns="45720" rIns="91440" bIns="45720" numCol="1" anchor="b" anchorCtr="0" compatLnSpc="1"/>
           <a:lstStyle>
             <a:lvl1pPr algn="r" eaLnBrk="1" hangingPunct="1">
               <a:defRPr sz="1400"/>
@@ -5946,10 +5799,6 @@
             </a:pPr>
             <a:fld id="{6CB83518-65C2-094A-AFB7-B5D18B682B4C}" type="slidenum">
               <a:rPr lang="en-US" altLang="zh-CN"/>
-              <a:pPr>
-                <a:defRPr/>
-              </a:pPr>
-              <a:t>‹#›</a:t>
             </a:fld>
             <a:endParaRPr lang="en-US" altLang="zh-CN"/>
           </a:p>
@@ -5959,17 +5808,17 @@
   </p:cSld>
   <p:clrMap bg1="lt1" tx1="dk1" bg2="lt2" tx2="dk2" accent1="accent1" accent2="accent2" accent3="accent3" accent4="accent4" accent5="accent5" accent6="accent6" hlink="hlink" folHlink="folHlink"/>
   <p:sldLayoutIdLst>
-    <p:sldLayoutId id="2147483708" r:id="rId1"/>
-    <p:sldLayoutId id="2147483698" r:id="rId2"/>
-    <p:sldLayoutId id="2147483699" r:id="rId3"/>
-    <p:sldLayoutId id="2147483700" r:id="rId4"/>
-    <p:sldLayoutId id="2147483701" r:id="rId5"/>
-    <p:sldLayoutId id="2147483702" r:id="rId6"/>
-    <p:sldLayoutId id="2147483703" r:id="rId7"/>
-    <p:sldLayoutId id="2147483704" r:id="rId8"/>
-    <p:sldLayoutId id="2147483705" r:id="rId9"/>
-    <p:sldLayoutId id="2147483706" r:id="rId10"/>
-    <p:sldLayoutId id="2147483707" r:id="rId11"/>
+    <p:sldLayoutId id="2147483649" r:id="rId1"/>
+    <p:sldLayoutId id="2147483650" r:id="rId2"/>
+    <p:sldLayoutId id="2147483651" r:id="rId3"/>
+    <p:sldLayoutId id="2147483652" r:id="rId4"/>
+    <p:sldLayoutId id="2147483653" r:id="rId5"/>
+    <p:sldLayoutId id="2147483654" r:id="rId6"/>
+    <p:sldLayoutId id="2147483655" r:id="rId7"/>
+    <p:sldLayoutId id="2147483656" r:id="rId8"/>
+    <p:sldLayoutId id="2147483657" r:id="rId9"/>
+    <p:sldLayoutId id="2147483658" r:id="rId10"/>
+    <p:sldLayoutId id="2147483659" r:id="rId11"/>
   </p:sldLayoutIdLst>
   <p:txStyles>
     <p:titleStyle>
@@ -6000,8 +5849,8 @@
           <a:solidFill>
             <a:schemeClr val="tx2"/>
           </a:solidFill>
-          <a:latin typeface="Tahoma" pitchFamily="34" charset="0"/>
-          <a:ea typeface="宋体" pitchFamily="2" charset="-122"/>
+          <a:latin typeface="Tahoma" panose="020B0604030504040204" pitchFamily="34" charset="0"/>
+          <a:ea typeface="宋体" panose="02010600030101010101" pitchFamily="2" charset="-122"/>
         </a:defRPr>
       </a:lvl2pPr>
       <a:lvl3pPr algn="l" rtl="0" eaLnBrk="0" fontAlgn="base" hangingPunct="0">
@@ -6015,8 +5864,8 @@
           <a:solidFill>
             <a:schemeClr val="tx2"/>
           </a:solidFill>
-          <a:latin typeface="Tahoma" pitchFamily="34" charset="0"/>
-          <a:ea typeface="宋体" pitchFamily="2" charset="-122"/>
+          <a:latin typeface="Tahoma" panose="020B0604030504040204" pitchFamily="34" charset="0"/>
+          <a:ea typeface="宋体" panose="02010600030101010101" pitchFamily="2" charset="-122"/>
         </a:defRPr>
       </a:lvl3pPr>
       <a:lvl4pPr algn="l" rtl="0" eaLnBrk="0" fontAlgn="base" hangingPunct="0">
@@ -6030,8 +5879,8 @@
           <a:solidFill>
             <a:schemeClr val="tx2"/>
           </a:solidFill>
-          <a:latin typeface="Tahoma" pitchFamily="34" charset="0"/>
-          <a:ea typeface="宋体" pitchFamily="2" charset="-122"/>
+          <a:latin typeface="Tahoma" panose="020B0604030504040204" pitchFamily="34" charset="0"/>
+          <a:ea typeface="宋体" panose="02010600030101010101" pitchFamily="2" charset="-122"/>
         </a:defRPr>
       </a:lvl4pPr>
       <a:lvl5pPr algn="l" rtl="0" eaLnBrk="0" fontAlgn="base" hangingPunct="0">
@@ -6045,8 +5894,8 @@
           <a:solidFill>
             <a:schemeClr val="tx2"/>
           </a:solidFill>
-          <a:latin typeface="Tahoma" pitchFamily="34" charset="0"/>
-          <a:ea typeface="宋体" pitchFamily="2" charset="-122"/>
+          <a:latin typeface="Tahoma" panose="020B0604030504040204" pitchFamily="34" charset="0"/>
+          <a:ea typeface="宋体" panose="02010600030101010101" pitchFamily="2" charset="-122"/>
         </a:defRPr>
       </a:lvl5pPr>
       <a:lvl6pPr marL="457200" algn="l" rtl="0" fontAlgn="base">
@@ -6060,8 +5909,8 @@
           <a:solidFill>
             <a:schemeClr val="tx2"/>
           </a:solidFill>
-          <a:latin typeface="Tahoma" pitchFamily="34" charset="0"/>
-          <a:ea typeface="宋体" pitchFamily="2" charset="-122"/>
+          <a:latin typeface="Tahoma" panose="020B0604030504040204" pitchFamily="34" charset="0"/>
+          <a:ea typeface="宋体" panose="02010600030101010101" pitchFamily="2" charset="-122"/>
         </a:defRPr>
       </a:lvl6pPr>
       <a:lvl7pPr marL="914400" algn="l" rtl="0" fontAlgn="base">
@@ -6075,8 +5924,8 @@
           <a:solidFill>
             <a:schemeClr val="tx2"/>
           </a:solidFill>
-          <a:latin typeface="Tahoma" pitchFamily="34" charset="0"/>
-          <a:ea typeface="宋体" pitchFamily="2" charset="-122"/>
+          <a:latin typeface="Tahoma" panose="020B0604030504040204" pitchFamily="34" charset="0"/>
+          <a:ea typeface="宋体" panose="02010600030101010101" pitchFamily="2" charset="-122"/>
         </a:defRPr>
       </a:lvl7pPr>
       <a:lvl8pPr marL="1371600" algn="l" rtl="0" fontAlgn="base">
@@ -6090,8 +5939,8 @@
           <a:solidFill>
             <a:schemeClr val="tx2"/>
           </a:solidFill>
-          <a:latin typeface="Tahoma" pitchFamily="34" charset="0"/>
-          <a:ea typeface="宋体" pitchFamily="2" charset="-122"/>
+          <a:latin typeface="Tahoma" panose="020B0604030504040204" pitchFamily="34" charset="0"/>
+          <a:ea typeface="宋体" panose="02010600030101010101" pitchFamily="2" charset="-122"/>
         </a:defRPr>
       </a:lvl8pPr>
       <a:lvl9pPr marL="1828800" algn="l" rtl="0" fontAlgn="base">
@@ -6105,8 +5954,8 @@
           <a:solidFill>
             <a:schemeClr val="tx2"/>
           </a:solidFill>
-          <a:latin typeface="Tahoma" pitchFamily="34" charset="0"/>
-          <a:ea typeface="宋体" pitchFamily="2" charset="-122"/>
+          <a:latin typeface="Tahoma" panose="020B0604030504040204" pitchFamily="34" charset="0"/>
+          <a:ea typeface="宋体" panose="02010600030101010101" pitchFamily="2" charset="-122"/>
         </a:defRPr>
       </a:lvl9pPr>
     </p:titleStyle>
@@ -6122,7 +5971,7 @@
           <a:schemeClr val="folHlink"/>
         </a:buClr>
         <a:buSzPct val="60000"/>
-        <a:buFont typeface="Wingdings" pitchFamily="2" charset="2"/>
+        <a:buFont typeface="Wingdings" panose="05000000000000000000" pitchFamily="2" charset="2"/>
         <a:buChar char="n"/>
         <a:defRPr sz="3200">
           <a:solidFill>
@@ -6144,7 +5993,7 @@
           <a:schemeClr val="hlink"/>
         </a:buClr>
         <a:buSzPct val="55000"/>
-        <a:buFont typeface="Wingdings" pitchFamily="2" charset="2"/>
+        <a:buFont typeface="Wingdings" panose="05000000000000000000" pitchFamily="2" charset="2"/>
         <a:buChar char="n"/>
         <a:defRPr sz="2800">
           <a:solidFill>
@@ -6165,7 +6014,7 @@
           <a:schemeClr val="folHlink"/>
         </a:buClr>
         <a:buSzPct val="50000"/>
-        <a:buFont typeface="Wingdings" pitchFamily="2" charset="2"/>
+        <a:buFont typeface="Wingdings" panose="05000000000000000000" pitchFamily="2" charset="2"/>
         <a:buChar char="n"/>
         <a:defRPr sz="2400">
           <a:solidFill>
@@ -6186,7 +6035,7 @@
           <a:schemeClr val="accent2"/>
         </a:buClr>
         <a:buSzPct val="55000"/>
-        <a:buFont typeface="Wingdings" pitchFamily="2" charset="2"/>
+        <a:buFont typeface="Wingdings" panose="05000000000000000000" pitchFamily="2" charset="2"/>
         <a:buChar char="n"/>
         <a:defRPr sz="2000">
           <a:solidFill>
@@ -6207,7 +6056,7 @@
           <a:schemeClr val="accent1"/>
         </a:buClr>
         <a:buSzPct val="50000"/>
-        <a:buFont typeface="Wingdings" pitchFamily="2" charset="2"/>
+        <a:buFont typeface="Wingdings" panose="05000000000000000000" pitchFamily="2" charset="2"/>
         <a:buChar char="n"/>
         <a:defRPr sz="2000">
           <a:solidFill>
@@ -6228,7 +6077,7 @@
           <a:schemeClr val="accent1"/>
         </a:buClr>
         <a:buSzPct val="50000"/>
-        <a:buFont typeface="Wingdings" pitchFamily="2" charset="2"/>
+        <a:buFont typeface="Wingdings" panose="05000000000000000000" pitchFamily="2" charset="2"/>
         <a:buChar char="n"/>
         <a:defRPr sz="2000">
           <a:solidFill>
@@ -6249,7 +6098,7 @@
           <a:schemeClr val="accent1"/>
         </a:buClr>
         <a:buSzPct val="50000"/>
-        <a:buFont typeface="Wingdings" pitchFamily="2" charset="2"/>
+        <a:buFont typeface="Wingdings" panose="05000000000000000000" pitchFamily="2" charset="2"/>
         <a:buChar char="n"/>
         <a:defRPr sz="2000">
           <a:solidFill>
@@ -6270,7 +6119,7 @@
           <a:schemeClr val="accent1"/>
         </a:buClr>
         <a:buSzPct val="50000"/>
-        <a:buFont typeface="Wingdings" pitchFamily="2" charset="2"/>
+        <a:buFont typeface="Wingdings" panose="05000000000000000000" pitchFamily="2" charset="2"/>
         <a:buChar char="n"/>
         <a:defRPr sz="2000">
           <a:solidFill>
@@ -6291,7 +6140,7 @@
           <a:schemeClr val="accent1"/>
         </a:buClr>
         <a:buSzPct val="50000"/>
-        <a:buFont typeface="Wingdings" pitchFamily="2" charset="2"/>
+        <a:buFont typeface="Wingdings" panose="05000000000000000000" pitchFamily="2" charset="2"/>
         <a:buChar char="n"/>
         <a:defRPr sz="2000">
           <a:solidFill>
@@ -6420,13 +6269,7 @@
       </p:grpSpPr>
       <p:sp>
         <p:nvSpPr>
-          <p:cNvPr id="14337" name="Rectangle 2">
-            <a:extLst>
-              <a:ext uri="{FF2B5EF4-FFF2-40B4-BE49-F238E27FC236}">
-                <a16:creationId xmlns:a16="http://schemas.microsoft.com/office/drawing/2014/main" id="{E8841FBB-64FC-1C4F-8167-C680F3EB3355}"/>
-              </a:ext>
-            </a:extLst>
-          </p:cNvPr>
+          <p:cNvPr id="14337" name="Rectangle 2"/>
           <p:cNvSpPr>
             <a:spLocks noGrp="1" noChangeArrowheads="1"/>
           </p:cNvSpPr>
@@ -6444,18 +6287,13 @@
               <a:rPr lang="en-US" altLang="zh-CN" dirty="0"/>
               <a:t>Theory Combination</a:t>
             </a:r>
+            <a:endParaRPr lang="en-US" altLang="zh-CN" dirty="0"/>
           </a:p>
         </p:txBody>
       </p:sp>
       <p:sp>
         <p:nvSpPr>
-          <p:cNvPr id="14338" name="Rectangle 3">
-            <a:extLst>
-              <a:ext uri="{FF2B5EF4-FFF2-40B4-BE49-F238E27FC236}">
-                <a16:creationId xmlns:a16="http://schemas.microsoft.com/office/drawing/2014/main" id="{86FDA178-BD90-9A42-AB11-13E8D0C97665}"/>
-              </a:ext>
-            </a:extLst>
-          </p:cNvPr>
+          <p:cNvPr id="14338" name="Rectangle 3"/>
           <p:cNvSpPr>
             <a:spLocks noGrp="1" noChangeArrowheads="1"/>
           </p:cNvSpPr>
@@ -6473,6 +6311,7 @@
               <a:rPr lang="en-US" altLang="zh-CN" sz="3600" dirty="0"/>
               <a:t>Formal Methods Foundation</a:t>
             </a:r>
+            <a:endParaRPr lang="en-US" altLang="zh-CN" sz="3600" dirty="0"/>
           </a:p>
           <a:p>
             <a:pPr eaLnBrk="1" hangingPunct="1"/>
@@ -6484,6 +6323,7 @@
               <a:rPr lang="en-US" altLang="zh-CN" sz="2800" dirty="0"/>
               <a:t> Hua</a:t>
             </a:r>
+            <a:endParaRPr lang="en-US" altLang="zh-CN" sz="2800" dirty="0"/>
           </a:p>
           <a:p>
             <a:pPr eaLnBrk="1" hangingPunct="1"/>
@@ -6522,13 +6362,7 @@
       </p:grpSpPr>
       <p:sp>
         <p:nvSpPr>
-          <p:cNvPr id="2" name="标题 1">
-            <a:extLst>
-              <a:ext uri="{FF2B5EF4-FFF2-40B4-BE49-F238E27FC236}">
-                <a16:creationId xmlns:a16="http://schemas.microsoft.com/office/drawing/2014/main" id="{7577C46B-AB93-A648-A78F-AF1A3720C048}"/>
-              </a:ext>
-            </a:extLst>
-          </p:cNvPr>
+          <p:cNvPr id="2" name="标题 1"/>
           <p:cNvSpPr>
             <a:spLocks noGrp="1"/>
           </p:cNvSpPr>
@@ -6553,13 +6387,7 @@
         <mc:Choice xmlns:a14="http://schemas.microsoft.com/office/drawing/2010/main" Requires="a14">
           <p:sp>
             <p:nvSpPr>
-              <p:cNvPr id="3" name="内容占位符 2">
-                <a:extLst>
-                  <a:ext uri="{FF2B5EF4-FFF2-40B4-BE49-F238E27FC236}">
-                    <a16:creationId xmlns:a16="http://schemas.microsoft.com/office/drawing/2014/main" id="{B6BD1D89-38B8-1448-A0F7-0C550D9BB173}"/>
-                  </a:ext>
-                </a:extLst>
-              </p:cNvPr>
+              <p:cNvPr id="3" name="内容占位符 2"/>
               <p:cNvSpPr>
                 <a:spLocks noGrp="1"/>
               </p:cNvSpPr>
@@ -6584,6 +6412,11 @@
                   </a:rPr>
                   <a:t>undecidable</a:t>
                 </a:r>
+                <a:endParaRPr kumimoji="1" lang="en-US" altLang="zh-CN" dirty="0">
+                  <a:solidFill>
+                    <a:srgbClr val="0432FF"/>
+                  </a:solidFill>
+                </a:endParaRPr>
               </a:p>
               <a:p>
                 <a:pPr lvl="1"/>
@@ -6591,12 +6424,14 @@
                   <a:rPr kumimoji="1" lang="en-US" altLang="zh-CN" dirty="0"/>
                   <a:t>Even the underlying theories are decidable</a:t>
                 </a:r>
+                <a:endParaRPr kumimoji="1" lang="en-US" altLang="zh-CN" dirty="0"/>
               </a:p>
               <a:p>
                 <a:r>
                   <a:rPr kumimoji="1" lang="en-US" altLang="zh-CN" dirty="0"/>
                   <a:t>To make it decidable, we require:</a:t>
                 </a:r>
+                <a:endParaRPr kumimoji="1" lang="en-US" altLang="zh-CN" dirty="0"/>
               </a:p>
               <a:p>
                 <a:pPr lvl="1"/>
@@ -6656,6 +6491,7 @@
                   <a:rPr kumimoji="1" lang="en-US" altLang="zh-CN" dirty="0"/>
                   <a:t> are decidable</a:t>
                 </a:r>
+                <a:endParaRPr kumimoji="1" lang="en-US" altLang="zh-CN" dirty="0"/>
               </a:p>
               <a:p>
                 <a:pPr lvl="1"/>
@@ -6739,7 +6575,17 @@
                         <a:latin typeface="Cambria Math" panose="02040503050406030204" pitchFamily="18" charset="0"/>
                         <a:ea typeface="Cambria Math" panose="02040503050406030204" pitchFamily="18" charset="0"/>
                       </a:rPr>
-                      <m:t>2 </m:t>
+                      <m:t>2</m:t>
+                    </m:r>
+                    <m:r>
+                      <a:rPr kumimoji="1" lang="en-US" altLang="zh-CN" i="1">
+                        <a:solidFill>
+                          <a:srgbClr val="0432FF"/>
+                        </a:solidFill>
+                        <a:latin typeface="Cambria Math" panose="02040503050406030204" pitchFamily="18" charset="0"/>
+                        <a:ea typeface="Cambria Math" panose="02040503050406030204" pitchFamily="18" charset="0"/>
+                      </a:rPr>
+                      <m:t> </m:t>
                     </m:r>
                   </m:oMath>
                 </a14:m>
@@ -6801,6 +6647,7 @@
                   <a:rPr kumimoji="1" lang="en-US" altLang="zh-CN" dirty="0"/>
                   <a:t>)</a:t>
                 </a:r>
+                <a:endParaRPr kumimoji="1" lang="en-US" altLang="zh-CN" dirty="0"/>
               </a:p>
               <a:p>
                 <a:pPr lvl="1"/>
@@ -6824,25 +6671,19 @@
         <mc:Fallback>
           <p:sp>
             <p:nvSpPr>
-              <p:cNvPr id="3" name="内容占位符 2">
-                <a:extLst>
-                  <a:ext uri="{FF2B5EF4-FFF2-40B4-BE49-F238E27FC236}">
-                    <a16:creationId xmlns:a16="http://schemas.microsoft.com/office/drawing/2014/main" id="{B6BD1D89-38B8-1448-A0F7-0C550D9BB173}"/>
-                  </a:ext>
-                </a:extLst>
-              </p:cNvPr>
+              <p:cNvPr id="3" name="内容占位符 2"/>
               <p:cNvSpPr>
-                <a:spLocks noGrp="1" noRot="1" noChangeAspect="1" noMove="1" noResize="1" noEditPoints="1" noAdjustHandles="1" noChangeArrowheads="1" noChangeShapeType="1" noTextEdit="1"/>
+                <a:spLocks noRot="1" noChangeAspect="1" noMove="1" noResize="1" noEditPoints="1" noAdjustHandles="1" noChangeArrowheads="1" noChangeShapeType="1" noTextEdit="1"/>
               </p:cNvSpPr>
               <p:nvPr>
                 <p:ph idx="1"/>
               </p:nvPr>
             </p:nvSpPr>
             <p:spPr>
-              <a:blipFill>
-                <a:blip r:embed="rId2"/>
+              <a:blipFill rotWithShape="1">
+                <a:blip r:embed="rId1"/>
                 <a:stretch>
-                  <a:fillRect l="-489" t="-1846"/>
+                  <a:fillRect l="-4" t="-8" r="4" b="8"/>
                 </a:stretch>
               </a:blipFill>
             </p:spPr>
@@ -6862,11 +6703,6 @@
         </mc:Fallback>
       </mc:AlternateContent>
     </p:spTree>
-    <p:extLst>
-      <p:ext uri="{BB962C8B-B14F-4D97-AF65-F5344CB8AC3E}">
-        <p14:creationId xmlns:p14="http://schemas.microsoft.com/office/powerpoint/2010/main" val="2885986371"/>
-      </p:ext>
-    </p:extLst>
   </p:cSld>
   <p:clrMapOvr>
     <a:masterClrMapping/>
@@ -6893,13 +6729,7 @@
       </p:grpSpPr>
       <p:sp>
         <p:nvSpPr>
-          <p:cNvPr id="2" name="标题 1">
-            <a:extLst>
-              <a:ext uri="{FF2B5EF4-FFF2-40B4-BE49-F238E27FC236}">
-                <a16:creationId xmlns:a16="http://schemas.microsoft.com/office/drawing/2014/main" id="{5603FE81-F250-B74D-8CD8-B01DFE0A7424}"/>
-              </a:ext>
-            </a:extLst>
-          </p:cNvPr>
+          <p:cNvPr id="2" name="标题 1"/>
           <p:cNvSpPr>
             <a:spLocks noGrp="1"/>
           </p:cNvSpPr>
@@ -6934,13 +6764,7 @@
       </p:sp>
       <p:sp>
         <p:nvSpPr>
-          <p:cNvPr id="8" name="圆角矩形 7">
-            <a:extLst>
-              <a:ext uri="{FF2B5EF4-FFF2-40B4-BE49-F238E27FC236}">
-                <a16:creationId xmlns:a16="http://schemas.microsoft.com/office/drawing/2014/main" id="{AB9FE6DE-A05B-1448-BC04-9922F9AFA937}"/>
-              </a:ext>
-            </a:extLst>
-          </p:cNvPr>
+          <p:cNvPr id="8" name="圆角矩形 7"/>
           <p:cNvSpPr/>
           <p:nvPr/>
         </p:nvSpPr>
@@ -6988,13 +6812,7 @@
       </p:sp>
       <p:sp>
         <p:nvSpPr>
-          <p:cNvPr id="9" name="文本框 8">
-            <a:extLst>
-              <a:ext uri="{FF2B5EF4-FFF2-40B4-BE49-F238E27FC236}">
-                <a16:creationId xmlns:a16="http://schemas.microsoft.com/office/drawing/2014/main" id="{9BA704E6-C80F-D849-92DB-71AA540A7BD5}"/>
-              </a:ext>
-            </a:extLst>
-          </p:cNvPr>
+          <p:cNvPr id="9" name="文本框 8"/>
           <p:cNvSpPr txBox="1"/>
           <p:nvPr/>
         </p:nvSpPr>
@@ -7032,13 +6850,7 @@
       </p:sp>
       <p:cxnSp>
         <p:nvCxnSpPr>
-          <p:cNvPr id="10" name="直线箭头连接符 9">
-            <a:extLst>
-              <a:ext uri="{FF2B5EF4-FFF2-40B4-BE49-F238E27FC236}">
-                <a16:creationId xmlns:a16="http://schemas.microsoft.com/office/drawing/2014/main" id="{28F0718D-97D8-1946-8548-08817CFA0832}"/>
-              </a:ext>
-            </a:extLst>
-          </p:cNvPr>
+          <p:cNvPr id="10" name="直线箭头连接符 9"/>
           <p:cNvCxnSpPr/>
           <p:nvPr/>
         </p:nvCxnSpPr>
@@ -7071,16 +6883,8 @@
       </p:cxnSp>
       <p:cxnSp>
         <p:nvCxnSpPr>
-          <p:cNvPr id="16" name="直线箭头连接符 15">
-            <a:extLst>
-              <a:ext uri="{FF2B5EF4-FFF2-40B4-BE49-F238E27FC236}">
-                <a16:creationId xmlns:a16="http://schemas.microsoft.com/office/drawing/2014/main" id="{815FC9B0-73E0-BA43-929B-5240F3BDD625}"/>
-              </a:ext>
-            </a:extLst>
-          </p:cNvPr>
-          <p:cNvCxnSpPr>
-            <a:cxnSpLocks/>
-          </p:cNvCxnSpPr>
+          <p:cNvPr id="16" name="直线箭头连接符 15"/>
+          <p:cNvCxnSpPr/>
           <p:nvPr/>
         </p:nvCxnSpPr>
         <p:spPr>
@@ -7112,13 +6916,7 @@
       </p:cxnSp>
       <p:sp>
         <p:nvSpPr>
-          <p:cNvPr id="21" name="圆角矩形 20">
-            <a:extLst>
-              <a:ext uri="{FF2B5EF4-FFF2-40B4-BE49-F238E27FC236}">
-                <a16:creationId xmlns:a16="http://schemas.microsoft.com/office/drawing/2014/main" id="{4063BBB3-92C7-BF49-8115-2B7FBF1F59F1}"/>
-              </a:ext>
-            </a:extLst>
-          </p:cNvPr>
+          <p:cNvPr id="21" name="圆角矩形 20"/>
           <p:cNvSpPr/>
           <p:nvPr/>
         </p:nvSpPr>
@@ -7156,6 +6954,7 @@
               <a:rPr kumimoji="1" lang="en-US" altLang="zh-CN" dirty="0"/>
               <a:t>Theory</a:t>
             </a:r>
+            <a:endParaRPr kumimoji="1" lang="en-US" altLang="zh-CN" dirty="0"/>
           </a:p>
           <a:p>
             <a:pPr algn="ctr"/>
@@ -7169,13 +6968,7 @@
       </p:sp>
       <p:sp>
         <p:nvSpPr>
-          <p:cNvPr id="22" name="圆角矩形 21">
-            <a:extLst>
-              <a:ext uri="{FF2B5EF4-FFF2-40B4-BE49-F238E27FC236}">
-                <a16:creationId xmlns:a16="http://schemas.microsoft.com/office/drawing/2014/main" id="{34DEE701-43D3-DF44-89CE-1F0518AE85B9}"/>
-              </a:ext>
-            </a:extLst>
-          </p:cNvPr>
+          <p:cNvPr id="22" name="圆角矩形 21"/>
           <p:cNvSpPr/>
           <p:nvPr/>
         </p:nvSpPr>
@@ -7213,6 +7006,7 @@
               <a:rPr kumimoji="1" lang="en-US" altLang="zh-CN" dirty="0"/>
               <a:t>Theory</a:t>
             </a:r>
+            <a:endParaRPr kumimoji="1" lang="en-US" altLang="zh-CN" dirty="0"/>
           </a:p>
           <a:p>
             <a:pPr algn="ctr"/>
@@ -7226,13 +7020,7 @@
       </p:sp>
       <p:sp>
         <p:nvSpPr>
-          <p:cNvPr id="26" name="圆角矩形 25">
-            <a:extLst>
-              <a:ext uri="{FF2B5EF4-FFF2-40B4-BE49-F238E27FC236}">
-                <a16:creationId xmlns:a16="http://schemas.microsoft.com/office/drawing/2014/main" id="{6FDECFC4-D7D5-7E40-AD1B-67243E93C788}"/>
-              </a:ext>
-            </a:extLst>
-          </p:cNvPr>
+          <p:cNvPr id="26" name="圆角矩形 25"/>
           <p:cNvSpPr/>
           <p:nvPr/>
         </p:nvSpPr>
@@ -7270,6 +7058,7 @@
               <a:rPr kumimoji="1" lang="en-US" altLang="zh-CN" dirty="0"/>
               <a:t>Theory</a:t>
             </a:r>
+            <a:endParaRPr kumimoji="1" lang="en-US" altLang="zh-CN" dirty="0"/>
           </a:p>
           <a:p>
             <a:pPr algn="ctr"/>
@@ -7283,16 +7072,8 @@
       </p:sp>
       <p:cxnSp>
         <p:nvCxnSpPr>
-          <p:cNvPr id="27" name="直线箭头连接符 26">
-            <a:extLst>
-              <a:ext uri="{FF2B5EF4-FFF2-40B4-BE49-F238E27FC236}">
-                <a16:creationId xmlns:a16="http://schemas.microsoft.com/office/drawing/2014/main" id="{CED1B071-D223-B548-BC70-913C959E4430}"/>
-              </a:ext>
-            </a:extLst>
-          </p:cNvPr>
-          <p:cNvCxnSpPr>
-            <a:cxnSpLocks/>
-          </p:cNvCxnSpPr>
+          <p:cNvPr id="27" name="直线箭头连接符 26"/>
+          <p:cNvCxnSpPr/>
           <p:nvPr/>
         </p:nvCxnSpPr>
         <p:spPr>
@@ -7324,15 +7105,8 @@
       </p:cxnSp>
       <p:cxnSp>
         <p:nvCxnSpPr>
-          <p:cNvPr id="28" name="直线箭头连接符 27">
-            <a:extLst>
-              <a:ext uri="{FF2B5EF4-FFF2-40B4-BE49-F238E27FC236}">
-                <a16:creationId xmlns:a16="http://schemas.microsoft.com/office/drawing/2014/main" id="{82EF12EF-2682-5746-AC64-B4FE617BBAFB}"/>
-              </a:ext>
-            </a:extLst>
-          </p:cNvPr>
+          <p:cNvPr id="28" name="直线箭头连接符 27"/>
           <p:cNvCxnSpPr>
-            <a:cxnSpLocks/>
             <a:stCxn id="8" idx="2"/>
           </p:cNvCxnSpPr>
           <p:nvPr/>
@@ -7366,16 +7140,8 @@
       </p:cxnSp>
       <p:cxnSp>
         <p:nvCxnSpPr>
-          <p:cNvPr id="29" name="直线箭头连接符 28">
-            <a:extLst>
-              <a:ext uri="{FF2B5EF4-FFF2-40B4-BE49-F238E27FC236}">
-                <a16:creationId xmlns:a16="http://schemas.microsoft.com/office/drawing/2014/main" id="{83749E9A-E2C7-1F4A-8790-126304EA4678}"/>
-              </a:ext>
-            </a:extLst>
-          </p:cNvPr>
-          <p:cNvCxnSpPr>
-            <a:cxnSpLocks/>
-          </p:cNvCxnSpPr>
+          <p:cNvPr id="29" name="直线箭头连接符 28"/>
+          <p:cNvCxnSpPr/>
           <p:nvPr/>
         </p:nvCxnSpPr>
         <p:spPr>
@@ -7407,16 +7173,8 @@
       </p:cxnSp>
       <p:cxnSp>
         <p:nvCxnSpPr>
-          <p:cNvPr id="31" name="直线箭头连接符 30">
-            <a:extLst>
-              <a:ext uri="{FF2B5EF4-FFF2-40B4-BE49-F238E27FC236}">
-                <a16:creationId xmlns:a16="http://schemas.microsoft.com/office/drawing/2014/main" id="{FF519B70-6D07-E042-9708-E0DABAAEBA91}"/>
-              </a:ext>
-            </a:extLst>
-          </p:cNvPr>
-          <p:cNvCxnSpPr>
-            <a:cxnSpLocks/>
-          </p:cNvCxnSpPr>
+          <p:cNvPr id="31" name="直线箭头连接符 30"/>
+          <p:cNvCxnSpPr/>
           <p:nvPr/>
         </p:nvCxnSpPr>
         <p:spPr>
@@ -7448,16 +7206,8 @@
       </p:cxnSp>
       <p:cxnSp>
         <p:nvCxnSpPr>
-          <p:cNvPr id="35" name="直线箭头连接符 34">
-            <a:extLst>
-              <a:ext uri="{FF2B5EF4-FFF2-40B4-BE49-F238E27FC236}">
-                <a16:creationId xmlns:a16="http://schemas.microsoft.com/office/drawing/2014/main" id="{85DDAC36-BBA5-A84A-9490-04087DD5FD91}"/>
-              </a:ext>
-            </a:extLst>
-          </p:cNvPr>
-          <p:cNvCxnSpPr>
-            <a:cxnSpLocks/>
-          </p:cNvCxnSpPr>
+          <p:cNvPr id="35" name="直线箭头连接符 34"/>
+          <p:cNvCxnSpPr/>
           <p:nvPr/>
         </p:nvCxnSpPr>
         <p:spPr>
@@ -7489,16 +7239,8 @@
       </p:cxnSp>
       <p:cxnSp>
         <p:nvCxnSpPr>
-          <p:cNvPr id="37" name="直线箭头连接符 36">
-            <a:extLst>
-              <a:ext uri="{FF2B5EF4-FFF2-40B4-BE49-F238E27FC236}">
-                <a16:creationId xmlns:a16="http://schemas.microsoft.com/office/drawing/2014/main" id="{0B85952B-2BC6-254C-915C-9BB56AE0F8B9}"/>
-              </a:ext>
-            </a:extLst>
-          </p:cNvPr>
-          <p:cNvCxnSpPr>
-            <a:cxnSpLocks/>
-          </p:cNvCxnSpPr>
+          <p:cNvPr id="37" name="直线箭头连接符 36"/>
+          <p:cNvCxnSpPr/>
           <p:nvPr/>
         </p:nvCxnSpPr>
         <p:spPr>
@@ -7530,13 +7272,7 @@
       </p:cxnSp>
       <p:sp>
         <p:nvSpPr>
-          <p:cNvPr id="40" name="文本框 39">
-            <a:extLst>
-              <a:ext uri="{FF2B5EF4-FFF2-40B4-BE49-F238E27FC236}">
-                <a16:creationId xmlns:a16="http://schemas.microsoft.com/office/drawing/2014/main" id="{911BC363-89F3-EF4C-9C10-6007486A43E0}"/>
-              </a:ext>
-            </a:extLst>
-          </p:cNvPr>
+          <p:cNvPr id="40" name="文本框 39"/>
           <p:cNvSpPr txBox="1"/>
           <p:nvPr/>
         </p:nvSpPr>
@@ -7566,13 +7302,7 @@
       </p:sp>
       <p:sp>
         <p:nvSpPr>
-          <p:cNvPr id="42" name="文本框 41">
-            <a:extLst>
-              <a:ext uri="{FF2B5EF4-FFF2-40B4-BE49-F238E27FC236}">
-                <a16:creationId xmlns:a16="http://schemas.microsoft.com/office/drawing/2014/main" id="{12ADD44A-C821-7F40-B902-647EDD5FEFDD}"/>
-              </a:ext>
-            </a:extLst>
-          </p:cNvPr>
+          <p:cNvPr id="42" name="文本框 41"/>
           <p:cNvSpPr txBox="1"/>
           <p:nvPr/>
         </p:nvSpPr>
@@ -7602,16 +7332,8 @@
       </p:sp>
       <p:cxnSp>
         <p:nvCxnSpPr>
-          <p:cNvPr id="43" name="直线箭头连接符 42">
-            <a:extLst>
-              <a:ext uri="{FF2B5EF4-FFF2-40B4-BE49-F238E27FC236}">
-                <a16:creationId xmlns:a16="http://schemas.microsoft.com/office/drawing/2014/main" id="{42EFC7F4-FBE3-C24D-A3F6-6EF9A21654E2}"/>
-              </a:ext>
-            </a:extLst>
-          </p:cNvPr>
-          <p:cNvCxnSpPr>
-            <a:cxnSpLocks/>
-          </p:cNvCxnSpPr>
+          <p:cNvPr id="43" name="直线箭头连接符 42"/>
+          <p:cNvCxnSpPr/>
           <p:nvPr/>
         </p:nvCxnSpPr>
         <p:spPr>
@@ -7643,13 +7365,7 @@
       </p:cxnSp>
       <p:sp>
         <p:nvSpPr>
-          <p:cNvPr id="19" name="文本框 18">
-            <a:extLst>
-              <a:ext uri="{FF2B5EF4-FFF2-40B4-BE49-F238E27FC236}">
-                <a16:creationId xmlns:a16="http://schemas.microsoft.com/office/drawing/2014/main" id="{4147A926-6D4C-C446-87FF-F6E7FBC98D1F}"/>
-              </a:ext>
-            </a:extLst>
-          </p:cNvPr>
+          <p:cNvPr id="19" name="文本框 18"/>
           <p:cNvSpPr txBox="1"/>
           <p:nvPr/>
         </p:nvSpPr>
@@ -7687,16 +7403,8 @@
       </p:sp>
       <p:cxnSp>
         <p:nvCxnSpPr>
-          <p:cNvPr id="20" name="直线箭头连接符 19">
-            <a:extLst>
-              <a:ext uri="{FF2B5EF4-FFF2-40B4-BE49-F238E27FC236}">
-                <a16:creationId xmlns:a16="http://schemas.microsoft.com/office/drawing/2014/main" id="{38A6D509-8C1A-654A-8634-6607C50BA05B}"/>
-              </a:ext>
-            </a:extLst>
-          </p:cNvPr>
-          <p:cNvCxnSpPr>
-            <a:cxnSpLocks/>
-          </p:cNvCxnSpPr>
+          <p:cNvPr id="20" name="直线箭头连接符 19"/>
+          <p:cNvCxnSpPr/>
           <p:nvPr/>
         </p:nvCxnSpPr>
         <p:spPr>
@@ -7727,11 +7435,6 @@
         </p:style>
       </p:cxnSp>
     </p:spTree>
-    <p:extLst>
-      <p:ext uri="{BB962C8B-B14F-4D97-AF65-F5344CB8AC3E}">
-        <p14:creationId xmlns:p14="http://schemas.microsoft.com/office/powerpoint/2010/main" val="1720153635"/>
-      </p:ext>
-    </p:extLst>
   </p:cSld>
   <p:clrMapOvr>
     <a:masterClrMapping/>
@@ -7758,13 +7461,7 @@
       </p:grpSpPr>
       <p:sp>
         <p:nvSpPr>
-          <p:cNvPr id="2" name="标题 1">
-            <a:extLst>
-              <a:ext uri="{FF2B5EF4-FFF2-40B4-BE49-F238E27FC236}">
-                <a16:creationId xmlns:a16="http://schemas.microsoft.com/office/drawing/2014/main" id="{7577C46B-AB93-A648-A78F-AF1A3720C048}"/>
-              </a:ext>
-            </a:extLst>
-          </p:cNvPr>
+          <p:cNvPr id="2" name="标题 1"/>
           <p:cNvSpPr>
             <a:spLocks noGrp="1"/>
           </p:cNvSpPr>
@@ -7793,13 +7490,7 @@
         <mc:Choice xmlns:a14="http://schemas.microsoft.com/office/drawing/2010/main" Requires="a14">
           <p:sp>
             <p:nvSpPr>
-              <p:cNvPr id="3" name="内容占位符 2">
-                <a:extLst>
-                  <a:ext uri="{FF2B5EF4-FFF2-40B4-BE49-F238E27FC236}">
-                    <a16:creationId xmlns:a16="http://schemas.microsoft.com/office/drawing/2014/main" id="{B6BD1D89-38B8-1448-A0F7-0C550D9BB173}"/>
-                  </a:ext>
-                </a:extLst>
-              </p:cNvPr>
+              <p:cNvPr id="3" name="内容占位符 2"/>
               <p:cNvSpPr>
                 <a:spLocks noGrp="1"/>
               </p:cNvSpPr>
@@ -7816,6 +7507,7 @@
                   <a:rPr kumimoji="1" lang="en-US" altLang="zh-CN" dirty="0"/>
                   <a:t>Step #1: purification </a:t>
                 </a:r>
+                <a:endParaRPr kumimoji="1" lang="en-US" altLang="zh-CN" dirty="0"/>
               </a:p>
               <a:p>
                 <a:pPr lvl="1"/>
@@ -7823,12 +7515,14 @@
                   <a:rPr kumimoji="1" lang="en-US" altLang="zh-CN" dirty="0"/>
                   <a:t>Introduce auxiliary variables, so that different theories don’t mix</a:t>
                 </a:r>
+                <a:endParaRPr kumimoji="1" lang="en-US" altLang="zh-CN" dirty="0"/>
               </a:p>
               <a:p>
                 <a:r>
                   <a:rPr kumimoji="1" lang="en-US" altLang="zh-CN" dirty="0"/>
                   <a:t>Example with LA and EUF:</a:t>
                 </a:r>
+                <a:endParaRPr kumimoji="1" lang="en-US" altLang="zh-CN" dirty="0"/>
               </a:p>
               <a:p>
                 <a:pPr lvl="1"/>
@@ -7886,6 +7580,11 @@
                   </a:rPr>
                   <a:t>)</a:t>
                 </a:r>
+                <a:endParaRPr kumimoji="1" lang="en-US" altLang="zh-CN" dirty="0">
+                  <a:solidFill>
+                    <a:srgbClr val="FF0000"/>
+                  </a:solidFill>
+                </a:endParaRPr>
               </a:p>
               <a:p>
                 <a:pPr lvl="1"/>
@@ -7961,6 +7660,7 @@
                   <a:rPr kumimoji="1" lang="en-US" altLang="zh-CN" dirty="0"/>
                   <a:t> </a:t>
                 </a:r>
+                <a:endParaRPr kumimoji="1" lang="en-US" altLang="zh-CN" dirty="0"/>
               </a:p>
               <a:p>
                 <a:pPr marL="457200" lvl="1" indent="0">
@@ -8026,25 +7726,19 @@
         <mc:Fallback>
           <p:sp>
             <p:nvSpPr>
-              <p:cNvPr id="3" name="内容占位符 2">
-                <a:extLst>
-                  <a:ext uri="{FF2B5EF4-FFF2-40B4-BE49-F238E27FC236}">
-                    <a16:creationId xmlns:a16="http://schemas.microsoft.com/office/drawing/2014/main" id="{B6BD1D89-38B8-1448-A0F7-0C550D9BB173}"/>
-                  </a:ext>
-                </a:extLst>
-              </p:cNvPr>
+              <p:cNvPr id="3" name="内容占位符 2"/>
               <p:cNvSpPr>
-                <a:spLocks noGrp="1" noRot="1" noChangeAspect="1" noMove="1" noResize="1" noEditPoints="1" noAdjustHandles="1" noChangeArrowheads="1" noChangeShapeType="1" noTextEdit="1"/>
+                <a:spLocks noRot="1" noChangeAspect="1" noMove="1" noResize="1" noEditPoints="1" noAdjustHandles="1" noChangeArrowheads="1" noChangeShapeType="1" noTextEdit="1"/>
               </p:cNvSpPr>
               <p:nvPr>
                 <p:ph idx="1"/>
               </p:nvPr>
             </p:nvSpPr>
             <p:spPr>
-              <a:blipFill>
-                <a:blip r:embed="rId2"/>
+              <a:blipFill rotWithShape="1">
+                <a:blip r:embed="rId1"/>
                 <a:stretch>
-                  <a:fillRect l="-489" t="-1846"/>
+                  <a:fillRect l="-4" t="-8" r="4" b="8"/>
                 </a:stretch>
               </a:blipFill>
             </p:spPr>
@@ -8064,11 +7758,6 @@
         </mc:Fallback>
       </mc:AlternateContent>
     </p:spTree>
-    <p:extLst>
-      <p:ext uri="{BB962C8B-B14F-4D97-AF65-F5344CB8AC3E}">
-        <p14:creationId xmlns:p14="http://schemas.microsoft.com/office/powerpoint/2010/main" val="2091522033"/>
-      </p:ext>
-    </p:extLst>
   </p:cSld>
   <p:clrMapOvr>
     <a:masterClrMapping/>
@@ -8095,13 +7784,7 @@
       </p:grpSpPr>
       <p:sp>
         <p:nvSpPr>
-          <p:cNvPr id="2" name="标题 1">
-            <a:extLst>
-              <a:ext uri="{FF2B5EF4-FFF2-40B4-BE49-F238E27FC236}">
-                <a16:creationId xmlns:a16="http://schemas.microsoft.com/office/drawing/2014/main" id="{7577C46B-AB93-A648-A78F-AF1A3720C048}"/>
-              </a:ext>
-            </a:extLst>
-          </p:cNvPr>
+          <p:cNvPr id="2" name="标题 1"/>
           <p:cNvSpPr>
             <a:spLocks noGrp="1"/>
           </p:cNvSpPr>
@@ -8142,13 +7825,7 @@
         <mc:Choice xmlns:a14="http://schemas.microsoft.com/office/drawing/2010/main" Requires="a14">
           <p:sp>
             <p:nvSpPr>
-              <p:cNvPr id="3" name="内容占位符 2">
-                <a:extLst>
-                  <a:ext uri="{FF2B5EF4-FFF2-40B4-BE49-F238E27FC236}">
-                    <a16:creationId xmlns:a16="http://schemas.microsoft.com/office/drawing/2014/main" id="{B6BD1D89-38B8-1448-A0F7-0C550D9BB173}"/>
-                  </a:ext>
-                </a:extLst>
-              </p:cNvPr>
+              <p:cNvPr id="3" name="内容占位符 2"/>
               <p:cNvSpPr>
                 <a:spLocks noGrp="1"/>
               </p:cNvSpPr>
@@ -8338,6 +8015,7 @@
                   <a:rPr kumimoji="1" lang="en-US" altLang="zh-CN" dirty="0"/>
                   <a:t>a specific theory</a:t>
                 </a:r>
+                <a:endParaRPr kumimoji="1" lang="en-US" altLang="zh-CN" dirty="0"/>
               </a:p>
               <a:p>
                 <a:pPr lvl="1"/>
@@ -8365,6 +8043,7 @@
                   <a:rPr kumimoji="1" lang="en-US" altLang="zh-CN" dirty="0"/>
                   <a:t> are connected by variables</a:t>
                 </a:r>
+                <a:endParaRPr kumimoji="1" lang="en-US" altLang="zh-CN" dirty="0"/>
               </a:p>
               <a:p>
                 <a:r>
@@ -8423,6 +8102,11 @@
                   </a:rPr>
                   <a:t>UNSAT</a:t>
                 </a:r>
+                <a:endParaRPr kumimoji="1" lang="en-US" altLang="zh-CN" dirty="0">
+                  <a:solidFill>
+                    <a:srgbClr val="0432FF"/>
+                  </a:solidFill>
+                </a:endParaRPr>
               </a:p>
               <a:p>
                 <a:r>
@@ -8605,6 +8289,7 @@
                   <a:rPr kumimoji="1" lang="en-US" altLang="zh-CN" dirty="0"/>
                   <a:t> previous step</a:t>
                 </a:r>
+                <a:endParaRPr kumimoji="1" lang="en-US" altLang="zh-CN" dirty="0"/>
               </a:p>
               <a:p>
                 <a:pPr lvl="1"/>
@@ -8628,25 +8313,19 @@
         <mc:Fallback>
           <p:sp>
             <p:nvSpPr>
-              <p:cNvPr id="3" name="内容占位符 2">
-                <a:extLst>
-                  <a:ext uri="{FF2B5EF4-FFF2-40B4-BE49-F238E27FC236}">
-                    <a16:creationId xmlns:a16="http://schemas.microsoft.com/office/drawing/2014/main" id="{B6BD1D89-38B8-1448-A0F7-0C550D9BB173}"/>
-                  </a:ext>
-                </a:extLst>
-              </p:cNvPr>
+              <p:cNvPr id="3" name="内容占位符 2"/>
               <p:cNvSpPr>
-                <a:spLocks noGrp="1" noRot="1" noChangeAspect="1" noMove="1" noResize="1" noEditPoints="1" noAdjustHandles="1" noChangeArrowheads="1" noChangeShapeType="1" noTextEdit="1"/>
+                <a:spLocks noRot="1" noChangeAspect="1" noMove="1" noResize="1" noEditPoints="1" noAdjustHandles="1" noChangeArrowheads="1" noChangeShapeType="1" noTextEdit="1"/>
               </p:cNvSpPr>
               <p:nvPr>
                 <p:ph idx="1"/>
               </p:nvPr>
             </p:nvSpPr>
             <p:spPr>
-              <a:blipFill>
-                <a:blip r:embed="rId2"/>
+              <a:blipFill rotWithShape="1">
+                <a:blip r:embed="rId1"/>
                 <a:stretch>
-                  <a:fillRect l="-489" t="-1846" b="-7692"/>
+                  <a:fillRect l="-4" t="-8" r="4" b="-2400"/>
                 </a:stretch>
               </a:blipFill>
             </p:spPr>
@@ -8666,11 +8345,6 @@
         </mc:Fallback>
       </mc:AlternateContent>
     </p:spTree>
-    <p:extLst>
-      <p:ext uri="{BB962C8B-B14F-4D97-AF65-F5344CB8AC3E}">
-        <p14:creationId xmlns:p14="http://schemas.microsoft.com/office/powerpoint/2010/main" val="2948608764"/>
-      </p:ext>
-    </p:extLst>
   </p:cSld>
   <p:clrMapOvr>
     <a:masterClrMapping/>
@@ -8697,13 +8371,7 @@
       </p:grpSpPr>
       <p:sp>
         <p:nvSpPr>
-          <p:cNvPr id="2" name="标题 1">
-            <a:extLst>
-              <a:ext uri="{FF2B5EF4-FFF2-40B4-BE49-F238E27FC236}">
-                <a16:creationId xmlns:a16="http://schemas.microsoft.com/office/drawing/2014/main" id="{F83B1A98-5D2E-F84C-8A75-A8FC62CA10DB}"/>
-              </a:ext>
-            </a:extLst>
-          </p:cNvPr>
+          <p:cNvPr id="2" name="标题 1"/>
           <p:cNvSpPr>
             <a:spLocks noGrp="1"/>
           </p:cNvSpPr>
@@ -8728,13 +8396,7 @@
         <mc:Choice xmlns:a14="http://schemas.microsoft.com/office/drawing/2010/main" Requires="a14">
           <p:sp>
             <p:nvSpPr>
-              <p:cNvPr id="3" name="内容占位符 2">
-                <a:extLst>
-                  <a:ext uri="{FF2B5EF4-FFF2-40B4-BE49-F238E27FC236}">
-                    <a16:creationId xmlns:a16="http://schemas.microsoft.com/office/drawing/2014/main" id="{8EA67DCE-2389-6343-AFC1-54E1B9454D1E}"/>
-                  </a:ext>
-                </a:extLst>
-              </p:cNvPr>
+              <p:cNvPr id="3" name="内容占位符 2"/>
               <p:cNvSpPr>
                 <a:spLocks noGrp="1"/>
               </p:cNvSpPr>
@@ -8771,6 +8433,10 @@
                   </a:rPr>
                   <a:t>The initial proposition:</a:t>
                 </a:r>
+                <a:endParaRPr kumimoji="1" lang="en-US" altLang="zh-CN" sz="2000" b="1" dirty="0">
+                  <a:latin typeface="Courier New" panose="02070309020205020404" pitchFamily="49" charset="0"/>
+                  <a:cs typeface="Courier New" panose="02070309020205020404" pitchFamily="49" charset="0"/>
+                </a:endParaRPr>
               </a:p>
               <a:p>
                 <a:pPr marL="0" indent="0">
@@ -9134,6 +8800,13 @@
                   </a:rPr>
                   <a:t>) </a:t>
                 </a:r>
+                <a:endParaRPr kumimoji="1" lang="en-US" altLang="zh-CN" sz="2000" b="1" dirty="0">
+                  <a:solidFill>
+                    <a:srgbClr val="0432FF"/>
+                  </a:solidFill>
+                  <a:latin typeface="Courier New" panose="02070309020205020404" pitchFamily="49" charset="0"/>
+                  <a:cs typeface="Courier New" panose="02070309020205020404" pitchFamily="49" charset="0"/>
+                </a:endParaRPr>
               </a:p>
               <a:p>
                 <a:pPr marL="0" indent="0">
@@ -9172,6 +8845,10 @@
                   </a:rPr>
                   <a:t>After purification:</a:t>
                 </a:r>
+                <a:endParaRPr kumimoji="1" lang="en-US" altLang="zh-CN" sz="2000" b="1" dirty="0">
+                  <a:latin typeface="Courier New" panose="02070309020205020404" pitchFamily="49" charset="0"/>
+                  <a:cs typeface="Courier New" panose="02070309020205020404" pitchFamily="49" charset="0"/>
+                </a:endParaRPr>
               </a:p>
               <a:p>
                 <a:pPr marL="0" indent="0">
@@ -9773,6 +9450,13 @@
                   </a:rPr>
                   <a:t>)</a:t>
                 </a:r>
+                <a:endParaRPr kumimoji="1" lang="en-US" altLang="zh-CN" sz="2000" b="1" dirty="0">
+                  <a:solidFill>
+                    <a:srgbClr val="FF0000"/>
+                  </a:solidFill>
+                  <a:latin typeface="Courier New" panose="02070309020205020404" pitchFamily="49" charset="0"/>
+                  <a:cs typeface="Courier New" panose="02070309020205020404" pitchFamily="49" charset="0"/>
+                </a:endParaRPr>
               </a:p>
             </p:txBody>
           </p:sp>
@@ -9780,25 +9464,19 @@
         <mc:Fallback>
           <p:sp>
             <p:nvSpPr>
-              <p:cNvPr id="3" name="内容占位符 2">
-                <a:extLst>
-                  <a:ext uri="{FF2B5EF4-FFF2-40B4-BE49-F238E27FC236}">
-                    <a16:creationId xmlns:a16="http://schemas.microsoft.com/office/drawing/2014/main" id="{8EA67DCE-2389-6343-AFC1-54E1B9454D1E}"/>
-                  </a:ext>
-                </a:extLst>
-              </p:cNvPr>
+              <p:cNvPr id="3" name="内容占位符 2"/>
               <p:cNvSpPr>
-                <a:spLocks noGrp="1" noRot="1" noChangeAspect="1" noMove="1" noResize="1" noEditPoints="1" noAdjustHandles="1" noChangeArrowheads="1" noChangeShapeType="1" noTextEdit="1"/>
+                <a:spLocks noRot="1" noChangeAspect="1" noMove="1" noResize="1" noEditPoints="1" noAdjustHandles="1" noChangeArrowheads="1" noChangeShapeType="1" noTextEdit="1"/>
               </p:cNvSpPr>
               <p:nvPr>
                 <p:ph idx="1"/>
               </p:nvPr>
             </p:nvSpPr>
             <p:spPr>
-              <a:blipFill>
-                <a:blip r:embed="rId2"/>
+              <a:blipFill rotWithShape="1">
+                <a:blip r:embed="rId1"/>
                 <a:stretch>
-                  <a:fillRect l="-653" t="-615"/>
+                  <a:fillRect l="-4" t="-8" r="4" b="8"/>
                 </a:stretch>
               </a:blipFill>
             </p:spPr>
@@ -9818,11 +9496,6 @@
         </mc:Fallback>
       </mc:AlternateContent>
     </p:spTree>
-    <p:extLst>
-      <p:ext uri="{BB962C8B-B14F-4D97-AF65-F5344CB8AC3E}">
-        <p14:creationId xmlns:p14="http://schemas.microsoft.com/office/powerpoint/2010/main" val="1682153837"/>
-      </p:ext>
-    </p:extLst>
   </p:cSld>
   <p:clrMapOvr>
     <a:masterClrMapping/>
@@ -9849,13 +9522,7 @@
       </p:grpSpPr>
       <p:sp>
         <p:nvSpPr>
-          <p:cNvPr id="2" name="标题 1">
-            <a:extLst>
-              <a:ext uri="{FF2B5EF4-FFF2-40B4-BE49-F238E27FC236}">
-                <a16:creationId xmlns:a16="http://schemas.microsoft.com/office/drawing/2014/main" id="{F83B1A98-5D2E-F84C-8A75-A8FC62CA10DB}"/>
-              </a:ext>
-            </a:extLst>
-          </p:cNvPr>
+          <p:cNvPr id="2" name="标题 1"/>
           <p:cNvSpPr>
             <a:spLocks noGrp="1"/>
           </p:cNvSpPr>
@@ -9884,27 +9551,15 @@
           </a:p>
         </p:txBody>
       </p:sp>
-      <mc:AlternateContent xmlns:mc="http://schemas.openxmlformats.org/markup-compatibility/2006">
-        <mc:Choice xmlns:a14="http://schemas.microsoft.com/office/drawing/2010/main" Requires="a14">
+      <mc:AlternateContent xmlns:mc="http://schemas.openxmlformats.org/markup-compatibility/2006" xmlns:a14="http://schemas.microsoft.com/office/drawing/2010/main">
+        <mc:Choice Requires="a14">
           <p:graphicFrame>
             <p:nvGraphicFramePr>
-              <p:cNvPr id="6" name="表格 5">
-                <a:extLst>
-                  <a:ext uri="{FF2B5EF4-FFF2-40B4-BE49-F238E27FC236}">
-                    <a16:creationId xmlns:a16="http://schemas.microsoft.com/office/drawing/2014/main" id="{817E146E-AEAB-B744-875D-F0B364A52348}"/>
-                  </a:ext>
-                </a:extLst>
-              </p:cNvPr>
+              <p:cNvPr id="6" name="表格 5"/>
               <p:cNvGraphicFramePr>
                 <a:graphicFrameLocks noGrp="1"/>
               </p:cNvGraphicFramePr>
-              <p:nvPr>
-                <p:extLst>
-                  <p:ext uri="{D42A27DB-BD31-4B8C-83A1-F6EECF244321}">
-                    <p14:modId xmlns:p14="http://schemas.microsoft.com/office/powerpoint/2010/main" val="4019777356"/>
-                  </p:ext>
-                </p:extLst>
-              </p:nvPr>
+              <p:nvPr/>
             </p:nvGraphicFramePr>
             <p:xfrm>
               <a:off x="1524000" y="1981200"/>
@@ -9917,20 +9572,8 @@
                     <a:tableStyleId>{5C22544A-7EE6-4342-B048-85BDC9FD1C3A}</a:tableStyleId>
                   </a:tblPr>
                   <a:tblGrid>
-                    <a:gridCol w="1905000">
-                      <a:extLst>
-                        <a:ext uri="{9D8B030D-6E8A-4147-A177-3AD203B41FA5}">
-                          <a16:colId xmlns:a16="http://schemas.microsoft.com/office/drawing/2014/main" val="1962609606"/>
-                        </a:ext>
-                      </a:extLst>
-                    </a:gridCol>
-                    <a:gridCol w="2133600">
-                      <a:extLst>
-                        <a:ext uri="{9D8B030D-6E8A-4147-A177-3AD203B41FA5}">
-                          <a16:colId xmlns:a16="http://schemas.microsoft.com/office/drawing/2014/main" val="3571245434"/>
-                        </a:ext>
-                      </a:extLst>
-                    </a:gridCol>
+                    <a:gridCol w="1905000"/>
+                    <a:gridCol w="2133600"/>
                   </a:tblGrid>
                   <a:tr h="370840">
                     <a:tc>
@@ -9961,11 +9604,6 @@
                       </a:txBody>
                       <a:tcPr/>
                     </a:tc>
-                    <a:extLst>
-                      <a:ext uri="{0D108BD9-81ED-4DB2-BD59-A6C34878D82A}">
-                        <a16:rowId xmlns:a16="http://schemas.microsoft.com/office/drawing/2014/main" val="86062112"/>
-                      </a:ext>
-                    </a:extLst>
                   </a:tr>
                   <a:tr h="370840">
                     <a:tc>
@@ -9995,12 +9633,14 @@
                             <a:rPr lang="en-US" altLang="zh-CN" dirty="0"/>
                             <a:t>x1</a:t>
                           </a:r>
+                          <a:endParaRPr lang="en-US" altLang="zh-CN" dirty="0"/>
                         </a:p>
                         <a:p>
                           <a:r>
                             <a:rPr lang="en-US" altLang="zh-CN" dirty="0"/>
                             <a:t>x1-x3&gt;=x2</a:t>
                           </a:r>
+                          <a:endParaRPr lang="en-US" altLang="zh-CN" dirty="0"/>
                         </a:p>
                         <a:p>
                           <a:r>
@@ -10025,12 +9665,14 @@
                             <a:rPr lang="en-US" altLang="zh-CN" dirty="0"/>
                             <a:t>0</a:t>
                           </a:r>
+                          <a:endParaRPr lang="en-US" altLang="zh-CN" dirty="0"/>
                         </a:p>
                         <a:p>
                           <a:r>
                             <a:rPr lang="en-US" altLang="zh-CN" dirty="0"/>
                             <a:t>t1=t2-t3</a:t>
                           </a:r>
+                          <a:endParaRPr lang="en-US" altLang="zh-CN" dirty="0"/>
                         </a:p>
                         <a:p>
                           <a:endParaRPr lang="en-US" altLang="zh-CN" dirty="0"/>
@@ -10060,13 +9702,13 @@
                             <a:buSzTx/>
                             <a:buFontTx/>
                             <a:buNone/>
-                            <a:tabLst/>
                             <a:defRPr/>
                           </a:pPr>
                           <a:r>
                             <a:rPr lang="en-US" altLang="zh-CN" dirty="0"/>
                             <a:t>f(t1) != f(x3)</a:t>
                           </a:r>
+                          <a:endParaRPr lang="en-US" altLang="zh-CN" dirty="0"/>
                         </a:p>
                         <a:p>
                           <a:pPr marL="0" marR="0" indent="0" algn="l" defTabSz="914400" rtl="0" eaLnBrk="1" fontAlgn="auto" latinLnBrk="0" hangingPunct="1">
@@ -10083,13 +9725,13 @@
                             <a:buSzTx/>
                             <a:buFontTx/>
                             <a:buNone/>
-                            <a:tabLst/>
                             <a:defRPr/>
                           </a:pPr>
                           <a:r>
                             <a:rPr lang="en-US" altLang="zh-CN" dirty="0"/>
                             <a:t>t2=f(x1)</a:t>
                           </a:r>
+                          <a:endParaRPr lang="en-US" altLang="zh-CN" dirty="0"/>
                         </a:p>
                         <a:p>
                           <a:pPr marL="0" marR="0" indent="0" algn="l" defTabSz="914400" rtl="0" eaLnBrk="1" fontAlgn="auto" latinLnBrk="0" hangingPunct="1">
@@ -10106,13 +9748,13 @@
                             <a:buSzTx/>
                             <a:buFontTx/>
                             <a:buNone/>
-                            <a:tabLst/>
                             <a:defRPr/>
                           </a:pPr>
                           <a:r>
                             <a:rPr lang="en-US" altLang="zh-CN" dirty="0"/>
                             <a:t>t3=f(x2)</a:t>
                           </a:r>
+                          <a:endParaRPr lang="en-US" altLang="zh-CN" dirty="0"/>
                         </a:p>
                         <a:p>
                           <a:pPr marL="0" marR="0" indent="0" algn="l" defTabSz="914400" rtl="0" eaLnBrk="1" fontAlgn="auto" latinLnBrk="0" hangingPunct="1">
@@ -10129,7 +9771,6 @@
                             <a:buSzTx/>
                             <a:buFontTx/>
                             <a:buNone/>
-                            <a:tabLst/>
                             <a:defRPr/>
                           </a:pPr>
                           <a:endParaRPr lang="en-US" altLang="zh-CN" dirty="0"/>
@@ -10149,7 +9790,6 @@
                             <a:buSzTx/>
                             <a:buFontTx/>
                             <a:buNone/>
-                            <a:tabLst/>
                             <a:defRPr/>
                           </a:pPr>
                           <a:endParaRPr lang="en-US" altLang="zh-CN" dirty="0"/>
@@ -10169,7 +9809,6 @@
                             <a:buSzTx/>
                             <a:buFontTx/>
                             <a:buNone/>
-                            <a:tabLst/>
                             <a:defRPr/>
                           </a:pPr>
                           <a:endParaRPr lang="en-US" altLang="zh-CN" dirty="0"/>
@@ -10189,7 +9828,6 @@
                             <a:buSzTx/>
                             <a:buFontTx/>
                             <a:buNone/>
-                            <a:tabLst/>
                             <a:defRPr/>
                           </a:pPr>
                           <a:endParaRPr lang="en-US" altLang="zh-CN" dirty="0"/>
@@ -10209,7 +9847,6 @@
                             <a:buSzTx/>
                             <a:buFontTx/>
                             <a:buNone/>
-                            <a:tabLst/>
                             <a:defRPr/>
                           </a:pPr>
                           <a:endParaRPr lang="en-US" altLang="zh-CN" dirty="0"/>
@@ -10229,7 +9866,6 @@
                             <a:buSzTx/>
                             <a:buFontTx/>
                             <a:buNone/>
-                            <a:tabLst/>
                             <a:defRPr/>
                           </a:pPr>
                           <a:endParaRPr lang="en-US" altLang="zh-CN" dirty="0"/>
@@ -10249,7 +9885,6 @@
                             <a:buSzTx/>
                             <a:buFontTx/>
                             <a:buNone/>
-                            <a:tabLst/>
                             <a:defRPr/>
                           </a:pPr>
                           <a:endParaRPr lang="zh-CN" altLang="en-US" dirty="0"/>
@@ -10257,37 +9892,20 @@
                       </a:txBody>
                       <a:tcPr/>
                     </a:tc>
-                    <a:extLst>
-                      <a:ext uri="{0D108BD9-81ED-4DB2-BD59-A6C34878D82A}">
-                        <a16:rowId xmlns:a16="http://schemas.microsoft.com/office/drawing/2014/main" val="4251767671"/>
-                      </a:ext>
-                    </a:extLst>
                   </a:tr>
                 </a:tbl>
               </a:graphicData>
             </a:graphic>
           </p:graphicFrame>
         </mc:Choice>
-        <mc:Fallback>
+        <mc:Fallback xmlns="">
           <p:graphicFrame>
             <p:nvGraphicFramePr>
-              <p:cNvPr id="6" name="表格 5">
-                <a:extLst>
-                  <a:ext uri="{FF2B5EF4-FFF2-40B4-BE49-F238E27FC236}">
-                    <a16:creationId xmlns:a16="http://schemas.microsoft.com/office/drawing/2014/main" id="{817E146E-AEAB-B744-875D-F0B364A52348}"/>
-                  </a:ext>
-                </a:extLst>
-              </p:cNvPr>
+              <p:cNvPr id="6" name="表格 5"/>
               <p:cNvGraphicFramePr>
                 <a:graphicFrameLocks noGrp="1"/>
               </p:cNvGraphicFramePr>
-              <p:nvPr>
-                <p:extLst>
-                  <p:ext uri="{D42A27DB-BD31-4B8C-83A1-F6EECF244321}">
-                    <p14:modId xmlns:p14="http://schemas.microsoft.com/office/powerpoint/2010/main" val="4019777356"/>
-                  </p:ext>
-                </p:extLst>
-              </p:nvPr>
+              <p:nvPr/>
             </p:nvGraphicFramePr>
             <p:xfrm>
               <a:off x="1524000" y="1981200"/>
@@ -10300,20 +9918,8 @@
                     <a:tableStyleId>{5C22544A-7EE6-4342-B048-85BDC9FD1C3A}</a:tableStyleId>
                   </a:tblPr>
                   <a:tblGrid>
-                    <a:gridCol w="1905000">
-                      <a:extLst>
-                        <a:ext uri="{9D8B030D-6E8A-4147-A177-3AD203B41FA5}">
-                          <a16:colId xmlns:a16="http://schemas.microsoft.com/office/drawing/2014/main" val="1962609606"/>
-                        </a:ext>
-                      </a:extLst>
-                    </a:gridCol>
-                    <a:gridCol w="2133600">
-                      <a:extLst>
-                        <a:ext uri="{9D8B030D-6E8A-4147-A177-3AD203B41FA5}">
-                          <a16:colId xmlns:a16="http://schemas.microsoft.com/office/drawing/2014/main" val="3571245434"/>
-                        </a:ext>
-                      </a:extLst>
-                    </a:gridCol>
+                    <a:gridCol w="1905000"/>
+                    <a:gridCol w="2133600"/>
                   </a:tblGrid>
                   <a:tr h="370840">
                     <a:tc>
@@ -10344,11 +9950,6 @@
                       </a:txBody>
                       <a:tcPr/>
                     </a:tc>
-                    <a:extLst>
-                      <a:ext uri="{0D108BD9-81ED-4DB2-BD59-A6C34878D82A}">
-                        <a16:rowId xmlns:a16="http://schemas.microsoft.com/office/drawing/2014/main" val="86062112"/>
-                      </a:ext>
-                    </a:extLst>
                   </a:tr>
                   <a:tr h="2834640">
                     <a:tc>
@@ -10361,10 +9962,7 @@
                       </a:txBody>
                       <a:tcPr>
                         <a:blipFill>
-                          <a:blip r:embed="rId2"/>
-                          <a:stretch>
-                            <a:fillRect l="-667" t="-13839" r="-113333"/>
-                          </a:stretch>
+                          <a:blip r:embed="rId1"/>
                         </a:blipFill>
                       </a:tcPr>
                     </a:tc>
@@ -10387,13 +9985,13 @@
                             <a:buSzTx/>
                             <a:buFontTx/>
                             <a:buNone/>
-                            <a:tabLst/>
                             <a:defRPr/>
                           </a:pPr>
                           <a:r>
                             <a:rPr lang="en-US" altLang="zh-CN" dirty="0"/>
                             <a:t>f(t1) != f(x3)</a:t>
                           </a:r>
+                          <a:endParaRPr lang="en-US" altLang="zh-CN" dirty="0"/>
                         </a:p>
                         <a:p>
                           <a:pPr marL="0" marR="0" indent="0" algn="l" defTabSz="914400" rtl="0" eaLnBrk="1" fontAlgn="auto" latinLnBrk="0" hangingPunct="1">
@@ -10410,13 +10008,13 @@
                             <a:buSzTx/>
                             <a:buFontTx/>
                             <a:buNone/>
-                            <a:tabLst/>
                             <a:defRPr/>
                           </a:pPr>
                           <a:r>
                             <a:rPr lang="en-US" altLang="zh-CN" dirty="0"/>
                             <a:t>t2=f(x1)</a:t>
                           </a:r>
+                          <a:endParaRPr lang="en-US" altLang="zh-CN" dirty="0"/>
                         </a:p>
                         <a:p>
                           <a:pPr marL="0" marR="0" indent="0" algn="l" defTabSz="914400" rtl="0" eaLnBrk="1" fontAlgn="auto" latinLnBrk="0" hangingPunct="1">
@@ -10433,13 +10031,13 @@
                             <a:buSzTx/>
                             <a:buFontTx/>
                             <a:buNone/>
-                            <a:tabLst/>
                             <a:defRPr/>
                           </a:pPr>
                           <a:r>
                             <a:rPr lang="en-US" altLang="zh-CN" dirty="0"/>
                             <a:t>t3=f(x2)</a:t>
                           </a:r>
+                          <a:endParaRPr lang="en-US" altLang="zh-CN" dirty="0"/>
                         </a:p>
                         <a:p>
                           <a:pPr marL="0" marR="0" indent="0" algn="l" defTabSz="914400" rtl="0" eaLnBrk="1" fontAlgn="auto" latinLnBrk="0" hangingPunct="1">
@@ -10456,7 +10054,6 @@
                             <a:buSzTx/>
                             <a:buFontTx/>
                             <a:buNone/>
-                            <a:tabLst/>
                             <a:defRPr/>
                           </a:pPr>
                           <a:endParaRPr lang="en-US" altLang="zh-CN" dirty="0"/>
@@ -10476,7 +10073,6 @@
                             <a:buSzTx/>
                             <a:buFontTx/>
                             <a:buNone/>
-                            <a:tabLst/>
                             <a:defRPr/>
                           </a:pPr>
                           <a:endParaRPr lang="en-US" altLang="zh-CN" dirty="0"/>
@@ -10496,7 +10092,6 @@
                             <a:buSzTx/>
                             <a:buFontTx/>
                             <a:buNone/>
-                            <a:tabLst/>
                             <a:defRPr/>
                           </a:pPr>
                           <a:endParaRPr lang="en-US" altLang="zh-CN" dirty="0"/>
@@ -10516,7 +10111,6 @@
                             <a:buSzTx/>
                             <a:buFontTx/>
                             <a:buNone/>
-                            <a:tabLst/>
                             <a:defRPr/>
                           </a:pPr>
                           <a:endParaRPr lang="en-US" altLang="zh-CN" dirty="0"/>
@@ -10536,7 +10130,6 @@
                             <a:buSzTx/>
                             <a:buFontTx/>
                             <a:buNone/>
-                            <a:tabLst/>
                             <a:defRPr/>
                           </a:pPr>
                           <a:endParaRPr lang="en-US" altLang="zh-CN" dirty="0"/>
@@ -10556,7 +10149,6 @@
                             <a:buSzTx/>
                             <a:buFontTx/>
                             <a:buNone/>
-                            <a:tabLst/>
                             <a:defRPr/>
                           </a:pPr>
                           <a:endParaRPr lang="en-US" altLang="zh-CN" dirty="0"/>
@@ -10576,7 +10168,6 @@
                             <a:buSzTx/>
                             <a:buFontTx/>
                             <a:buNone/>
-                            <a:tabLst/>
                             <a:defRPr/>
                           </a:pPr>
                           <a:endParaRPr lang="zh-CN" altLang="en-US" dirty="0"/>
@@ -10584,11 +10175,6 @@
                       </a:txBody>
                       <a:tcPr/>
                     </a:tc>
-                    <a:extLst>
-                      <a:ext uri="{0D108BD9-81ED-4DB2-BD59-A6C34878D82A}">
-                        <a16:rowId xmlns:a16="http://schemas.microsoft.com/office/drawing/2014/main" val="4251767671"/>
-                      </a:ext>
-                    </a:extLst>
                   </a:tr>
                 </a:tbl>
               </a:graphicData>
@@ -10598,13 +10184,7 @@
       </mc:AlternateContent>
       <p:sp>
         <p:nvSpPr>
-          <p:cNvPr id="10" name="文本框 9">
-            <a:extLst>
-              <a:ext uri="{FF2B5EF4-FFF2-40B4-BE49-F238E27FC236}">
-                <a16:creationId xmlns:a16="http://schemas.microsoft.com/office/drawing/2014/main" id="{0273F096-EFA3-3E49-9A33-01F34DF77009}"/>
-              </a:ext>
-            </a:extLst>
-          </p:cNvPr>
+          <p:cNvPr id="10" name="文本框 9"/>
           <p:cNvSpPr txBox="1"/>
           <p:nvPr/>
         </p:nvSpPr>
@@ -10642,13 +10222,7 @@
       </p:sp>
       <p:sp>
         <p:nvSpPr>
-          <p:cNvPr id="11" name="文本框 10">
-            <a:extLst>
-              <a:ext uri="{FF2B5EF4-FFF2-40B4-BE49-F238E27FC236}">
-                <a16:creationId xmlns:a16="http://schemas.microsoft.com/office/drawing/2014/main" id="{2ACFD3C0-A868-4948-A8AE-0B7CE9CF63FB}"/>
-              </a:ext>
-            </a:extLst>
-          </p:cNvPr>
+          <p:cNvPr id="11" name="文本框 10"/>
           <p:cNvSpPr txBox="1"/>
           <p:nvPr/>
         </p:nvSpPr>
@@ -10686,13 +10260,7 @@
       </p:sp>
       <p:sp>
         <p:nvSpPr>
-          <p:cNvPr id="14" name="文本框 13">
-            <a:extLst>
-              <a:ext uri="{FF2B5EF4-FFF2-40B4-BE49-F238E27FC236}">
-                <a16:creationId xmlns:a16="http://schemas.microsoft.com/office/drawing/2014/main" id="{373FB13B-AB00-404A-BF51-0D07613D08D7}"/>
-              </a:ext>
-            </a:extLst>
-          </p:cNvPr>
+          <p:cNvPr id="14" name="文本框 13"/>
           <p:cNvSpPr txBox="1"/>
           <p:nvPr/>
         </p:nvSpPr>
@@ -10730,13 +10298,7 @@
       </p:sp>
       <p:sp>
         <p:nvSpPr>
-          <p:cNvPr id="17" name="文本框 16">
-            <a:extLst>
-              <a:ext uri="{FF2B5EF4-FFF2-40B4-BE49-F238E27FC236}">
-                <a16:creationId xmlns:a16="http://schemas.microsoft.com/office/drawing/2014/main" id="{BEBA429A-B63F-534A-B4C5-BD36393CD364}"/>
-              </a:ext>
-            </a:extLst>
-          </p:cNvPr>
+          <p:cNvPr id="17" name="文本框 16"/>
           <p:cNvSpPr txBox="1"/>
           <p:nvPr/>
         </p:nvSpPr>
@@ -10774,13 +10336,7 @@
       </p:sp>
       <p:sp>
         <p:nvSpPr>
-          <p:cNvPr id="18" name="文本框 17">
-            <a:extLst>
-              <a:ext uri="{FF2B5EF4-FFF2-40B4-BE49-F238E27FC236}">
-                <a16:creationId xmlns:a16="http://schemas.microsoft.com/office/drawing/2014/main" id="{444BECEE-9BAA-0243-AA1E-686CB19B8385}"/>
-              </a:ext>
-            </a:extLst>
-          </p:cNvPr>
+          <p:cNvPr id="18" name="文本框 17"/>
           <p:cNvSpPr txBox="1"/>
           <p:nvPr/>
         </p:nvSpPr>
@@ -10810,13 +10366,7 @@
       </p:sp>
       <p:sp>
         <p:nvSpPr>
-          <p:cNvPr id="20" name="文本框 19">
-            <a:extLst>
-              <a:ext uri="{FF2B5EF4-FFF2-40B4-BE49-F238E27FC236}">
-                <a16:creationId xmlns:a16="http://schemas.microsoft.com/office/drawing/2014/main" id="{696EAE0B-D4D9-1F47-8531-F1DDB747385A}"/>
-              </a:ext>
-            </a:extLst>
-          </p:cNvPr>
+          <p:cNvPr id="20" name="文本框 19"/>
           <p:cNvSpPr txBox="1"/>
           <p:nvPr/>
         </p:nvSpPr>
@@ -10854,13 +10404,7 @@
       </p:sp>
       <p:sp>
         <p:nvSpPr>
-          <p:cNvPr id="21" name="文本框 20">
-            <a:extLst>
-              <a:ext uri="{FF2B5EF4-FFF2-40B4-BE49-F238E27FC236}">
-                <a16:creationId xmlns:a16="http://schemas.microsoft.com/office/drawing/2014/main" id="{B67AAFF4-0C2D-3F4D-858C-C68F9F7D9BF0}"/>
-              </a:ext>
-            </a:extLst>
-          </p:cNvPr>
+          <p:cNvPr id="21" name="文本框 20"/>
           <p:cNvSpPr txBox="1"/>
           <p:nvPr/>
         </p:nvSpPr>
@@ -10890,13 +10434,7 @@
       </p:sp>
       <p:sp>
         <p:nvSpPr>
-          <p:cNvPr id="22" name="文本框 21">
-            <a:extLst>
-              <a:ext uri="{FF2B5EF4-FFF2-40B4-BE49-F238E27FC236}">
-                <a16:creationId xmlns:a16="http://schemas.microsoft.com/office/drawing/2014/main" id="{99CA9E02-FF83-3B41-9506-7F85F407690E}"/>
-              </a:ext>
-            </a:extLst>
-          </p:cNvPr>
+          <p:cNvPr id="22" name="文本框 21"/>
           <p:cNvSpPr txBox="1"/>
           <p:nvPr/>
         </p:nvSpPr>
@@ -10926,13 +10464,7 @@
       </p:sp>
       <p:sp>
         <p:nvSpPr>
-          <p:cNvPr id="25" name="文本框 24">
-            <a:extLst>
-              <a:ext uri="{FF2B5EF4-FFF2-40B4-BE49-F238E27FC236}">
-                <a16:creationId xmlns:a16="http://schemas.microsoft.com/office/drawing/2014/main" id="{0046BE4C-270F-2C48-87D4-A3A4AB42C475}"/>
-              </a:ext>
-            </a:extLst>
-          </p:cNvPr>
+          <p:cNvPr id="25" name="文本框 24"/>
           <p:cNvSpPr txBox="1"/>
           <p:nvPr/>
         </p:nvSpPr>
@@ -10962,13 +10494,7 @@
       </p:sp>
       <p:sp>
         <p:nvSpPr>
-          <p:cNvPr id="3" name="右箭头 2">
-            <a:extLst>
-              <a:ext uri="{FF2B5EF4-FFF2-40B4-BE49-F238E27FC236}">
-                <a16:creationId xmlns:a16="http://schemas.microsoft.com/office/drawing/2014/main" id="{1800E387-87D9-2843-913F-DBEBDF485DF8}"/>
-              </a:ext>
-            </a:extLst>
-          </p:cNvPr>
+          <p:cNvPr id="3" name="右箭头 2"/>
           <p:cNvSpPr/>
           <p:nvPr/>
         </p:nvSpPr>
@@ -11008,13 +10534,7 @@
       </p:sp>
       <p:sp>
         <p:nvSpPr>
-          <p:cNvPr id="4" name="文本框 3">
-            <a:extLst>
-              <a:ext uri="{FF2B5EF4-FFF2-40B4-BE49-F238E27FC236}">
-                <a16:creationId xmlns:a16="http://schemas.microsoft.com/office/drawing/2014/main" id="{3306EE38-C810-FA4C-9D88-0DBADB79AE1F}"/>
-              </a:ext>
-            </a:extLst>
-          </p:cNvPr>
+          <p:cNvPr id="4" name="文本框 3"/>
           <p:cNvSpPr txBox="1"/>
           <p:nvPr/>
         </p:nvSpPr>
@@ -11044,13 +10564,7 @@
       </p:sp>
       <p:sp>
         <p:nvSpPr>
-          <p:cNvPr id="15" name="右箭头 14">
-            <a:extLst>
-              <a:ext uri="{FF2B5EF4-FFF2-40B4-BE49-F238E27FC236}">
-                <a16:creationId xmlns:a16="http://schemas.microsoft.com/office/drawing/2014/main" id="{E4768738-37CC-5546-AD9F-9AE7F43CE611}"/>
-              </a:ext>
-            </a:extLst>
-          </p:cNvPr>
+          <p:cNvPr id="15" name="右箭头 14"/>
           <p:cNvSpPr/>
           <p:nvPr/>
         </p:nvSpPr>
@@ -11090,13 +10604,7 @@
       </p:sp>
       <p:sp>
         <p:nvSpPr>
-          <p:cNvPr id="16" name="右箭头 15">
-            <a:extLst>
-              <a:ext uri="{FF2B5EF4-FFF2-40B4-BE49-F238E27FC236}">
-                <a16:creationId xmlns:a16="http://schemas.microsoft.com/office/drawing/2014/main" id="{94AEF329-7220-5947-AAC4-159EDEDC63FF}"/>
-              </a:ext>
-            </a:extLst>
-          </p:cNvPr>
+          <p:cNvPr id="16" name="右箭头 15"/>
           <p:cNvSpPr/>
           <p:nvPr/>
         </p:nvSpPr>
@@ -11136,13 +10644,7 @@
       </p:sp>
       <p:sp>
         <p:nvSpPr>
-          <p:cNvPr id="19" name="文本框 18">
-            <a:extLst>
-              <a:ext uri="{FF2B5EF4-FFF2-40B4-BE49-F238E27FC236}">
-                <a16:creationId xmlns:a16="http://schemas.microsoft.com/office/drawing/2014/main" id="{F1E96317-3A56-714C-9F7E-50B9FD2ED69A}"/>
-              </a:ext>
-            </a:extLst>
-          </p:cNvPr>
+          <p:cNvPr id="19" name="文本框 18"/>
           <p:cNvSpPr txBox="1"/>
           <p:nvPr/>
         </p:nvSpPr>
@@ -11211,11 +10713,6 @@
         </p:txBody>
       </p:sp>
     </p:spTree>
-    <p:extLst>
-      <p:ext uri="{BB962C8B-B14F-4D97-AF65-F5344CB8AC3E}">
-        <p14:creationId xmlns:p14="http://schemas.microsoft.com/office/powerpoint/2010/main" val="2360683049"/>
-      </p:ext>
-    </p:extLst>
   </p:cSld>
   <p:clrMapOvr>
     <a:masterClrMapping/>
@@ -11994,13 +11491,7 @@
       </p:grpSpPr>
       <p:sp>
         <p:nvSpPr>
-          <p:cNvPr id="2" name="标题 1">
-            <a:extLst>
-              <a:ext uri="{FF2B5EF4-FFF2-40B4-BE49-F238E27FC236}">
-                <a16:creationId xmlns:a16="http://schemas.microsoft.com/office/drawing/2014/main" id="{F83B1A98-5D2E-F84C-8A75-A8FC62CA10DB}"/>
-              </a:ext>
-            </a:extLst>
-          </p:cNvPr>
+          <p:cNvPr id="2" name="标题 1"/>
           <p:cNvSpPr>
             <a:spLocks noGrp="1"/>
           </p:cNvSpPr>
@@ -12025,13 +11516,7 @@
         <mc:Choice xmlns:a14="http://schemas.microsoft.com/office/drawing/2010/main" Requires="a14">
           <p:sp>
             <p:nvSpPr>
-              <p:cNvPr id="3" name="内容占位符 2">
-                <a:extLst>
-                  <a:ext uri="{FF2B5EF4-FFF2-40B4-BE49-F238E27FC236}">
-                    <a16:creationId xmlns:a16="http://schemas.microsoft.com/office/drawing/2014/main" id="{8EA67DCE-2389-6343-AFC1-54E1B9454D1E}"/>
-                  </a:ext>
-                </a:extLst>
-              </p:cNvPr>
+              <p:cNvPr id="3" name="内容占位符 2"/>
               <p:cNvSpPr>
                 <a:spLocks noGrp="1"/>
               </p:cNvSpPr>
@@ -12068,6 +11553,10 @@
                   </a:rPr>
                   <a:t>The initial proposition:</a:t>
                 </a:r>
+                <a:endParaRPr kumimoji="1" lang="en-US" altLang="zh-CN" sz="2000" b="1" dirty="0">
+                  <a:latin typeface="Courier New" panose="02070309020205020404" pitchFamily="49" charset="0"/>
+                  <a:cs typeface="Courier New" panose="02070309020205020404" pitchFamily="49" charset="0"/>
+                </a:endParaRPr>
               </a:p>
               <a:p>
                 <a:pPr marL="0" indent="0">
@@ -12221,6 +11710,13 @@
                   </a:rPr>
                   <a:t> ~p(0)</a:t>
                 </a:r>
+                <a:endParaRPr kumimoji="1" lang="en-US" altLang="zh-CN" sz="2000" b="1" dirty="0">
+                  <a:solidFill>
+                    <a:srgbClr val="0432FF"/>
+                  </a:solidFill>
+                  <a:latin typeface="Courier New" panose="02070309020205020404" pitchFamily="49" charset="0"/>
+                  <a:cs typeface="Courier New" panose="02070309020205020404" pitchFamily="49" charset="0"/>
+                </a:endParaRPr>
               </a:p>
               <a:p>
                 <a:pPr marL="0" indent="0">
@@ -12259,6 +11755,10 @@
                   </a:rPr>
                   <a:t>After purification:</a:t>
                 </a:r>
+                <a:endParaRPr kumimoji="1" lang="en-US" altLang="zh-CN" sz="2000" b="1" dirty="0">
+                  <a:latin typeface="Courier New" panose="02070309020205020404" pitchFamily="49" charset="0"/>
+                  <a:cs typeface="Courier New" panose="02070309020205020404" pitchFamily="49" charset="0"/>
+                </a:endParaRPr>
               </a:p>
               <a:p>
                 <a:pPr marL="0" indent="0">
@@ -12683,6 +12183,13 @@
                   </a:rPr>
                   <a:t>t3 = 0</a:t>
                 </a:r>
+                <a:endParaRPr kumimoji="1" lang="en-US" altLang="zh-CN" sz="2000" b="1" dirty="0">
+                  <a:solidFill>
+                    <a:srgbClr val="0432FF"/>
+                  </a:solidFill>
+                  <a:latin typeface="Courier New" panose="02070309020205020404" pitchFamily="49" charset="0"/>
+                  <a:cs typeface="Courier New" panose="02070309020205020404" pitchFamily="49" charset="0"/>
+                </a:endParaRPr>
               </a:p>
             </p:txBody>
           </p:sp>
@@ -12690,25 +12197,19 @@
         <mc:Fallback>
           <p:sp>
             <p:nvSpPr>
-              <p:cNvPr id="3" name="内容占位符 2">
-                <a:extLst>
-                  <a:ext uri="{FF2B5EF4-FFF2-40B4-BE49-F238E27FC236}">
-                    <a16:creationId xmlns:a16="http://schemas.microsoft.com/office/drawing/2014/main" id="{8EA67DCE-2389-6343-AFC1-54E1B9454D1E}"/>
-                  </a:ext>
-                </a:extLst>
-              </p:cNvPr>
+              <p:cNvPr id="3" name="内容占位符 2"/>
               <p:cNvSpPr>
-                <a:spLocks noGrp="1" noRot="1" noChangeAspect="1" noMove="1" noResize="1" noEditPoints="1" noAdjustHandles="1" noChangeArrowheads="1" noChangeShapeType="1" noTextEdit="1"/>
+                <a:spLocks noRot="1" noChangeAspect="1" noMove="1" noResize="1" noEditPoints="1" noAdjustHandles="1" noChangeArrowheads="1" noChangeShapeType="1" noTextEdit="1"/>
               </p:cNvSpPr>
               <p:nvPr>
                 <p:ph idx="1"/>
               </p:nvPr>
             </p:nvSpPr>
             <p:spPr>
-              <a:blipFill>
-                <a:blip r:embed="rId2"/>
+              <a:blipFill rotWithShape="1">
+                <a:blip r:embed="rId1"/>
                 <a:stretch>
-                  <a:fillRect l="-653" t="-615"/>
+                  <a:fillRect l="-4" t="-8" r="4" b="8"/>
                 </a:stretch>
               </a:blipFill>
             </p:spPr>
@@ -12728,11 +12229,6 @@
         </mc:Fallback>
       </mc:AlternateContent>
     </p:spTree>
-    <p:extLst>
-      <p:ext uri="{BB962C8B-B14F-4D97-AF65-F5344CB8AC3E}">
-        <p14:creationId xmlns:p14="http://schemas.microsoft.com/office/powerpoint/2010/main" val="539919153"/>
-      </p:ext>
-    </p:extLst>
   </p:cSld>
   <p:clrMapOvr>
     <a:masterClrMapping/>
@@ -12759,13 +12255,7 @@
       </p:grpSpPr>
       <p:sp>
         <p:nvSpPr>
-          <p:cNvPr id="2" name="标题 1">
-            <a:extLst>
-              <a:ext uri="{FF2B5EF4-FFF2-40B4-BE49-F238E27FC236}">
-                <a16:creationId xmlns:a16="http://schemas.microsoft.com/office/drawing/2014/main" id="{F83B1A98-5D2E-F84C-8A75-A8FC62CA10DB}"/>
-              </a:ext>
-            </a:extLst>
-          </p:cNvPr>
+          <p:cNvPr id="2" name="标题 1"/>
           <p:cNvSpPr>
             <a:spLocks noGrp="1"/>
           </p:cNvSpPr>
@@ -12794,27 +12284,15 @@
           </a:p>
         </p:txBody>
       </p:sp>
-      <mc:AlternateContent xmlns:mc="http://schemas.openxmlformats.org/markup-compatibility/2006">
-        <mc:Choice xmlns:a14="http://schemas.microsoft.com/office/drawing/2010/main" Requires="a14">
+      <mc:AlternateContent xmlns:mc="http://schemas.openxmlformats.org/markup-compatibility/2006" xmlns:a14="http://schemas.microsoft.com/office/drawing/2010/main">
+        <mc:Choice Requires="a14">
           <p:graphicFrame>
             <p:nvGraphicFramePr>
-              <p:cNvPr id="6" name="表格 5">
-                <a:extLst>
-                  <a:ext uri="{FF2B5EF4-FFF2-40B4-BE49-F238E27FC236}">
-                    <a16:creationId xmlns:a16="http://schemas.microsoft.com/office/drawing/2014/main" id="{817E146E-AEAB-B744-875D-F0B364A52348}"/>
-                  </a:ext>
-                </a:extLst>
-              </p:cNvPr>
+              <p:cNvPr id="6" name="表格 5"/>
               <p:cNvGraphicFramePr>
                 <a:graphicFrameLocks noGrp="1"/>
               </p:cNvGraphicFramePr>
-              <p:nvPr>
-                <p:extLst>
-                  <p:ext uri="{D42A27DB-BD31-4B8C-83A1-F6EECF244321}">
-                    <p14:modId xmlns:p14="http://schemas.microsoft.com/office/powerpoint/2010/main" val="1010833141"/>
-                  </p:ext>
-                </p:extLst>
-              </p:nvPr>
+              <p:nvPr/>
             </p:nvGraphicFramePr>
             <p:xfrm>
               <a:off x="1524000" y="1981200"/>
@@ -12827,27 +12305,9 @@
                     <a:tableStyleId>{5C22544A-7EE6-4342-B048-85BDC9FD1C3A}</a:tableStyleId>
                   </a:tblPr>
                   <a:tblGrid>
-                    <a:gridCol w="1905000">
-                      <a:extLst>
-                        <a:ext uri="{9D8B030D-6E8A-4147-A177-3AD203B41FA5}">
-                          <a16:colId xmlns:a16="http://schemas.microsoft.com/office/drawing/2014/main" val="1962609606"/>
-                        </a:ext>
-                      </a:extLst>
-                    </a:gridCol>
-                    <a:gridCol w="2133600">
-                      <a:extLst>
-                        <a:ext uri="{9D8B030D-6E8A-4147-A177-3AD203B41FA5}">
-                          <a16:colId xmlns:a16="http://schemas.microsoft.com/office/drawing/2014/main" val="3571245434"/>
-                        </a:ext>
-                      </a:extLst>
-                    </a:gridCol>
-                    <a:gridCol w="2743200">
-                      <a:extLst>
-                        <a:ext uri="{9D8B030D-6E8A-4147-A177-3AD203B41FA5}">
-                          <a16:colId xmlns:a16="http://schemas.microsoft.com/office/drawing/2014/main" val="2521510853"/>
-                        </a:ext>
-                      </a:extLst>
-                    </a:gridCol>
+                    <a:gridCol w="1905000"/>
+                    <a:gridCol w="2133600"/>
+                    <a:gridCol w="2743200"/>
                   </a:tblGrid>
                   <a:tr h="370840">
                     <a:tc>
@@ -12892,11 +12352,6 @@
                       </a:txBody>
                       <a:tcPr/>
                     </a:tc>
-                    <a:extLst>
-                      <a:ext uri="{0D108BD9-81ED-4DB2-BD59-A6C34878D82A}">
-                        <a16:rowId xmlns:a16="http://schemas.microsoft.com/office/drawing/2014/main" val="86062112"/>
-                      </a:ext>
-                    </a:extLst>
                   </a:tr>
                   <a:tr h="370840">
                     <a:tc>
@@ -12926,6 +12381,7 @@
                             <a:rPr lang="en-US" altLang="zh-CN" dirty="0"/>
                             <a:t>x2</a:t>
                           </a:r>
+                          <a:endParaRPr lang="en-US" altLang="zh-CN" dirty="0"/>
                         </a:p>
                         <a:p>
                           <a:r>
@@ -12950,18 +12406,21 @@
                             <a:rPr lang="en-US" altLang="zh-CN" dirty="0"/>
                             <a:t>x1+t1</a:t>
                           </a:r>
+                          <a:endParaRPr lang="en-US" altLang="zh-CN" dirty="0"/>
                         </a:p>
                         <a:p>
                           <a:r>
                             <a:rPr lang="en-US" altLang="zh-CN" dirty="0"/>
                             <a:t>t2=t4-t5</a:t>
                           </a:r>
+                          <a:endParaRPr lang="en-US" altLang="zh-CN" dirty="0"/>
                         </a:p>
                         <a:p>
                           <a:r>
                             <a:rPr lang="en-US" altLang="zh-CN" dirty="0"/>
                             <a:t>t3=0</a:t>
                           </a:r>
+                          <a:endParaRPr lang="en-US" altLang="zh-CN" dirty="0"/>
                         </a:p>
                         <a:p>
                           <a:endParaRPr lang="en-US" altLang="zh-CN" dirty="0"/>
@@ -12991,13 +12450,13 @@
                             <a:buSzTx/>
                             <a:buFontTx/>
                             <a:buNone/>
-                            <a:tabLst/>
                             <a:defRPr/>
                           </a:pPr>
                           <a:r>
                             <a:rPr lang="en-US" altLang="zh-CN" dirty="0"/>
                             <a:t>t4 = h(x1)</a:t>
                           </a:r>
+                          <a:endParaRPr lang="en-US" altLang="zh-CN" dirty="0"/>
                         </a:p>
                         <a:p>
                           <a:pPr marL="0" marR="0" indent="0" algn="l" defTabSz="914400" rtl="0" eaLnBrk="1" fontAlgn="auto" latinLnBrk="0" hangingPunct="1">
@@ -13014,13 +12473,13 @@
                             <a:buSzTx/>
                             <a:buFontTx/>
                             <a:buNone/>
-                            <a:tabLst/>
                             <a:defRPr/>
                           </a:pPr>
                           <a:r>
                             <a:rPr lang="en-US" altLang="zh-CN" dirty="0"/>
                             <a:t>t5 = h(x2)</a:t>
                           </a:r>
+                          <a:endParaRPr lang="en-US" altLang="zh-CN" dirty="0"/>
                         </a:p>
                         <a:p>
                           <a:pPr marL="0" marR="0" indent="0" algn="l" defTabSz="914400" rtl="0" eaLnBrk="1" fontAlgn="auto" latinLnBrk="0" hangingPunct="1">
@@ -13037,13 +12496,13 @@
                             <a:buSzTx/>
                             <a:buFontTx/>
                             <a:buNone/>
-                            <a:tabLst/>
                             <a:defRPr/>
                           </a:pPr>
                           <a:r>
                             <a:rPr lang="en-US" altLang="zh-CN" dirty="0"/>
                             <a:t>p(t2)</a:t>
                           </a:r>
+                          <a:endParaRPr lang="en-US" altLang="zh-CN" dirty="0"/>
                         </a:p>
                         <a:p>
                           <a:pPr marL="0" marR="0" indent="0" algn="l" defTabSz="914400" rtl="0" eaLnBrk="1" fontAlgn="auto" latinLnBrk="0" hangingPunct="1">
@@ -13060,13 +12519,13 @@
                             <a:buSzTx/>
                             <a:buFontTx/>
                             <a:buNone/>
-                            <a:tabLst/>
                             <a:defRPr/>
                           </a:pPr>
                           <a:r>
                             <a:rPr lang="en-US" altLang="zh-CN" dirty="0"/>
                             <a:t>~p(t3)</a:t>
                           </a:r>
+                          <a:endParaRPr lang="en-US" altLang="zh-CN" dirty="0"/>
                         </a:p>
                         <a:p>
                           <a:pPr marL="0" marR="0" indent="0" algn="l" defTabSz="914400" rtl="0" eaLnBrk="1" fontAlgn="auto" latinLnBrk="0" hangingPunct="1">
@@ -13083,7 +12542,6 @@
                             <a:buSzTx/>
                             <a:buFontTx/>
                             <a:buNone/>
-                            <a:tabLst/>
                             <a:defRPr/>
                           </a:pPr>
                           <a:endParaRPr lang="en-US" altLang="zh-CN" dirty="0"/>
@@ -13103,7 +12561,6 @@
                             <a:buSzTx/>
                             <a:buFontTx/>
                             <a:buNone/>
-                            <a:tabLst/>
                             <a:defRPr/>
                           </a:pPr>
                           <a:endParaRPr lang="en-US" altLang="zh-CN" dirty="0"/>
@@ -13123,7 +12580,6 @@
                             <a:buSzTx/>
                             <a:buFontTx/>
                             <a:buNone/>
-                            <a:tabLst/>
                             <a:defRPr/>
                           </a:pPr>
                           <a:endParaRPr lang="en-US" altLang="zh-CN" dirty="0"/>
@@ -13143,7 +12599,6 @@
                             <a:buSzTx/>
                             <a:buFontTx/>
                             <a:buNone/>
-                            <a:tabLst/>
                             <a:defRPr/>
                           </a:pPr>
                           <a:endParaRPr lang="en-US" altLang="zh-CN" dirty="0"/>
@@ -13163,7 +12618,6 @@
                             <a:buSzTx/>
                             <a:buFontTx/>
                             <a:buNone/>
-                            <a:tabLst/>
                             <a:defRPr/>
                           </a:pPr>
                           <a:endParaRPr lang="en-US" altLang="zh-CN" dirty="0"/>
@@ -13183,7 +12637,6 @@
                             <a:buSzTx/>
                             <a:buFontTx/>
                             <a:buNone/>
-                            <a:tabLst/>
                             <a:defRPr/>
                           </a:pPr>
                           <a:endParaRPr lang="en-US" altLang="zh-CN" dirty="0"/>
@@ -13203,7 +12656,6 @@
                             <a:buSzTx/>
                             <a:buFontTx/>
                             <a:buNone/>
-                            <a:tabLst/>
                             <a:defRPr/>
                           </a:pPr>
                           <a:endParaRPr lang="zh-CN" altLang="en-US" dirty="0"/>
@@ -13230,13 +12682,13 @@
                             <a:buSzTx/>
                             <a:buFontTx/>
                             <a:buNone/>
-                            <a:tabLst/>
                             <a:defRPr/>
                           </a:pPr>
                           <a:r>
                             <a:rPr lang="en-US" altLang="zh-CN" dirty="0"/>
                             <a:t>t1 = car(cons(t3, x1))</a:t>
                           </a:r>
+                          <a:endParaRPr lang="en-US" altLang="zh-CN" dirty="0"/>
                         </a:p>
                         <a:p>
                           <a:pPr marL="0" marR="0" indent="0" algn="l" defTabSz="914400" rtl="0" eaLnBrk="1" fontAlgn="auto" latinLnBrk="0" hangingPunct="1">
@@ -13253,7 +12705,6 @@
                             <a:buSzTx/>
                             <a:buFontTx/>
                             <a:buNone/>
-                            <a:tabLst/>
                             <a:defRPr/>
                           </a:pPr>
                           <a:endParaRPr lang="en-US" altLang="zh-CN" dirty="0"/>
@@ -13273,7 +12724,6 @@
                             <a:buSzTx/>
                             <a:buFontTx/>
                             <a:buNone/>
-                            <a:tabLst/>
                             <a:defRPr/>
                           </a:pPr>
                           <a:endParaRPr lang="en-US" altLang="zh-CN" dirty="0"/>
@@ -13293,7 +12743,6 @@
                             <a:buSzTx/>
                             <a:buFontTx/>
                             <a:buNone/>
-                            <a:tabLst/>
                             <a:defRPr/>
                           </a:pPr>
                           <a:endParaRPr lang="en-US" altLang="zh-CN" dirty="0"/>
@@ -13313,7 +12762,6 @@
                             <a:buSzTx/>
                             <a:buFontTx/>
                             <a:buNone/>
-                            <a:tabLst/>
                             <a:defRPr/>
                           </a:pPr>
                           <a:endParaRPr lang="en-US" altLang="zh-CN" dirty="0"/>
@@ -13333,7 +12781,6 @@
                             <a:buSzTx/>
                             <a:buFontTx/>
                             <a:buNone/>
-                            <a:tabLst/>
                             <a:defRPr/>
                           </a:pPr>
                           <a:endParaRPr lang="en-US" altLang="zh-CN" dirty="0"/>
@@ -13353,7 +12800,6 @@
                             <a:buSzTx/>
                             <a:buFontTx/>
                             <a:buNone/>
-                            <a:tabLst/>
                             <a:defRPr/>
                           </a:pPr>
                           <a:endParaRPr lang="en-US" altLang="zh-CN" dirty="0"/>
@@ -13373,7 +12819,6 @@
                             <a:buSzTx/>
                             <a:buFontTx/>
                             <a:buNone/>
-                            <a:tabLst/>
                             <a:defRPr/>
                           </a:pPr>
                           <a:endParaRPr lang="en-US" altLang="zh-CN" dirty="0"/>
@@ -13393,7 +12838,6 @@
                             <a:buSzTx/>
                             <a:buFontTx/>
                             <a:buNone/>
-                            <a:tabLst/>
                             <a:defRPr/>
                           </a:pPr>
                           <a:endParaRPr lang="en-US" altLang="zh-CN" dirty="0"/>
@@ -13413,7 +12857,6 @@
                             <a:buSzTx/>
                             <a:buFontTx/>
                             <a:buNone/>
-                            <a:tabLst/>
                             <a:defRPr/>
                           </a:pPr>
                           <a:endParaRPr lang="en-US" altLang="zh-CN" dirty="0"/>
@@ -13433,7 +12876,6 @@
                             <a:buSzTx/>
                             <a:buFontTx/>
                             <a:buNone/>
-                            <a:tabLst/>
                             <a:defRPr/>
                           </a:pPr>
                           <a:endParaRPr lang="en-US" altLang="zh-CN" dirty="0"/>
@@ -13441,37 +12883,20 @@
                       </a:txBody>
                       <a:tcPr/>
                     </a:tc>
-                    <a:extLst>
-                      <a:ext uri="{0D108BD9-81ED-4DB2-BD59-A6C34878D82A}">
-                        <a16:rowId xmlns:a16="http://schemas.microsoft.com/office/drawing/2014/main" val="4251767671"/>
-                      </a:ext>
-                    </a:extLst>
                   </a:tr>
                 </a:tbl>
               </a:graphicData>
             </a:graphic>
           </p:graphicFrame>
         </mc:Choice>
-        <mc:Fallback>
+        <mc:Fallback xmlns="">
           <p:graphicFrame>
             <p:nvGraphicFramePr>
-              <p:cNvPr id="6" name="表格 5">
-                <a:extLst>
-                  <a:ext uri="{FF2B5EF4-FFF2-40B4-BE49-F238E27FC236}">
-                    <a16:creationId xmlns:a16="http://schemas.microsoft.com/office/drawing/2014/main" id="{817E146E-AEAB-B744-875D-F0B364A52348}"/>
-                  </a:ext>
-                </a:extLst>
-              </p:cNvPr>
+              <p:cNvPr id="6" name="表格 5"/>
               <p:cNvGraphicFramePr>
                 <a:graphicFrameLocks noGrp="1"/>
               </p:cNvGraphicFramePr>
-              <p:nvPr>
-                <p:extLst>
-                  <p:ext uri="{D42A27DB-BD31-4B8C-83A1-F6EECF244321}">
-                    <p14:modId xmlns:p14="http://schemas.microsoft.com/office/powerpoint/2010/main" val="1010833141"/>
-                  </p:ext>
-                </p:extLst>
-              </p:nvPr>
+              <p:nvPr/>
             </p:nvGraphicFramePr>
             <p:xfrm>
               <a:off x="1524000" y="1981200"/>
@@ -13484,27 +12909,9 @@
                     <a:tableStyleId>{5C22544A-7EE6-4342-B048-85BDC9FD1C3A}</a:tableStyleId>
                   </a:tblPr>
                   <a:tblGrid>
-                    <a:gridCol w="1905000">
-                      <a:extLst>
-                        <a:ext uri="{9D8B030D-6E8A-4147-A177-3AD203B41FA5}">
-                          <a16:colId xmlns:a16="http://schemas.microsoft.com/office/drawing/2014/main" val="1962609606"/>
-                        </a:ext>
-                      </a:extLst>
-                    </a:gridCol>
-                    <a:gridCol w="2133600">
-                      <a:extLst>
-                        <a:ext uri="{9D8B030D-6E8A-4147-A177-3AD203B41FA5}">
-                          <a16:colId xmlns:a16="http://schemas.microsoft.com/office/drawing/2014/main" val="3571245434"/>
-                        </a:ext>
-                      </a:extLst>
-                    </a:gridCol>
-                    <a:gridCol w="2743200">
-                      <a:extLst>
-                        <a:ext uri="{9D8B030D-6E8A-4147-A177-3AD203B41FA5}">
-                          <a16:colId xmlns:a16="http://schemas.microsoft.com/office/drawing/2014/main" val="2521510853"/>
-                        </a:ext>
-                      </a:extLst>
-                    </a:gridCol>
+                    <a:gridCol w="1905000"/>
+                    <a:gridCol w="2133600"/>
+                    <a:gridCol w="2743200"/>
                   </a:tblGrid>
                   <a:tr h="370840">
                     <a:tc>
@@ -13549,11 +12956,6 @@
                       </a:txBody>
                       <a:tcPr/>
                     </a:tc>
-                    <a:extLst>
-                      <a:ext uri="{0D108BD9-81ED-4DB2-BD59-A6C34878D82A}">
-                        <a16:rowId xmlns:a16="http://schemas.microsoft.com/office/drawing/2014/main" val="86062112"/>
-                      </a:ext>
-                    </a:extLst>
                   </a:tr>
                   <a:tr h="3108960">
                     <a:tc>
@@ -13566,10 +12968,7 @@
                       </a:txBody>
                       <a:tcPr>
                         <a:blipFill>
-                          <a:blip r:embed="rId2"/>
-                          <a:stretch>
-                            <a:fillRect l="-667" t="-12653" r="-257333" b="-408"/>
-                          </a:stretch>
+                          <a:blip r:embed="rId1"/>
                         </a:blipFill>
                       </a:tcPr>
                     </a:tc>
@@ -13592,13 +12991,13 @@
                             <a:buSzTx/>
                             <a:buFontTx/>
                             <a:buNone/>
-                            <a:tabLst/>
                             <a:defRPr/>
                           </a:pPr>
                           <a:r>
                             <a:rPr lang="en-US" altLang="zh-CN" dirty="0"/>
                             <a:t>t4 = h(x1)</a:t>
                           </a:r>
+                          <a:endParaRPr lang="en-US" altLang="zh-CN" dirty="0"/>
                         </a:p>
                         <a:p>
                           <a:pPr marL="0" marR="0" indent="0" algn="l" defTabSz="914400" rtl="0" eaLnBrk="1" fontAlgn="auto" latinLnBrk="0" hangingPunct="1">
@@ -13615,13 +13014,13 @@
                             <a:buSzTx/>
                             <a:buFontTx/>
                             <a:buNone/>
-                            <a:tabLst/>
                             <a:defRPr/>
                           </a:pPr>
                           <a:r>
                             <a:rPr lang="en-US" altLang="zh-CN" dirty="0"/>
                             <a:t>t5 = h(x2)</a:t>
                           </a:r>
+                          <a:endParaRPr lang="en-US" altLang="zh-CN" dirty="0"/>
                         </a:p>
                         <a:p>
                           <a:pPr marL="0" marR="0" indent="0" algn="l" defTabSz="914400" rtl="0" eaLnBrk="1" fontAlgn="auto" latinLnBrk="0" hangingPunct="1">
@@ -13638,13 +13037,13 @@
                             <a:buSzTx/>
                             <a:buFontTx/>
                             <a:buNone/>
-                            <a:tabLst/>
                             <a:defRPr/>
                           </a:pPr>
                           <a:r>
                             <a:rPr lang="en-US" altLang="zh-CN" dirty="0"/>
                             <a:t>p(t2)</a:t>
                           </a:r>
+                          <a:endParaRPr lang="en-US" altLang="zh-CN" dirty="0"/>
                         </a:p>
                         <a:p>
                           <a:pPr marL="0" marR="0" indent="0" algn="l" defTabSz="914400" rtl="0" eaLnBrk="1" fontAlgn="auto" latinLnBrk="0" hangingPunct="1">
@@ -13661,13 +13060,13 @@
                             <a:buSzTx/>
                             <a:buFontTx/>
                             <a:buNone/>
-                            <a:tabLst/>
                             <a:defRPr/>
                           </a:pPr>
                           <a:r>
                             <a:rPr lang="en-US" altLang="zh-CN" dirty="0"/>
                             <a:t>~p(t3)</a:t>
                           </a:r>
+                          <a:endParaRPr lang="en-US" altLang="zh-CN" dirty="0"/>
                         </a:p>
                         <a:p>
                           <a:pPr marL="0" marR="0" indent="0" algn="l" defTabSz="914400" rtl="0" eaLnBrk="1" fontAlgn="auto" latinLnBrk="0" hangingPunct="1">
@@ -13684,7 +13083,6 @@
                             <a:buSzTx/>
                             <a:buFontTx/>
                             <a:buNone/>
-                            <a:tabLst/>
                             <a:defRPr/>
                           </a:pPr>
                           <a:endParaRPr lang="en-US" altLang="zh-CN" dirty="0"/>
@@ -13704,7 +13102,6 @@
                             <a:buSzTx/>
                             <a:buFontTx/>
                             <a:buNone/>
-                            <a:tabLst/>
                             <a:defRPr/>
                           </a:pPr>
                           <a:endParaRPr lang="en-US" altLang="zh-CN" dirty="0"/>
@@ -13724,7 +13121,6 @@
                             <a:buSzTx/>
                             <a:buFontTx/>
                             <a:buNone/>
-                            <a:tabLst/>
                             <a:defRPr/>
                           </a:pPr>
                           <a:endParaRPr lang="en-US" altLang="zh-CN" dirty="0"/>
@@ -13744,7 +13140,6 @@
                             <a:buSzTx/>
                             <a:buFontTx/>
                             <a:buNone/>
-                            <a:tabLst/>
                             <a:defRPr/>
                           </a:pPr>
                           <a:endParaRPr lang="en-US" altLang="zh-CN" dirty="0"/>
@@ -13764,7 +13159,6 @@
                             <a:buSzTx/>
                             <a:buFontTx/>
                             <a:buNone/>
-                            <a:tabLst/>
                             <a:defRPr/>
                           </a:pPr>
                           <a:endParaRPr lang="en-US" altLang="zh-CN" dirty="0"/>
@@ -13784,7 +13178,6 @@
                             <a:buSzTx/>
                             <a:buFontTx/>
                             <a:buNone/>
-                            <a:tabLst/>
                             <a:defRPr/>
                           </a:pPr>
                           <a:endParaRPr lang="en-US" altLang="zh-CN" dirty="0"/>
@@ -13804,7 +13197,6 @@
                             <a:buSzTx/>
                             <a:buFontTx/>
                             <a:buNone/>
-                            <a:tabLst/>
                             <a:defRPr/>
                           </a:pPr>
                           <a:endParaRPr lang="zh-CN" altLang="en-US" dirty="0"/>
@@ -13831,13 +13223,13 @@
                             <a:buSzTx/>
                             <a:buFontTx/>
                             <a:buNone/>
-                            <a:tabLst/>
                             <a:defRPr/>
                           </a:pPr>
                           <a:r>
                             <a:rPr lang="en-US" altLang="zh-CN" dirty="0"/>
                             <a:t>t1 = car(cons(t3, x1))</a:t>
                           </a:r>
+                          <a:endParaRPr lang="en-US" altLang="zh-CN" dirty="0"/>
                         </a:p>
                         <a:p>
                           <a:pPr marL="0" marR="0" indent="0" algn="l" defTabSz="914400" rtl="0" eaLnBrk="1" fontAlgn="auto" latinLnBrk="0" hangingPunct="1">
@@ -13854,7 +13246,6 @@
                             <a:buSzTx/>
                             <a:buFontTx/>
                             <a:buNone/>
-                            <a:tabLst/>
                             <a:defRPr/>
                           </a:pPr>
                           <a:endParaRPr lang="en-US" altLang="zh-CN" dirty="0"/>
@@ -13874,7 +13265,6 @@
                             <a:buSzTx/>
                             <a:buFontTx/>
                             <a:buNone/>
-                            <a:tabLst/>
                             <a:defRPr/>
                           </a:pPr>
                           <a:endParaRPr lang="en-US" altLang="zh-CN" dirty="0"/>
@@ -13894,7 +13284,6 @@
                             <a:buSzTx/>
                             <a:buFontTx/>
                             <a:buNone/>
-                            <a:tabLst/>
                             <a:defRPr/>
                           </a:pPr>
                           <a:endParaRPr lang="en-US" altLang="zh-CN" dirty="0"/>
@@ -13914,7 +13303,6 @@
                             <a:buSzTx/>
                             <a:buFontTx/>
                             <a:buNone/>
-                            <a:tabLst/>
                             <a:defRPr/>
                           </a:pPr>
                           <a:endParaRPr lang="en-US" altLang="zh-CN" dirty="0"/>
@@ -13934,7 +13322,6 @@
                             <a:buSzTx/>
                             <a:buFontTx/>
                             <a:buNone/>
-                            <a:tabLst/>
                             <a:defRPr/>
                           </a:pPr>
                           <a:endParaRPr lang="en-US" altLang="zh-CN" dirty="0"/>
@@ -13954,7 +13341,6 @@
                             <a:buSzTx/>
                             <a:buFontTx/>
                             <a:buNone/>
-                            <a:tabLst/>
                             <a:defRPr/>
                           </a:pPr>
                           <a:endParaRPr lang="en-US" altLang="zh-CN" dirty="0"/>
@@ -13974,7 +13360,6 @@
                             <a:buSzTx/>
                             <a:buFontTx/>
                             <a:buNone/>
-                            <a:tabLst/>
                             <a:defRPr/>
                           </a:pPr>
                           <a:endParaRPr lang="en-US" altLang="zh-CN" dirty="0"/>
@@ -13994,7 +13379,6 @@
                             <a:buSzTx/>
                             <a:buFontTx/>
                             <a:buNone/>
-                            <a:tabLst/>
                             <a:defRPr/>
                           </a:pPr>
                           <a:endParaRPr lang="en-US" altLang="zh-CN" dirty="0"/>
@@ -14014,7 +13398,6 @@
                             <a:buSzTx/>
                             <a:buFontTx/>
                             <a:buNone/>
-                            <a:tabLst/>
                             <a:defRPr/>
                           </a:pPr>
                           <a:endParaRPr lang="en-US" altLang="zh-CN" dirty="0"/>
@@ -14034,7 +13417,6 @@
                             <a:buSzTx/>
                             <a:buFontTx/>
                             <a:buNone/>
-                            <a:tabLst/>
                             <a:defRPr/>
                           </a:pPr>
                           <a:endParaRPr lang="en-US" altLang="zh-CN" dirty="0"/>
@@ -14042,11 +13424,6 @@
                       </a:txBody>
                       <a:tcPr/>
                     </a:tc>
-                    <a:extLst>
-                      <a:ext uri="{0D108BD9-81ED-4DB2-BD59-A6C34878D82A}">
-                        <a16:rowId xmlns:a16="http://schemas.microsoft.com/office/drawing/2014/main" val="4251767671"/>
-                      </a:ext>
-                    </a:extLst>
                   </a:tr>
                 </a:tbl>
               </a:graphicData>
@@ -14056,13 +13433,7 @@
       </mc:AlternateContent>
       <p:sp>
         <p:nvSpPr>
-          <p:cNvPr id="8" name="文本框 7">
-            <a:extLst>
-              <a:ext uri="{FF2B5EF4-FFF2-40B4-BE49-F238E27FC236}">
-                <a16:creationId xmlns:a16="http://schemas.microsoft.com/office/drawing/2014/main" id="{C5FEE53B-3CF8-1342-B601-88A154A29AC6}"/>
-              </a:ext>
-            </a:extLst>
-          </p:cNvPr>
+          <p:cNvPr id="8" name="文本框 7"/>
           <p:cNvSpPr txBox="1"/>
           <p:nvPr/>
         </p:nvSpPr>
@@ -14100,13 +13471,7 @@
       </p:sp>
       <p:sp>
         <p:nvSpPr>
-          <p:cNvPr id="9" name="文本框 8">
-            <a:extLst>
-              <a:ext uri="{FF2B5EF4-FFF2-40B4-BE49-F238E27FC236}">
-                <a16:creationId xmlns:a16="http://schemas.microsoft.com/office/drawing/2014/main" id="{1FAFAE76-BFAD-154B-8C08-22623774CCB6}"/>
-              </a:ext>
-            </a:extLst>
-          </p:cNvPr>
+          <p:cNvPr id="9" name="文本框 8"/>
           <p:cNvSpPr txBox="1"/>
           <p:nvPr/>
         </p:nvSpPr>
@@ -14136,13 +13501,7 @@
       </p:sp>
       <p:sp>
         <p:nvSpPr>
-          <p:cNvPr id="10" name="文本框 9">
-            <a:extLst>
-              <a:ext uri="{FF2B5EF4-FFF2-40B4-BE49-F238E27FC236}">
-                <a16:creationId xmlns:a16="http://schemas.microsoft.com/office/drawing/2014/main" id="{0273F096-EFA3-3E49-9A33-01F34DF77009}"/>
-              </a:ext>
-            </a:extLst>
-          </p:cNvPr>
+          <p:cNvPr id="10" name="文本框 9"/>
           <p:cNvSpPr txBox="1"/>
           <p:nvPr/>
         </p:nvSpPr>
@@ -14172,13 +13531,7 @@
       </p:sp>
       <p:sp>
         <p:nvSpPr>
-          <p:cNvPr id="11" name="文本框 10">
-            <a:extLst>
-              <a:ext uri="{FF2B5EF4-FFF2-40B4-BE49-F238E27FC236}">
-                <a16:creationId xmlns:a16="http://schemas.microsoft.com/office/drawing/2014/main" id="{2ACFD3C0-A868-4948-A8AE-0B7CE9CF63FB}"/>
-              </a:ext>
-            </a:extLst>
-          </p:cNvPr>
+          <p:cNvPr id="11" name="文本框 10"/>
           <p:cNvSpPr txBox="1"/>
           <p:nvPr/>
         </p:nvSpPr>
@@ -14216,13 +13569,7 @@
       </p:sp>
       <p:sp>
         <p:nvSpPr>
-          <p:cNvPr id="12" name="文本框 11">
-            <a:extLst>
-              <a:ext uri="{FF2B5EF4-FFF2-40B4-BE49-F238E27FC236}">
-                <a16:creationId xmlns:a16="http://schemas.microsoft.com/office/drawing/2014/main" id="{D1085B09-D62E-1B4F-AB2E-98B549000FF2}"/>
-              </a:ext>
-            </a:extLst>
-          </p:cNvPr>
+          <p:cNvPr id="12" name="文本框 11"/>
           <p:cNvSpPr txBox="1"/>
           <p:nvPr/>
         </p:nvSpPr>
@@ -14252,13 +13599,7 @@
       </p:sp>
       <p:sp>
         <p:nvSpPr>
-          <p:cNvPr id="13" name="文本框 12">
-            <a:extLst>
-              <a:ext uri="{FF2B5EF4-FFF2-40B4-BE49-F238E27FC236}">
-                <a16:creationId xmlns:a16="http://schemas.microsoft.com/office/drawing/2014/main" id="{3C8CD38B-A73A-C545-B661-49939A128A58}"/>
-              </a:ext>
-            </a:extLst>
-          </p:cNvPr>
+          <p:cNvPr id="13" name="文本框 12"/>
           <p:cNvSpPr txBox="1"/>
           <p:nvPr/>
         </p:nvSpPr>
@@ -14288,13 +13629,7 @@
       </p:sp>
       <p:sp>
         <p:nvSpPr>
-          <p:cNvPr id="14" name="文本框 13">
-            <a:extLst>
-              <a:ext uri="{FF2B5EF4-FFF2-40B4-BE49-F238E27FC236}">
-                <a16:creationId xmlns:a16="http://schemas.microsoft.com/office/drawing/2014/main" id="{373FB13B-AB00-404A-BF51-0D07613D08D7}"/>
-              </a:ext>
-            </a:extLst>
-          </p:cNvPr>
+          <p:cNvPr id="14" name="文本框 13"/>
           <p:cNvSpPr txBox="1"/>
           <p:nvPr/>
         </p:nvSpPr>
@@ -14332,13 +13667,7 @@
       </p:sp>
       <p:sp>
         <p:nvSpPr>
-          <p:cNvPr id="15" name="文本框 14">
-            <a:extLst>
-              <a:ext uri="{FF2B5EF4-FFF2-40B4-BE49-F238E27FC236}">
-                <a16:creationId xmlns:a16="http://schemas.microsoft.com/office/drawing/2014/main" id="{41A99578-6787-084C-9A56-AF6DC7591716}"/>
-              </a:ext>
-            </a:extLst>
-          </p:cNvPr>
+          <p:cNvPr id="15" name="文本框 14"/>
           <p:cNvSpPr txBox="1"/>
           <p:nvPr/>
         </p:nvSpPr>
@@ -14368,13 +13697,7 @@
       </p:sp>
       <p:sp>
         <p:nvSpPr>
-          <p:cNvPr id="16" name="文本框 15">
-            <a:extLst>
-              <a:ext uri="{FF2B5EF4-FFF2-40B4-BE49-F238E27FC236}">
-                <a16:creationId xmlns:a16="http://schemas.microsoft.com/office/drawing/2014/main" id="{A1FE14C8-C9AD-8C48-9082-0D3BD91569B7}"/>
-              </a:ext>
-            </a:extLst>
-          </p:cNvPr>
+          <p:cNvPr id="16" name="文本框 15"/>
           <p:cNvSpPr txBox="1"/>
           <p:nvPr/>
         </p:nvSpPr>
@@ -14404,13 +13727,7 @@
       </p:sp>
       <p:sp>
         <p:nvSpPr>
-          <p:cNvPr id="17" name="文本框 16">
-            <a:extLst>
-              <a:ext uri="{FF2B5EF4-FFF2-40B4-BE49-F238E27FC236}">
-                <a16:creationId xmlns:a16="http://schemas.microsoft.com/office/drawing/2014/main" id="{BEBA429A-B63F-534A-B4C5-BD36393CD364}"/>
-              </a:ext>
-            </a:extLst>
-          </p:cNvPr>
+          <p:cNvPr id="17" name="文本框 16"/>
           <p:cNvSpPr txBox="1"/>
           <p:nvPr/>
         </p:nvSpPr>
@@ -14448,13 +13765,7 @@
       </p:sp>
       <p:sp>
         <p:nvSpPr>
-          <p:cNvPr id="18" name="文本框 17">
-            <a:extLst>
-              <a:ext uri="{FF2B5EF4-FFF2-40B4-BE49-F238E27FC236}">
-                <a16:creationId xmlns:a16="http://schemas.microsoft.com/office/drawing/2014/main" id="{444BECEE-9BAA-0243-AA1E-686CB19B8385}"/>
-              </a:ext>
-            </a:extLst>
-          </p:cNvPr>
+          <p:cNvPr id="18" name="文本框 17"/>
           <p:cNvSpPr txBox="1"/>
           <p:nvPr/>
         </p:nvSpPr>
@@ -14484,13 +13795,7 @@
       </p:sp>
       <p:sp>
         <p:nvSpPr>
-          <p:cNvPr id="19" name="文本框 18">
-            <a:extLst>
-              <a:ext uri="{FF2B5EF4-FFF2-40B4-BE49-F238E27FC236}">
-                <a16:creationId xmlns:a16="http://schemas.microsoft.com/office/drawing/2014/main" id="{909EBFD8-8462-7144-A68B-437542FD7912}"/>
-              </a:ext>
-            </a:extLst>
-          </p:cNvPr>
+          <p:cNvPr id="19" name="文本框 18"/>
           <p:cNvSpPr txBox="1"/>
           <p:nvPr/>
         </p:nvSpPr>
@@ -14520,13 +13825,7 @@
       </p:sp>
       <p:sp>
         <p:nvSpPr>
-          <p:cNvPr id="20" name="文本框 19">
-            <a:extLst>
-              <a:ext uri="{FF2B5EF4-FFF2-40B4-BE49-F238E27FC236}">
-                <a16:creationId xmlns:a16="http://schemas.microsoft.com/office/drawing/2014/main" id="{696EAE0B-D4D9-1F47-8531-F1DDB747385A}"/>
-              </a:ext>
-            </a:extLst>
-          </p:cNvPr>
+          <p:cNvPr id="20" name="文本框 19"/>
           <p:cNvSpPr txBox="1"/>
           <p:nvPr/>
         </p:nvSpPr>
@@ -14563,11 +13862,6 @@
         </p:txBody>
       </p:sp>
     </p:spTree>
-    <p:extLst>
-      <p:ext uri="{BB962C8B-B14F-4D97-AF65-F5344CB8AC3E}">
-        <p14:creationId xmlns:p14="http://schemas.microsoft.com/office/powerpoint/2010/main" val="1238179195"/>
-      </p:ext>
-    </p:extLst>
   </p:cSld>
   <p:clrMapOvr>
     <a:masterClrMapping/>
@@ -15328,13 +14622,7 @@
       </p:grpSpPr>
       <p:sp>
         <p:nvSpPr>
-          <p:cNvPr id="2" name="标题 1">
-            <a:extLst>
-              <a:ext uri="{FF2B5EF4-FFF2-40B4-BE49-F238E27FC236}">
-                <a16:creationId xmlns:a16="http://schemas.microsoft.com/office/drawing/2014/main" id="{67C890EF-590A-1741-B3E0-C240C49F1FA6}"/>
-              </a:ext>
-            </a:extLst>
-          </p:cNvPr>
+          <p:cNvPr id="2" name="标题 1"/>
           <p:cNvSpPr>
             <a:spLocks noGrp="1"/>
           </p:cNvSpPr>
@@ -15351,18 +14639,13 @@
               <a:rPr kumimoji="1" lang="zh-CN" altLang="en-US" dirty="0"/>
               <a:t> </a:t>
             </a:r>
+            <a:endParaRPr kumimoji="1" lang="zh-CN" altLang="en-US" dirty="0"/>
           </a:p>
         </p:txBody>
       </p:sp>
       <p:sp>
         <p:nvSpPr>
-          <p:cNvPr id="3" name="内容占位符 2">
-            <a:extLst>
-              <a:ext uri="{FF2B5EF4-FFF2-40B4-BE49-F238E27FC236}">
-                <a16:creationId xmlns:a16="http://schemas.microsoft.com/office/drawing/2014/main" id="{04D0B7E3-15AA-EB42-8296-04695BCFF36D}"/>
-              </a:ext>
-            </a:extLst>
-          </p:cNvPr>
+          <p:cNvPr id="3" name="内容占位符 2"/>
           <p:cNvSpPr>
             <a:spLocks noGrp="1"/>
           </p:cNvSpPr>
@@ -15399,11 +14682,6 @@
         </p:txBody>
       </p:sp>
     </p:spTree>
-    <p:extLst>
-      <p:ext uri="{BB962C8B-B14F-4D97-AF65-F5344CB8AC3E}">
-        <p14:creationId xmlns:p14="http://schemas.microsoft.com/office/powerpoint/2010/main" val="149070646"/>
-      </p:ext>
-    </p:extLst>
   </p:cSld>
   <p:clrMapOvr>
     <a:masterClrMapping/>
@@ -15430,13 +14708,7 @@
       </p:grpSpPr>
       <p:sp>
         <p:nvSpPr>
-          <p:cNvPr id="2" name="标题 1">
-            <a:extLst>
-              <a:ext uri="{FF2B5EF4-FFF2-40B4-BE49-F238E27FC236}">
-                <a16:creationId xmlns:a16="http://schemas.microsoft.com/office/drawing/2014/main" id="{F83B1A98-5D2E-F84C-8A75-A8FC62CA10DB}"/>
-              </a:ext>
-            </a:extLst>
-          </p:cNvPr>
+          <p:cNvPr id="2" name="标题 1"/>
           <p:cNvSpPr>
             <a:spLocks noGrp="1"/>
           </p:cNvSpPr>
@@ -15461,13 +14733,7 @@
         <mc:Choice xmlns:a14="http://schemas.microsoft.com/office/drawing/2010/main" Requires="a14">
           <p:sp>
             <p:nvSpPr>
-              <p:cNvPr id="3" name="内容占位符 2">
-                <a:extLst>
-                  <a:ext uri="{FF2B5EF4-FFF2-40B4-BE49-F238E27FC236}">
-                    <a16:creationId xmlns:a16="http://schemas.microsoft.com/office/drawing/2014/main" id="{8EA67DCE-2389-6343-AFC1-54E1B9454D1E}"/>
-                  </a:ext>
-                </a:extLst>
-              </p:cNvPr>
+              <p:cNvPr id="3" name="内容占位符 2"/>
               <p:cNvSpPr>
                 <a:spLocks noGrp="1"/>
               </p:cNvSpPr>
@@ -15547,6 +14813,10 @@
                   </a:rPr>
                   <a:t>):</a:t>
                 </a:r>
+                <a:endParaRPr kumimoji="1" lang="en-US" altLang="zh-CN" sz="2000" b="1" dirty="0">
+                  <a:latin typeface="Courier New" panose="02070309020205020404" pitchFamily="49" charset="0"/>
+                  <a:cs typeface="Courier New" panose="02070309020205020404" pitchFamily="49" charset="0"/>
+                </a:endParaRPr>
               </a:p>
               <a:p>
                 <a:pPr marL="0" indent="0">
@@ -15752,6 +15022,13 @@
                   </a:rPr>
                   <a:t> ~P(2) </a:t>
                 </a:r>
+                <a:endParaRPr kumimoji="1" lang="en-US" altLang="zh-CN" sz="2000" b="1" dirty="0">
+                  <a:solidFill>
+                    <a:srgbClr val="0432FF"/>
+                  </a:solidFill>
+                  <a:latin typeface="Courier New" panose="02070309020205020404" pitchFamily="49" charset="0"/>
+                  <a:cs typeface="Courier New" panose="02070309020205020404" pitchFamily="49" charset="0"/>
+                </a:endParaRPr>
               </a:p>
               <a:p>
                 <a:pPr marL="0" indent="0">
@@ -15790,6 +15067,10 @@
                   </a:rPr>
                   <a:t>After purification:</a:t>
                 </a:r>
+                <a:endParaRPr kumimoji="1" lang="en-US" altLang="zh-CN" sz="2000" b="1" dirty="0">
+                  <a:latin typeface="Courier New" panose="02070309020205020404" pitchFamily="49" charset="0"/>
+                  <a:cs typeface="Courier New" panose="02070309020205020404" pitchFamily="49" charset="0"/>
+                </a:endParaRPr>
               </a:p>
               <a:p>
                 <a:pPr marL="0" indent="0">
@@ -15847,6 +15128,10 @@
                   </a:rPr>
                   <a:t>// Neither theory can imply an equality.</a:t>
                 </a:r>
+                <a:endParaRPr kumimoji="1" lang="en-US" altLang="zh-CN" sz="2000" b="1" dirty="0">
+                  <a:latin typeface="Courier New" panose="02070309020205020404" pitchFamily="49" charset="0"/>
+                  <a:cs typeface="Courier New" panose="02070309020205020404" pitchFamily="49" charset="0"/>
+                </a:endParaRPr>
               </a:p>
               <a:p>
                 <a:pPr marL="0" indent="0">
@@ -15859,6 +15144,10 @@
                   </a:rPr>
                   <a:t>// But the proposition is UNSAT!</a:t>
                 </a:r>
+                <a:endParaRPr kumimoji="1" lang="en-US" altLang="zh-CN" sz="2000" b="1" dirty="0">
+                  <a:latin typeface="Courier New" panose="02070309020205020404" pitchFamily="49" charset="0"/>
+                  <a:cs typeface="Courier New" panose="02070309020205020404" pitchFamily="49" charset="0"/>
+                </a:endParaRPr>
               </a:p>
             </p:txBody>
           </p:sp>
@@ -15866,25 +15155,19 @@
         <mc:Fallback>
           <p:sp>
             <p:nvSpPr>
-              <p:cNvPr id="3" name="内容占位符 2">
-                <a:extLst>
-                  <a:ext uri="{FF2B5EF4-FFF2-40B4-BE49-F238E27FC236}">
-                    <a16:creationId xmlns:a16="http://schemas.microsoft.com/office/drawing/2014/main" id="{8EA67DCE-2389-6343-AFC1-54E1B9454D1E}"/>
-                  </a:ext>
-                </a:extLst>
-              </p:cNvPr>
+              <p:cNvPr id="3" name="内容占位符 2"/>
               <p:cNvSpPr>
-                <a:spLocks noGrp="1" noRot="1" noChangeAspect="1" noMove="1" noResize="1" noEditPoints="1" noAdjustHandles="1" noChangeArrowheads="1" noChangeShapeType="1" noTextEdit="1"/>
+                <a:spLocks noRot="1" noChangeAspect="1" noMove="1" noResize="1" noEditPoints="1" noAdjustHandles="1" noChangeArrowheads="1" noChangeShapeType="1" noTextEdit="1"/>
               </p:cNvSpPr>
               <p:nvPr>
                 <p:ph idx="1"/>
               </p:nvPr>
             </p:nvSpPr>
             <p:spPr>
-              <a:blipFill>
-                <a:blip r:embed="rId2"/>
+              <a:blipFill rotWithShape="1">
+                <a:blip r:embed="rId1"/>
                 <a:stretch>
-                  <a:fillRect l="-653" t="-615" b="-923"/>
+                  <a:fillRect l="-4" t="-8" r="4" b="8"/>
                 </a:stretch>
               </a:blipFill>
             </p:spPr>
@@ -15903,27 +15186,15 @@
           </p:sp>
         </mc:Fallback>
       </mc:AlternateContent>
-      <mc:AlternateContent xmlns:mc="http://schemas.openxmlformats.org/markup-compatibility/2006">
-        <mc:Choice xmlns:a14="http://schemas.microsoft.com/office/drawing/2010/main" Requires="a14">
+      <mc:AlternateContent xmlns:mc="http://schemas.openxmlformats.org/markup-compatibility/2006" xmlns:a14="http://schemas.microsoft.com/office/drawing/2010/main">
+        <mc:Choice Requires="a14">
           <p:graphicFrame>
             <p:nvGraphicFramePr>
-              <p:cNvPr id="4" name="表格 3">
-                <a:extLst>
-                  <a:ext uri="{FF2B5EF4-FFF2-40B4-BE49-F238E27FC236}">
-                    <a16:creationId xmlns:a16="http://schemas.microsoft.com/office/drawing/2014/main" id="{9A3924B1-2A7F-E54A-BAB4-C0475A685BD3}"/>
-                  </a:ext>
-                </a:extLst>
-              </p:cNvPr>
+              <p:cNvPr id="4" name="表格 3"/>
               <p:cNvGraphicFramePr>
                 <a:graphicFrameLocks noGrp="1"/>
               </p:cNvGraphicFramePr>
-              <p:nvPr>
-                <p:extLst>
-                  <p:ext uri="{D42A27DB-BD31-4B8C-83A1-F6EECF244321}">
-                    <p14:modId xmlns:p14="http://schemas.microsoft.com/office/powerpoint/2010/main" val="1131038711"/>
-                  </p:ext>
-                </p:extLst>
-              </p:nvPr>
+              <p:nvPr/>
             </p:nvGraphicFramePr>
             <p:xfrm>
               <a:off x="2209800" y="3581400"/>
@@ -15936,20 +15207,8 @@
                     <a:tableStyleId>{5C22544A-7EE6-4342-B048-85BDC9FD1C3A}</a:tableStyleId>
                   </a:tblPr>
                   <a:tblGrid>
-                    <a:gridCol w="1905000">
-                      <a:extLst>
-                        <a:ext uri="{9D8B030D-6E8A-4147-A177-3AD203B41FA5}">
-                          <a16:colId xmlns:a16="http://schemas.microsoft.com/office/drawing/2014/main" val="1962609606"/>
-                        </a:ext>
-                      </a:extLst>
-                    </a:gridCol>
-                    <a:gridCol w="2133600">
-                      <a:extLst>
-                        <a:ext uri="{9D8B030D-6E8A-4147-A177-3AD203B41FA5}">
-                          <a16:colId xmlns:a16="http://schemas.microsoft.com/office/drawing/2014/main" val="3571245434"/>
-                        </a:ext>
-                      </a:extLst>
-                    </a:gridCol>
+                    <a:gridCol w="1905000"/>
+                    <a:gridCol w="2133600"/>
                   </a:tblGrid>
                   <a:tr h="233494">
                     <a:tc>
@@ -15980,11 +15239,6 @@
                       </a:txBody>
                       <a:tcPr/>
                     </a:tc>
-                    <a:extLst>
-                      <a:ext uri="{0D108BD9-81ED-4DB2-BD59-A6C34878D82A}">
-                        <a16:rowId xmlns:a16="http://schemas.microsoft.com/office/drawing/2014/main" val="86062112"/>
-                      </a:ext>
-                    </a:extLst>
                   </a:tr>
                   <a:tr h="1290506">
                     <a:tc>
@@ -16014,6 +15268,7 @@
                             <a:rPr lang="en-US" altLang="zh-CN" dirty="0"/>
                             <a:t>1</a:t>
                           </a:r>
+                          <a:endParaRPr lang="en-US" altLang="zh-CN" dirty="0"/>
                         </a:p>
                         <a:p>
                           <a:r>
@@ -16038,6 +15293,7 @@
                             <a:rPr lang="en-US" altLang="zh-CN" dirty="0"/>
                             <a:t>2</a:t>
                           </a:r>
+                          <a:endParaRPr lang="en-US" altLang="zh-CN" dirty="0"/>
                         </a:p>
                         <a:p>
                           <a:endParaRPr lang="zh-CN" altLang="en-US" dirty="0"/>
@@ -16064,13 +15320,13 @@
                             <a:buSzTx/>
                             <a:buFontTx/>
                             <a:buNone/>
-                            <a:tabLst/>
                             <a:defRPr/>
                           </a:pPr>
                           <a:r>
                             <a:rPr lang="en-US" altLang="zh-CN" dirty="0"/>
                             <a:t>P(x)</a:t>
                           </a:r>
+                          <a:endParaRPr lang="en-US" altLang="zh-CN" dirty="0"/>
                         </a:p>
                         <a:p>
                           <a:pPr marL="0" marR="0" indent="0" algn="l" defTabSz="914400" rtl="0" eaLnBrk="1" fontAlgn="auto" latinLnBrk="0" hangingPunct="1">
@@ -16087,13 +15343,13 @@
                             <a:buSzTx/>
                             <a:buFontTx/>
                             <a:buNone/>
-                            <a:tabLst/>
                             <a:defRPr/>
                           </a:pPr>
                           <a:r>
                             <a:rPr lang="en-US" altLang="zh-CN" dirty="0"/>
                             <a:t>~P(1)</a:t>
                           </a:r>
+                          <a:endParaRPr lang="en-US" altLang="zh-CN" dirty="0"/>
                         </a:p>
                         <a:p>
                           <a:pPr marL="0" marR="0" indent="0" algn="l" defTabSz="914400" rtl="0" eaLnBrk="1" fontAlgn="auto" latinLnBrk="0" hangingPunct="1">
@@ -16110,48 +15366,31 @@
                             <a:buSzTx/>
                             <a:buFontTx/>
                             <a:buNone/>
-                            <a:tabLst/>
                             <a:defRPr/>
                           </a:pPr>
                           <a:r>
                             <a:rPr lang="en-US" altLang="zh-CN" dirty="0"/>
                             <a:t>~P(2)</a:t>
                           </a:r>
+                          <a:endParaRPr lang="en-US" altLang="zh-CN" dirty="0"/>
                         </a:p>
                       </a:txBody>
                       <a:tcPr/>
                     </a:tc>
-                    <a:extLst>
-                      <a:ext uri="{0D108BD9-81ED-4DB2-BD59-A6C34878D82A}">
-                        <a16:rowId xmlns:a16="http://schemas.microsoft.com/office/drawing/2014/main" val="4251767671"/>
-                      </a:ext>
-                    </a:extLst>
                   </a:tr>
                 </a:tbl>
               </a:graphicData>
             </a:graphic>
           </p:graphicFrame>
         </mc:Choice>
-        <mc:Fallback>
+        <mc:Fallback xmlns="">
           <p:graphicFrame>
             <p:nvGraphicFramePr>
-              <p:cNvPr id="4" name="表格 3">
-                <a:extLst>
-                  <a:ext uri="{FF2B5EF4-FFF2-40B4-BE49-F238E27FC236}">
-                    <a16:creationId xmlns:a16="http://schemas.microsoft.com/office/drawing/2014/main" id="{9A3924B1-2A7F-E54A-BAB4-C0475A685BD3}"/>
-                  </a:ext>
-                </a:extLst>
-              </p:cNvPr>
+              <p:cNvPr id="4" name="表格 3"/>
               <p:cNvGraphicFramePr>
                 <a:graphicFrameLocks noGrp="1"/>
               </p:cNvGraphicFramePr>
-              <p:nvPr>
-                <p:extLst>
-                  <p:ext uri="{D42A27DB-BD31-4B8C-83A1-F6EECF244321}">
-                    <p14:modId xmlns:p14="http://schemas.microsoft.com/office/powerpoint/2010/main" val="1131038711"/>
-                  </p:ext>
-                </p:extLst>
-              </p:nvPr>
+              <p:nvPr/>
             </p:nvGraphicFramePr>
             <p:xfrm>
               <a:off x="2209800" y="3581400"/>
@@ -16164,22 +15403,10 @@
                     <a:tableStyleId>{5C22544A-7EE6-4342-B048-85BDC9FD1C3A}</a:tableStyleId>
                   </a:tblPr>
                   <a:tblGrid>
-                    <a:gridCol w="1905000">
-                      <a:extLst>
-                        <a:ext uri="{9D8B030D-6E8A-4147-A177-3AD203B41FA5}">
-                          <a16:colId xmlns:a16="http://schemas.microsoft.com/office/drawing/2014/main" val="1962609606"/>
-                        </a:ext>
-                      </a:extLst>
-                    </a:gridCol>
-                    <a:gridCol w="2133600">
-                      <a:extLst>
-                        <a:ext uri="{9D8B030D-6E8A-4147-A177-3AD203B41FA5}">
-                          <a16:colId xmlns:a16="http://schemas.microsoft.com/office/drawing/2014/main" val="3571245434"/>
-                        </a:ext>
-                      </a:extLst>
-                    </a:gridCol>
+                    <a:gridCol w="1905000"/>
+                    <a:gridCol w="2133600"/>
                   </a:tblGrid>
-                  <a:tr h="365760">
+                  <a:tr h="233494">
                     <a:tc>
                       <a:txBody>
                         <a:bodyPr/>
@@ -16208,13 +15435,8 @@
                       </a:txBody>
                       <a:tcPr/>
                     </a:tc>
-                    <a:extLst>
-                      <a:ext uri="{0D108BD9-81ED-4DB2-BD59-A6C34878D82A}">
-                        <a16:rowId xmlns:a16="http://schemas.microsoft.com/office/drawing/2014/main" val="86062112"/>
-                      </a:ext>
-                    </a:extLst>
                   </a:tr>
-                  <a:tr h="1290506">
+                  <a:tr h="1290320">
                     <a:tc>
                       <a:txBody>
                         <a:bodyPr/>
@@ -16225,10 +15447,7 @@
                       </a:txBody>
                       <a:tcPr>
                         <a:blipFill>
-                          <a:blip r:embed="rId3"/>
-                          <a:stretch>
-                            <a:fillRect l="-667" t="-31373" r="-113333"/>
-                          </a:stretch>
+                          <a:blip r:embed="rId2"/>
                         </a:blipFill>
                       </a:tcPr>
                     </a:tc>
@@ -16251,13 +15470,13 @@
                             <a:buSzTx/>
                             <a:buFontTx/>
                             <a:buNone/>
-                            <a:tabLst/>
                             <a:defRPr/>
                           </a:pPr>
                           <a:r>
                             <a:rPr lang="en-US" altLang="zh-CN" dirty="0"/>
                             <a:t>P(x)</a:t>
                           </a:r>
+                          <a:endParaRPr lang="en-US" altLang="zh-CN" dirty="0"/>
                         </a:p>
                         <a:p>
                           <a:pPr marL="0" marR="0" indent="0" algn="l" defTabSz="914400" rtl="0" eaLnBrk="1" fontAlgn="auto" latinLnBrk="0" hangingPunct="1">
@@ -16274,13 +15493,13 @@
                             <a:buSzTx/>
                             <a:buFontTx/>
                             <a:buNone/>
-                            <a:tabLst/>
                             <a:defRPr/>
                           </a:pPr>
                           <a:r>
                             <a:rPr lang="en-US" altLang="zh-CN" dirty="0"/>
                             <a:t>~P(1)</a:t>
                           </a:r>
+                          <a:endParaRPr lang="en-US" altLang="zh-CN" dirty="0"/>
                         </a:p>
                         <a:p>
                           <a:pPr marL="0" marR="0" indent="0" algn="l" defTabSz="914400" rtl="0" eaLnBrk="1" fontAlgn="auto" latinLnBrk="0" hangingPunct="1">
@@ -16297,22 +15516,17 @@
                             <a:buSzTx/>
                             <a:buFontTx/>
                             <a:buNone/>
-                            <a:tabLst/>
                             <a:defRPr/>
                           </a:pPr>
                           <a:r>
                             <a:rPr lang="en-US" altLang="zh-CN" dirty="0"/>
                             <a:t>~P(2)</a:t>
                           </a:r>
+                          <a:endParaRPr lang="en-US" altLang="zh-CN" dirty="0"/>
                         </a:p>
                       </a:txBody>
                       <a:tcPr/>
                     </a:tc>
-                    <a:extLst>
-                      <a:ext uri="{0D108BD9-81ED-4DB2-BD59-A6C34878D82A}">
-                        <a16:rowId xmlns:a16="http://schemas.microsoft.com/office/drawing/2014/main" val="4251767671"/>
-                      </a:ext>
-                    </a:extLst>
                   </a:tr>
                 </a:tbl>
               </a:graphicData>
@@ -16321,11 +15535,6 @@
         </mc:Fallback>
       </mc:AlternateContent>
     </p:spTree>
-    <p:extLst>
-      <p:ext uri="{BB962C8B-B14F-4D97-AF65-F5344CB8AC3E}">
-        <p14:creationId xmlns:p14="http://schemas.microsoft.com/office/powerpoint/2010/main" val="2141591347"/>
-      </p:ext>
-    </p:extLst>
   </p:cSld>
   <p:clrMapOvr>
     <a:masterClrMapping/>
@@ -16352,13 +15561,7 @@
       </p:grpSpPr>
       <p:sp>
         <p:nvSpPr>
-          <p:cNvPr id="2" name="标题 1">
-            <a:extLst>
-              <a:ext uri="{FF2B5EF4-FFF2-40B4-BE49-F238E27FC236}">
-                <a16:creationId xmlns:a16="http://schemas.microsoft.com/office/drawing/2014/main" id="{7577C46B-AB93-A648-A78F-AF1A3720C048}"/>
-              </a:ext>
-            </a:extLst>
-          </p:cNvPr>
+          <p:cNvPr id="2" name="标题 1"/>
           <p:cNvSpPr>
             <a:spLocks noGrp="1"/>
           </p:cNvSpPr>
@@ -16383,13 +15586,7 @@
         <mc:Choice xmlns:a14="http://schemas.microsoft.com/office/drawing/2010/main" Requires="a14">
           <p:sp>
             <p:nvSpPr>
-              <p:cNvPr id="3" name="内容占位符 2">
-                <a:extLst>
-                  <a:ext uri="{FF2B5EF4-FFF2-40B4-BE49-F238E27FC236}">
-                    <a16:creationId xmlns:a16="http://schemas.microsoft.com/office/drawing/2014/main" id="{B6BD1D89-38B8-1448-A0F7-0C550D9BB173}"/>
-                  </a:ext>
-                </a:extLst>
-              </p:cNvPr>
+              <p:cNvPr id="3" name="内容占位符 2"/>
               <p:cNvSpPr>
                 <a:spLocks noGrp="1"/>
               </p:cNvSpPr>
@@ -16406,6 +15603,7 @@
                   <a:rPr kumimoji="1" lang="en-US" altLang="zh-CN" dirty="0"/>
                   <a:t>First-order logic:</a:t>
                 </a:r>
+                <a:endParaRPr kumimoji="1" lang="en-US" altLang="zh-CN" dirty="0"/>
               </a:p>
               <a:p>
                 <a:pPr lvl="1"/>
@@ -16413,12 +15611,14 @@
                   <a:rPr kumimoji="1" lang="en-US" altLang="zh-CN" dirty="0"/>
                   <a:t>Syntax, axioms and inference rules</a:t>
                 </a:r>
+                <a:endParaRPr kumimoji="1" lang="en-US" altLang="zh-CN" dirty="0"/>
               </a:p>
               <a:p>
                 <a:r>
                   <a:rPr kumimoji="1" lang="en-US" altLang="zh-CN" dirty="0"/>
                   <a:t>Theories:</a:t>
                 </a:r>
+                <a:endParaRPr kumimoji="1" lang="en-US" altLang="zh-CN" dirty="0"/>
               </a:p>
               <a:p>
                 <a:pPr lvl="1"/>
@@ -16426,6 +15626,7 @@
                   <a:rPr kumimoji="1" lang="en-US" altLang="zh-CN" dirty="0"/>
                   <a:t>Additional syntactic forms</a:t>
                 </a:r>
+                <a:endParaRPr kumimoji="1" lang="en-US" altLang="zh-CN" dirty="0"/>
               </a:p>
               <a:p>
                 <a:pPr lvl="1"/>
@@ -16433,6 +15634,7 @@
                   <a:rPr kumimoji="1" lang="en-US" altLang="zh-CN" dirty="0"/>
                   <a:t>Additional inference rules</a:t>
                 </a:r>
+                <a:endParaRPr kumimoji="1" lang="en-US" altLang="zh-CN" dirty="0"/>
               </a:p>
               <a:p>
                 <a:pPr lvl="1"/>
@@ -16483,25 +15685,19 @@
         <mc:Fallback>
           <p:sp>
             <p:nvSpPr>
-              <p:cNvPr id="3" name="内容占位符 2">
-                <a:extLst>
-                  <a:ext uri="{FF2B5EF4-FFF2-40B4-BE49-F238E27FC236}">
-                    <a16:creationId xmlns:a16="http://schemas.microsoft.com/office/drawing/2014/main" id="{B6BD1D89-38B8-1448-A0F7-0C550D9BB173}"/>
-                  </a:ext>
-                </a:extLst>
-              </p:cNvPr>
+              <p:cNvPr id="3" name="内容占位符 2"/>
               <p:cNvSpPr>
-                <a:spLocks noGrp="1" noRot="1" noChangeAspect="1" noMove="1" noResize="1" noEditPoints="1" noAdjustHandles="1" noChangeArrowheads="1" noChangeShapeType="1" noTextEdit="1"/>
+                <a:spLocks noRot="1" noChangeAspect="1" noMove="1" noResize="1" noEditPoints="1" noAdjustHandles="1" noChangeArrowheads="1" noChangeShapeType="1" noTextEdit="1"/>
               </p:cNvSpPr>
               <p:nvPr>
                 <p:ph idx="1"/>
               </p:nvPr>
             </p:nvSpPr>
             <p:spPr>
-              <a:blipFill>
-                <a:blip r:embed="rId2"/>
+              <a:blipFill rotWithShape="1">
+                <a:blip r:embed="rId1"/>
                 <a:stretch>
-                  <a:fillRect l="-489" t="-1846"/>
+                  <a:fillRect l="-4" t="-8" r="4" b="8"/>
                 </a:stretch>
               </a:blipFill>
             </p:spPr>
@@ -16521,11 +15717,6 @@
         </mc:Fallback>
       </mc:AlternateContent>
     </p:spTree>
-    <p:extLst>
-      <p:ext uri="{BB962C8B-B14F-4D97-AF65-F5344CB8AC3E}">
-        <p14:creationId xmlns:p14="http://schemas.microsoft.com/office/powerpoint/2010/main" val="3130928020"/>
-      </p:ext>
-    </p:extLst>
   </p:cSld>
   <p:clrMapOvr>
     <a:masterClrMapping/>
@@ -16552,13 +15743,7 @@
       </p:grpSpPr>
       <p:sp>
         <p:nvSpPr>
-          <p:cNvPr id="2" name="标题 1">
-            <a:extLst>
-              <a:ext uri="{FF2B5EF4-FFF2-40B4-BE49-F238E27FC236}">
-                <a16:creationId xmlns:a16="http://schemas.microsoft.com/office/drawing/2014/main" id="{F2FEE261-CF53-6D4E-9E9E-B6625867A129}"/>
-              </a:ext>
-            </a:extLst>
-          </p:cNvPr>
+          <p:cNvPr id="2" name="标题 1"/>
           <p:cNvSpPr>
             <a:spLocks noGrp="1"/>
           </p:cNvSpPr>
@@ -16583,13 +15768,7 @@
         <mc:Choice xmlns:a14="http://schemas.microsoft.com/office/drawing/2010/main" Requires="a14">
           <p:sp>
             <p:nvSpPr>
-              <p:cNvPr id="3" name="内容占位符 2">
-                <a:extLst>
-                  <a:ext uri="{FF2B5EF4-FFF2-40B4-BE49-F238E27FC236}">
-                    <a16:creationId xmlns:a16="http://schemas.microsoft.com/office/drawing/2014/main" id="{D0E0382F-7E46-7442-B02D-0D8D81B6C080}"/>
-                  </a:ext>
-                </a:extLst>
-              </p:cNvPr>
+              <p:cNvPr id="3" name="内容占位符 2"/>
               <p:cNvSpPr>
                 <a:spLocks noGrp="1"/>
               </p:cNvSpPr>
@@ -16652,6 +15831,7 @@
                   <a:rPr kumimoji="1" lang="en-US" altLang="zh-CN" dirty="0"/>
                   <a:t>, it holds that:</a:t>
                 </a:r>
+                <a:endParaRPr kumimoji="1" lang="en-US" altLang="zh-CN" dirty="0"/>
               </a:p>
               <a:p>
                 <a:pPr marL="0" indent="0" algn="ctr">
@@ -16721,7 +15901,16 @@
                             </a:solidFill>
                             <a:latin typeface="Cambria Math" panose="02040503050406030204" pitchFamily="18" charset="0"/>
                           </a:rPr>
-                          <m:t>=1</m:t>
+                          <m:t>=</m:t>
+                        </m:r>
+                        <m:r>
+                          <a:rPr kumimoji="1" lang="en-US" altLang="zh-CN" i="1">
+                            <a:solidFill>
+                              <a:srgbClr val="0432FF"/>
+                            </a:solidFill>
+                            <a:latin typeface="Cambria Math" panose="02040503050406030204" pitchFamily="18" charset="0"/>
+                          </a:rPr>
+                          <m:t>1</m:t>
                         </m:r>
                       </m:sub>
                       <m:sup>
@@ -16831,7 +16020,7 @@
                         </a:solidFill>
                         <a:latin typeface="Cambria Math" panose="02040503050406030204" pitchFamily="18" charset="0"/>
                         <a:ea typeface="Cambria Math" panose="02040503050406030204" pitchFamily="18" charset="0"/>
-                        <a:sym typeface="Wingdings" pitchFamily="2" charset="2"/>
+                        <a:sym typeface="Wingdings" panose="05000000000000000000" pitchFamily="2" charset="2"/>
                       </a:rPr>
                       <m:t>⇒</m:t>
                     </m:r>
@@ -16842,7 +16031,7 @@
                     <a:solidFill>
                       <a:srgbClr val="0432FF"/>
                     </a:solidFill>
-                    <a:sym typeface="Wingdings" pitchFamily="2" charset="2"/>
+                    <a:sym typeface="Wingdings" panose="05000000000000000000" pitchFamily="2" charset="2"/>
                   </a:rPr>
                   <a:t> P</a:t>
                 </a:r>
@@ -16960,10 +16149,13 @@
                 </a14:m>
                 <a:r>
                   <a:rPr kumimoji="1" lang="en-US" altLang="zh-CN" dirty="0">
-                    <a:sym typeface="Wingdings" pitchFamily="2" charset="2"/>
+                    <a:sym typeface="Wingdings" panose="05000000000000000000" pitchFamily="2" charset="2"/>
                   </a:rPr>
                   <a:t> </a:t>
                 </a:r>
+                <a:endParaRPr kumimoji="1" lang="en-US" altLang="zh-CN" dirty="0">
+                  <a:sym typeface="Wingdings" panose="05000000000000000000" pitchFamily="2" charset="2"/>
+                </a:endParaRPr>
               </a:p>
               <a:p>
                 <a:pPr marL="0" indent="0" algn="ctr">
@@ -16971,7 +16163,7 @@
                 </a:pPr>
                 <a:r>
                   <a:rPr kumimoji="1" lang="en-US" altLang="zh-CN" dirty="0">
-                    <a:sym typeface="Wingdings" pitchFamily="2" charset="2"/>
+                    <a:sym typeface="Wingdings" panose="05000000000000000000" pitchFamily="2" charset="2"/>
                   </a:rPr>
                   <a:t>for some </a:t>
                 </a:r>
@@ -16980,13 +16172,13 @@
                     <a:solidFill>
                       <a:srgbClr val="0432FF"/>
                     </a:solidFill>
-                    <a:sym typeface="Wingdings" pitchFamily="2" charset="2"/>
+                    <a:sym typeface="Wingdings" panose="05000000000000000000" pitchFamily="2" charset="2"/>
                   </a:rPr>
                   <a:t>i</a:t>
                 </a:r>
                 <a:r>
                   <a:rPr kumimoji="1" lang="en-US" altLang="zh-CN" dirty="0">
-                    <a:sym typeface="Wingdings" pitchFamily="2" charset="2"/>
+                    <a:sym typeface="Wingdings" panose="05000000000000000000" pitchFamily="2" charset="2"/>
                   </a:rPr>
                   <a:t> (where </a:t>
                 </a:r>
@@ -16995,13 +16187,13 @@
                     <a:solidFill>
                       <a:srgbClr val="0432FF"/>
                     </a:solidFill>
-                    <a:sym typeface="Wingdings" pitchFamily="2" charset="2"/>
+                    <a:sym typeface="Wingdings" panose="05000000000000000000" pitchFamily="2" charset="2"/>
                   </a:rPr>
                   <a:t>n&gt;1</a:t>
                 </a:r>
                 <a:r>
                   <a:rPr kumimoji="1" lang="en-US" altLang="zh-CN" dirty="0">
-                    <a:sym typeface="Wingdings" pitchFamily="2" charset="2"/>
+                    <a:sym typeface="Wingdings" panose="05000000000000000000" pitchFamily="2" charset="2"/>
                   </a:rPr>
                   <a:t>).</a:t>
                 </a:r>
@@ -17036,6 +16228,7 @@
                   <a:rPr kumimoji="1" lang="en-US" altLang="zh-CN" dirty="0"/>
                   <a:t> must imply one of them</a:t>
                 </a:r>
+                <a:endParaRPr kumimoji="1" lang="en-US" altLang="zh-CN" dirty="0"/>
               </a:p>
               <a:p>
                 <a:r>
@@ -17072,6 +16265,7 @@
                   <a:rPr kumimoji="1" lang="en-US" altLang="zh-CN" dirty="0"/>
                   <a:t>, if the above condition does not hold</a:t>
                 </a:r>
+                <a:endParaRPr kumimoji="1" lang="en-US" altLang="zh-CN" dirty="0"/>
               </a:p>
             </p:txBody>
           </p:sp>
@@ -17079,25 +16273,19 @@
         <mc:Fallback>
           <p:sp>
             <p:nvSpPr>
-              <p:cNvPr id="3" name="内容占位符 2">
-                <a:extLst>
-                  <a:ext uri="{FF2B5EF4-FFF2-40B4-BE49-F238E27FC236}">
-                    <a16:creationId xmlns:a16="http://schemas.microsoft.com/office/drawing/2014/main" id="{D0E0382F-7E46-7442-B02D-0D8D81B6C080}"/>
-                  </a:ext>
-                </a:extLst>
-              </p:cNvPr>
+              <p:cNvPr id="3" name="内容占位符 2"/>
               <p:cNvSpPr>
-                <a:spLocks noGrp="1" noRot="1" noChangeAspect="1" noMove="1" noResize="1" noEditPoints="1" noAdjustHandles="1" noChangeArrowheads="1" noChangeShapeType="1" noTextEdit="1"/>
+                <a:spLocks noRot="1" noChangeAspect="1" noMove="1" noResize="1" noEditPoints="1" noAdjustHandles="1" noChangeArrowheads="1" noChangeShapeType="1" noTextEdit="1"/>
               </p:cNvSpPr>
               <p:nvPr>
                 <p:ph idx="1"/>
               </p:nvPr>
             </p:nvSpPr>
             <p:spPr>
-              <a:blipFill>
-                <a:blip r:embed="rId2"/>
+              <a:blipFill rotWithShape="1">
+                <a:blip r:embed="rId1"/>
                 <a:stretch>
-                  <a:fillRect l="-489" t="-2154" b="-11385"/>
+                  <a:fillRect l="-4" t="-8" r="4" b="-5826"/>
                 </a:stretch>
               </a:blipFill>
             </p:spPr>
@@ -17117,11 +16305,6 @@
         </mc:Fallback>
       </mc:AlternateContent>
     </p:spTree>
-    <p:extLst>
-      <p:ext uri="{BB962C8B-B14F-4D97-AF65-F5344CB8AC3E}">
-        <p14:creationId xmlns:p14="http://schemas.microsoft.com/office/powerpoint/2010/main" val="1463204980"/>
-      </p:ext>
-    </p:extLst>
   </p:cSld>
   <p:clrMapOvr>
     <a:masterClrMapping/>
@@ -17148,13 +16331,7 @@
       </p:grpSpPr>
       <p:sp>
         <p:nvSpPr>
-          <p:cNvPr id="2" name="标题 1">
-            <a:extLst>
-              <a:ext uri="{FF2B5EF4-FFF2-40B4-BE49-F238E27FC236}">
-                <a16:creationId xmlns:a16="http://schemas.microsoft.com/office/drawing/2014/main" id="{F83B1A98-5D2E-F84C-8A75-A8FC62CA10DB}"/>
-              </a:ext>
-            </a:extLst>
-          </p:cNvPr>
+          <p:cNvPr id="2" name="标题 1"/>
           <p:cNvSpPr>
             <a:spLocks noGrp="1"/>
           </p:cNvSpPr>
@@ -17179,13 +16356,7 @@
         <mc:Choice xmlns:a14="http://schemas.microsoft.com/office/drawing/2010/main" Requires="a14">
           <p:sp>
             <p:nvSpPr>
-              <p:cNvPr id="3" name="内容占位符 2">
-                <a:extLst>
-                  <a:ext uri="{FF2B5EF4-FFF2-40B4-BE49-F238E27FC236}">
-                    <a16:creationId xmlns:a16="http://schemas.microsoft.com/office/drawing/2014/main" id="{8EA67DCE-2389-6343-AFC1-54E1B9454D1E}"/>
-                  </a:ext>
-                </a:extLst>
-              </p:cNvPr>
+              <p:cNvPr id="3" name="内容占位符 2"/>
               <p:cNvSpPr>
                 <a:spLocks noGrp="1"/>
               </p:cNvSpPr>
@@ -17249,6 +16420,10 @@
                   </a:rPr>
                   <a:t>):</a:t>
                 </a:r>
+                <a:endParaRPr kumimoji="1" lang="en-US" altLang="zh-CN" sz="2000" b="1" dirty="0">
+                  <a:latin typeface="Courier New" panose="02070309020205020404" pitchFamily="49" charset="0"/>
+                  <a:cs typeface="Courier New" panose="02070309020205020404" pitchFamily="49" charset="0"/>
+                </a:endParaRPr>
               </a:p>
               <a:p>
                 <a:pPr marL="0" indent="0">
@@ -17454,6 +16629,13 @@
                   </a:rPr>
                   <a:t> ~P(2) </a:t>
                 </a:r>
+                <a:endParaRPr kumimoji="1" lang="en-US" altLang="zh-CN" sz="2000" b="1" dirty="0">
+                  <a:solidFill>
+                    <a:srgbClr val="0432FF"/>
+                  </a:solidFill>
+                  <a:latin typeface="Courier New" panose="02070309020205020404" pitchFamily="49" charset="0"/>
+                  <a:cs typeface="Courier New" panose="02070309020205020404" pitchFamily="49" charset="0"/>
+                </a:endParaRPr>
               </a:p>
               <a:p>
                 <a:pPr marL="0" indent="0">
@@ -17492,6 +16674,10 @@
                   </a:rPr>
                   <a:t>After purification:</a:t>
                 </a:r>
+                <a:endParaRPr kumimoji="1" lang="en-US" altLang="zh-CN" sz="2000" b="1" dirty="0">
+                  <a:latin typeface="Courier New" panose="02070309020205020404" pitchFamily="49" charset="0"/>
+                  <a:cs typeface="Courier New" panose="02070309020205020404" pitchFamily="49" charset="0"/>
+                </a:endParaRPr>
               </a:p>
               <a:p>
                 <a:pPr marL="0" indent="0">
@@ -17730,6 +16916,10 @@
                   </a:rPr>
                   <a:t> (just one).</a:t>
                 </a:r>
+                <a:endParaRPr kumimoji="1" lang="en-US" altLang="zh-CN" sz="2000" b="1" dirty="0">
+                  <a:latin typeface="Courier New" panose="02070309020205020404" pitchFamily="49" charset="0"/>
+                  <a:cs typeface="Courier New" panose="02070309020205020404" pitchFamily="49" charset="0"/>
+                </a:endParaRPr>
               </a:p>
               <a:p>
                 <a:pPr marL="0" indent="0">
@@ -17742,6 +16932,10 @@
                   </a:rPr>
                   <a:t>So we cannot broadcast either equality.</a:t>
                 </a:r>
+                <a:endParaRPr kumimoji="1" lang="en-US" altLang="zh-CN" sz="2000" b="1" dirty="0">
+                  <a:latin typeface="Courier New" panose="02070309020205020404" pitchFamily="49" charset="0"/>
+                  <a:cs typeface="Courier New" panose="02070309020205020404" pitchFamily="49" charset="0"/>
+                </a:endParaRPr>
               </a:p>
             </p:txBody>
           </p:sp>
@@ -17749,25 +16943,19 @@
         <mc:Fallback>
           <p:sp>
             <p:nvSpPr>
-              <p:cNvPr id="3" name="内容占位符 2">
-                <a:extLst>
-                  <a:ext uri="{FF2B5EF4-FFF2-40B4-BE49-F238E27FC236}">
-                    <a16:creationId xmlns:a16="http://schemas.microsoft.com/office/drawing/2014/main" id="{8EA67DCE-2389-6343-AFC1-54E1B9454D1E}"/>
-                  </a:ext>
-                </a:extLst>
-              </p:cNvPr>
+              <p:cNvPr id="3" name="内容占位符 2"/>
               <p:cNvSpPr>
-                <a:spLocks noGrp="1" noRot="1" noChangeAspect="1" noMove="1" noResize="1" noEditPoints="1" noAdjustHandles="1" noChangeArrowheads="1" noChangeShapeType="1" noTextEdit="1"/>
+                <a:spLocks noRot="1" noChangeAspect="1" noMove="1" noResize="1" noEditPoints="1" noAdjustHandles="1" noChangeArrowheads="1" noChangeShapeType="1" noTextEdit="1"/>
               </p:cNvSpPr>
               <p:nvPr>
                 <p:ph idx="1"/>
               </p:nvPr>
             </p:nvSpPr>
             <p:spPr>
-              <a:blipFill>
-                <a:blip r:embed="rId2"/>
+              <a:blipFill rotWithShape="1">
+                <a:blip r:embed="rId1"/>
                 <a:stretch>
-                  <a:fillRect l="-653" t="-615" b="-8308"/>
+                  <a:fillRect l="-4" t="-8" r="4" b="-4807"/>
                 </a:stretch>
               </a:blipFill>
             </p:spPr>
@@ -17786,27 +16974,15 @@
           </p:sp>
         </mc:Fallback>
       </mc:AlternateContent>
-      <mc:AlternateContent xmlns:mc="http://schemas.openxmlformats.org/markup-compatibility/2006">
-        <mc:Choice xmlns:a14="http://schemas.microsoft.com/office/drawing/2010/main" Requires="a14">
+      <mc:AlternateContent xmlns:mc="http://schemas.openxmlformats.org/markup-compatibility/2006" xmlns:a14="http://schemas.microsoft.com/office/drawing/2010/main">
+        <mc:Choice Requires="a14">
           <p:graphicFrame>
             <p:nvGraphicFramePr>
-              <p:cNvPr id="4" name="表格 3">
-                <a:extLst>
-                  <a:ext uri="{FF2B5EF4-FFF2-40B4-BE49-F238E27FC236}">
-                    <a16:creationId xmlns:a16="http://schemas.microsoft.com/office/drawing/2014/main" id="{9A3924B1-2A7F-E54A-BAB4-C0475A685BD3}"/>
-                  </a:ext>
-                </a:extLst>
-              </p:cNvPr>
+              <p:cNvPr id="4" name="表格 3"/>
               <p:cNvGraphicFramePr>
                 <a:graphicFrameLocks noGrp="1"/>
               </p:cNvGraphicFramePr>
-              <p:nvPr>
-                <p:extLst>
-                  <p:ext uri="{D42A27DB-BD31-4B8C-83A1-F6EECF244321}">
-                    <p14:modId xmlns:p14="http://schemas.microsoft.com/office/powerpoint/2010/main" val="115681596"/>
-                  </p:ext>
-                </p:extLst>
-              </p:nvPr>
+              <p:nvPr/>
             </p:nvGraphicFramePr>
             <p:xfrm>
               <a:off x="2209800" y="3581400"/>
@@ -17819,20 +16995,8 @@
                     <a:tableStyleId>{5C22544A-7EE6-4342-B048-85BDC9FD1C3A}</a:tableStyleId>
                   </a:tblPr>
                   <a:tblGrid>
-                    <a:gridCol w="1905000">
-                      <a:extLst>
-                        <a:ext uri="{9D8B030D-6E8A-4147-A177-3AD203B41FA5}">
-                          <a16:colId xmlns:a16="http://schemas.microsoft.com/office/drawing/2014/main" val="1962609606"/>
-                        </a:ext>
-                      </a:extLst>
-                    </a:gridCol>
-                    <a:gridCol w="2133600">
-                      <a:extLst>
-                        <a:ext uri="{9D8B030D-6E8A-4147-A177-3AD203B41FA5}">
-                          <a16:colId xmlns:a16="http://schemas.microsoft.com/office/drawing/2014/main" val="3571245434"/>
-                        </a:ext>
-                      </a:extLst>
-                    </a:gridCol>
+                    <a:gridCol w="1905000"/>
+                    <a:gridCol w="2133600"/>
                   </a:tblGrid>
                   <a:tr h="233494">
                     <a:tc>
@@ -17863,11 +17027,6 @@
                       </a:txBody>
                       <a:tcPr/>
                     </a:tc>
-                    <a:extLst>
-                      <a:ext uri="{0D108BD9-81ED-4DB2-BD59-A6C34878D82A}">
-                        <a16:rowId xmlns:a16="http://schemas.microsoft.com/office/drawing/2014/main" val="86062112"/>
-                      </a:ext>
-                    </a:extLst>
                   </a:tr>
                   <a:tr h="1290506">
                     <a:tc>
@@ -17897,6 +17056,7 @@
                             <a:rPr lang="en-US" altLang="zh-CN" dirty="0"/>
                             <a:t>1</a:t>
                           </a:r>
+                          <a:endParaRPr lang="en-US" altLang="zh-CN" dirty="0"/>
                         </a:p>
                         <a:p>
                           <a:r>
@@ -17921,6 +17081,7 @@
                             <a:rPr lang="en-US" altLang="zh-CN" dirty="0"/>
                             <a:t>2</a:t>
                           </a:r>
+                          <a:endParaRPr lang="en-US" altLang="zh-CN" dirty="0"/>
                         </a:p>
                         <a:p>
                           <a:endParaRPr lang="zh-CN" altLang="en-US" dirty="0"/>
@@ -17947,13 +17108,13 @@
                             <a:buSzTx/>
                             <a:buFontTx/>
                             <a:buNone/>
-                            <a:tabLst/>
                             <a:defRPr/>
                           </a:pPr>
                           <a:r>
                             <a:rPr lang="en-US" altLang="zh-CN" dirty="0"/>
                             <a:t>P(x)</a:t>
                           </a:r>
+                          <a:endParaRPr lang="en-US" altLang="zh-CN" dirty="0"/>
                         </a:p>
                         <a:p>
                           <a:pPr marL="0" marR="0" indent="0" algn="l" defTabSz="914400" rtl="0" eaLnBrk="1" fontAlgn="auto" latinLnBrk="0" hangingPunct="1">
@@ -17970,13 +17131,13 @@
                             <a:buSzTx/>
                             <a:buFontTx/>
                             <a:buNone/>
-                            <a:tabLst/>
                             <a:defRPr/>
                           </a:pPr>
                           <a:r>
                             <a:rPr lang="en-US" altLang="zh-CN" dirty="0"/>
                             <a:t>~P(1)</a:t>
                           </a:r>
+                          <a:endParaRPr lang="en-US" altLang="zh-CN" dirty="0"/>
                         </a:p>
                         <a:p>
                           <a:pPr marL="0" marR="0" indent="0" algn="l" defTabSz="914400" rtl="0" eaLnBrk="1" fontAlgn="auto" latinLnBrk="0" hangingPunct="1">
@@ -17993,48 +17154,31 @@
                             <a:buSzTx/>
                             <a:buFontTx/>
                             <a:buNone/>
-                            <a:tabLst/>
                             <a:defRPr/>
                           </a:pPr>
                           <a:r>
                             <a:rPr lang="en-US" altLang="zh-CN" dirty="0"/>
                             <a:t>~P(2)</a:t>
                           </a:r>
+                          <a:endParaRPr lang="en-US" altLang="zh-CN" dirty="0"/>
                         </a:p>
                       </a:txBody>
                       <a:tcPr/>
                     </a:tc>
-                    <a:extLst>
-                      <a:ext uri="{0D108BD9-81ED-4DB2-BD59-A6C34878D82A}">
-                        <a16:rowId xmlns:a16="http://schemas.microsoft.com/office/drawing/2014/main" val="4251767671"/>
-                      </a:ext>
-                    </a:extLst>
                   </a:tr>
                 </a:tbl>
               </a:graphicData>
             </a:graphic>
           </p:graphicFrame>
         </mc:Choice>
-        <mc:Fallback>
+        <mc:Fallback xmlns="">
           <p:graphicFrame>
             <p:nvGraphicFramePr>
-              <p:cNvPr id="4" name="表格 3">
-                <a:extLst>
-                  <a:ext uri="{FF2B5EF4-FFF2-40B4-BE49-F238E27FC236}">
-                    <a16:creationId xmlns:a16="http://schemas.microsoft.com/office/drawing/2014/main" id="{9A3924B1-2A7F-E54A-BAB4-C0475A685BD3}"/>
-                  </a:ext>
-                </a:extLst>
-              </p:cNvPr>
+              <p:cNvPr id="4" name="表格 3"/>
               <p:cNvGraphicFramePr>
                 <a:graphicFrameLocks noGrp="1"/>
               </p:cNvGraphicFramePr>
-              <p:nvPr>
-                <p:extLst>
-                  <p:ext uri="{D42A27DB-BD31-4B8C-83A1-F6EECF244321}">
-                    <p14:modId xmlns:p14="http://schemas.microsoft.com/office/powerpoint/2010/main" val="115681596"/>
-                  </p:ext>
-                </p:extLst>
-              </p:nvPr>
+              <p:nvPr/>
             </p:nvGraphicFramePr>
             <p:xfrm>
               <a:off x="2209800" y="3581400"/>
@@ -18047,22 +17191,10 @@
                     <a:tableStyleId>{5C22544A-7EE6-4342-B048-85BDC9FD1C3A}</a:tableStyleId>
                   </a:tblPr>
                   <a:tblGrid>
-                    <a:gridCol w="1905000">
-                      <a:extLst>
-                        <a:ext uri="{9D8B030D-6E8A-4147-A177-3AD203B41FA5}">
-                          <a16:colId xmlns:a16="http://schemas.microsoft.com/office/drawing/2014/main" val="1962609606"/>
-                        </a:ext>
-                      </a:extLst>
-                    </a:gridCol>
-                    <a:gridCol w="2133600">
-                      <a:extLst>
-                        <a:ext uri="{9D8B030D-6E8A-4147-A177-3AD203B41FA5}">
-                          <a16:colId xmlns:a16="http://schemas.microsoft.com/office/drawing/2014/main" val="3571245434"/>
-                        </a:ext>
-                      </a:extLst>
-                    </a:gridCol>
+                    <a:gridCol w="1905000"/>
+                    <a:gridCol w="2133600"/>
                   </a:tblGrid>
-                  <a:tr h="365760">
+                  <a:tr h="233494">
                     <a:tc>
                       <a:txBody>
                         <a:bodyPr/>
@@ -18091,13 +17223,8 @@
                       </a:txBody>
                       <a:tcPr/>
                     </a:tc>
-                    <a:extLst>
-                      <a:ext uri="{0D108BD9-81ED-4DB2-BD59-A6C34878D82A}">
-                        <a16:rowId xmlns:a16="http://schemas.microsoft.com/office/drawing/2014/main" val="86062112"/>
-                      </a:ext>
-                    </a:extLst>
                   </a:tr>
-                  <a:tr h="1290506">
+                  <a:tr h="1290320">
                     <a:tc>
                       <a:txBody>
                         <a:bodyPr/>
@@ -18108,10 +17235,7 @@
                       </a:txBody>
                       <a:tcPr>
                         <a:blipFill>
-                          <a:blip r:embed="rId3"/>
-                          <a:stretch>
-                            <a:fillRect l="-667" t="-31373" r="-113333"/>
-                          </a:stretch>
+                          <a:blip r:embed="rId2"/>
                         </a:blipFill>
                       </a:tcPr>
                     </a:tc>
@@ -18134,13 +17258,13 @@
                             <a:buSzTx/>
                             <a:buFontTx/>
                             <a:buNone/>
-                            <a:tabLst/>
                             <a:defRPr/>
                           </a:pPr>
                           <a:r>
                             <a:rPr lang="en-US" altLang="zh-CN" dirty="0"/>
                             <a:t>P(x)</a:t>
                           </a:r>
+                          <a:endParaRPr lang="en-US" altLang="zh-CN" dirty="0"/>
                         </a:p>
                         <a:p>
                           <a:pPr marL="0" marR="0" indent="0" algn="l" defTabSz="914400" rtl="0" eaLnBrk="1" fontAlgn="auto" latinLnBrk="0" hangingPunct="1">
@@ -18157,13 +17281,13 @@
                             <a:buSzTx/>
                             <a:buFontTx/>
                             <a:buNone/>
-                            <a:tabLst/>
                             <a:defRPr/>
                           </a:pPr>
                           <a:r>
                             <a:rPr lang="en-US" altLang="zh-CN" dirty="0"/>
                             <a:t>~P(1)</a:t>
                           </a:r>
+                          <a:endParaRPr lang="en-US" altLang="zh-CN" dirty="0"/>
                         </a:p>
                         <a:p>
                           <a:pPr marL="0" marR="0" indent="0" algn="l" defTabSz="914400" rtl="0" eaLnBrk="1" fontAlgn="auto" latinLnBrk="0" hangingPunct="1">
@@ -18180,22 +17304,17 @@
                             <a:buSzTx/>
                             <a:buFontTx/>
                             <a:buNone/>
-                            <a:tabLst/>
                             <a:defRPr/>
                           </a:pPr>
                           <a:r>
                             <a:rPr lang="en-US" altLang="zh-CN" dirty="0"/>
                             <a:t>~P(2)</a:t>
                           </a:r>
+                          <a:endParaRPr lang="en-US" altLang="zh-CN" dirty="0"/>
                         </a:p>
                       </a:txBody>
                       <a:tcPr/>
                     </a:tc>
-                    <a:extLst>
-                      <a:ext uri="{0D108BD9-81ED-4DB2-BD59-A6C34878D82A}">
-                        <a16:rowId xmlns:a16="http://schemas.microsoft.com/office/drawing/2014/main" val="4251767671"/>
-                      </a:ext>
-                    </a:extLst>
                   </a:tr>
                 </a:tbl>
               </a:graphicData>
@@ -18204,11 +17323,6 @@
         </mc:Fallback>
       </mc:AlternateContent>
     </p:spTree>
-    <p:extLst>
-      <p:ext uri="{BB962C8B-B14F-4D97-AF65-F5344CB8AC3E}">
-        <p14:creationId xmlns:p14="http://schemas.microsoft.com/office/powerpoint/2010/main" val="3848236249"/>
-      </p:ext>
-    </p:extLst>
   </p:cSld>
   <p:clrMapOvr>
     <a:masterClrMapping/>
@@ -18235,13 +17349,7 @@
       </p:grpSpPr>
       <p:sp>
         <p:nvSpPr>
-          <p:cNvPr id="2" name="标题 1">
-            <a:extLst>
-              <a:ext uri="{FF2B5EF4-FFF2-40B4-BE49-F238E27FC236}">
-                <a16:creationId xmlns:a16="http://schemas.microsoft.com/office/drawing/2014/main" id="{F83B1A98-5D2E-F84C-8A75-A8FC62CA10DB}"/>
-              </a:ext>
-            </a:extLst>
-          </p:cNvPr>
+          <p:cNvPr id="2" name="标题 1"/>
           <p:cNvSpPr>
             <a:spLocks noGrp="1"/>
           </p:cNvSpPr>
@@ -18266,13 +17374,7 @@
         <mc:Choice xmlns:a14="http://schemas.microsoft.com/office/drawing/2010/main" Requires="a14">
           <p:sp>
             <p:nvSpPr>
-              <p:cNvPr id="3" name="内容占位符 2">
-                <a:extLst>
-                  <a:ext uri="{FF2B5EF4-FFF2-40B4-BE49-F238E27FC236}">
-                    <a16:creationId xmlns:a16="http://schemas.microsoft.com/office/drawing/2014/main" id="{8EA67DCE-2389-6343-AFC1-54E1B9454D1E}"/>
-                  </a:ext>
-                </a:extLst>
-              </p:cNvPr>
+              <p:cNvPr id="3" name="内容占位符 2"/>
               <p:cNvSpPr>
                 <a:spLocks noGrp="1"/>
               </p:cNvSpPr>
@@ -18336,6 +17438,10 @@
                   </a:rPr>
                   <a:t>):</a:t>
                 </a:r>
+                <a:endParaRPr kumimoji="1" lang="en-US" altLang="zh-CN" sz="2000" b="1" dirty="0">
+                  <a:latin typeface="Courier New" panose="02070309020205020404" pitchFamily="49" charset="0"/>
+                  <a:cs typeface="Courier New" panose="02070309020205020404" pitchFamily="49" charset="0"/>
+                </a:endParaRPr>
               </a:p>
               <a:p>
                 <a:pPr marL="0" indent="0">
@@ -18541,6 +17647,13 @@
                   </a:rPr>
                   <a:t> ~P(2) </a:t>
                 </a:r>
+                <a:endParaRPr kumimoji="1" lang="en-US" altLang="zh-CN" sz="2000" b="1" dirty="0">
+                  <a:solidFill>
+                    <a:srgbClr val="0432FF"/>
+                  </a:solidFill>
+                  <a:latin typeface="Courier New" panose="02070309020205020404" pitchFamily="49" charset="0"/>
+                  <a:cs typeface="Courier New" panose="02070309020205020404" pitchFamily="49" charset="0"/>
+                </a:endParaRPr>
               </a:p>
               <a:p>
                 <a:pPr marL="0" indent="0">
@@ -18579,6 +17692,10 @@
                   </a:rPr>
                   <a:t>After purification:</a:t>
                 </a:r>
+                <a:endParaRPr kumimoji="1" lang="en-US" altLang="zh-CN" sz="2000" b="1" dirty="0">
+                  <a:latin typeface="Courier New" panose="02070309020205020404" pitchFamily="49" charset="0"/>
+                  <a:cs typeface="Courier New" panose="02070309020205020404" pitchFamily="49" charset="0"/>
+                </a:endParaRPr>
               </a:p>
               <a:p>
                 <a:pPr marL="0" indent="0">
@@ -18631,25 +17748,19 @@
         <mc:Fallback>
           <p:sp>
             <p:nvSpPr>
-              <p:cNvPr id="3" name="内容占位符 2">
-                <a:extLst>
-                  <a:ext uri="{FF2B5EF4-FFF2-40B4-BE49-F238E27FC236}">
-                    <a16:creationId xmlns:a16="http://schemas.microsoft.com/office/drawing/2014/main" id="{8EA67DCE-2389-6343-AFC1-54E1B9454D1E}"/>
-                  </a:ext>
-                </a:extLst>
-              </p:cNvPr>
+              <p:cNvPr id="3" name="内容占位符 2"/>
               <p:cNvSpPr>
-                <a:spLocks noGrp="1" noRot="1" noChangeAspect="1" noMove="1" noResize="1" noEditPoints="1" noAdjustHandles="1" noChangeArrowheads="1" noChangeShapeType="1" noTextEdit="1"/>
+                <a:spLocks noRot="1" noChangeAspect="1" noMove="1" noResize="1" noEditPoints="1" noAdjustHandles="1" noChangeArrowheads="1" noChangeShapeType="1" noTextEdit="1"/>
               </p:cNvSpPr>
               <p:nvPr>
                 <p:ph idx="1"/>
               </p:nvPr>
             </p:nvSpPr>
             <p:spPr>
-              <a:blipFill>
-                <a:blip r:embed="rId2"/>
+              <a:blipFill rotWithShape="1">
+                <a:blip r:embed="rId1"/>
                 <a:stretch>
-                  <a:fillRect l="-653" t="-615"/>
+                  <a:fillRect l="-4" t="-8" r="4" b="8"/>
                 </a:stretch>
               </a:blipFill>
             </p:spPr>
@@ -18668,27 +17779,15 @@
           </p:sp>
         </mc:Fallback>
       </mc:AlternateContent>
-      <mc:AlternateContent xmlns:mc="http://schemas.openxmlformats.org/markup-compatibility/2006">
-        <mc:Choice xmlns:a14="http://schemas.microsoft.com/office/drawing/2010/main" Requires="a14">
+      <mc:AlternateContent xmlns:mc="http://schemas.openxmlformats.org/markup-compatibility/2006" xmlns:a14="http://schemas.microsoft.com/office/drawing/2010/main">
+        <mc:Choice Requires="a14">
           <p:graphicFrame>
             <p:nvGraphicFramePr>
-              <p:cNvPr id="4" name="表格 3">
-                <a:extLst>
-                  <a:ext uri="{FF2B5EF4-FFF2-40B4-BE49-F238E27FC236}">
-                    <a16:creationId xmlns:a16="http://schemas.microsoft.com/office/drawing/2014/main" id="{9A3924B1-2A7F-E54A-BAB4-C0475A685BD3}"/>
-                  </a:ext>
-                </a:extLst>
-              </p:cNvPr>
+              <p:cNvPr id="4" name="表格 3"/>
               <p:cNvGraphicFramePr>
                 <a:graphicFrameLocks noGrp="1"/>
               </p:cNvGraphicFramePr>
-              <p:nvPr>
-                <p:extLst>
-                  <p:ext uri="{D42A27DB-BD31-4B8C-83A1-F6EECF244321}">
-                    <p14:modId xmlns:p14="http://schemas.microsoft.com/office/powerpoint/2010/main" val="4234312625"/>
-                  </p:ext>
-                </p:extLst>
-              </p:nvPr>
+              <p:nvPr/>
             </p:nvGraphicFramePr>
             <p:xfrm>
               <a:off x="2209800" y="3581400"/>
@@ -18701,20 +17800,8 @@
                     <a:tableStyleId>{5C22544A-7EE6-4342-B048-85BDC9FD1C3A}</a:tableStyleId>
                   </a:tblPr>
                   <a:tblGrid>
-                    <a:gridCol w="1905000">
-                      <a:extLst>
-                        <a:ext uri="{9D8B030D-6E8A-4147-A177-3AD203B41FA5}">
-                          <a16:colId xmlns:a16="http://schemas.microsoft.com/office/drawing/2014/main" val="1962609606"/>
-                        </a:ext>
-                      </a:extLst>
-                    </a:gridCol>
-                    <a:gridCol w="2133600">
-                      <a:extLst>
-                        <a:ext uri="{9D8B030D-6E8A-4147-A177-3AD203B41FA5}">
-                          <a16:colId xmlns:a16="http://schemas.microsoft.com/office/drawing/2014/main" val="3571245434"/>
-                        </a:ext>
-                      </a:extLst>
-                    </a:gridCol>
+                    <a:gridCol w="1905000"/>
+                    <a:gridCol w="2133600"/>
                   </a:tblGrid>
                   <a:tr h="454344">
                     <a:tc>
@@ -18745,11 +17832,6 @@
                       </a:txBody>
                       <a:tcPr/>
                     </a:tc>
-                    <a:extLst>
-                      <a:ext uri="{0D108BD9-81ED-4DB2-BD59-A6C34878D82A}">
-                        <a16:rowId xmlns:a16="http://schemas.microsoft.com/office/drawing/2014/main" val="86062112"/>
-                      </a:ext>
-                    </a:extLst>
                   </a:tr>
                   <a:tr h="1603056">
                     <a:tc>
@@ -18779,6 +17861,7 @@
                             <a:rPr lang="en-US" altLang="zh-CN" dirty="0"/>
                             <a:t>1</a:t>
                           </a:r>
+                          <a:endParaRPr lang="en-US" altLang="zh-CN" dirty="0"/>
                         </a:p>
                         <a:p>
                           <a:r>
@@ -18803,6 +17886,7 @@
                             <a:rPr lang="en-US" altLang="zh-CN" dirty="0"/>
                             <a:t>2</a:t>
                           </a:r>
+                          <a:endParaRPr lang="en-US" altLang="zh-CN" dirty="0"/>
                         </a:p>
                         <a:p>
                           <a:endParaRPr lang="zh-CN" altLang="en-US" dirty="0"/>
@@ -18829,13 +17913,13 @@
                             <a:buSzTx/>
                             <a:buFontTx/>
                             <a:buNone/>
-                            <a:tabLst/>
                             <a:defRPr/>
                           </a:pPr>
                           <a:r>
                             <a:rPr lang="en-US" altLang="zh-CN" dirty="0"/>
                             <a:t>P(x)</a:t>
                           </a:r>
+                          <a:endParaRPr lang="en-US" altLang="zh-CN" dirty="0"/>
                         </a:p>
                         <a:p>
                           <a:pPr marL="0" marR="0" indent="0" algn="l" defTabSz="914400" rtl="0" eaLnBrk="1" fontAlgn="auto" latinLnBrk="0" hangingPunct="1">
@@ -18852,13 +17936,13 @@
                             <a:buSzTx/>
                             <a:buFontTx/>
                             <a:buNone/>
-                            <a:tabLst/>
                             <a:defRPr/>
                           </a:pPr>
                           <a:r>
                             <a:rPr lang="en-US" altLang="zh-CN" dirty="0"/>
                             <a:t>~P(1)</a:t>
                           </a:r>
+                          <a:endParaRPr lang="en-US" altLang="zh-CN" dirty="0"/>
                         </a:p>
                         <a:p>
                           <a:pPr marL="0" marR="0" indent="0" algn="l" defTabSz="914400" rtl="0" eaLnBrk="1" fontAlgn="auto" latinLnBrk="0" hangingPunct="1">
@@ -18875,13 +17959,13 @@
                             <a:buSzTx/>
                             <a:buFontTx/>
                             <a:buNone/>
-                            <a:tabLst/>
                             <a:defRPr/>
                           </a:pPr>
                           <a:r>
                             <a:rPr lang="en-US" altLang="zh-CN" dirty="0"/>
                             <a:t>~P(2)</a:t>
                           </a:r>
+                          <a:endParaRPr lang="en-US" altLang="zh-CN" dirty="0"/>
                         </a:p>
                         <a:p>
                           <a:pPr marL="0" marR="0" indent="0" algn="l" defTabSz="914400" rtl="0" eaLnBrk="1" fontAlgn="auto" latinLnBrk="0" hangingPunct="1">
@@ -18898,7 +17982,6 @@
                             <a:buSzTx/>
                             <a:buFontTx/>
                             <a:buNone/>
-                            <a:tabLst/>
                             <a:defRPr/>
                           </a:pPr>
                           <a:endParaRPr lang="en-US" altLang="zh-CN" dirty="0"/>
@@ -18918,7 +18001,6 @@
                             <a:buSzTx/>
                             <a:buFontTx/>
                             <a:buNone/>
-                            <a:tabLst/>
                             <a:defRPr/>
                           </a:pPr>
                           <a:endParaRPr lang="en-US" altLang="zh-CN" dirty="0"/>
@@ -18938,7 +18020,6 @@
                             <a:buSzTx/>
                             <a:buFontTx/>
                             <a:buNone/>
-                            <a:tabLst/>
                             <a:defRPr/>
                           </a:pPr>
                           <a:endParaRPr lang="en-US" altLang="zh-CN" dirty="0"/>
@@ -18958,7 +18039,6 @@
                             <a:buSzTx/>
                             <a:buFontTx/>
                             <a:buNone/>
-                            <a:tabLst/>
                             <a:defRPr/>
                           </a:pPr>
                           <a:endParaRPr lang="en-US" altLang="zh-CN" dirty="0"/>
@@ -18978,7 +18058,6 @@
                             <a:buSzTx/>
                             <a:buFontTx/>
                             <a:buNone/>
-                            <a:tabLst/>
                             <a:defRPr/>
                           </a:pPr>
                           <a:endParaRPr lang="en-US" altLang="zh-CN" dirty="0"/>
@@ -18998,7 +18077,6 @@
                             <a:buSzTx/>
                             <a:buFontTx/>
                             <a:buNone/>
-                            <a:tabLst/>
                             <a:defRPr/>
                           </a:pPr>
                           <a:endParaRPr lang="en-US" altLang="zh-CN" dirty="0"/>
@@ -19006,37 +18084,20 @@
                       </a:txBody>
                       <a:tcPr/>
                     </a:tc>
-                    <a:extLst>
-                      <a:ext uri="{0D108BD9-81ED-4DB2-BD59-A6C34878D82A}">
-                        <a16:rowId xmlns:a16="http://schemas.microsoft.com/office/drawing/2014/main" val="4251767671"/>
-                      </a:ext>
-                    </a:extLst>
                   </a:tr>
                 </a:tbl>
               </a:graphicData>
             </a:graphic>
           </p:graphicFrame>
         </mc:Choice>
-        <mc:Fallback>
+        <mc:Fallback xmlns="">
           <p:graphicFrame>
             <p:nvGraphicFramePr>
-              <p:cNvPr id="4" name="表格 3">
-                <a:extLst>
-                  <a:ext uri="{FF2B5EF4-FFF2-40B4-BE49-F238E27FC236}">
-                    <a16:creationId xmlns:a16="http://schemas.microsoft.com/office/drawing/2014/main" id="{9A3924B1-2A7F-E54A-BAB4-C0475A685BD3}"/>
-                  </a:ext>
-                </a:extLst>
-              </p:cNvPr>
+              <p:cNvPr id="4" name="表格 3"/>
               <p:cNvGraphicFramePr>
                 <a:graphicFrameLocks noGrp="1"/>
               </p:cNvGraphicFramePr>
-              <p:nvPr>
-                <p:extLst>
-                  <p:ext uri="{D42A27DB-BD31-4B8C-83A1-F6EECF244321}">
-                    <p14:modId xmlns:p14="http://schemas.microsoft.com/office/powerpoint/2010/main" val="4234312625"/>
-                  </p:ext>
-                </p:extLst>
-              </p:nvPr>
+              <p:nvPr/>
             </p:nvGraphicFramePr>
             <p:xfrm>
               <a:off x="2209800" y="3581400"/>
@@ -19049,20 +18110,8 @@
                     <a:tableStyleId>{5C22544A-7EE6-4342-B048-85BDC9FD1C3A}</a:tableStyleId>
                   </a:tblPr>
                   <a:tblGrid>
-                    <a:gridCol w="1905000">
-                      <a:extLst>
-                        <a:ext uri="{9D8B030D-6E8A-4147-A177-3AD203B41FA5}">
-                          <a16:colId xmlns:a16="http://schemas.microsoft.com/office/drawing/2014/main" val="1962609606"/>
-                        </a:ext>
-                      </a:extLst>
-                    </a:gridCol>
-                    <a:gridCol w="2133600">
-                      <a:extLst>
-                        <a:ext uri="{9D8B030D-6E8A-4147-A177-3AD203B41FA5}">
-                          <a16:colId xmlns:a16="http://schemas.microsoft.com/office/drawing/2014/main" val="3571245434"/>
-                        </a:ext>
-                      </a:extLst>
-                    </a:gridCol>
+                    <a:gridCol w="1905000"/>
+                    <a:gridCol w="2133600"/>
                   </a:tblGrid>
                   <a:tr h="454344">
                     <a:tc>
@@ -19093,11 +18142,6 @@
                       </a:txBody>
                       <a:tcPr/>
                     </a:tc>
-                    <a:extLst>
-                      <a:ext uri="{0D108BD9-81ED-4DB2-BD59-A6C34878D82A}">
-                        <a16:rowId xmlns:a16="http://schemas.microsoft.com/office/drawing/2014/main" val="86062112"/>
-                      </a:ext>
-                    </a:extLst>
                   </a:tr>
                   <a:tr h="2560320">
                     <a:tc>
@@ -19110,10 +18154,7 @@
                       </a:txBody>
                       <a:tcPr>
                         <a:blipFill>
-                          <a:blip r:embed="rId3"/>
-                          <a:stretch>
-                            <a:fillRect l="-667" t="-19307" r="-113333"/>
-                          </a:stretch>
+                          <a:blip r:embed="rId2"/>
                         </a:blipFill>
                       </a:tcPr>
                     </a:tc>
@@ -19136,13 +18177,13 @@
                             <a:buSzTx/>
                             <a:buFontTx/>
                             <a:buNone/>
-                            <a:tabLst/>
                             <a:defRPr/>
                           </a:pPr>
                           <a:r>
                             <a:rPr lang="en-US" altLang="zh-CN" dirty="0"/>
                             <a:t>P(x)</a:t>
                           </a:r>
+                          <a:endParaRPr lang="en-US" altLang="zh-CN" dirty="0"/>
                         </a:p>
                         <a:p>
                           <a:pPr marL="0" marR="0" indent="0" algn="l" defTabSz="914400" rtl="0" eaLnBrk="1" fontAlgn="auto" latinLnBrk="0" hangingPunct="1">
@@ -19159,13 +18200,13 @@
                             <a:buSzTx/>
                             <a:buFontTx/>
                             <a:buNone/>
-                            <a:tabLst/>
                             <a:defRPr/>
                           </a:pPr>
                           <a:r>
                             <a:rPr lang="en-US" altLang="zh-CN" dirty="0"/>
                             <a:t>~P(1)</a:t>
                           </a:r>
+                          <a:endParaRPr lang="en-US" altLang="zh-CN" dirty="0"/>
                         </a:p>
                         <a:p>
                           <a:pPr marL="0" marR="0" indent="0" algn="l" defTabSz="914400" rtl="0" eaLnBrk="1" fontAlgn="auto" latinLnBrk="0" hangingPunct="1">
@@ -19182,13 +18223,13 @@
                             <a:buSzTx/>
                             <a:buFontTx/>
                             <a:buNone/>
-                            <a:tabLst/>
                             <a:defRPr/>
                           </a:pPr>
                           <a:r>
                             <a:rPr lang="en-US" altLang="zh-CN" dirty="0"/>
                             <a:t>~P(2)</a:t>
                           </a:r>
+                          <a:endParaRPr lang="en-US" altLang="zh-CN" dirty="0"/>
                         </a:p>
                         <a:p>
                           <a:pPr marL="0" marR="0" indent="0" algn="l" defTabSz="914400" rtl="0" eaLnBrk="1" fontAlgn="auto" latinLnBrk="0" hangingPunct="1">
@@ -19205,7 +18246,6 @@
                             <a:buSzTx/>
                             <a:buFontTx/>
                             <a:buNone/>
-                            <a:tabLst/>
                             <a:defRPr/>
                           </a:pPr>
                           <a:endParaRPr lang="en-US" altLang="zh-CN" dirty="0"/>
@@ -19225,7 +18265,6 @@
                             <a:buSzTx/>
                             <a:buFontTx/>
                             <a:buNone/>
-                            <a:tabLst/>
                             <a:defRPr/>
                           </a:pPr>
                           <a:endParaRPr lang="en-US" altLang="zh-CN" dirty="0"/>
@@ -19245,7 +18284,6 @@
                             <a:buSzTx/>
                             <a:buFontTx/>
                             <a:buNone/>
-                            <a:tabLst/>
                             <a:defRPr/>
                           </a:pPr>
                           <a:endParaRPr lang="en-US" altLang="zh-CN" dirty="0"/>
@@ -19265,7 +18303,6 @@
                             <a:buSzTx/>
                             <a:buFontTx/>
                             <a:buNone/>
-                            <a:tabLst/>
                             <a:defRPr/>
                           </a:pPr>
                           <a:endParaRPr lang="en-US" altLang="zh-CN" dirty="0"/>
@@ -19285,7 +18322,6 @@
                             <a:buSzTx/>
                             <a:buFontTx/>
                             <a:buNone/>
-                            <a:tabLst/>
                             <a:defRPr/>
                           </a:pPr>
                           <a:endParaRPr lang="en-US" altLang="zh-CN" dirty="0"/>
@@ -19305,7 +18341,6 @@
                             <a:buSzTx/>
                             <a:buFontTx/>
                             <a:buNone/>
-                            <a:tabLst/>
                             <a:defRPr/>
                           </a:pPr>
                           <a:endParaRPr lang="en-US" altLang="zh-CN" dirty="0"/>
@@ -19313,11 +18348,6 @@
                       </a:txBody>
                       <a:tcPr/>
                     </a:tc>
-                    <a:extLst>
-                      <a:ext uri="{0D108BD9-81ED-4DB2-BD59-A6C34878D82A}">
-                        <a16:rowId xmlns:a16="http://schemas.microsoft.com/office/drawing/2014/main" val="4251767671"/>
-                      </a:ext>
-                    </a:extLst>
                   </a:tr>
                 </a:tbl>
               </a:graphicData>
@@ -19329,13 +18359,7 @@
         <mc:Choice xmlns:a14="http://schemas.microsoft.com/office/drawing/2010/main" Requires="a14">
           <p:sp>
             <p:nvSpPr>
-              <p:cNvPr id="5" name="文本框 4">
-                <a:extLst>
-                  <a:ext uri="{FF2B5EF4-FFF2-40B4-BE49-F238E27FC236}">
-                    <a16:creationId xmlns:a16="http://schemas.microsoft.com/office/drawing/2014/main" id="{EA0518BE-3704-344F-9ADE-AF0ACB390D49}"/>
-                  </a:ext>
-                </a:extLst>
-              </p:cNvPr>
+              <p:cNvPr id="5" name="文本框 4"/>
               <p:cNvSpPr txBox="1"/>
               <p:nvPr/>
             </p:nvSpPr>
@@ -19397,13 +18421,7 @@
         <mc:Fallback>
           <p:sp>
             <p:nvSpPr>
-              <p:cNvPr id="5" name="文本框 4">
-                <a:extLst>
-                  <a:ext uri="{FF2B5EF4-FFF2-40B4-BE49-F238E27FC236}">
-                    <a16:creationId xmlns:a16="http://schemas.microsoft.com/office/drawing/2014/main" id="{EA0518BE-3704-344F-9ADE-AF0ACB390D49}"/>
-                  </a:ext>
-                </a:extLst>
-              </p:cNvPr>
+              <p:cNvPr id="5" name="文本框 4"/>
               <p:cNvSpPr txBox="1">
                 <a:spLocks noRot="1" noChangeAspect="1" noMove="1" noResize="1" noEditPoints="1" noAdjustHandles="1" noChangeArrowheads="1" noChangeShapeType="1" noTextEdit="1"/>
               </p:cNvSpPr>
@@ -19417,10 +18435,10 @@
               <a:prstGeom prst="rect">
                 <a:avLst/>
               </a:prstGeom>
-              <a:blipFill>
-                <a:blip r:embed="rId4"/>
+              <a:blipFill rotWithShape="1">
+                <a:blip r:embed="rId3"/>
                 <a:stretch>
-                  <a:fillRect l="-3670" t="-6667" b="-23333"/>
+                  <a:fillRect t="-134" b="70"/>
                 </a:stretch>
               </a:blipFill>
             </p:spPr>
@@ -19441,13 +18459,7 @@
       </mc:AlternateContent>
       <p:cxnSp>
         <p:nvCxnSpPr>
-          <p:cNvPr id="7" name="直线连接符 6">
-            <a:extLst>
-              <a:ext uri="{FF2B5EF4-FFF2-40B4-BE49-F238E27FC236}">
-                <a16:creationId xmlns:a16="http://schemas.microsoft.com/office/drawing/2014/main" id="{94F7FEC1-7D07-D14D-9C16-4B5E3262B5B4}"/>
-              </a:ext>
-            </a:extLst>
-          </p:cNvPr>
+          <p:cNvPr id="7" name="直线连接符 6"/>
           <p:cNvCxnSpPr/>
           <p:nvPr/>
         </p:nvCxnSpPr>
@@ -19482,13 +18494,7 @@
       </p:cxnSp>
       <p:sp>
         <p:nvSpPr>
-          <p:cNvPr id="8" name="文本框 7">
-            <a:extLst>
-              <a:ext uri="{FF2B5EF4-FFF2-40B4-BE49-F238E27FC236}">
-                <a16:creationId xmlns:a16="http://schemas.microsoft.com/office/drawing/2014/main" id="{5CCF1717-7FCA-3948-A866-54878E2699A9}"/>
-              </a:ext>
-            </a:extLst>
-          </p:cNvPr>
+          <p:cNvPr id="8" name="文本框 7"/>
           <p:cNvSpPr txBox="1"/>
           <p:nvPr/>
         </p:nvSpPr>
@@ -19526,13 +18532,7 @@
       </p:sp>
       <p:sp>
         <p:nvSpPr>
-          <p:cNvPr id="9" name="文本框 8">
-            <a:extLst>
-              <a:ext uri="{FF2B5EF4-FFF2-40B4-BE49-F238E27FC236}">
-                <a16:creationId xmlns:a16="http://schemas.microsoft.com/office/drawing/2014/main" id="{0D14E0A5-640A-5246-A2AF-49FAE15340F3}"/>
-              </a:ext>
-            </a:extLst>
-          </p:cNvPr>
+          <p:cNvPr id="9" name="文本框 8"/>
           <p:cNvSpPr txBox="1"/>
           <p:nvPr/>
         </p:nvSpPr>
@@ -19562,13 +18562,7 @@
       </p:sp>
       <p:sp>
         <p:nvSpPr>
-          <p:cNvPr id="10" name="文本框 9">
-            <a:extLst>
-              <a:ext uri="{FF2B5EF4-FFF2-40B4-BE49-F238E27FC236}">
-                <a16:creationId xmlns:a16="http://schemas.microsoft.com/office/drawing/2014/main" id="{03FBEC04-39B0-7E42-A7CE-B4908FCA7B8A}"/>
-              </a:ext>
-            </a:extLst>
-          </p:cNvPr>
+          <p:cNvPr id="10" name="文本框 9"/>
           <p:cNvSpPr txBox="1"/>
           <p:nvPr/>
         </p:nvSpPr>
@@ -19598,13 +18592,7 @@
       </p:sp>
       <p:sp>
         <p:nvSpPr>
-          <p:cNvPr id="11" name="文本框 10">
-            <a:extLst>
-              <a:ext uri="{FF2B5EF4-FFF2-40B4-BE49-F238E27FC236}">
-                <a16:creationId xmlns:a16="http://schemas.microsoft.com/office/drawing/2014/main" id="{C828D056-F5D2-C444-90EB-F10728A337F6}"/>
-              </a:ext>
-            </a:extLst>
-          </p:cNvPr>
+          <p:cNvPr id="11" name="文本框 10"/>
           <p:cNvSpPr txBox="1"/>
           <p:nvPr/>
         </p:nvSpPr>
@@ -19642,13 +18630,7 @@
       </p:sp>
       <p:sp>
         <p:nvSpPr>
-          <p:cNvPr id="12" name="文本框 11">
-            <a:extLst>
-              <a:ext uri="{FF2B5EF4-FFF2-40B4-BE49-F238E27FC236}">
-                <a16:creationId xmlns:a16="http://schemas.microsoft.com/office/drawing/2014/main" id="{9A35F5F2-5DCD-244D-8319-795CF67E6120}"/>
-              </a:ext>
-            </a:extLst>
-          </p:cNvPr>
+          <p:cNvPr id="12" name="文本框 11"/>
           <p:cNvSpPr txBox="1"/>
           <p:nvPr/>
         </p:nvSpPr>
@@ -19685,11 +18667,6 @@
         </p:txBody>
       </p:sp>
     </p:spTree>
-    <p:extLst>
-      <p:ext uri="{BB962C8B-B14F-4D97-AF65-F5344CB8AC3E}">
-        <p14:creationId xmlns:p14="http://schemas.microsoft.com/office/powerpoint/2010/main" val="815398884"/>
-      </p:ext>
-    </p:extLst>
   </p:cSld>
   <p:clrMapOvr>
     <a:masterClrMapping/>
@@ -20107,13 +19084,7 @@
       </p:grpSpPr>
       <p:sp>
         <p:nvSpPr>
-          <p:cNvPr id="2" name="标题 1">
-            <a:extLst>
-              <a:ext uri="{FF2B5EF4-FFF2-40B4-BE49-F238E27FC236}">
-                <a16:creationId xmlns:a16="http://schemas.microsoft.com/office/drawing/2014/main" id="{CF3BE494-B5CF-5340-BC56-3513A7EB3E36}"/>
-              </a:ext>
-            </a:extLst>
-          </p:cNvPr>
+          <p:cNvPr id="2" name="标题 1"/>
           <p:cNvSpPr>
             <a:spLocks noGrp="1"/>
           </p:cNvSpPr>
@@ -20146,13 +19117,7 @@
         <mc:Choice xmlns:a14="http://schemas.microsoft.com/office/drawing/2010/main" Requires="a14">
           <p:sp>
             <p:nvSpPr>
-              <p:cNvPr id="3" name="内容占位符 2">
-                <a:extLst>
-                  <a:ext uri="{FF2B5EF4-FFF2-40B4-BE49-F238E27FC236}">
-                    <a16:creationId xmlns:a16="http://schemas.microsoft.com/office/drawing/2014/main" id="{31C7E4C5-B2C3-5849-B751-5A5D714445CE}"/>
-                  </a:ext>
-                </a:extLst>
-              </p:cNvPr>
+              <p:cNvPr id="3" name="内容占位符 2"/>
               <p:cNvSpPr>
                 <a:spLocks noGrp="1"/>
               </p:cNvSpPr>
@@ -20188,6 +19153,13 @@
                   </a:rPr>
                   <a:t>(P){</a:t>
                 </a:r>
+                <a:endParaRPr kumimoji="1" lang="en-US" altLang="zh-CN" sz="2000" b="1" dirty="0">
+                  <a:solidFill>
+                    <a:srgbClr val="0432FF"/>
+                  </a:solidFill>
+                  <a:latin typeface="Courier New" panose="02070309020205020404" pitchFamily="49" charset="0"/>
+                  <a:cs typeface="Courier New" panose="02070309020205020404" pitchFamily="49" charset="0"/>
+                </a:endParaRPr>
               </a:p>
               <a:p>
                 <a:pPr marL="0" indent="0">
@@ -20279,6 +19251,13 @@
                   </a:rPr>
                   <a:t> = purify(P);</a:t>
                 </a:r>
+                <a:endParaRPr kumimoji="1" lang="en-US" altLang="zh-CN" sz="2000" b="1" dirty="0">
+                  <a:solidFill>
+                    <a:srgbClr val="0432FF"/>
+                  </a:solidFill>
+                  <a:latin typeface="Courier New" panose="02070309020205020404" pitchFamily="49" charset="0"/>
+                  <a:cs typeface="Courier New" panose="02070309020205020404" pitchFamily="49" charset="0"/>
+                </a:endParaRPr>
               </a:p>
               <a:p>
                 <a:pPr marL="0" indent="0">
@@ -20294,6 +19273,13 @@
                   </a:rPr>
                   <a:t>L:</a:t>
                 </a:r>
+                <a:endParaRPr kumimoji="1" lang="en-US" altLang="zh-CN" sz="2000" b="1" dirty="0">
+                  <a:solidFill>
+                    <a:srgbClr val="0432FF"/>
+                  </a:solidFill>
+                  <a:latin typeface="Courier New" panose="02070309020205020404" pitchFamily="49" charset="0"/>
+                  <a:cs typeface="Courier New" panose="02070309020205020404" pitchFamily="49" charset="0"/>
+                </a:endParaRPr>
               </a:p>
               <a:p>
                 <a:pPr marL="0" indent="0">
@@ -20309,6 +19295,13 @@
                   </a:rPr>
                   <a:t>  if(some Pi is UNSAT)</a:t>
                 </a:r>
+                <a:endParaRPr kumimoji="1" lang="en-US" altLang="zh-CN" sz="2000" b="1" dirty="0">
+                  <a:solidFill>
+                    <a:srgbClr val="0432FF"/>
+                  </a:solidFill>
+                  <a:latin typeface="Courier New" panose="02070309020205020404" pitchFamily="49" charset="0"/>
+                  <a:cs typeface="Courier New" panose="02070309020205020404" pitchFamily="49" charset="0"/>
+                </a:endParaRPr>
               </a:p>
               <a:p>
                 <a:pPr marL="0" indent="0">
@@ -20324,6 +19317,13 @@
                   </a:rPr>
                   <a:t>    return UNSAT;</a:t>
                 </a:r>
+                <a:endParaRPr kumimoji="1" lang="en-US" altLang="zh-CN" sz="2000" b="1" dirty="0">
+                  <a:solidFill>
+                    <a:srgbClr val="0432FF"/>
+                  </a:solidFill>
+                  <a:latin typeface="Courier New" panose="02070309020205020404" pitchFamily="49" charset="0"/>
+                  <a:cs typeface="Courier New" panose="02070309020205020404" pitchFamily="49" charset="0"/>
+                </a:endParaRPr>
               </a:p>
               <a:p>
                 <a:pPr marL="0" indent="0">
@@ -20339,6 +19339,13 @@
                   </a:rPr>
                   <a:t>  if(some Pi implies x=y){</a:t>
                 </a:r>
+                <a:endParaRPr kumimoji="1" lang="en-US" altLang="zh-CN" sz="2000" b="1" dirty="0">
+                  <a:solidFill>
+                    <a:srgbClr val="0432FF"/>
+                  </a:solidFill>
+                  <a:latin typeface="Courier New" panose="02070309020205020404" pitchFamily="49" charset="0"/>
+                  <a:cs typeface="Courier New" panose="02070309020205020404" pitchFamily="49" charset="0"/>
+                </a:endParaRPr>
               </a:p>
               <a:p>
                 <a:pPr marL="0" indent="0">
@@ -20354,6 +19361,13 @@
                   </a:rPr>
                   <a:t>    broadcast(x=y);</a:t>
                 </a:r>
+                <a:endParaRPr kumimoji="1" lang="en-US" altLang="zh-CN" sz="2000" b="1" dirty="0">
+                  <a:solidFill>
+                    <a:srgbClr val="0432FF"/>
+                  </a:solidFill>
+                  <a:latin typeface="Courier New" panose="02070309020205020404" pitchFamily="49" charset="0"/>
+                  <a:cs typeface="Courier New" panose="02070309020205020404" pitchFamily="49" charset="0"/>
+                </a:endParaRPr>
               </a:p>
               <a:p>
                 <a:pPr marL="0" indent="0">
@@ -20389,6 +19403,13 @@
                   </a:rPr>
                   <a:t> L;</a:t>
                 </a:r>
+                <a:endParaRPr kumimoji="1" lang="en-US" altLang="zh-CN" sz="2000" b="1" dirty="0">
+                  <a:solidFill>
+                    <a:srgbClr val="0432FF"/>
+                  </a:solidFill>
+                  <a:latin typeface="Courier New" panose="02070309020205020404" pitchFamily="49" charset="0"/>
+                  <a:cs typeface="Courier New" panose="02070309020205020404" pitchFamily="49" charset="0"/>
+                </a:endParaRPr>
               </a:p>
               <a:p>
                 <a:pPr marL="0" indent="0">
@@ -20404,6 +19425,13 @@
                   </a:rPr>
                   <a:t>  }</a:t>
                 </a:r>
+                <a:endParaRPr kumimoji="1" lang="en-US" altLang="zh-CN" sz="2000" b="1" dirty="0">
+                  <a:solidFill>
+                    <a:srgbClr val="0432FF"/>
+                  </a:solidFill>
+                  <a:latin typeface="Courier New" panose="02070309020205020404" pitchFamily="49" charset="0"/>
+                  <a:cs typeface="Courier New" panose="02070309020205020404" pitchFamily="49" charset="0"/>
+                </a:endParaRPr>
               </a:p>
               <a:p>
                 <a:pPr marL="0" indent="0">
@@ -20565,6 +19593,13 @@
                   </a:rPr>
                   <a:t>)</a:t>
                 </a:r>
+                <a:endParaRPr kumimoji="1" lang="en-US" altLang="zh-CN" sz="2000" b="1" dirty="0">
+                  <a:solidFill>
+                    <a:srgbClr val="0432FF"/>
+                  </a:solidFill>
+                  <a:latin typeface="Courier New" panose="02070309020205020404" pitchFamily="49" charset="0"/>
+                  <a:cs typeface="Courier New" panose="02070309020205020404" pitchFamily="49" charset="0"/>
+                </a:endParaRPr>
               </a:p>
               <a:p>
                 <a:pPr marL="0" indent="0">
@@ -20650,6 +19685,13 @@
                   </a:rPr>
                   <a:t>);</a:t>
                 </a:r>
+                <a:endParaRPr kumimoji="1" lang="en-US" altLang="zh-CN" sz="2000" b="1" dirty="0">
+                  <a:solidFill>
+                    <a:srgbClr val="0432FF"/>
+                  </a:solidFill>
+                  <a:latin typeface="Courier New" panose="02070309020205020404" pitchFamily="49" charset="0"/>
+                  <a:cs typeface="Courier New" panose="02070309020205020404" pitchFamily="49" charset="0"/>
+                </a:endParaRPr>
               </a:p>
               <a:p>
                 <a:pPr marL="0" indent="0">
@@ -20665,6 +19707,13 @@
                   </a:rPr>
                   <a:t>  return SAT;</a:t>
                 </a:r>
+                <a:endParaRPr kumimoji="1" lang="en-US" altLang="zh-CN" sz="2000" b="1" dirty="0">
+                  <a:solidFill>
+                    <a:srgbClr val="0432FF"/>
+                  </a:solidFill>
+                  <a:latin typeface="Courier New" panose="02070309020205020404" pitchFamily="49" charset="0"/>
+                  <a:cs typeface="Courier New" panose="02070309020205020404" pitchFamily="49" charset="0"/>
+                </a:endParaRPr>
               </a:p>
               <a:p>
                 <a:pPr marL="0" indent="0">
@@ -20680,6 +19729,13 @@
                   </a:rPr>
                   <a:t>}</a:t>
                 </a:r>
+                <a:endParaRPr kumimoji="1" lang="en-US" altLang="zh-CN" sz="2000" b="1" dirty="0">
+                  <a:solidFill>
+                    <a:srgbClr val="0432FF"/>
+                  </a:solidFill>
+                  <a:latin typeface="Courier New" panose="02070309020205020404" pitchFamily="49" charset="0"/>
+                  <a:cs typeface="Courier New" panose="02070309020205020404" pitchFamily="49" charset="0"/>
+                </a:endParaRPr>
               </a:p>
             </p:txBody>
           </p:sp>
@@ -20687,25 +19743,19 @@
         <mc:Fallback>
           <p:sp>
             <p:nvSpPr>
-              <p:cNvPr id="3" name="内容占位符 2">
-                <a:extLst>
-                  <a:ext uri="{FF2B5EF4-FFF2-40B4-BE49-F238E27FC236}">
-                    <a16:creationId xmlns:a16="http://schemas.microsoft.com/office/drawing/2014/main" id="{31C7E4C5-B2C3-5849-B751-5A5D714445CE}"/>
-                  </a:ext>
-                </a:extLst>
-              </p:cNvPr>
+              <p:cNvPr id="3" name="内容占位符 2"/>
               <p:cNvSpPr>
-                <a:spLocks noGrp="1" noRot="1" noChangeAspect="1" noMove="1" noResize="1" noEditPoints="1" noAdjustHandles="1" noChangeArrowheads="1" noChangeShapeType="1" noTextEdit="1"/>
+                <a:spLocks noRot="1" noChangeAspect="1" noMove="1" noResize="1" noEditPoints="1" noAdjustHandles="1" noChangeArrowheads="1" noChangeShapeType="1" noTextEdit="1"/>
               </p:cNvSpPr>
               <p:nvPr>
                 <p:ph idx="1"/>
               </p:nvPr>
             </p:nvSpPr>
             <p:spPr>
-              <a:blipFill>
-                <a:blip r:embed="rId2"/>
+              <a:blipFill rotWithShape="1">
+                <a:blip r:embed="rId1"/>
                 <a:stretch>
-                  <a:fillRect l="-653" t="-615" b="-18462"/>
+                  <a:fillRect l="-4" t="-8" r="4" b="-15177"/>
                 </a:stretch>
               </a:blipFill>
             </p:spPr>
@@ -20725,11 +19775,6 @@
         </mc:Fallback>
       </mc:AlternateContent>
     </p:spTree>
-    <p:extLst>
-      <p:ext uri="{BB962C8B-B14F-4D97-AF65-F5344CB8AC3E}">
-        <p14:creationId xmlns:p14="http://schemas.microsoft.com/office/powerpoint/2010/main" val="2955497604"/>
-      </p:ext>
-    </p:extLst>
   </p:cSld>
   <p:clrMapOvr>
     <a:masterClrMapping/>
@@ -20756,13 +19801,7 @@
       </p:grpSpPr>
       <p:sp>
         <p:nvSpPr>
-          <p:cNvPr id="2" name="标题 1">
-            <a:extLst>
-              <a:ext uri="{FF2B5EF4-FFF2-40B4-BE49-F238E27FC236}">
-                <a16:creationId xmlns:a16="http://schemas.microsoft.com/office/drawing/2014/main" id="{ABE32B94-E4C4-9B4B-95EE-D72293FCD39C}"/>
-              </a:ext>
-            </a:extLst>
-          </p:cNvPr>
+          <p:cNvPr id="2" name="标题 1"/>
           <p:cNvSpPr>
             <a:spLocks noGrp="1"/>
           </p:cNvSpPr>
@@ -20785,13 +19824,7 @@
       </p:sp>
       <p:sp>
         <p:nvSpPr>
-          <p:cNvPr id="3" name="内容占位符 2">
-            <a:extLst>
-              <a:ext uri="{FF2B5EF4-FFF2-40B4-BE49-F238E27FC236}">
-                <a16:creationId xmlns:a16="http://schemas.microsoft.com/office/drawing/2014/main" id="{F52FB8B5-CB10-234F-86A0-1FF0B5998389}"/>
-              </a:ext>
-            </a:extLst>
-          </p:cNvPr>
+          <p:cNvPr id="3" name="内容占位符 2"/>
           <p:cNvSpPr>
             <a:spLocks noGrp="1"/>
           </p:cNvSpPr>
@@ -20828,6 +19861,7 @@
               <a:rPr kumimoji="1" lang="en-US" altLang="zh-CN" dirty="0"/>
               <a:t>, the proposition is satisfiable</a:t>
             </a:r>
+            <a:endParaRPr kumimoji="1" lang="en-US" altLang="zh-CN" dirty="0"/>
           </a:p>
           <a:p>
             <a:pPr lvl="1"/>
@@ -20835,12 +19869,14 @@
               <a:rPr kumimoji="1" lang="en-US" altLang="zh-CN" dirty="0"/>
               <a:t>easy to prove</a:t>
             </a:r>
+            <a:endParaRPr kumimoji="1" lang="en-US" altLang="zh-CN" dirty="0"/>
           </a:p>
           <a:p>
             <a:r>
               <a:rPr kumimoji="1" lang="en-US" altLang="zh-CN" dirty="0"/>
               <a:t>Completeness:</a:t>
             </a:r>
+            <a:endParaRPr kumimoji="1" lang="en-US" altLang="zh-CN" dirty="0"/>
           </a:p>
           <a:p>
             <a:pPr lvl="1"/>
@@ -20860,6 +19896,7 @@
               <a:rPr kumimoji="1" lang="en-US" altLang="zh-CN" dirty="0"/>
               <a:t>, the proposition is unsatisfiable</a:t>
             </a:r>
+            <a:endParaRPr kumimoji="1" lang="en-US" altLang="zh-CN" dirty="0"/>
           </a:p>
           <a:p>
             <a:pPr lvl="1"/>
@@ -20872,11 +19909,6 @@
         </p:txBody>
       </p:sp>
     </p:spTree>
-    <p:extLst>
-      <p:ext uri="{BB962C8B-B14F-4D97-AF65-F5344CB8AC3E}">
-        <p14:creationId xmlns:p14="http://schemas.microsoft.com/office/powerpoint/2010/main" val="4023864222"/>
-      </p:ext>
-    </p:extLst>
   </p:cSld>
   <p:clrMapOvr>
     <a:masterClrMapping/>
@@ -20903,13 +19935,7 @@
       </p:grpSpPr>
       <p:sp>
         <p:nvSpPr>
-          <p:cNvPr id="2" name="标题 1">
-            <a:extLst>
-              <a:ext uri="{FF2B5EF4-FFF2-40B4-BE49-F238E27FC236}">
-                <a16:creationId xmlns:a16="http://schemas.microsoft.com/office/drawing/2014/main" id="{9D7235E0-2140-1443-8812-35B3F42FD7E9}"/>
-              </a:ext>
-            </a:extLst>
-          </p:cNvPr>
+          <p:cNvPr id="2" name="标题 1"/>
           <p:cNvSpPr>
             <a:spLocks noGrp="1"/>
           </p:cNvSpPr>
@@ -20932,13 +19958,7 @@
       </p:sp>
       <p:sp>
         <p:nvSpPr>
-          <p:cNvPr id="3" name="内容占位符 2">
-            <a:extLst>
-              <a:ext uri="{FF2B5EF4-FFF2-40B4-BE49-F238E27FC236}">
-                <a16:creationId xmlns:a16="http://schemas.microsoft.com/office/drawing/2014/main" id="{A5F1CB86-007F-444F-B16D-27C398152789}"/>
-              </a:ext>
-            </a:extLst>
-          </p:cNvPr>
+          <p:cNvPr id="3" name="内容占位符 2"/>
           <p:cNvSpPr>
             <a:spLocks noGrp="1"/>
           </p:cNvSpPr>
@@ -21023,6 +20043,7 @@
               <a:rPr kumimoji="1" lang="en-US" altLang="zh-CN" dirty="0"/>
               <a:t>theories</a:t>
             </a:r>
+            <a:endParaRPr kumimoji="1" lang="en-US" altLang="zh-CN" dirty="0"/>
           </a:p>
           <a:p>
             <a:r>
@@ -21053,6 +20074,7 @@
               <a:rPr kumimoji="1" lang="en-US" altLang="zh-CN" dirty="0"/>
               <a:t>non-trivial:</a:t>
             </a:r>
+            <a:endParaRPr kumimoji="1" lang="en-US" altLang="zh-CN" dirty="0"/>
           </a:p>
           <a:p>
             <a:pPr lvl="1"/>
@@ -21116,6 +20138,7 @@
               <a:rPr kumimoji="1" lang="en-US" altLang="zh-CN" dirty="0"/>
               <a:t>1924</a:t>
             </a:r>
+            <a:endParaRPr kumimoji="1" lang="en-US" altLang="zh-CN" dirty="0"/>
           </a:p>
           <a:p>
             <a:pPr lvl="1"/>
@@ -21163,6 +20186,7 @@
               <a:rPr kumimoji="1" lang="en-US" altLang="zh-CN" dirty="0"/>
               <a:t>1826</a:t>
             </a:r>
+            <a:endParaRPr kumimoji="1" lang="en-US" altLang="zh-CN" dirty="0"/>
           </a:p>
           <a:p>
             <a:pPr lvl="1"/>
@@ -21207,11 +20231,6 @@
         </p:txBody>
       </p:sp>
     </p:spTree>
-    <p:extLst>
-      <p:ext uri="{BB962C8B-B14F-4D97-AF65-F5344CB8AC3E}">
-        <p14:creationId xmlns:p14="http://schemas.microsoft.com/office/powerpoint/2010/main" val="438291830"/>
-      </p:ext>
-    </p:extLst>
   </p:cSld>
   <p:clrMapOvr>
     <a:masterClrMapping/>
@@ -21238,13 +20257,7 @@
       </p:grpSpPr>
       <p:sp>
         <p:nvSpPr>
-          <p:cNvPr id="2" name="标题 1">
-            <a:extLst>
-              <a:ext uri="{FF2B5EF4-FFF2-40B4-BE49-F238E27FC236}">
-                <a16:creationId xmlns:a16="http://schemas.microsoft.com/office/drawing/2014/main" id="{5AE3A8E4-6958-404F-9A7A-4D41ABD0189F}"/>
-              </a:ext>
-            </a:extLst>
-          </p:cNvPr>
+          <p:cNvPr id="2" name="标题 1"/>
           <p:cNvSpPr>
             <a:spLocks noGrp="1"/>
           </p:cNvSpPr>
@@ -21269,13 +20282,7 @@
         <mc:Choice xmlns:a14="http://schemas.microsoft.com/office/drawing/2010/main" Requires="a14">
           <p:sp>
             <p:nvSpPr>
-              <p:cNvPr id="3" name="内容占位符 2">
-                <a:extLst>
-                  <a:ext uri="{FF2B5EF4-FFF2-40B4-BE49-F238E27FC236}">
-                    <a16:creationId xmlns:a16="http://schemas.microsoft.com/office/drawing/2014/main" id="{7BEA3992-C8F2-2844-808F-3ED1AC5B8CB1}"/>
-                  </a:ext>
-                </a:extLst>
-              </p:cNvPr>
+              <p:cNvPr id="3" name="内容占位符 2"/>
               <p:cNvSpPr>
                 <a:spLocks noGrp="1"/>
               </p:cNvSpPr>
@@ -21292,6 +20299,7 @@
                   <a:rPr kumimoji="1" lang="en-US" altLang="zh-CN" dirty="0"/>
                   <a:t>EUF theory, for example:</a:t>
                 </a:r>
+                <a:endParaRPr kumimoji="1" lang="en-US" altLang="zh-CN" dirty="0"/>
               </a:p>
               <a:p>
                 <a:pPr lvl="1"/>
@@ -21411,12 +20419,18 @@
                   </a:rPr>
                   <a:t> …</a:t>
                 </a:r>
+                <a:endParaRPr kumimoji="1" lang="en-US" altLang="zh-CN" dirty="0">
+                  <a:solidFill>
+                    <a:srgbClr val="0432FF"/>
+                  </a:solidFill>
+                </a:endParaRPr>
               </a:p>
               <a:p>
                 <a:r>
                   <a:rPr kumimoji="1" lang="en-US" altLang="zh-CN" dirty="0"/>
                   <a:t>LA theory, for example:</a:t>
                 </a:r>
+                <a:endParaRPr kumimoji="1" lang="en-US" altLang="zh-CN" dirty="0"/>
               </a:p>
               <a:p>
                 <a:pPr lvl="1"/>
@@ -21639,6 +20653,11 @@
                   </a:rPr>
                   <a:t>…</a:t>
                 </a:r>
+                <a:endParaRPr kumimoji="1" lang="en-US" altLang="zh-CN" dirty="0">
+                  <a:solidFill>
+                    <a:srgbClr val="0432FF"/>
+                  </a:solidFill>
+                </a:endParaRPr>
               </a:p>
               <a:p>
                 <a:r>
@@ -21653,6 +20672,7 @@
                   <a:rPr kumimoji="1" lang="en-US" altLang="zh-CN" dirty="0"/>
                   <a:t>EUF and LA?</a:t>
                 </a:r>
+                <a:endParaRPr kumimoji="1" lang="en-US" altLang="zh-CN" dirty="0"/>
               </a:p>
               <a:p>
                 <a:pPr lvl="1"/>
@@ -21862,6 +20882,11 @@
                   </a:rPr>
                   <a:t> </a:t>
                 </a:r>
+                <a:endParaRPr kumimoji="1" lang="en-US" altLang="zh-CN" dirty="0">
+                  <a:solidFill>
+                    <a:srgbClr val="0432FF"/>
+                  </a:solidFill>
+                </a:endParaRPr>
               </a:p>
               <a:p>
                 <a:pPr marL="457200" lvl="1" indent="0">
@@ -21887,25 +20912,19 @@
         <mc:Fallback>
           <p:sp>
             <p:nvSpPr>
-              <p:cNvPr id="3" name="内容占位符 2">
-                <a:extLst>
-                  <a:ext uri="{FF2B5EF4-FFF2-40B4-BE49-F238E27FC236}">
-                    <a16:creationId xmlns:a16="http://schemas.microsoft.com/office/drawing/2014/main" id="{7BEA3992-C8F2-2844-808F-3ED1AC5B8CB1}"/>
-                  </a:ext>
-                </a:extLst>
-              </p:cNvPr>
+              <p:cNvPr id="3" name="内容占位符 2"/>
               <p:cNvSpPr>
-                <a:spLocks noGrp="1" noRot="1" noChangeAspect="1" noMove="1" noResize="1" noEditPoints="1" noAdjustHandles="1" noChangeArrowheads="1" noChangeShapeType="1" noTextEdit="1"/>
+                <a:spLocks noRot="1" noChangeAspect="1" noMove="1" noResize="1" noEditPoints="1" noAdjustHandles="1" noChangeArrowheads="1" noChangeShapeType="1" noTextEdit="1"/>
               </p:cNvSpPr>
               <p:nvPr>
                 <p:ph idx="1"/>
               </p:nvPr>
             </p:nvSpPr>
             <p:spPr>
-              <a:blipFill>
-                <a:blip r:embed="rId2"/>
+              <a:blipFill rotWithShape="1">
+                <a:blip r:embed="rId1"/>
                 <a:stretch>
-                  <a:fillRect l="-489" t="-1846" b="-21231"/>
+                  <a:fillRect l="-4" t="-8" r="4" b="-16011"/>
                 </a:stretch>
               </a:blipFill>
             </p:spPr>
@@ -21925,11 +20944,6 @@
         </mc:Fallback>
       </mc:AlternateContent>
     </p:spTree>
-    <p:extLst>
-      <p:ext uri="{BB962C8B-B14F-4D97-AF65-F5344CB8AC3E}">
-        <p14:creationId xmlns:p14="http://schemas.microsoft.com/office/powerpoint/2010/main" val="793718644"/>
-      </p:ext>
-    </p:extLst>
   </p:cSld>
   <p:clrMapOvr>
     <a:masterClrMapping/>
@@ -21956,13 +20970,7 @@
       </p:grpSpPr>
       <p:sp>
         <p:nvSpPr>
-          <p:cNvPr id="2" name="标题 1">
-            <a:extLst>
-              <a:ext uri="{FF2B5EF4-FFF2-40B4-BE49-F238E27FC236}">
-                <a16:creationId xmlns:a16="http://schemas.microsoft.com/office/drawing/2014/main" id="{5AE3A8E4-6958-404F-9A7A-4D41ABD0189F}"/>
-              </a:ext>
-            </a:extLst>
-          </p:cNvPr>
+          <p:cNvPr id="2" name="标题 1"/>
           <p:cNvSpPr>
             <a:spLocks noGrp="1"/>
           </p:cNvSpPr>
@@ -21987,13 +20995,7 @@
         <mc:Choice xmlns:a14="http://schemas.microsoft.com/office/drawing/2010/main" Requires="a14">
           <p:sp>
             <p:nvSpPr>
-              <p:cNvPr id="3" name="内容占位符 2">
-                <a:extLst>
-                  <a:ext uri="{FF2B5EF4-FFF2-40B4-BE49-F238E27FC236}">
-                    <a16:creationId xmlns:a16="http://schemas.microsoft.com/office/drawing/2014/main" id="{7BEA3992-C8F2-2844-808F-3ED1AC5B8CB1}"/>
-                  </a:ext>
-                </a:extLst>
-              </p:cNvPr>
+              <p:cNvPr id="3" name="内容占位符 2"/>
               <p:cNvSpPr>
                 <a:spLocks noGrp="1"/>
               </p:cNvSpPr>
@@ -22010,6 +21012,7 @@
                   <a:rPr kumimoji="1" lang="en-US" altLang="zh-CN" dirty="0"/>
                   <a:t>Bit vectors, for example:</a:t>
                 </a:r>
+                <a:endParaRPr kumimoji="1" lang="en-US" altLang="zh-CN" dirty="0"/>
               </a:p>
               <a:p>
                 <a:pPr lvl="1"/>
@@ -22021,12 +21024,18 @@
                   </a:rPr>
                   <a:t>a[32] * b[32] = b[32] * a[32]</a:t>
                 </a:r>
+                <a:endParaRPr kumimoji="1" lang="en-US" altLang="zh-CN" dirty="0">
+                  <a:solidFill>
+                    <a:srgbClr val="0432FF"/>
+                  </a:solidFill>
+                </a:endParaRPr>
               </a:p>
               <a:p>
                 <a:r>
                   <a:rPr kumimoji="1" lang="en-US" altLang="zh-CN" dirty="0"/>
                   <a:t>What about combining EUF and BV?</a:t>
                 </a:r>
+                <a:endParaRPr kumimoji="1" lang="en-US" altLang="zh-CN" dirty="0"/>
               </a:p>
               <a:p>
                 <a:pPr lvl="1"/>
@@ -22082,25 +21091,19 @@
         <mc:Fallback>
           <p:sp>
             <p:nvSpPr>
-              <p:cNvPr id="3" name="内容占位符 2">
-                <a:extLst>
-                  <a:ext uri="{FF2B5EF4-FFF2-40B4-BE49-F238E27FC236}">
-                    <a16:creationId xmlns:a16="http://schemas.microsoft.com/office/drawing/2014/main" id="{7BEA3992-C8F2-2844-808F-3ED1AC5B8CB1}"/>
-                  </a:ext>
-                </a:extLst>
-              </p:cNvPr>
+              <p:cNvPr id="3" name="内容占位符 2"/>
               <p:cNvSpPr>
-                <a:spLocks noGrp="1" noRot="1" noChangeAspect="1" noMove="1" noResize="1" noEditPoints="1" noAdjustHandles="1" noChangeArrowheads="1" noChangeShapeType="1" noTextEdit="1"/>
+                <a:spLocks noRot="1" noChangeAspect="1" noMove="1" noResize="1" noEditPoints="1" noAdjustHandles="1" noChangeArrowheads="1" noChangeShapeType="1" noTextEdit="1"/>
               </p:cNvSpPr>
               <p:nvPr>
                 <p:ph idx="1"/>
               </p:nvPr>
             </p:nvSpPr>
             <p:spPr>
-              <a:blipFill>
-                <a:blip r:embed="rId2"/>
+              <a:blipFill rotWithShape="1">
+                <a:blip r:embed="rId1"/>
                 <a:stretch>
-                  <a:fillRect l="-489" t="-1846"/>
+                  <a:fillRect l="-4" t="-8" r="4" b="8"/>
                 </a:stretch>
               </a:blipFill>
             </p:spPr>
@@ -22120,11 +21123,6 @@
         </mc:Fallback>
       </mc:AlternateContent>
     </p:spTree>
-    <p:extLst>
-      <p:ext uri="{BB962C8B-B14F-4D97-AF65-F5344CB8AC3E}">
-        <p14:creationId xmlns:p14="http://schemas.microsoft.com/office/powerpoint/2010/main" val="2923777978"/>
-      </p:ext>
-    </p:extLst>
   </p:cSld>
   <p:clrMapOvr>
     <a:masterClrMapping/>
@@ -22151,13 +21149,7 @@
       </p:grpSpPr>
       <p:sp>
         <p:nvSpPr>
-          <p:cNvPr id="2" name="标题 1">
-            <a:extLst>
-              <a:ext uri="{FF2B5EF4-FFF2-40B4-BE49-F238E27FC236}">
-                <a16:creationId xmlns:a16="http://schemas.microsoft.com/office/drawing/2014/main" id="{5AE3A8E4-6958-404F-9A7A-4D41ABD0189F}"/>
-              </a:ext>
-            </a:extLst>
-          </p:cNvPr>
+          <p:cNvPr id="2" name="标题 1"/>
           <p:cNvSpPr>
             <a:spLocks noGrp="1"/>
           </p:cNvSpPr>
@@ -22182,13 +21174,7 @@
         <mc:Choice xmlns:a14="http://schemas.microsoft.com/office/drawing/2010/main" Requires="a14">
           <p:sp>
             <p:nvSpPr>
-              <p:cNvPr id="3" name="内容占位符 2">
-                <a:extLst>
-                  <a:ext uri="{FF2B5EF4-FFF2-40B4-BE49-F238E27FC236}">
-                    <a16:creationId xmlns:a16="http://schemas.microsoft.com/office/drawing/2014/main" id="{7BEA3992-C8F2-2844-808F-3ED1AC5B8CB1}"/>
-                  </a:ext>
-                </a:extLst>
-              </p:cNvPr>
+              <p:cNvPr id="3" name="内容占位符 2"/>
               <p:cNvSpPr>
                 <a:spLocks noGrp="1"/>
               </p:cNvSpPr>
@@ -22205,6 +21191,7 @@
                   <a:rPr kumimoji="1" lang="en-US" altLang="zh-CN" dirty="0"/>
                   <a:t>List, LA, and EUF:</a:t>
                 </a:r>
+                <a:endParaRPr kumimoji="1" lang="en-US" altLang="zh-CN" dirty="0"/>
               </a:p>
               <a:p>
                 <a:pPr lvl="1"/>
@@ -22431,12 +21418,18 @@
                   </a:rPr>
                   <a:t>~p(0)</a:t>
                 </a:r>
+                <a:endParaRPr kumimoji="1" lang="en-US" altLang="zh-CN" dirty="0">
+                  <a:solidFill>
+                    <a:srgbClr val="0432FF"/>
+                  </a:solidFill>
+                </a:endParaRPr>
               </a:p>
               <a:p>
                 <a:r>
                   <a:rPr kumimoji="1" lang="en-US" altLang="zh-CN" dirty="0"/>
                   <a:t>Arrays and LA:</a:t>
                 </a:r>
+                <a:endParaRPr kumimoji="1" lang="en-US" altLang="zh-CN" dirty="0"/>
               </a:p>
               <a:p>
                 <a:pPr lvl="1"/>
@@ -22530,12 +21523,18 @@
                   </a:rPr>
                   <a:t> x &gt; y</a:t>
                 </a:r>
+                <a:endParaRPr kumimoji="1" lang="en-US" altLang="zh-CN" dirty="0">
+                  <a:solidFill>
+                    <a:srgbClr val="0432FF"/>
+                  </a:solidFill>
+                </a:endParaRPr>
               </a:p>
               <a:p>
                 <a:r>
                   <a:rPr kumimoji="1" lang="en-US" altLang="zh-CN" dirty="0"/>
                   <a:t>Pointers:</a:t>
                 </a:r>
+                <a:endParaRPr kumimoji="1" lang="en-US" altLang="zh-CN" dirty="0"/>
               </a:p>
               <a:p>
                 <a:pPr lvl="1"/>
@@ -22567,25 +21566,19 @@
         <mc:Fallback>
           <p:sp>
             <p:nvSpPr>
-              <p:cNvPr id="3" name="内容占位符 2">
-                <a:extLst>
-                  <a:ext uri="{FF2B5EF4-FFF2-40B4-BE49-F238E27FC236}">
-                    <a16:creationId xmlns:a16="http://schemas.microsoft.com/office/drawing/2014/main" id="{7BEA3992-C8F2-2844-808F-3ED1AC5B8CB1}"/>
-                  </a:ext>
-                </a:extLst>
-              </p:cNvPr>
+              <p:cNvPr id="3" name="内容占位符 2"/>
               <p:cNvSpPr>
-                <a:spLocks noGrp="1" noRot="1" noChangeAspect="1" noMove="1" noResize="1" noEditPoints="1" noAdjustHandles="1" noChangeArrowheads="1" noChangeShapeType="1" noTextEdit="1"/>
+                <a:spLocks noRot="1" noChangeAspect="1" noMove="1" noResize="1" noEditPoints="1" noAdjustHandles="1" noChangeArrowheads="1" noChangeShapeType="1" noTextEdit="1"/>
               </p:cNvSpPr>
               <p:nvPr>
                 <p:ph idx="1"/>
               </p:nvPr>
             </p:nvSpPr>
             <p:spPr>
-              <a:blipFill>
-                <a:blip r:embed="rId2"/>
+              <a:blipFill rotWithShape="1">
+                <a:blip r:embed="rId1"/>
                 <a:stretch>
-                  <a:fillRect l="-489" t="-1846" r="-489" b="-4615"/>
+                  <a:fillRect l="-4" t="-8" r="4" b="8"/>
                 </a:stretch>
               </a:blipFill>
             </p:spPr>
@@ -22605,11 +21598,6 @@
         </mc:Fallback>
       </mc:AlternateContent>
     </p:spTree>
-    <p:extLst>
-      <p:ext uri="{BB962C8B-B14F-4D97-AF65-F5344CB8AC3E}">
-        <p14:creationId xmlns:p14="http://schemas.microsoft.com/office/powerpoint/2010/main" val="1158116699"/>
-      </p:ext>
-    </p:extLst>
   </p:cSld>
   <p:clrMapOvr>
     <a:masterClrMapping/>
@@ -22636,13 +21624,7 @@
       </p:grpSpPr>
       <p:sp>
         <p:nvSpPr>
-          <p:cNvPr id="2" name="标题 1">
-            <a:extLst>
-              <a:ext uri="{FF2B5EF4-FFF2-40B4-BE49-F238E27FC236}">
-                <a16:creationId xmlns:a16="http://schemas.microsoft.com/office/drawing/2014/main" id="{5AE3A8E4-6958-404F-9A7A-4D41ABD0189F}"/>
-              </a:ext>
-            </a:extLst>
-          </p:cNvPr>
+          <p:cNvPr id="2" name="标题 1"/>
           <p:cNvSpPr>
             <a:spLocks noGrp="1"/>
           </p:cNvSpPr>
@@ -22665,13 +21647,7 @@
       </p:sp>
       <p:sp>
         <p:nvSpPr>
-          <p:cNvPr id="3" name="内容占位符 2">
-            <a:extLst>
-              <a:ext uri="{FF2B5EF4-FFF2-40B4-BE49-F238E27FC236}">
-                <a16:creationId xmlns:a16="http://schemas.microsoft.com/office/drawing/2014/main" id="{7BEA3992-C8F2-2844-808F-3ED1AC5B8CB1}"/>
-              </a:ext>
-            </a:extLst>
-          </p:cNvPr>
+          <p:cNvPr id="3" name="内容占位符 2"/>
           <p:cNvSpPr>
             <a:spLocks noGrp="1"/>
           </p:cNvSpPr>
@@ -22784,6 +21760,7 @@
               <a:rPr kumimoji="1" lang="en-US" altLang="zh-CN" dirty="0"/>
               <a:t>decidable?</a:t>
             </a:r>
+            <a:endParaRPr kumimoji="1" lang="en-US" altLang="zh-CN" dirty="0"/>
           </a:p>
           <a:p>
             <a:pPr lvl="1"/>
@@ -22839,6 +21816,7 @@
               <a:rPr kumimoji="1" lang="en-US" altLang="zh-CN" dirty="0"/>
               <a:t>procedure?</a:t>
             </a:r>
+            <a:endParaRPr kumimoji="1" lang="en-US" altLang="zh-CN" dirty="0"/>
           </a:p>
           <a:p>
             <a:r>
@@ -22905,15 +21883,15 @@
               </a:rPr>
               <a:t>combination</a:t>
             </a:r>
+            <a:endParaRPr kumimoji="1" lang="en-US" altLang="zh-CN" dirty="0">
+              <a:solidFill>
+                <a:srgbClr val="0432FF"/>
+              </a:solidFill>
+            </a:endParaRPr>
           </a:p>
         </p:txBody>
       </p:sp>
     </p:spTree>
-    <p:extLst>
-      <p:ext uri="{BB962C8B-B14F-4D97-AF65-F5344CB8AC3E}">
-        <p14:creationId xmlns:p14="http://schemas.microsoft.com/office/powerpoint/2010/main" val="178454867"/>
-      </p:ext>
-    </p:extLst>
   </p:cSld>
   <p:clrMapOvr>
     <a:masterClrMapping/>
@@ -22940,13 +21918,7 @@
       </p:grpSpPr>
       <p:sp>
         <p:nvSpPr>
-          <p:cNvPr id="2" name="标题 1">
-            <a:extLst>
-              <a:ext uri="{FF2B5EF4-FFF2-40B4-BE49-F238E27FC236}">
-                <a16:creationId xmlns:a16="http://schemas.microsoft.com/office/drawing/2014/main" id="{7577C46B-AB93-A648-A78F-AF1A3720C048}"/>
-              </a:ext>
-            </a:extLst>
-          </p:cNvPr>
+          <p:cNvPr id="2" name="标题 1"/>
           <p:cNvSpPr>
             <a:spLocks noGrp="1"/>
           </p:cNvSpPr>
@@ -22967,17 +21939,11 @@
           </a:p>
         </p:txBody>
       </p:sp>
-      <mc:AlternateContent xmlns:mc="http://schemas.openxmlformats.org/markup-compatibility/2006" xmlns:a14="http://schemas.microsoft.com/office/drawing/2010/main">
-        <mc:Choice Requires="a14">
+      <mc:AlternateContent xmlns:mc="http://schemas.openxmlformats.org/markup-compatibility/2006">
+        <mc:Choice xmlns:a14="http://schemas.microsoft.com/office/drawing/2010/main" Requires="a14">
           <p:sp>
             <p:nvSpPr>
-              <p:cNvPr id="3" name="内容占位符 2">
-                <a:extLst>
-                  <a:ext uri="{FF2B5EF4-FFF2-40B4-BE49-F238E27FC236}">
-                    <a16:creationId xmlns:a16="http://schemas.microsoft.com/office/drawing/2014/main" id="{B6BD1D89-38B8-1448-A0F7-0C550D9BB173}"/>
-                  </a:ext>
-                </a:extLst>
-              </p:cNvPr>
+              <p:cNvPr id="3" name="内容占位符 2"/>
               <p:cNvSpPr>
                 <a:spLocks noGrp="1"/>
               </p:cNvSpPr>
@@ -23132,7 +22098,17 @@
                         <a:latin typeface="Cambria Math" panose="02040503050406030204" pitchFamily="18" charset="0"/>
                         <a:ea typeface="Cambria Math" panose="02040503050406030204" pitchFamily="18" charset="0"/>
                       </a:rPr>
-                      <m:t>1⨁</m:t>
+                      <m:t>1</m:t>
+                    </m:r>
+                    <m:r>
+                      <a:rPr kumimoji="1" lang="en-US" altLang="zh-CN" i="1" smtClean="0">
+                        <a:solidFill>
+                          <a:srgbClr val="0432FF"/>
+                        </a:solidFill>
+                        <a:latin typeface="Cambria Math" panose="02040503050406030204" pitchFamily="18" charset="0"/>
+                        <a:ea typeface="Cambria Math" panose="02040503050406030204" pitchFamily="18" charset="0"/>
+                      </a:rPr>
+                      <m:t>⨁</m:t>
                     </m:r>
                     <m:r>
                       <a:rPr kumimoji="1" lang="en-US" altLang="zh-CN" i="1" smtClean="0">
@@ -23248,7 +22224,17 @@
                         <a:latin typeface="Cambria Math" panose="02040503050406030204" pitchFamily="18" charset="0"/>
                         <a:ea typeface="Cambria Math" panose="02040503050406030204" pitchFamily="18" charset="0"/>
                       </a:rPr>
-                      <m:t>2 </m:t>
+                      <m:t>2</m:t>
+                    </m:r>
+                    <m:r>
+                      <a:rPr kumimoji="1" lang="en-US" altLang="zh-CN" i="1">
+                        <a:solidFill>
+                          <a:srgbClr val="0432FF"/>
+                        </a:solidFill>
+                        <a:latin typeface="Cambria Math" panose="02040503050406030204" pitchFamily="18" charset="0"/>
+                        <a:ea typeface="Cambria Math" panose="02040503050406030204" pitchFamily="18" charset="0"/>
+                      </a:rPr>
+                      <m:t> </m:t>
                     </m:r>
                   </m:oMath>
                 </a14:m>
@@ -23260,12 +22246,14 @@
                   <a:rPr kumimoji="1" lang="en-US" altLang="zh-CN" dirty="0"/>
                   <a:t>Union of axioms and inference rules</a:t>
                 </a:r>
+                <a:endParaRPr kumimoji="1" lang="en-US" altLang="zh-CN" dirty="0"/>
               </a:p>
               <a:p>
                 <a:r>
                   <a:rPr kumimoji="1" lang="en-US" altLang="zh-CN" dirty="0"/>
                   <a:t>Problem:</a:t>
                 </a:r>
+                <a:endParaRPr kumimoji="1" lang="en-US" altLang="zh-CN" dirty="0"/>
               </a:p>
               <a:p>
                 <a:pPr lvl="1"/>
@@ -23295,7 +22283,17 @@
                         <a:latin typeface="Cambria Math" panose="02040503050406030204" pitchFamily="18" charset="0"/>
                         <a:ea typeface="Cambria Math" panose="02040503050406030204" pitchFamily="18" charset="0"/>
                       </a:rPr>
-                      <m:t>1⨁</m:t>
+                      <m:t>1</m:t>
+                    </m:r>
+                    <m:r>
+                      <a:rPr kumimoji="1" lang="en-US" altLang="zh-CN" i="1" smtClean="0">
+                        <a:solidFill>
+                          <a:srgbClr val="0432FF"/>
+                        </a:solidFill>
+                        <a:latin typeface="Cambria Math" panose="02040503050406030204" pitchFamily="18" charset="0"/>
+                        <a:ea typeface="Cambria Math" panose="02040503050406030204" pitchFamily="18" charset="0"/>
+                      </a:rPr>
+                      <m:t>⨁</m:t>
                     </m:r>
                     <m:r>
                       <a:rPr kumimoji="1" lang="en-US" altLang="zh-CN" i="1" smtClean="0">
@@ -23315,7 +22313,17 @@
                         <a:latin typeface="Cambria Math" panose="02040503050406030204" pitchFamily="18" charset="0"/>
                         <a:ea typeface="Cambria Math" panose="02040503050406030204" pitchFamily="18" charset="0"/>
                       </a:rPr>
-                      <m:t>2⊨</m:t>
+                      <m:t>2</m:t>
+                    </m:r>
+                    <m:r>
+                      <a:rPr kumimoji="1" lang="en-US" altLang="zh-CN" i="1" smtClean="0">
+                        <a:solidFill>
+                          <a:srgbClr val="0432FF"/>
+                        </a:solidFill>
+                        <a:latin typeface="Cambria Math" panose="02040503050406030204" pitchFamily="18" charset="0"/>
+                        <a:ea typeface="Cambria Math" panose="02040503050406030204" pitchFamily="18" charset="0"/>
+                      </a:rPr>
+                      <m:t>⊨</m:t>
                     </m:r>
                     <m:r>
                       <a:rPr kumimoji="1" lang="en-US" altLang="zh-CN" b="0" i="1" smtClean="0">
@@ -23338,28 +22346,22 @@
             </p:txBody>
           </p:sp>
         </mc:Choice>
-        <mc:Fallback xmlns="">
+        <mc:Fallback>
           <p:sp>
             <p:nvSpPr>
-              <p:cNvPr id="3" name="内容占位符 2">
-                <a:extLst>
-                  <a:ext uri="{FF2B5EF4-FFF2-40B4-BE49-F238E27FC236}">
-                    <a16:creationId xmlns:a16="http://schemas.microsoft.com/office/drawing/2014/main" id="{B6BD1D89-38B8-1448-A0F7-0C550D9BB173}"/>
-                  </a:ext>
-                </a:extLst>
-              </p:cNvPr>
+              <p:cNvPr id="3" name="内容占位符 2"/>
               <p:cNvSpPr>
-                <a:spLocks noGrp="1" noRot="1" noChangeAspect="1" noMove="1" noResize="1" noEditPoints="1" noAdjustHandles="1" noChangeArrowheads="1" noChangeShapeType="1" noTextEdit="1"/>
+                <a:spLocks noRot="1" noChangeAspect="1" noMove="1" noResize="1" noEditPoints="1" noAdjustHandles="1" noChangeArrowheads="1" noChangeShapeType="1" noTextEdit="1"/>
               </p:cNvSpPr>
               <p:nvPr>
                 <p:ph idx="1"/>
               </p:nvPr>
             </p:nvSpPr>
             <p:spPr>
-              <a:blipFill>
-                <a:blip r:embed="rId2"/>
+              <a:blipFill rotWithShape="1">
+                <a:blip r:embed="rId1"/>
                 <a:stretch>
-                  <a:fillRect l="-489" t="-2154"/>
+                  <a:fillRect l="-4" t="-8" r="4" b="8"/>
                 </a:stretch>
               </a:blipFill>
             </p:spPr>
@@ -23379,11 +22381,6 @@
         </mc:Fallback>
       </mc:AlternateContent>
     </p:spTree>
-    <p:extLst>
-      <p:ext uri="{BB962C8B-B14F-4D97-AF65-F5344CB8AC3E}">
-        <p14:creationId xmlns:p14="http://schemas.microsoft.com/office/powerpoint/2010/main" val="1791525769"/>
-      </p:ext>
-    </p:extLst>
   </p:cSld>
   <p:clrMapOvr>
     <a:masterClrMapping/>
@@ -23410,13 +22407,7 @@
       </p:grpSpPr>
       <p:sp>
         <p:nvSpPr>
-          <p:cNvPr id="2" name="标题 1">
-            <a:extLst>
-              <a:ext uri="{FF2B5EF4-FFF2-40B4-BE49-F238E27FC236}">
-                <a16:creationId xmlns:a16="http://schemas.microsoft.com/office/drawing/2014/main" id="{8824D9FE-F439-6A49-9DBB-B634541E418C}"/>
-              </a:ext>
-            </a:extLst>
-          </p:cNvPr>
+          <p:cNvPr id="2" name="标题 1"/>
           <p:cNvSpPr>
             <a:spLocks noGrp="1"/>
           </p:cNvSpPr>
@@ -23439,13 +22430,7 @@
       </p:sp>
       <p:sp>
         <p:nvSpPr>
-          <p:cNvPr id="3" name="内容占位符 2">
-            <a:extLst>
-              <a:ext uri="{FF2B5EF4-FFF2-40B4-BE49-F238E27FC236}">
-                <a16:creationId xmlns:a16="http://schemas.microsoft.com/office/drawing/2014/main" id="{610EBF09-4B98-D942-BD79-7E351135D721}"/>
-              </a:ext>
-            </a:extLst>
-          </p:cNvPr>
+          <p:cNvPr id="3" name="内容占位符 2"/>
           <p:cNvSpPr>
             <a:spLocks noGrp="1"/>
           </p:cNvSpPr>
@@ -23462,6 +22447,7 @@
               <a:rPr kumimoji="1" lang="en-US" altLang="zh-CN" dirty="0"/>
               <a:t>Approach #1: reduce all theories to propositional logic, and use SAT</a:t>
             </a:r>
+            <a:endParaRPr kumimoji="1" lang="en-US" altLang="zh-CN" dirty="0"/>
           </a:p>
           <a:p>
             <a:pPr lvl="1"/>
@@ -23485,12 +22471,14 @@
               <a:rPr kumimoji="1" lang="en-US" altLang="zh-CN" dirty="0"/>
               <a:t>BV</a:t>
             </a:r>
+            <a:endParaRPr kumimoji="1" lang="en-US" altLang="zh-CN" dirty="0"/>
           </a:p>
           <a:p>
             <a:r>
               <a:rPr kumimoji="1" lang="en-US" altLang="zh-CN" dirty="0"/>
               <a:t>Approach #2: combine theories directly</a:t>
             </a:r>
+            <a:endParaRPr kumimoji="1" lang="en-US" altLang="zh-CN" dirty="0"/>
           </a:p>
           <a:p>
             <a:pPr lvl="1"/>
@@ -23506,6 +22494,7 @@
               <a:rPr kumimoji="1" lang="en-US" altLang="zh-CN" dirty="0"/>
               <a:t> method</a:t>
             </a:r>
+            <a:endParaRPr kumimoji="1" lang="en-US" altLang="zh-CN" dirty="0"/>
           </a:p>
           <a:p>
             <a:pPr lvl="1"/>
@@ -23534,11 +22523,6 @@
         </p:txBody>
       </p:sp>
     </p:spTree>
-    <p:extLst>
-      <p:ext uri="{BB962C8B-B14F-4D97-AF65-F5344CB8AC3E}">
-        <p14:creationId xmlns:p14="http://schemas.microsoft.com/office/powerpoint/2010/main" val="2845747473"/>
-      </p:ext>
-    </p:extLst>
   </p:cSld>
   <p:clrMapOvr>
     <a:masterClrMapping/>
@@ -23565,13 +22549,7 @@
       </p:grpSpPr>
       <p:sp>
         <p:nvSpPr>
-          <p:cNvPr id="2" name="标题 1">
-            <a:extLst>
-              <a:ext uri="{FF2B5EF4-FFF2-40B4-BE49-F238E27FC236}">
-                <a16:creationId xmlns:a16="http://schemas.microsoft.com/office/drawing/2014/main" id="{67C890EF-590A-1741-B3E0-C240C49F1FA6}"/>
-              </a:ext>
-            </a:extLst>
-          </p:cNvPr>
+          <p:cNvPr id="2" name="标题 1"/>
           <p:cNvSpPr>
             <a:spLocks noGrp="1"/>
           </p:cNvSpPr>
@@ -23588,18 +22566,13 @@
               <a:rPr kumimoji="1" lang="zh-CN" altLang="en-US" dirty="0"/>
               <a:t> </a:t>
             </a:r>
+            <a:endParaRPr kumimoji="1" lang="zh-CN" altLang="en-US" dirty="0"/>
           </a:p>
         </p:txBody>
       </p:sp>
       <p:sp>
         <p:nvSpPr>
-          <p:cNvPr id="3" name="内容占位符 2">
-            <a:extLst>
-              <a:ext uri="{FF2B5EF4-FFF2-40B4-BE49-F238E27FC236}">
-                <a16:creationId xmlns:a16="http://schemas.microsoft.com/office/drawing/2014/main" id="{04D0B7E3-15AA-EB42-8296-04695BCFF36D}"/>
-              </a:ext>
-            </a:extLst>
-          </p:cNvPr>
+          <p:cNvPr id="3" name="内容占位符 2"/>
           <p:cNvSpPr>
             <a:spLocks noGrp="1"/>
           </p:cNvSpPr>
@@ -23648,11 +22621,6 @@
         </p:txBody>
       </p:sp>
     </p:spTree>
-    <p:extLst>
-      <p:ext uri="{BB962C8B-B14F-4D97-AF65-F5344CB8AC3E}">
-        <p14:creationId xmlns:p14="http://schemas.microsoft.com/office/powerpoint/2010/main" val="932741173"/>
-      </p:ext>
-    </p:extLst>
   </p:cSld>
   <p:clrMapOvr>
     <a:masterClrMapping/>
@@ -23880,7 +22848,6 @@
       </a:bgFillStyleLst>
     </a:fmtScheme>
   </a:themeElements>
-  <a:objectDefaults/>
   <a:extraClrSchemeLst>
     <a:extraClrScheme>
       <a:clrScheme name="Blends 1">
@@ -24129,10 +23096,274 @@
       <a:clrMap bg1="lt1" tx1="dk1" bg2="lt2" tx2="dk2" accent1="accent1" accent2="accent2" accent3="accent3" accent4="accent4" accent5="accent5" accent6="accent6" hlink="hlink" folHlink="folHlink"/>
     </a:extraClrScheme>
   </a:extraClrSchemeLst>
+  <a:extLst>
+    <a:ext uri="{05A4C25C-085E-4340-85A3-A5531E510DB2}">
+      <thm15:themeFamily xmlns:thm15="http://schemas.microsoft.com/office/thememl/2012/main" name="Office Theme" id="{62F939B6-93AF-4DB8-9C6B-D6C7DFDC589F}" vid="{4A3C46E8-61CC-4603-A589-7422A47A8E4A}"/>
+    </a:ext>
+  </a:extLst>
 </a:theme>
 </file>
 
 <file path=ppt/theme/theme2.xml><?xml version="1.0" encoding="utf-8"?>
+<a:theme xmlns:a="http://schemas.openxmlformats.org/drawingml/2006/main" name="Office 主题">
+  <a:themeElements>
+    <a:clrScheme name="Office">
+      <a:dk1>
+        <a:sysClr val="windowText" lastClr="000000"/>
+      </a:dk1>
+      <a:lt1>
+        <a:sysClr val="window" lastClr="FFFFFF"/>
+      </a:lt1>
+      <a:dk2>
+        <a:srgbClr val="44546A"/>
+      </a:dk2>
+      <a:lt2>
+        <a:srgbClr val="E7E6E6"/>
+      </a:lt2>
+      <a:accent1>
+        <a:srgbClr val="5B9BD5"/>
+      </a:accent1>
+      <a:accent2>
+        <a:srgbClr val="ED7D31"/>
+      </a:accent2>
+      <a:accent3>
+        <a:srgbClr val="A5A5A5"/>
+      </a:accent3>
+      <a:accent4>
+        <a:srgbClr val="FFC000"/>
+      </a:accent4>
+      <a:accent5>
+        <a:srgbClr val="4472C4"/>
+      </a:accent5>
+      <a:accent6>
+        <a:srgbClr val="70AD47"/>
+      </a:accent6>
+      <a:hlink>
+        <a:srgbClr val="0563C1"/>
+      </a:hlink>
+      <a:folHlink>
+        <a:srgbClr val="954F72"/>
+      </a:folHlink>
+    </a:clrScheme>
+    <a:fontScheme name="Office">
+      <a:majorFont>
+        <a:latin typeface="Calibri Light"/>
+        <a:ea typeface=""/>
+        <a:cs typeface=""/>
+        <a:font script="Jpan" typeface="ＭＳ Ｐゴシック"/>
+        <a:font script="Hang" typeface="맑은 고딕"/>
+        <a:font script="Hans" typeface="宋体"/>
+        <a:font script="Hant" typeface="新細明體"/>
+        <a:font script="Arab" typeface="Times New Roman"/>
+        <a:font script="Hebr" typeface="Times New Roman"/>
+        <a:font script="Thai" typeface="Angsana New"/>
+        <a:font script="Ethi" typeface="Nyala"/>
+        <a:font script="Beng" typeface="Vrinda"/>
+        <a:font script="Gujr" typeface="Shruti"/>
+        <a:font script="Khmr" typeface="MoolBoran"/>
+        <a:font script="Knda" typeface="Tunga"/>
+        <a:font script="Guru" typeface="Raavi"/>
+        <a:font script="Cans" typeface="Euphemia"/>
+        <a:font script="Cher" typeface="Plantagenet Cherokee"/>
+        <a:font script="Yiii" typeface="Microsoft Yi Baiti"/>
+        <a:font script="Tibt" typeface="Microsoft Himalaya"/>
+        <a:font script="Thaa" typeface="MV Boli"/>
+        <a:font script="Deva" typeface="Mangal"/>
+        <a:font script="Telu" typeface="Gautami"/>
+        <a:font script="Taml" typeface="Latha"/>
+        <a:font script="Syrc" typeface="Estrangelo Edessa"/>
+        <a:font script="Orya" typeface="Kalinga"/>
+        <a:font script="Mlym" typeface="Kartika"/>
+        <a:font script="Laoo" typeface="DokChampa"/>
+        <a:font script="Sinh" typeface="Iskoola Pota"/>
+        <a:font script="Mong" typeface="Mongolian Baiti"/>
+        <a:font script="Viet" typeface="Times New Roman"/>
+        <a:font script="Uigh" typeface="Microsoft Uighur"/>
+        <a:font script="Geor" typeface="Sylfaen"/>
+      </a:majorFont>
+      <a:minorFont>
+        <a:latin typeface="Calibri"/>
+        <a:ea typeface=""/>
+        <a:cs typeface=""/>
+        <a:font script="Jpan" typeface="ＭＳ Ｐゴシック"/>
+        <a:font script="Hang" typeface="맑은 고딕"/>
+        <a:font script="Hans" typeface="宋体"/>
+        <a:font script="Hant" typeface="新細明體"/>
+        <a:font script="Arab" typeface="Arial"/>
+        <a:font script="Hebr" typeface="Arial"/>
+        <a:font script="Thai" typeface="Cordia New"/>
+        <a:font script="Ethi" typeface="Nyala"/>
+        <a:font script="Beng" typeface="Vrinda"/>
+        <a:font script="Gujr" typeface="Shruti"/>
+        <a:font script="Khmr" typeface="DaunPenh"/>
+        <a:font script="Knda" typeface="Tunga"/>
+        <a:font script="Guru" typeface="Raavi"/>
+        <a:font script="Cans" typeface="Euphemia"/>
+        <a:font script="Cher" typeface="Plantagenet Cherokee"/>
+        <a:font script="Yiii" typeface="Microsoft Yi Baiti"/>
+        <a:font script="Tibt" typeface="Microsoft Himalaya"/>
+        <a:font script="Thaa" typeface="MV Boli"/>
+        <a:font script="Deva" typeface="Mangal"/>
+        <a:font script="Telu" typeface="Gautami"/>
+        <a:font script="Taml" typeface="Latha"/>
+        <a:font script="Syrc" typeface="Estrangelo Edessa"/>
+        <a:font script="Orya" typeface="Kalinga"/>
+        <a:font script="Mlym" typeface="Kartika"/>
+        <a:font script="Laoo" typeface="DokChampa"/>
+        <a:font script="Sinh" typeface="Iskoola Pota"/>
+        <a:font script="Mong" typeface="Mongolian Baiti"/>
+        <a:font script="Viet" typeface="Arial"/>
+        <a:font script="Uigh" typeface="Microsoft Uighur"/>
+        <a:font script="Geor" typeface="Sylfaen"/>
+      </a:minorFont>
+    </a:fontScheme>
+    <a:fmtScheme name="Office">
+      <a:fillStyleLst>
+        <a:solidFill>
+          <a:schemeClr val="phClr"/>
+        </a:solidFill>
+        <a:gradFill rotWithShape="1">
+          <a:gsLst>
+            <a:gs pos="0">
+              <a:schemeClr val="phClr">
+                <a:lumMod val="110000"/>
+                <a:satMod val="105000"/>
+                <a:tint val="67000"/>
+              </a:schemeClr>
+            </a:gs>
+            <a:gs pos="50000">
+              <a:schemeClr val="phClr">
+                <a:lumMod val="105000"/>
+                <a:satMod val="103000"/>
+                <a:tint val="73000"/>
+              </a:schemeClr>
+            </a:gs>
+            <a:gs pos="100000">
+              <a:schemeClr val="phClr">
+                <a:lumMod val="105000"/>
+                <a:satMod val="109000"/>
+                <a:tint val="81000"/>
+              </a:schemeClr>
+            </a:gs>
+          </a:gsLst>
+          <a:lin ang="5400000" scaled="0"/>
+        </a:gradFill>
+        <a:gradFill rotWithShape="1">
+          <a:gsLst>
+            <a:gs pos="0">
+              <a:schemeClr val="phClr">
+                <a:satMod val="103000"/>
+                <a:lumMod val="102000"/>
+                <a:tint val="94000"/>
+              </a:schemeClr>
+            </a:gs>
+            <a:gs pos="50000">
+              <a:schemeClr val="phClr">
+                <a:satMod val="110000"/>
+                <a:lumMod val="100000"/>
+                <a:shade val="100000"/>
+              </a:schemeClr>
+            </a:gs>
+            <a:gs pos="100000">
+              <a:schemeClr val="phClr">
+                <a:lumMod val="99000"/>
+                <a:satMod val="120000"/>
+                <a:shade val="78000"/>
+              </a:schemeClr>
+            </a:gs>
+          </a:gsLst>
+          <a:lin ang="5400000" scaled="0"/>
+        </a:gradFill>
+      </a:fillStyleLst>
+      <a:lnStyleLst>
+        <a:ln w="6350" cap="flat" cmpd="sng" algn="ctr">
+          <a:solidFill>
+            <a:schemeClr val="phClr"/>
+          </a:solidFill>
+          <a:prstDash val="solid"/>
+          <a:miter lim="800000"/>
+        </a:ln>
+        <a:ln w="12700" cap="flat" cmpd="sng" algn="ctr">
+          <a:solidFill>
+            <a:schemeClr val="phClr"/>
+          </a:solidFill>
+          <a:prstDash val="solid"/>
+          <a:miter lim="800000"/>
+        </a:ln>
+        <a:ln w="19050" cap="flat" cmpd="sng" algn="ctr">
+          <a:solidFill>
+            <a:schemeClr val="phClr"/>
+          </a:solidFill>
+          <a:prstDash val="solid"/>
+          <a:miter lim="800000"/>
+        </a:ln>
+      </a:lnStyleLst>
+      <a:effectStyleLst>
+        <a:effectStyle>
+          <a:effectLst/>
+        </a:effectStyle>
+        <a:effectStyle>
+          <a:effectLst/>
+        </a:effectStyle>
+        <a:effectStyle>
+          <a:effectLst>
+            <a:outerShdw blurRad="57150" dist="19050" dir="5400000" algn="ctr" rotWithShape="0">
+              <a:srgbClr val="000000">
+                <a:alpha val="63000"/>
+              </a:srgbClr>
+            </a:outerShdw>
+          </a:effectLst>
+        </a:effectStyle>
+      </a:effectStyleLst>
+      <a:bgFillStyleLst>
+        <a:solidFill>
+          <a:schemeClr val="phClr"/>
+        </a:solidFill>
+        <a:solidFill>
+          <a:schemeClr val="phClr">
+            <a:tint val="95000"/>
+            <a:satMod val="170000"/>
+          </a:schemeClr>
+        </a:solidFill>
+        <a:gradFill rotWithShape="1">
+          <a:gsLst>
+            <a:gs pos="0">
+              <a:schemeClr val="phClr">
+                <a:tint val="93000"/>
+                <a:satMod val="150000"/>
+                <a:shade val="98000"/>
+                <a:lumMod val="102000"/>
+              </a:schemeClr>
+            </a:gs>
+            <a:gs pos="50000">
+              <a:schemeClr val="phClr">
+                <a:tint val="98000"/>
+                <a:satMod val="130000"/>
+                <a:shade val="90000"/>
+                <a:lumMod val="103000"/>
+              </a:schemeClr>
+            </a:gs>
+            <a:gs pos="100000">
+              <a:schemeClr val="phClr">
+                <a:shade val="63000"/>
+                <a:satMod val="120000"/>
+              </a:schemeClr>
+            </a:gs>
+          </a:gsLst>
+          <a:lin ang="5400000" scaled="0"/>
+        </a:gradFill>
+      </a:bgFillStyleLst>
+    </a:fmtScheme>
+  </a:themeElements>
+  <a:extLst>
+    <a:ext uri="{05A4C25C-085E-4340-85A3-A5531E510DB2}">
+      <thm15:themeFamily xmlns:thm15="http://schemas.microsoft.com/office/thememl/2012/main" name="Office Theme" id="{62F939B6-93AF-4DB8-9C6B-D6C7DFDC589F}" vid="{4A3C46E8-61CC-4603-A589-7422A47A8E4A}"/>
+    </a:ext>
+  </a:extLst>
+</a:theme>
+</file>
+
+<file path=ppt/theme/theme3.xml><?xml version="1.0" encoding="utf-8"?>
 <a:theme xmlns:a="http://schemas.openxmlformats.org/drawingml/2006/main" name="Office 主题">
   <a:themeElements>
     <a:clrScheme name="">
@@ -24410,7 +23641,10 @@
       </a:bgFillStyleLst>
     </a:fmtScheme>
   </a:themeElements>
-  <a:objectDefaults/>
-  <a:extraClrSchemeLst/>
+  <a:extLst>
+    <a:ext uri="{05A4C25C-085E-4340-85A3-A5531E510DB2}">
+      <thm15:themeFamily xmlns:thm15="http://schemas.microsoft.com/office/thememl/2012/main" name="Office Theme" id="{62F939B6-93AF-4DB8-9C6B-D6C7DFDC589F}" vid="{4A3C46E8-61CC-4603-A589-7422A47A8E4A}"/>
+    </a:ext>
+  </a:extLst>
 </a:theme>
 </file>
--- a/courses/theory/slides/lec14-nelson.pptx
+++ b/courses/theory/slides/lec14-nelson.pptx
@@ -5,40 +5,40 @@
     <p:sldMasterId id="2147483648" r:id="rId1"/>
   </p:sldMasterIdLst>
   <p:notesMasterIdLst>
-    <p:notesMasterId r:id="rId25"/>
+    <p:notesMasterId r:id="rId27"/>
   </p:notesMasterIdLst>
   <p:handoutMasterIdLst>
-    <p:handoutMasterId r:id="rId29"/>
+    <p:handoutMasterId r:id="rId28"/>
   </p:handoutMasterIdLst>
   <p:sldIdLst>
-    <p:sldId id="256" r:id="rId3"/>
-    <p:sldId id="459" r:id="rId4"/>
-    <p:sldId id="455" r:id="rId5"/>
-    <p:sldId id="456" r:id="rId6"/>
-    <p:sldId id="457" r:id="rId7"/>
-    <p:sldId id="473" r:id="rId8"/>
-    <p:sldId id="460" r:id="rId9"/>
-    <p:sldId id="458" r:id="rId10"/>
-    <p:sldId id="487" r:id="rId11"/>
-    <p:sldId id="461" r:id="rId12"/>
-    <p:sldId id="483" r:id="rId13"/>
-    <p:sldId id="462" r:id="rId14"/>
-    <p:sldId id="463" r:id="rId15"/>
-    <p:sldId id="484" r:id="rId16"/>
-    <p:sldId id="485" r:id="rId17"/>
-    <p:sldId id="321" r:id="rId18"/>
-    <p:sldId id="464" r:id="rId19"/>
-    <p:sldId id="486" r:id="rId20"/>
-    <p:sldId id="467" r:id="rId21"/>
-    <p:sldId id="468" r:id="rId22"/>
-    <p:sldId id="469" r:id="rId23"/>
-    <p:sldId id="470" r:id="rId24"/>
-    <p:sldId id="471" r:id="rId26"/>
-    <p:sldId id="472" r:id="rId27"/>
-    <p:sldId id="424" r:id="rId28"/>
+    <p:sldId id="256" r:id="rId2"/>
+    <p:sldId id="459" r:id="rId3"/>
+    <p:sldId id="455" r:id="rId4"/>
+    <p:sldId id="456" r:id="rId5"/>
+    <p:sldId id="457" r:id="rId6"/>
+    <p:sldId id="473" r:id="rId7"/>
+    <p:sldId id="460" r:id="rId8"/>
+    <p:sldId id="458" r:id="rId9"/>
+    <p:sldId id="487" r:id="rId10"/>
+    <p:sldId id="461" r:id="rId11"/>
+    <p:sldId id="483" r:id="rId12"/>
+    <p:sldId id="462" r:id="rId13"/>
+    <p:sldId id="463" r:id="rId14"/>
+    <p:sldId id="484" r:id="rId15"/>
+    <p:sldId id="485" r:id="rId16"/>
+    <p:sldId id="321" r:id="rId17"/>
+    <p:sldId id="464" r:id="rId18"/>
+    <p:sldId id="486" r:id="rId19"/>
+    <p:sldId id="467" r:id="rId20"/>
+    <p:sldId id="468" r:id="rId21"/>
+    <p:sldId id="469" r:id="rId22"/>
+    <p:sldId id="470" r:id="rId23"/>
+    <p:sldId id="471" r:id="rId24"/>
+    <p:sldId id="472" r:id="rId25"/>
+    <p:sldId id="424" r:id="rId26"/>
   </p:sldIdLst>
   <p:sldSz cx="9144000" cy="6858000" type="screen4x3"/>
-  <p:notesSz cx="7099300" cy="10234295"/>
+  <p:notesSz cx="7099300" cy="10234613"/>
   <p:defaultTextStyle>
     <a:defPPr>
       <a:defRPr lang="zh-CN"/>
@@ -164,6 +164,36 @@
       </a:defRPr>
     </a:lvl9pPr>
   </p:defaultTextStyle>
+  <p:extLst>
+    <p:ext uri="{EFAFB233-063F-42B5-8137-9DF3F51BA10A}">
+      <p15:sldGuideLst xmlns:p15="http://schemas.microsoft.com/office/powerpoint/2012/main">
+        <p15:guide id="1" orient="horz" pos="2160">
+          <p15:clr>
+            <a:srgbClr val="A4A3A4"/>
+          </p15:clr>
+        </p15:guide>
+        <p15:guide id="2" pos="2880">
+          <p15:clr>
+            <a:srgbClr val="A4A3A4"/>
+          </p15:clr>
+        </p15:guide>
+      </p15:sldGuideLst>
+    </p:ext>
+    <p:ext uri="{2D200454-40CA-4A62-9FC3-DE9A4176ACB9}">
+      <p15:notesGuideLst xmlns:p15="http://schemas.microsoft.com/office/powerpoint/2012/main">
+        <p15:guide id="1" orient="horz" pos="3224">
+          <p15:clr>
+            <a:srgbClr val="A4A3A4"/>
+          </p15:clr>
+        </p15:guide>
+        <p15:guide id="2" pos="2236">
+          <p15:clr>
+            <a:srgbClr val="A4A3A4"/>
+          </p15:clr>
+        </p15:guide>
+      </p15:notesGuideLst>
+    </p:ext>
+  </p:extLst>
 </p:presentation>
 </file>
 
@@ -358,12 +388,18 @@
             </a:pPr>
             <a:fld id="{59DFDCF0-3A25-1B44-957E-06E14821E89E}" type="slidenum">
               <a:rPr lang="en-US" altLang="zh-CN"/>
+              <a:t>‹#›</a:t>
             </a:fld>
             <a:endParaRPr lang="en-US" altLang="zh-CN"/>
           </a:p>
         </p:txBody>
       </p:sp>
     </p:spTree>
+    <p:extLst>
+      <p:ext uri="{BB962C8B-B14F-4D97-AF65-F5344CB8AC3E}">
+        <p14:creationId xmlns:p14="http://schemas.microsoft.com/office/powerpoint/2010/main" val="1"/>
+      </p:ext>
+    </p:extLst>
   </p:cSld>
   <p:clrMap bg1="lt1" tx1="dk1" bg2="lt2" tx2="dk2" accent1="accent1" accent2="accent2" accent3="accent3" accent4="accent4" accent5="accent5" accent6="accent6" hlink="hlink" folHlink="folHlink"/>
 </p:handoutMaster>
@@ -451,6 +487,7 @@
           <a:p>
             <a:fld id="{D2A48B96-639E-45A3-A0BA-2464DFDB1FAA}" type="datetimeFigureOut">
               <a:rPr lang="zh-CN" altLang="en-US" smtClean="0"/>
+              <a:t>2025/11/12</a:t>
             </a:fld>
             <a:endParaRPr lang="zh-CN" altLang="en-US"/>
           </a:p>
@@ -514,42 +551,37 @@
           <a:p>
             <a:pPr lvl="0"/>
             <a:r>
-              <a:rPr lang="zh-CN" altLang="en-US" smtClean="0"/>
+              <a:rPr lang="zh-CN" altLang="en-US"/>
               <a:t>单击此处编辑母版文本样式</a:t>
             </a:r>
-            <a:endParaRPr lang="zh-CN" altLang="en-US" smtClean="0"/>
           </a:p>
           <a:p>
             <a:pPr lvl="1"/>
             <a:r>
-              <a:rPr lang="zh-CN" altLang="en-US" smtClean="0"/>
+              <a:rPr lang="zh-CN" altLang="en-US"/>
               <a:t>第二级</a:t>
             </a:r>
-            <a:endParaRPr lang="zh-CN" altLang="en-US" smtClean="0"/>
           </a:p>
           <a:p>
             <a:pPr lvl="2"/>
             <a:r>
-              <a:rPr lang="zh-CN" altLang="en-US" smtClean="0"/>
+              <a:rPr lang="zh-CN" altLang="en-US"/>
               <a:t>第三级</a:t>
             </a:r>
-            <a:endParaRPr lang="zh-CN" altLang="en-US" smtClean="0"/>
           </a:p>
           <a:p>
             <a:pPr lvl="3"/>
             <a:r>
-              <a:rPr lang="zh-CN" altLang="en-US" smtClean="0"/>
+              <a:rPr lang="zh-CN" altLang="en-US"/>
               <a:t>第四级</a:t>
             </a:r>
-            <a:endParaRPr lang="zh-CN" altLang="en-US" smtClean="0"/>
           </a:p>
           <a:p>
             <a:pPr lvl="4"/>
             <a:r>
-              <a:rPr lang="zh-CN" altLang="en-US" smtClean="0"/>
+              <a:rPr lang="zh-CN" altLang="en-US"/>
               <a:t>第五级</a:t>
             </a:r>
-            <a:endParaRPr lang="zh-CN" altLang="en-US"/>
           </a:p>
         </p:txBody>
       </p:sp>
@@ -613,6 +645,7 @@
           <a:p>
             <a:fld id="{A6837353-30EB-4A48-80EB-173D804AEFBD}" type="slidenum">
               <a:rPr lang="zh-CN" altLang="en-US" smtClean="0"/>
+              <a:t>‹#›</a:t>
             </a:fld>
             <a:endParaRPr lang="zh-CN" altLang="en-US"/>
           </a:p>
@@ -725,21 +758,37 @@
         <p:cNvGrpSpPr/>
         <p:nvPr/>
       </p:nvGrpSpPr>
-      <p:grpSpPr/>
+      <p:grpSpPr>
+        <a:xfrm>
+          <a:off x="0" y="0"/>
+          <a:ext cx="0" cy="0"/>
+          <a:chOff x="0" y="0"/>
+          <a:chExt cx="0" cy="0"/>
+        </a:xfrm>
+      </p:grpSpPr>
       <p:sp>
         <p:nvSpPr>
           <p:cNvPr id="2" name="幻灯片图像占位符 1"/>
-          <p:cNvSpPr/>
+          <p:cNvSpPr>
+            <a:spLocks noGrp="1" noRot="1" noChangeAspect="1"/>
+          </p:cNvSpPr>
           <p:nvPr>
             <p:ph type="sldImg" idx="2"/>
           </p:nvPr>
         </p:nvSpPr>
-        <p:spPr/>
+        <p:spPr>
+          <a:xfrm>
+            <a:off x="1096963" y="1431925"/>
+            <a:ext cx="5154612" cy="3865563"/>
+          </a:xfrm>
+        </p:spPr>
       </p:sp>
       <p:sp>
         <p:nvSpPr>
           <p:cNvPr id="3" name="文本占位符 2"/>
-          <p:cNvSpPr/>
+          <p:cNvSpPr>
+            <a:spLocks noGrp="1"/>
+          </p:cNvSpPr>
           <p:nvPr>
             <p:ph type="body" idx="3"/>
           </p:nvPr>
@@ -747,6 +796,7 @@
         <p:spPr/>
         <p:txBody>
           <a:bodyPr/>
+          <a:lstStyle/>
           <a:p>
             <a:endParaRPr lang="zh-CN" altLang="en-US"/>
           </a:p>
@@ -761,7 +811,7 @@
 </file>
 
 <file path=ppt/slideLayouts/slideLayout1.xml><?xml version="1.0" encoding="utf-8"?>
-<p:sldLayout xmlns:a="http://schemas.openxmlformats.org/drawingml/2006/main" xmlns:r="http://schemas.openxmlformats.org/officeDocument/2006/relationships" xmlns:p="http://schemas.openxmlformats.org/presentationml/2006/main" type="title" preserve="1" showMasterSp="0">
+<p:sldLayout xmlns:a="http://schemas.openxmlformats.org/drawingml/2006/main" xmlns:r="http://schemas.openxmlformats.org/officeDocument/2006/relationships" xmlns:p="http://schemas.openxmlformats.org/presentationml/2006/main" showMasterSp="0" type="title" preserve="1">
   <p:cSld name="标题幻灯片">
     <p:spTree>
       <p:nvGrpSpPr>
@@ -1946,7 +1996,6 @@
               <a:rPr lang="zh-CN" altLang="en-US"/>
               <a:t>单击此处编辑母版标题样式</a:t>
             </a:r>
-            <a:endParaRPr lang="zh-CN" altLang="en-US"/>
           </a:p>
         </p:txBody>
       </p:sp>
@@ -1980,7 +2029,6 @@
               <a:rPr lang="zh-CN" altLang="en-US"/>
               <a:t>单击此处编辑母版副标题样式</a:t>
             </a:r>
-            <a:endParaRPr lang="zh-CN" altLang="en-US"/>
           </a:p>
         </p:txBody>
       </p:sp>
@@ -2087,6 +2135,7 @@
             </a:pPr>
             <a:fld id="{6A8B626B-81AA-F040-92F0-D02736E321A4}" type="slidenum">
               <a:rPr lang="en-US" altLang="zh-CN"/>
+              <a:t>‹#›</a:t>
             </a:fld>
             <a:endParaRPr lang="en-US" altLang="zh-CN"/>
           </a:p>
@@ -2136,7 +2185,6 @@
               <a:rPr lang="zh-CN" altLang="en-US"/>
               <a:t>单击此处编辑母版标题样式</a:t>
             </a:r>
-            <a:endParaRPr lang="zh-CN" altLang="en-US"/>
           </a:p>
         </p:txBody>
       </p:sp>
@@ -2160,7 +2208,6 @@
               <a:rPr lang="zh-CN" altLang="en-US"/>
               <a:t>单击此处编辑母版文本样式</a:t>
             </a:r>
-            <a:endParaRPr lang="zh-CN" altLang="en-US"/>
           </a:p>
           <a:p>
             <a:pPr lvl="1"/>
@@ -2168,7 +2215,6 @@
               <a:rPr lang="zh-CN" altLang="en-US"/>
               <a:t>第二级</a:t>
             </a:r>
-            <a:endParaRPr lang="zh-CN" altLang="en-US"/>
           </a:p>
           <a:p>
             <a:pPr lvl="2"/>
@@ -2176,7 +2222,6 @@
               <a:rPr lang="zh-CN" altLang="en-US"/>
               <a:t>第三级</a:t>
             </a:r>
-            <a:endParaRPr lang="zh-CN" altLang="en-US"/>
           </a:p>
           <a:p>
             <a:pPr lvl="3"/>
@@ -2184,7 +2229,6 @@
               <a:rPr lang="zh-CN" altLang="en-US"/>
               <a:t>第四级</a:t>
             </a:r>
-            <a:endParaRPr lang="zh-CN" altLang="en-US"/>
           </a:p>
           <a:p>
             <a:pPr lvl="4"/>
@@ -2192,7 +2236,6 @@
               <a:rPr lang="zh-CN" altLang="en-US"/>
               <a:t>第五级</a:t>
             </a:r>
-            <a:endParaRPr lang="zh-CN" altLang="en-US"/>
           </a:p>
         </p:txBody>
       </p:sp>
@@ -2272,6 +2315,7 @@
             </a:pPr>
             <a:fld id="{1BB6E24A-3567-904B-B86C-E4AE21B6ED3B}" type="slidenum">
               <a:rPr lang="en-US" altLang="zh-CN"/>
+              <a:t>‹#›</a:t>
             </a:fld>
             <a:endParaRPr lang="en-US" altLang="zh-CN"/>
           </a:p>
@@ -2326,7 +2370,6 @@
               <a:rPr lang="zh-CN" altLang="en-US"/>
               <a:t>单击此处编辑母版标题样式</a:t>
             </a:r>
-            <a:endParaRPr lang="zh-CN" altLang="en-US"/>
           </a:p>
         </p:txBody>
       </p:sp>
@@ -2355,7 +2398,6 @@
               <a:rPr lang="zh-CN" altLang="en-US"/>
               <a:t>单击此处编辑母版文本样式</a:t>
             </a:r>
-            <a:endParaRPr lang="zh-CN" altLang="en-US"/>
           </a:p>
           <a:p>
             <a:pPr lvl="1"/>
@@ -2363,7 +2405,6 @@
               <a:rPr lang="zh-CN" altLang="en-US"/>
               <a:t>第二级</a:t>
             </a:r>
-            <a:endParaRPr lang="zh-CN" altLang="en-US"/>
           </a:p>
           <a:p>
             <a:pPr lvl="2"/>
@@ -2371,7 +2412,6 @@
               <a:rPr lang="zh-CN" altLang="en-US"/>
               <a:t>第三级</a:t>
             </a:r>
-            <a:endParaRPr lang="zh-CN" altLang="en-US"/>
           </a:p>
           <a:p>
             <a:pPr lvl="3"/>
@@ -2379,7 +2419,6 @@
               <a:rPr lang="zh-CN" altLang="en-US"/>
               <a:t>第四级</a:t>
             </a:r>
-            <a:endParaRPr lang="zh-CN" altLang="en-US"/>
           </a:p>
           <a:p>
             <a:pPr lvl="4"/>
@@ -2387,7 +2426,6 @@
               <a:rPr lang="zh-CN" altLang="en-US"/>
               <a:t>第五级</a:t>
             </a:r>
-            <a:endParaRPr lang="zh-CN" altLang="en-US"/>
           </a:p>
         </p:txBody>
       </p:sp>
@@ -2467,6 +2505,7 @@
             </a:pPr>
             <a:fld id="{37BB2DC2-6B55-5E4C-8395-621F8054D647}" type="slidenum">
               <a:rPr lang="en-US" altLang="zh-CN"/>
+              <a:t>‹#›</a:t>
             </a:fld>
             <a:endParaRPr lang="en-US" altLang="zh-CN"/>
           </a:p>
@@ -2516,7 +2555,6 @@
               <a:rPr lang="zh-CN" altLang="en-US"/>
               <a:t>单击此处编辑母版标题样式</a:t>
             </a:r>
-            <a:endParaRPr lang="zh-CN" altLang="en-US"/>
           </a:p>
         </p:txBody>
       </p:sp>
@@ -2540,7 +2578,6 @@
               <a:rPr lang="zh-CN" altLang="en-US"/>
               <a:t>单击此处编辑母版文本样式</a:t>
             </a:r>
-            <a:endParaRPr lang="zh-CN" altLang="en-US"/>
           </a:p>
           <a:p>
             <a:pPr lvl="1"/>
@@ -2548,7 +2585,6 @@
               <a:rPr lang="zh-CN" altLang="en-US"/>
               <a:t>第二级</a:t>
             </a:r>
-            <a:endParaRPr lang="zh-CN" altLang="en-US"/>
           </a:p>
           <a:p>
             <a:pPr lvl="2"/>
@@ -2556,7 +2592,6 @@
               <a:rPr lang="zh-CN" altLang="en-US"/>
               <a:t>第三级</a:t>
             </a:r>
-            <a:endParaRPr lang="zh-CN" altLang="en-US"/>
           </a:p>
           <a:p>
             <a:pPr lvl="3"/>
@@ -2564,7 +2599,6 @@
               <a:rPr lang="zh-CN" altLang="en-US"/>
               <a:t>第四级</a:t>
             </a:r>
-            <a:endParaRPr lang="zh-CN" altLang="en-US"/>
           </a:p>
           <a:p>
             <a:pPr lvl="4"/>
@@ -2572,7 +2606,6 @@
               <a:rPr lang="zh-CN" altLang="en-US"/>
               <a:t>第五级</a:t>
             </a:r>
-            <a:endParaRPr lang="zh-CN" altLang="en-US"/>
           </a:p>
         </p:txBody>
       </p:sp>
@@ -2652,6 +2685,7 @@
             </a:pPr>
             <a:fld id="{1BF748D9-7FA6-E441-821E-F3F88EC4F9C5}" type="slidenum">
               <a:rPr lang="en-US" altLang="zh-CN"/>
+              <a:t>‹#›</a:t>
             </a:fld>
             <a:endParaRPr lang="en-US" altLang="zh-CN"/>
           </a:p>
@@ -2710,7 +2744,6 @@
               <a:rPr lang="zh-CN" altLang="en-US"/>
               <a:t>单击此处编辑母版标题样式</a:t>
             </a:r>
-            <a:endParaRPr lang="zh-CN" altLang="en-US"/>
           </a:p>
         </p:txBody>
       </p:sp>
@@ -2776,7 +2809,6 @@
               <a:rPr lang="zh-CN" altLang="en-US"/>
               <a:t>单击此处编辑母版文本样式</a:t>
             </a:r>
-            <a:endParaRPr lang="zh-CN" altLang="en-US"/>
           </a:p>
         </p:txBody>
       </p:sp>
@@ -2856,6 +2888,7 @@
             </a:pPr>
             <a:fld id="{3B2B18E6-536B-3E49-87F7-F67360CCFABB}" type="slidenum">
               <a:rPr lang="en-US" altLang="zh-CN"/>
+              <a:t>‹#›</a:t>
             </a:fld>
             <a:endParaRPr lang="en-US" altLang="zh-CN"/>
           </a:p>
@@ -2905,7 +2938,6 @@
               <a:rPr lang="zh-CN" altLang="en-US"/>
               <a:t>单击此处编辑母版标题样式</a:t>
             </a:r>
-            <a:endParaRPr lang="zh-CN" altLang="en-US"/>
           </a:p>
         </p:txBody>
       </p:sp>
@@ -2962,7 +2994,6 @@
               <a:rPr lang="zh-CN" altLang="en-US"/>
               <a:t>单击此处编辑母版文本样式</a:t>
             </a:r>
-            <a:endParaRPr lang="zh-CN" altLang="en-US"/>
           </a:p>
           <a:p>
             <a:pPr lvl="1"/>
@@ -2970,7 +3001,6 @@
               <a:rPr lang="zh-CN" altLang="en-US"/>
               <a:t>第二级</a:t>
             </a:r>
-            <a:endParaRPr lang="zh-CN" altLang="en-US"/>
           </a:p>
           <a:p>
             <a:pPr lvl="2"/>
@@ -2978,7 +3008,6 @@
               <a:rPr lang="zh-CN" altLang="en-US"/>
               <a:t>第三级</a:t>
             </a:r>
-            <a:endParaRPr lang="zh-CN" altLang="en-US"/>
           </a:p>
           <a:p>
             <a:pPr lvl="3"/>
@@ -2986,7 +3015,6 @@
               <a:rPr lang="zh-CN" altLang="en-US"/>
               <a:t>第四级</a:t>
             </a:r>
-            <a:endParaRPr lang="zh-CN" altLang="en-US"/>
           </a:p>
           <a:p>
             <a:pPr lvl="4"/>
@@ -2994,7 +3022,6 @@
               <a:rPr lang="zh-CN" altLang="en-US"/>
               <a:t>第五级</a:t>
             </a:r>
-            <a:endParaRPr lang="zh-CN" altLang="en-US"/>
           </a:p>
         </p:txBody>
       </p:sp>
@@ -3051,7 +3078,6 @@
               <a:rPr lang="zh-CN" altLang="en-US"/>
               <a:t>单击此处编辑母版文本样式</a:t>
             </a:r>
-            <a:endParaRPr lang="zh-CN" altLang="en-US"/>
           </a:p>
           <a:p>
             <a:pPr lvl="1"/>
@@ -3059,7 +3085,6 @@
               <a:rPr lang="zh-CN" altLang="en-US"/>
               <a:t>第二级</a:t>
             </a:r>
-            <a:endParaRPr lang="zh-CN" altLang="en-US"/>
           </a:p>
           <a:p>
             <a:pPr lvl="2"/>
@@ -3067,7 +3092,6 @@
               <a:rPr lang="zh-CN" altLang="en-US"/>
               <a:t>第三级</a:t>
             </a:r>
-            <a:endParaRPr lang="zh-CN" altLang="en-US"/>
           </a:p>
           <a:p>
             <a:pPr lvl="3"/>
@@ -3075,7 +3099,6 @@
               <a:rPr lang="zh-CN" altLang="en-US"/>
               <a:t>第四级</a:t>
             </a:r>
-            <a:endParaRPr lang="zh-CN" altLang="en-US"/>
           </a:p>
           <a:p>
             <a:pPr lvl="4"/>
@@ -3083,7 +3106,6 @@
               <a:rPr lang="zh-CN" altLang="en-US"/>
               <a:t>第五级</a:t>
             </a:r>
-            <a:endParaRPr lang="zh-CN" altLang="en-US"/>
           </a:p>
         </p:txBody>
       </p:sp>
@@ -3163,6 +3185,7 @@
             </a:pPr>
             <a:fld id="{249FD8DE-E3EB-EA4E-8EE7-F04FE4665C2A}" type="slidenum">
               <a:rPr lang="en-US" altLang="zh-CN"/>
+              <a:t>‹#›</a:t>
             </a:fld>
             <a:endParaRPr lang="en-US" altLang="zh-CN"/>
           </a:p>
@@ -3221,7 +3244,6 @@
               <a:rPr lang="zh-CN" altLang="en-US"/>
               <a:t>单击此处编辑母版标题样式</a:t>
             </a:r>
-            <a:endParaRPr lang="zh-CN" altLang="en-US"/>
           </a:p>
         </p:txBody>
       </p:sp>
@@ -3287,7 +3309,6 @@
               <a:rPr lang="zh-CN" altLang="en-US"/>
               <a:t>单击此处编辑母版文本样式</a:t>
             </a:r>
-            <a:endParaRPr lang="zh-CN" altLang="en-US"/>
           </a:p>
         </p:txBody>
       </p:sp>
@@ -3344,7 +3365,6 @@
               <a:rPr lang="zh-CN" altLang="en-US"/>
               <a:t>单击此处编辑母版文本样式</a:t>
             </a:r>
-            <a:endParaRPr lang="zh-CN" altLang="en-US"/>
           </a:p>
           <a:p>
             <a:pPr lvl="1"/>
@@ -3352,7 +3372,6 @@
               <a:rPr lang="zh-CN" altLang="en-US"/>
               <a:t>第二级</a:t>
             </a:r>
-            <a:endParaRPr lang="zh-CN" altLang="en-US"/>
           </a:p>
           <a:p>
             <a:pPr lvl="2"/>
@@ -3360,7 +3379,6 @@
               <a:rPr lang="zh-CN" altLang="en-US"/>
               <a:t>第三级</a:t>
             </a:r>
-            <a:endParaRPr lang="zh-CN" altLang="en-US"/>
           </a:p>
           <a:p>
             <a:pPr lvl="3"/>
@@ -3368,7 +3386,6 @@
               <a:rPr lang="zh-CN" altLang="en-US"/>
               <a:t>第四级</a:t>
             </a:r>
-            <a:endParaRPr lang="zh-CN" altLang="en-US"/>
           </a:p>
           <a:p>
             <a:pPr lvl="4"/>
@@ -3376,7 +3393,6 @@
               <a:rPr lang="zh-CN" altLang="en-US"/>
               <a:t>第五级</a:t>
             </a:r>
-            <a:endParaRPr lang="zh-CN" altLang="en-US"/>
           </a:p>
         </p:txBody>
       </p:sp>
@@ -3442,7 +3458,6 @@
               <a:rPr lang="zh-CN" altLang="en-US"/>
               <a:t>单击此处编辑母版文本样式</a:t>
             </a:r>
-            <a:endParaRPr lang="zh-CN" altLang="en-US"/>
           </a:p>
         </p:txBody>
       </p:sp>
@@ -3499,7 +3514,6 @@
               <a:rPr lang="zh-CN" altLang="en-US"/>
               <a:t>单击此处编辑母版文本样式</a:t>
             </a:r>
-            <a:endParaRPr lang="zh-CN" altLang="en-US"/>
           </a:p>
           <a:p>
             <a:pPr lvl="1"/>
@@ -3507,7 +3521,6 @@
               <a:rPr lang="zh-CN" altLang="en-US"/>
               <a:t>第二级</a:t>
             </a:r>
-            <a:endParaRPr lang="zh-CN" altLang="en-US"/>
           </a:p>
           <a:p>
             <a:pPr lvl="2"/>
@@ -3515,7 +3528,6 @@
               <a:rPr lang="zh-CN" altLang="en-US"/>
               <a:t>第三级</a:t>
             </a:r>
-            <a:endParaRPr lang="zh-CN" altLang="en-US"/>
           </a:p>
           <a:p>
             <a:pPr lvl="3"/>
@@ -3523,7 +3535,6 @@
               <a:rPr lang="zh-CN" altLang="en-US"/>
               <a:t>第四级</a:t>
             </a:r>
-            <a:endParaRPr lang="zh-CN" altLang="en-US"/>
           </a:p>
           <a:p>
             <a:pPr lvl="4"/>
@@ -3531,7 +3542,6 @@
               <a:rPr lang="zh-CN" altLang="en-US"/>
               <a:t>第五级</a:t>
             </a:r>
-            <a:endParaRPr lang="zh-CN" altLang="en-US"/>
           </a:p>
         </p:txBody>
       </p:sp>
@@ -3611,6 +3621,7 @@
             </a:pPr>
             <a:fld id="{90FCA741-66C6-D343-8412-89FF6A0F853D}" type="slidenum">
               <a:rPr lang="en-US" altLang="zh-CN"/>
+              <a:t>‹#›</a:t>
             </a:fld>
             <a:endParaRPr lang="en-US" altLang="zh-CN"/>
           </a:p>
@@ -3660,7 +3671,6 @@
               <a:rPr lang="zh-CN" altLang="en-US"/>
               <a:t>单击此处编辑母版标题样式</a:t>
             </a:r>
-            <a:endParaRPr lang="zh-CN" altLang="en-US"/>
           </a:p>
         </p:txBody>
       </p:sp>
@@ -3740,6 +3750,7 @@
             </a:pPr>
             <a:fld id="{32318140-2A5D-0E44-BF65-E264B2E441BD}" type="slidenum">
               <a:rPr lang="en-US" altLang="zh-CN"/>
+              <a:t>‹#›</a:t>
             </a:fld>
             <a:endParaRPr lang="en-US" altLang="zh-CN"/>
           </a:p>
@@ -3846,6 +3857,7 @@
             </a:pPr>
             <a:fld id="{748883DD-3DDB-6A4B-AF53-C06217DC1C45}" type="slidenum">
               <a:rPr lang="en-US" altLang="zh-CN"/>
+              <a:t>‹#›</a:t>
             </a:fld>
             <a:endParaRPr lang="en-US" altLang="zh-CN"/>
           </a:p>
@@ -3904,7 +3916,6 @@
               <a:rPr lang="zh-CN" altLang="en-US"/>
               <a:t>单击此处编辑母版标题样式</a:t>
             </a:r>
-            <a:endParaRPr lang="zh-CN" altLang="en-US"/>
           </a:p>
         </p:txBody>
       </p:sp>
@@ -3961,7 +3972,6 @@
               <a:rPr lang="zh-CN" altLang="en-US"/>
               <a:t>单击此处编辑母版文本样式</a:t>
             </a:r>
-            <a:endParaRPr lang="zh-CN" altLang="en-US"/>
           </a:p>
           <a:p>
             <a:pPr lvl="1"/>
@@ -3969,7 +3979,6 @@
               <a:rPr lang="zh-CN" altLang="en-US"/>
               <a:t>第二级</a:t>
             </a:r>
-            <a:endParaRPr lang="zh-CN" altLang="en-US"/>
           </a:p>
           <a:p>
             <a:pPr lvl="2"/>
@@ -3977,7 +3986,6 @@
               <a:rPr lang="zh-CN" altLang="en-US"/>
               <a:t>第三级</a:t>
             </a:r>
-            <a:endParaRPr lang="zh-CN" altLang="en-US"/>
           </a:p>
           <a:p>
             <a:pPr lvl="3"/>
@@ -3985,7 +3993,6 @@
               <a:rPr lang="zh-CN" altLang="en-US"/>
               <a:t>第四级</a:t>
             </a:r>
-            <a:endParaRPr lang="zh-CN" altLang="en-US"/>
           </a:p>
           <a:p>
             <a:pPr lvl="4"/>
@@ -3993,7 +4000,6 @@
               <a:rPr lang="zh-CN" altLang="en-US"/>
               <a:t>第五级</a:t>
             </a:r>
-            <a:endParaRPr lang="zh-CN" altLang="en-US"/>
           </a:p>
         </p:txBody>
       </p:sp>
@@ -4059,7 +4065,6 @@
               <a:rPr lang="zh-CN" altLang="en-US"/>
               <a:t>单击此处编辑母版文本样式</a:t>
             </a:r>
-            <a:endParaRPr lang="zh-CN" altLang="en-US"/>
           </a:p>
         </p:txBody>
       </p:sp>
@@ -4139,6 +4144,7 @@
             </a:pPr>
             <a:fld id="{6B099AE6-659C-DD4F-AB55-9243AB08769D}" type="slidenum">
               <a:rPr lang="en-US" altLang="zh-CN"/>
+              <a:t>‹#›</a:t>
             </a:fld>
             <a:endParaRPr lang="en-US" altLang="zh-CN"/>
           </a:p>
@@ -4197,7 +4203,6 @@
               <a:rPr lang="zh-CN" altLang="en-US"/>
               <a:t>单击此处编辑母版标题样式</a:t>
             </a:r>
-            <a:endParaRPr lang="zh-CN" altLang="en-US"/>
           </a:p>
         </p:txBody>
       </p:sp>
@@ -4325,7 +4330,6 @@
               <a:rPr lang="zh-CN" altLang="en-US"/>
               <a:t>单击此处编辑母版文本样式</a:t>
             </a:r>
-            <a:endParaRPr lang="zh-CN" altLang="en-US"/>
           </a:p>
         </p:txBody>
       </p:sp>
@@ -4405,6 +4409,7 @@
             </a:pPr>
             <a:fld id="{31EB066F-829B-004C-A374-751C5611884F}" type="slidenum">
               <a:rPr lang="en-US" altLang="zh-CN"/>
+              <a:t>‹#›</a:t>
             </a:fld>
             <a:endParaRPr lang="en-US" altLang="zh-CN"/>
           </a:p>
@@ -5590,7 +5595,6 @@
               <a:rPr lang="zh-CN" altLang="en-US"/>
               <a:t>单击此处编辑母版标题样式</a:t>
             </a:r>
-            <a:endParaRPr lang="zh-CN" altLang="en-US"/>
           </a:p>
         </p:txBody>
       </p:sp>
@@ -5645,7 +5649,6 @@
               <a:rPr lang="zh-CN" altLang="en-US"/>
               <a:t>单击此处编辑母版文本样式</a:t>
             </a:r>
-            <a:endParaRPr lang="zh-CN" altLang="en-US"/>
           </a:p>
           <a:p>
             <a:pPr lvl="1"/>
@@ -5653,7 +5656,6 @@
               <a:rPr lang="zh-CN" altLang="en-US"/>
               <a:t>第二级</a:t>
             </a:r>
-            <a:endParaRPr lang="zh-CN" altLang="en-US"/>
           </a:p>
           <a:p>
             <a:pPr lvl="2"/>
@@ -5661,7 +5663,6 @@
               <a:rPr lang="zh-CN" altLang="en-US"/>
               <a:t>第三级</a:t>
             </a:r>
-            <a:endParaRPr lang="zh-CN" altLang="en-US"/>
           </a:p>
           <a:p>
             <a:pPr lvl="3"/>
@@ -5669,7 +5670,6 @@
               <a:rPr lang="zh-CN" altLang="en-US"/>
               <a:t>第四级</a:t>
             </a:r>
-            <a:endParaRPr lang="zh-CN" altLang="en-US"/>
           </a:p>
           <a:p>
             <a:pPr lvl="4"/>
@@ -5677,7 +5677,6 @@
               <a:rPr lang="zh-CN" altLang="en-US"/>
               <a:t>第五级</a:t>
             </a:r>
-            <a:endParaRPr lang="zh-CN" altLang="en-US"/>
           </a:p>
         </p:txBody>
       </p:sp>
@@ -5799,6 +5798,7 @@
             </a:pPr>
             <a:fld id="{6CB83518-65C2-094A-AFB7-B5D18B682B4C}" type="slidenum">
               <a:rPr lang="en-US" altLang="zh-CN"/>
+              <a:t>‹#›</a:t>
             </a:fld>
             <a:endParaRPr lang="en-US" altLang="zh-CN"/>
           </a:p>
@@ -6287,7 +6287,6 @@
               <a:rPr lang="en-US" altLang="zh-CN" dirty="0"/>
               <a:t>Theory Combination</a:t>
             </a:r>
-            <a:endParaRPr lang="en-US" altLang="zh-CN" dirty="0"/>
           </a:p>
         </p:txBody>
       </p:sp>
@@ -6311,7 +6310,6 @@
               <a:rPr lang="en-US" altLang="zh-CN" sz="3600" dirty="0"/>
               <a:t>Formal Methods Foundation</a:t>
             </a:r>
-            <a:endParaRPr lang="en-US" altLang="zh-CN" sz="3600" dirty="0"/>
           </a:p>
           <a:p>
             <a:pPr eaLnBrk="1" hangingPunct="1"/>
@@ -6323,7 +6321,6 @@
               <a:rPr lang="en-US" altLang="zh-CN" sz="2800" dirty="0"/>
               <a:t> Hua</a:t>
             </a:r>
-            <a:endParaRPr lang="en-US" altLang="zh-CN" sz="2800" dirty="0"/>
           </a:p>
           <a:p>
             <a:pPr eaLnBrk="1" hangingPunct="1"/>
@@ -6412,11 +6409,6 @@
                   </a:rPr>
                   <a:t>undecidable</a:t>
                 </a:r>
-                <a:endParaRPr kumimoji="1" lang="en-US" altLang="zh-CN" dirty="0">
-                  <a:solidFill>
-                    <a:srgbClr val="0432FF"/>
-                  </a:solidFill>
-                </a:endParaRPr>
               </a:p>
               <a:p>
                 <a:pPr lvl="1"/>
@@ -6424,14 +6416,12 @@
                   <a:rPr kumimoji="1" lang="en-US" altLang="zh-CN" dirty="0"/>
                   <a:t>Even the underlying theories are decidable</a:t>
                 </a:r>
-                <a:endParaRPr kumimoji="1" lang="en-US" altLang="zh-CN" dirty="0"/>
               </a:p>
               <a:p>
                 <a:r>
                   <a:rPr kumimoji="1" lang="en-US" altLang="zh-CN" dirty="0"/>
                   <a:t>To make it decidable, we require:</a:t>
                 </a:r>
-                <a:endParaRPr kumimoji="1" lang="en-US" altLang="zh-CN" dirty="0"/>
               </a:p>
               <a:p>
                 <a:pPr lvl="1"/>
@@ -6448,7 +6438,7 @@
                       <m:t>𝒯</m:t>
                     </m:r>
                     <m:r>
-                      <a:rPr kumimoji="1" lang="en-US" altLang="zh-CN" i="1" smtClean="0">
+                      <a:rPr kumimoji="1" lang="en-US" altLang="zh-CN" i="1" baseline="-25000" smtClean="0">
                         <a:solidFill>
                           <a:srgbClr val="0432FF"/>
                         </a:solidFill>
@@ -6476,7 +6466,7 @@
                       <m:t>𝒯</m:t>
                     </m:r>
                     <m:r>
-                      <a:rPr kumimoji="1" lang="en-US" altLang="zh-CN" i="1" smtClean="0">
+                      <a:rPr kumimoji="1" lang="en-US" altLang="zh-CN" i="1" baseline="-25000" smtClean="0">
                         <a:solidFill>
                           <a:srgbClr val="0432FF"/>
                         </a:solidFill>
@@ -6491,7 +6481,6 @@
                   <a:rPr kumimoji="1" lang="en-US" altLang="zh-CN" dirty="0"/>
                   <a:t> are decidable</a:t>
                 </a:r>
-                <a:endParaRPr kumimoji="1" lang="en-US" altLang="zh-CN" dirty="0"/>
               </a:p>
               <a:p>
                 <a:pPr lvl="1"/>
@@ -6511,7 +6500,7 @@
                       <m:t>Σ</m:t>
                     </m:r>
                     <m:r>
-                      <a:rPr kumimoji="1" lang="en-US" altLang="zh-CN" i="1">
+                      <a:rPr kumimoji="1" lang="en-US" altLang="zh-CN" i="1" baseline="-25000">
                         <a:solidFill>
                           <a:srgbClr val="0432FF"/>
                         </a:solidFill>
@@ -6568,7 +6557,7 @@
                       <m:t>Σ</m:t>
                     </m:r>
                     <m:r>
-                      <a:rPr kumimoji="1" lang="en-US" altLang="zh-CN" i="1">
+                      <a:rPr kumimoji="1" lang="en-US" altLang="zh-CN" i="1" baseline="-25000">
                         <a:solidFill>
                           <a:srgbClr val="0432FF"/>
                         </a:solidFill>
@@ -6647,7 +6636,6 @@
                   <a:rPr kumimoji="1" lang="en-US" altLang="zh-CN" dirty="0"/>
                   <a:t>)</a:t>
                 </a:r>
-                <a:endParaRPr kumimoji="1" lang="en-US" altLang="zh-CN" dirty="0"/>
               </a:p>
               <a:p>
                 <a:pPr lvl="1"/>
@@ -6673,17 +6661,17 @@
             <p:nvSpPr>
               <p:cNvPr id="3" name="内容占位符 2"/>
               <p:cNvSpPr>
-                <a:spLocks noRot="1" noChangeAspect="1" noMove="1" noResize="1" noEditPoints="1" noAdjustHandles="1" noChangeArrowheads="1" noChangeShapeType="1" noTextEdit="1"/>
+                <a:spLocks noGrp="1" noRot="1" noChangeAspect="1" noMove="1" noResize="1" noEditPoints="1" noAdjustHandles="1" noChangeArrowheads="1" noChangeShapeType="1" noTextEdit="1"/>
               </p:cNvSpPr>
               <p:nvPr>
                 <p:ph idx="1"/>
               </p:nvPr>
             </p:nvSpPr>
             <p:spPr>
-              <a:blipFill rotWithShape="1">
-                <a:blip r:embed="rId1"/>
+              <a:blipFill>
+                <a:blip r:embed="rId2"/>
                 <a:stretch>
-                  <a:fillRect l="-4" t="-8" r="4" b="8"/>
+                  <a:fillRect l="-653" t="-1846"/>
                 </a:stretch>
               </a:blipFill>
             </p:spPr>
@@ -6776,6 +6764,7 @@
           <a:prstGeom prst="roundRect">
             <a:avLst/>
           </a:prstGeom>
+          <a:ln w="38100"/>
         </p:spPr>
         <p:style>
           <a:lnRef idx="2">
@@ -6799,14 +6788,26 @@
           <a:p>
             <a:pPr algn="ctr"/>
             <a:r>
-              <a:rPr kumimoji="1" lang="en-US" altLang="zh-CN" dirty="0"/>
+              <a:rPr kumimoji="1" lang="en-US" altLang="zh-CN" dirty="0">
+                <a:solidFill>
+                  <a:schemeClr val="tx1"/>
+                </a:solidFill>
+              </a:rPr>
               <a:t>Nelson-</a:t>
             </a:r>
             <a:r>
-              <a:rPr kumimoji="1" lang="en-US" altLang="zh-CN" dirty="0" err="1"/>
+              <a:rPr kumimoji="1" lang="en-US" altLang="zh-CN" dirty="0" err="1">
+                <a:solidFill>
+                  <a:schemeClr val="tx1"/>
+                </a:solidFill>
+              </a:rPr>
               <a:t>Oppen</a:t>
             </a:r>
-            <a:endParaRPr kumimoji="1" lang="zh-CN" altLang="en-US" dirty="0"/>
+            <a:endParaRPr kumimoji="1" lang="zh-CN" altLang="en-US" dirty="0">
+              <a:solidFill>
+                <a:schemeClr val="tx1"/>
+              </a:solidFill>
+            </a:endParaRPr>
           </a:p>
         </p:txBody>
       </p:sp>
@@ -6862,7 +6863,7 @@
           <a:prstGeom prst="straightConnector1">
             <a:avLst/>
           </a:prstGeom>
-          <a:ln>
+          <a:ln w="38100">
             <a:tailEnd type="triangle"/>
           </a:ln>
         </p:spPr>
@@ -6895,7 +6896,7 @@
           <a:prstGeom prst="straightConnector1">
             <a:avLst/>
           </a:prstGeom>
-          <a:ln>
+          <a:ln w="38100">
             <a:tailEnd type="triangle"/>
           </a:ln>
         </p:spPr>
@@ -6951,18 +6952,29 @@
           <a:p>
             <a:pPr algn="ctr"/>
             <a:r>
-              <a:rPr kumimoji="1" lang="en-US" altLang="zh-CN" dirty="0"/>
+              <a:rPr kumimoji="1" lang="en-US" altLang="zh-CN" dirty="0">
+                <a:solidFill>
+                  <a:schemeClr val="tx1"/>
+                </a:solidFill>
+              </a:rPr>
               <a:t>Theory</a:t>
             </a:r>
-            <a:endParaRPr kumimoji="1" lang="en-US" altLang="zh-CN" dirty="0"/>
           </a:p>
           <a:p>
             <a:pPr algn="ctr"/>
             <a:r>
-              <a:rPr kumimoji="1" lang="en-US" altLang="zh-CN" dirty="0"/>
+              <a:rPr kumimoji="1" lang="en-US" altLang="zh-CN" dirty="0">
+                <a:solidFill>
+                  <a:schemeClr val="tx1"/>
+                </a:solidFill>
+              </a:rPr>
               <a:t>1</a:t>
             </a:r>
-            <a:endParaRPr kumimoji="1" lang="zh-CN" altLang="en-US" dirty="0"/>
+            <a:endParaRPr kumimoji="1" lang="zh-CN" altLang="en-US" dirty="0">
+              <a:solidFill>
+                <a:schemeClr val="tx1"/>
+              </a:solidFill>
+            </a:endParaRPr>
           </a:p>
         </p:txBody>
       </p:sp>
@@ -7003,18 +7015,29 @@
           <a:p>
             <a:pPr algn="ctr"/>
             <a:r>
-              <a:rPr kumimoji="1" lang="en-US" altLang="zh-CN" dirty="0"/>
+              <a:rPr kumimoji="1" lang="en-US" altLang="zh-CN" dirty="0">
+                <a:solidFill>
+                  <a:schemeClr val="tx1"/>
+                </a:solidFill>
+              </a:rPr>
               <a:t>Theory</a:t>
             </a:r>
-            <a:endParaRPr kumimoji="1" lang="en-US" altLang="zh-CN" dirty="0"/>
           </a:p>
           <a:p>
             <a:pPr algn="ctr"/>
             <a:r>
-              <a:rPr kumimoji="1" lang="en-US" altLang="zh-CN" dirty="0"/>
+              <a:rPr kumimoji="1" lang="en-US" altLang="zh-CN" dirty="0">
+                <a:solidFill>
+                  <a:schemeClr val="tx1"/>
+                </a:solidFill>
+              </a:rPr>
               <a:t>2</a:t>
             </a:r>
-            <a:endParaRPr kumimoji="1" lang="zh-CN" altLang="en-US" dirty="0"/>
+            <a:endParaRPr kumimoji="1" lang="zh-CN" altLang="en-US" dirty="0">
+              <a:solidFill>
+                <a:schemeClr val="tx1"/>
+              </a:solidFill>
+            </a:endParaRPr>
           </a:p>
         </p:txBody>
       </p:sp>
@@ -7055,18 +7078,29 @@
           <a:p>
             <a:pPr algn="ctr"/>
             <a:r>
-              <a:rPr kumimoji="1" lang="en-US" altLang="zh-CN" dirty="0"/>
+              <a:rPr kumimoji="1" lang="en-US" altLang="zh-CN" dirty="0">
+                <a:solidFill>
+                  <a:schemeClr val="tx1"/>
+                </a:solidFill>
+              </a:rPr>
               <a:t>Theory</a:t>
             </a:r>
-            <a:endParaRPr kumimoji="1" lang="en-US" altLang="zh-CN" dirty="0"/>
           </a:p>
           <a:p>
             <a:pPr algn="ctr"/>
             <a:r>
-              <a:rPr kumimoji="1" lang="en-US" altLang="zh-CN" dirty="0"/>
+              <a:rPr kumimoji="1" lang="en-US" altLang="zh-CN" dirty="0">
+                <a:solidFill>
+                  <a:schemeClr val="tx1"/>
+                </a:solidFill>
+              </a:rPr>
               <a:t>n</a:t>
             </a:r>
-            <a:endParaRPr kumimoji="1" lang="zh-CN" altLang="en-US" dirty="0"/>
+            <a:endParaRPr kumimoji="1" lang="zh-CN" altLang="en-US" dirty="0">
+              <a:solidFill>
+                <a:schemeClr val="tx1"/>
+              </a:solidFill>
+            </a:endParaRPr>
           </a:p>
         </p:txBody>
       </p:sp>
@@ -7084,7 +7118,7 @@
           <a:prstGeom prst="straightConnector1">
             <a:avLst/>
           </a:prstGeom>
-          <a:ln>
+          <a:ln w="38100">
             <a:tailEnd type="triangle"/>
           </a:ln>
         </p:spPr>
@@ -7119,7 +7153,7 @@
           <a:prstGeom prst="straightConnector1">
             <a:avLst/>
           </a:prstGeom>
-          <a:ln>
+          <a:ln w="38100">
             <a:tailEnd type="triangle"/>
           </a:ln>
         </p:spPr>
@@ -7152,7 +7186,7 @@
           <a:prstGeom prst="straightConnector1">
             <a:avLst/>
           </a:prstGeom>
-          <a:ln>
+          <a:ln w="38100">
             <a:tailEnd type="triangle"/>
           </a:ln>
         </p:spPr>
@@ -7185,7 +7219,7 @@
           <a:prstGeom prst="straightConnector1">
             <a:avLst/>
           </a:prstGeom>
-          <a:ln>
+          <a:ln w="38100">
             <a:tailEnd type="triangle"/>
           </a:ln>
         </p:spPr>
@@ -7218,7 +7252,7 @@
           <a:prstGeom prst="straightConnector1">
             <a:avLst/>
           </a:prstGeom>
-          <a:ln>
+          <a:ln w="38100">
             <a:tailEnd type="triangle"/>
           </a:ln>
         </p:spPr>
@@ -7251,7 +7285,7 @@
           <a:prstGeom prst="straightConnector1">
             <a:avLst/>
           </a:prstGeom>
-          <a:ln>
+          <a:ln w="38100">
             <a:tailEnd type="triangle"/>
           </a:ln>
         </p:spPr>
@@ -7344,7 +7378,7 @@
           <a:prstGeom prst="straightConnector1">
             <a:avLst/>
           </a:prstGeom>
-          <a:ln>
+          <a:ln w="38100">
             <a:tailEnd type="triangle"/>
           </a:ln>
         </p:spPr>
@@ -7415,7 +7449,7 @@
           <a:prstGeom prst="straightConnector1">
             <a:avLst/>
           </a:prstGeom>
-          <a:ln>
+          <a:ln w="38100">
             <a:tailEnd type="triangle"/>
           </a:ln>
         </p:spPr>
@@ -7486,8 +7520,8 @@
           </a:p>
         </p:txBody>
       </p:sp>
-      <mc:AlternateContent xmlns:mc="http://schemas.openxmlformats.org/markup-compatibility/2006">
-        <mc:Choice xmlns:a14="http://schemas.microsoft.com/office/drawing/2010/main" Requires="a14">
+      <mc:AlternateContent xmlns:mc="http://schemas.openxmlformats.org/markup-compatibility/2006" xmlns:a14="http://schemas.microsoft.com/office/drawing/2010/main">
+        <mc:Choice Requires="a14">
           <p:sp>
             <p:nvSpPr>
               <p:cNvPr id="3" name="内容占位符 2"/>
@@ -7507,7 +7541,6 @@
                   <a:rPr kumimoji="1" lang="en-US" altLang="zh-CN" dirty="0"/>
                   <a:t>Step #1: purification </a:t>
                 </a:r>
-                <a:endParaRPr kumimoji="1" lang="en-US" altLang="zh-CN" dirty="0"/>
               </a:p>
               <a:p>
                 <a:pPr lvl="1"/>
@@ -7515,14 +7548,12 @@
                   <a:rPr kumimoji="1" lang="en-US" altLang="zh-CN" dirty="0"/>
                   <a:t>Introduce auxiliary variables, so that different theories don’t mix</a:t>
                 </a:r>
-                <a:endParaRPr kumimoji="1" lang="en-US" altLang="zh-CN" dirty="0"/>
               </a:p>
               <a:p>
                 <a:r>
                   <a:rPr kumimoji="1" lang="en-US" altLang="zh-CN" dirty="0"/>
                   <a:t>Example with LA and EUF:</a:t>
                 </a:r>
-                <a:endParaRPr kumimoji="1" lang="en-US" altLang="zh-CN" dirty="0"/>
               </a:p>
               <a:p>
                 <a:pPr lvl="1"/>
@@ -7580,11 +7611,6 @@
                   </a:rPr>
                   <a:t>)</a:t>
                 </a:r>
-                <a:endParaRPr kumimoji="1" lang="en-US" altLang="zh-CN" dirty="0">
-                  <a:solidFill>
-                    <a:srgbClr val="FF0000"/>
-                  </a:solidFill>
-                </a:endParaRPr>
               </a:p>
               <a:p>
                 <a:pPr lvl="1"/>
@@ -7660,7 +7686,6 @@
                   <a:rPr kumimoji="1" lang="en-US" altLang="zh-CN" dirty="0"/>
                   <a:t> </a:t>
                 </a:r>
-                <a:endParaRPr kumimoji="1" lang="en-US" altLang="zh-CN" dirty="0"/>
               </a:p>
               <a:p>
                 <a:pPr marL="457200" lvl="1" indent="0">
@@ -7723,7 +7748,7 @@
             </p:txBody>
           </p:sp>
         </mc:Choice>
-        <mc:Fallback>
+        <mc:Fallback xmlns="">
           <p:sp>
             <p:nvSpPr>
               <p:cNvPr id="3" name="内容占位符 2"/>
@@ -7736,7 +7761,7 @@
             </p:nvSpPr>
             <p:spPr>
               <a:blipFill rotWithShape="1">
-                <a:blip r:embed="rId1"/>
+                <a:blip r:embed="rId2"/>
                 <a:stretch>
                   <a:fillRect l="-4" t="-8" r="4" b="8"/>
                 </a:stretch>
@@ -8015,7 +8040,6 @@
                   <a:rPr kumimoji="1" lang="en-US" altLang="zh-CN" dirty="0"/>
                   <a:t>a specific theory</a:t>
                 </a:r>
-                <a:endParaRPr kumimoji="1" lang="en-US" altLang="zh-CN" dirty="0"/>
               </a:p>
               <a:p>
                 <a:pPr lvl="1"/>
@@ -8043,7 +8067,6 @@
                   <a:rPr kumimoji="1" lang="en-US" altLang="zh-CN" dirty="0"/>
                   <a:t> are connected by variables</a:t>
                 </a:r>
-                <a:endParaRPr kumimoji="1" lang="en-US" altLang="zh-CN" dirty="0"/>
               </a:p>
               <a:p>
                 <a:r>
@@ -8102,11 +8125,6 @@
                   </a:rPr>
                   <a:t>UNSAT</a:t>
                 </a:r>
-                <a:endParaRPr kumimoji="1" lang="en-US" altLang="zh-CN" dirty="0">
-                  <a:solidFill>
-                    <a:srgbClr val="0432FF"/>
-                  </a:solidFill>
-                </a:endParaRPr>
               </a:p>
               <a:p>
                 <a:r>
@@ -8259,8 +8277,22 @@
                       <a:srgbClr val="0432FF"/>
                     </a:solidFill>
                   </a:rPr>
-                  <a:t> (j!=</a:t>
-                </a:r>
+                  <a:t> (j</a:t>
+                </a:r>
+                <a14:m>
+                  <m:oMath xmlns:m="http://schemas.openxmlformats.org/officeDocument/2006/math">
+                    <m:r>
+                      <a:rPr kumimoji="1" lang="en-US" altLang="zh-CN" i="1" dirty="0" smtClean="0">
+                        <a:solidFill>
+                          <a:srgbClr val="0432FF"/>
+                        </a:solidFill>
+                        <a:latin typeface="Cambria Math" panose="02040503050406030204" pitchFamily="18" charset="0"/>
+                        <a:ea typeface="Cambria Math" panose="02040503050406030204" pitchFamily="18" charset="0"/>
+                      </a:rPr>
+                      <m:t>≠</m:t>
+                    </m:r>
+                  </m:oMath>
+                </a14:m>
                 <a:r>
                   <a:rPr kumimoji="1" lang="en-US" altLang="zh-CN" dirty="0" err="1">
                     <a:solidFill>
@@ -8289,7 +8321,6 @@
                   <a:rPr kumimoji="1" lang="en-US" altLang="zh-CN" dirty="0"/>
                   <a:t> previous step</a:t>
                 </a:r>
-                <a:endParaRPr kumimoji="1" lang="en-US" altLang="zh-CN" dirty="0"/>
               </a:p>
               <a:p>
                 <a:pPr lvl="1"/>
@@ -8315,17 +8346,17 @@
             <p:nvSpPr>
               <p:cNvPr id="3" name="内容占位符 2"/>
               <p:cNvSpPr>
-                <a:spLocks noRot="1" noChangeAspect="1" noMove="1" noResize="1" noEditPoints="1" noAdjustHandles="1" noChangeArrowheads="1" noChangeShapeType="1" noTextEdit="1"/>
+                <a:spLocks noGrp="1" noRot="1" noChangeAspect="1" noMove="1" noResize="1" noEditPoints="1" noAdjustHandles="1" noChangeArrowheads="1" noChangeShapeType="1" noTextEdit="1"/>
               </p:cNvSpPr>
               <p:nvPr>
                 <p:ph idx="1"/>
               </p:nvPr>
             </p:nvSpPr>
             <p:spPr>
-              <a:blipFill rotWithShape="1">
-                <a:blip r:embed="rId1"/>
+              <a:blipFill>
+                <a:blip r:embed="rId2"/>
                 <a:stretch>
-                  <a:fillRect l="-4" t="-8" r="4" b="-2400"/>
+                  <a:fillRect l="-653" t="-1846" b="-8000"/>
                 </a:stretch>
               </a:blipFill>
             </p:spPr>
@@ -8392,8 +8423,8 @@
           </a:p>
         </p:txBody>
       </p:sp>
-      <mc:AlternateContent xmlns:mc="http://schemas.openxmlformats.org/markup-compatibility/2006">
-        <mc:Choice xmlns:a14="http://schemas.microsoft.com/office/drawing/2010/main" Requires="a14">
+      <mc:AlternateContent xmlns:mc="http://schemas.openxmlformats.org/markup-compatibility/2006" xmlns:a14="http://schemas.microsoft.com/office/drawing/2010/main">
+        <mc:Choice Requires="a14">
           <p:sp>
             <p:nvSpPr>
               <p:cNvPr id="3" name="内容占位符 2"/>
@@ -8433,10 +8464,6 @@
                   </a:rPr>
                   <a:t>The initial proposition:</a:t>
                 </a:r>
-                <a:endParaRPr kumimoji="1" lang="en-US" altLang="zh-CN" sz="2000" b="1" dirty="0">
-                  <a:latin typeface="Courier New" panose="02070309020205020404" pitchFamily="49" charset="0"/>
-                  <a:cs typeface="Courier New" panose="02070309020205020404" pitchFamily="49" charset="0"/>
-                </a:endParaRPr>
               </a:p>
               <a:p>
                 <a:pPr marL="0" indent="0">
@@ -8800,13 +8827,6 @@
                   </a:rPr>
                   <a:t>) </a:t>
                 </a:r>
-                <a:endParaRPr kumimoji="1" lang="en-US" altLang="zh-CN" sz="2000" b="1" dirty="0">
-                  <a:solidFill>
-                    <a:srgbClr val="0432FF"/>
-                  </a:solidFill>
-                  <a:latin typeface="Courier New" panose="02070309020205020404" pitchFamily="49" charset="0"/>
-                  <a:cs typeface="Courier New" panose="02070309020205020404" pitchFamily="49" charset="0"/>
-                </a:endParaRPr>
               </a:p>
               <a:p>
                 <a:pPr marL="0" indent="0">
@@ -8845,10 +8865,6 @@
                   </a:rPr>
                   <a:t>After purification:</a:t>
                 </a:r>
-                <a:endParaRPr kumimoji="1" lang="en-US" altLang="zh-CN" sz="2000" b="1" dirty="0">
-                  <a:latin typeface="Courier New" panose="02070309020205020404" pitchFamily="49" charset="0"/>
-                  <a:cs typeface="Courier New" panose="02070309020205020404" pitchFamily="49" charset="0"/>
-                </a:endParaRPr>
               </a:p>
               <a:p>
                 <a:pPr marL="0" indent="0">
@@ -9450,18 +9466,11 @@
                   </a:rPr>
                   <a:t>)</a:t>
                 </a:r>
-                <a:endParaRPr kumimoji="1" lang="en-US" altLang="zh-CN" sz="2000" b="1" dirty="0">
-                  <a:solidFill>
-                    <a:srgbClr val="FF0000"/>
-                  </a:solidFill>
-                  <a:latin typeface="Courier New" panose="02070309020205020404" pitchFamily="49" charset="0"/>
-                  <a:cs typeface="Courier New" panose="02070309020205020404" pitchFamily="49" charset="0"/>
-                </a:endParaRPr>
               </a:p>
             </p:txBody>
           </p:sp>
         </mc:Choice>
-        <mc:Fallback>
+        <mc:Fallback xmlns="">
           <p:sp>
             <p:nvSpPr>
               <p:cNvPr id="3" name="内容占位符 2"/>
@@ -9474,7 +9483,7 @@
             </p:nvSpPr>
             <p:spPr>
               <a:blipFill rotWithShape="1">
-                <a:blip r:embed="rId1"/>
+                <a:blip r:embed="rId2"/>
                 <a:stretch>
                   <a:fillRect l="-4" t="-8" r="4" b="8"/>
                 </a:stretch>
@@ -9572,8 +9581,20 @@
                     <a:tableStyleId>{5C22544A-7EE6-4342-B048-85BDC9FD1C3A}</a:tableStyleId>
                   </a:tblPr>
                   <a:tblGrid>
-                    <a:gridCol w="1905000"/>
-                    <a:gridCol w="2133600"/>
+                    <a:gridCol w="1905000">
+                      <a:extLst>
+                        <a:ext uri="{9D8B030D-6E8A-4147-A177-3AD203B41FA5}">
+                          <a16:colId xmlns:a16="http://schemas.microsoft.com/office/drawing/2014/main" val="20000"/>
+                        </a:ext>
+                      </a:extLst>
+                    </a:gridCol>
+                    <a:gridCol w="2133600">
+                      <a:extLst>
+                        <a:ext uri="{9D8B030D-6E8A-4147-A177-3AD203B41FA5}">
+                          <a16:colId xmlns:a16="http://schemas.microsoft.com/office/drawing/2014/main" val="20001"/>
+                        </a:ext>
+                      </a:extLst>
+                    </a:gridCol>
                   </a:tblGrid>
                   <a:tr h="370840">
                     <a:tc>
@@ -9604,6 +9625,11 @@
                       </a:txBody>
                       <a:tcPr/>
                     </a:tc>
+                    <a:extLst>
+                      <a:ext uri="{0D108BD9-81ED-4DB2-BD59-A6C34878D82A}">
+                        <a16:rowId xmlns:a16="http://schemas.microsoft.com/office/drawing/2014/main" val="10000"/>
+                      </a:ext>
+                    </a:extLst>
                   </a:tr>
                   <a:tr h="370840">
                     <a:tc>
@@ -9633,14 +9659,12 @@
                             <a:rPr lang="en-US" altLang="zh-CN" dirty="0"/>
                             <a:t>x1</a:t>
                           </a:r>
-                          <a:endParaRPr lang="en-US" altLang="zh-CN" dirty="0"/>
                         </a:p>
                         <a:p>
                           <a:r>
                             <a:rPr lang="en-US" altLang="zh-CN" dirty="0"/>
                             <a:t>x1-x3&gt;=x2</a:t>
                           </a:r>
-                          <a:endParaRPr lang="en-US" altLang="zh-CN" dirty="0"/>
                         </a:p>
                         <a:p>
                           <a:r>
@@ -9665,14 +9689,12 @@
                             <a:rPr lang="en-US" altLang="zh-CN" dirty="0"/>
                             <a:t>0</a:t>
                           </a:r>
-                          <a:endParaRPr lang="en-US" altLang="zh-CN" dirty="0"/>
                         </a:p>
                         <a:p>
                           <a:r>
                             <a:rPr lang="en-US" altLang="zh-CN" dirty="0"/>
                             <a:t>t1=t2-t3</a:t>
                           </a:r>
-                          <a:endParaRPr lang="en-US" altLang="zh-CN" dirty="0"/>
                         </a:p>
                         <a:p>
                           <a:endParaRPr lang="en-US" altLang="zh-CN" dirty="0"/>
@@ -9708,7 +9730,6 @@
                             <a:rPr lang="en-US" altLang="zh-CN" dirty="0"/>
                             <a:t>f(t1) != f(x3)</a:t>
                           </a:r>
-                          <a:endParaRPr lang="en-US" altLang="zh-CN" dirty="0"/>
                         </a:p>
                         <a:p>
                           <a:pPr marL="0" marR="0" indent="0" algn="l" defTabSz="914400" rtl="0" eaLnBrk="1" fontAlgn="auto" latinLnBrk="0" hangingPunct="1">
@@ -9731,7 +9752,6 @@
                             <a:rPr lang="en-US" altLang="zh-CN" dirty="0"/>
                             <a:t>t2=f(x1)</a:t>
                           </a:r>
-                          <a:endParaRPr lang="en-US" altLang="zh-CN" dirty="0"/>
                         </a:p>
                         <a:p>
                           <a:pPr marL="0" marR="0" indent="0" algn="l" defTabSz="914400" rtl="0" eaLnBrk="1" fontAlgn="auto" latinLnBrk="0" hangingPunct="1">
@@ -9754,7 +9774,6 @@
                             <a:rPr lang="en-US" altLang="zh-CN" dirty="0"/>
                             <a:t>t3=f(x2)</a:t>
                           </a:r>
-                          <a:endParaRPr lang="en-US" altLang="zh-CN" dirty="0"/>
                         </a:p>
                         <a:p>
                           <a:pPr marL="0" marR="0" indent="0" algn="l" defTabSz="914400" rtl="0" eaLnBrk="1" fontAlgn="auto" latinLnBrk="0" hangingPunct="1">
@@ -9892,6 +9911,11 @@
                       </a:txBody>
                       <a:tcPr/>
                     </a:tc>
+                    <a:extLst>
+                      <a:ext uri="{0D108BD9-81ED-4DB2-BD59-A6C34878D82A}">
+                        <a16:rowId xmlns:a16="http://schemas.microsoft.com/office/drawing/2014/main" val="10001"/>
+                      </a:ext>
+                    </a:extLst>
                   </a:tr>
                 </a:tbl>
               </a:graphicData>
@@ -9962,7 +9986,7 @@
                       </a:txBody>
                       <a:tcPr>
                         <a:blipFill>
-                          <a:blip r:embed="rId1"/>
+                          <a:blip r:embed="rId2"/>
                         </a:blipFill>
                       </a:tcPr>
                     </a:tc>
@@ -11512,8 +11536,8 @@
           </a:p>
         </p:txBody>
       </p:sp>
-      <mc:AlternateContent xmlns:mc="http://schemas.openxmlformats.org/markup-compatibility/2006">
-        <mc:Choice xmlns:a14="http://schemas.microsoft.com/office/drawing/2010/main" Requires="a14">
+      <mc:AlternateContent xmlns:mc="http://schemas.openxmlformats.org/markup-compatibility/2006" xmlns:a14="http://schemas.microsoft.com/office/drawing/2010/main">
+        <mc:Choice Requires="a14">
           <p:sp>
             <p:nvSpPr>
               <p:cNvPr id="3" name="内容占位符 2"/>
@@ -11553,10 +11577,6 @@
                   </a:rPr>
                   <a:t>The initial proposition:</a:t>
                 </a:r>
-                <a:endParaRPr kumimoji="1" lang="en-US" altLang="zh-CN" sz="2000" b="1" dirty="0">
-                  <a:latin typeface="Courier New" panose="02070309020205020404" pitchFamily="49" charset="0"/>
-                  <a:cs typeface="Courier New" panose="02070309020205020404" pitchFamily="49" charset="0"/>
-                </a:endParaRPr>
               </a:p>
               <a:p>
                 <a:pPr marL="0" indent="0">
@@ -11710,13 +11730,6 @@
                   </a:rPr>
                   <a:t> ~p(0)</a:t>
                 </a:r>
-                <a:endParaRPr kumimoji="1" lang="en-US" altLang="zh-CN" sz="2000" b="1" dirty="0">
-                  <a:solidFill>
-                    <a:srgbClr val="0432FF"/>
-                  </a:solidFill>
-                  <a:latin typeface="Courier New" panose="02070309020205020404" pitchFamily="49" charset="0"/>
-                  <a:cs typeface="Courier New" panose="02070309020205020404" pitchFamily="49" charset="0"/>
-                </a:endParaRPr>
               </a:p>
               <a:p>
                 <a:pPr marL="0" indent="0">
@@ -11755,10 +11768,6 @@
                   </a:rPr>
                   <a:t>After purification:</a:t>
                 </a:r>
-                <a:endParaRPr kumimoji="1" lang="en-US" altLang="zh-CN" sz="2000" b="1" dirty="0">
-                  <a:latin typeface="Courier New" panose="02070309020205020404" pitchFamily="49" charset="0"/>
-                  <a:cs typeface="Courier New" panose="02070309020205020404" pitchFamily="49" charset="0"/>
-                </a:endParaRPr>
               </a:p>
               <a:p>
                 <a:pPr marL="0" indent="0">
@@ -12183,18 +12192,11 @@
                   </a:rPr>
                   <a:t>t3 = 0</a:t>
                 </a:r>
-                <a:endParaRPr kumimoji="1" lang="en-US" altLang="zh-CN" sz="2000" b="1" dirty="0">
-                  <a:solidFill>
-                    <a:srgbClr val="0432FF"/>
-                  </a:solidFill>
-                  <a:latin typeface="Courier New" panose="02070309020205020404" pitchFamily="49" charset="0"/>
-                  <a:cs typeface="Courier New" panose="02070309020205020404" pitchFamily="49" charset="0"/>
-                </a:endParaRPr>
               </a:p>
             </p:txBody>
           </p:sp>
         </mc:Choice>
-        <mc:Fallback>
+        <mc:Fallback xmlns="">
           <p:sp>
             <p:nvSpPr>
               <p:cNvPr id="3" name="内容占位符 2"/>
@@ -12207,7 +12209,7 @@
             </p:nvSpPr>
             <p:spPr>
               <a:blipFill rotWithShape="1">
-                <a:blip r:embed="rId1"/>
+                <a:blip r:embed="rId2"/>
                 <a:stretch>
                   <a:fillRect l="-4" t="-8" r="4" b="8"/>
                 </a:stretch>
@@ -12305,9 +12307,27 @@
                     <a:tableStyleId>{5C22544A-7EE6-4342-B048-85BDC9FD1C3A}</a:tableStyleId>
                   </a:tblPr>
                   <a:tblGrid>
-                    <a:gridCol w="1905000"/>
-                    <a:gridCol w="2133600"/>
-                    <a:gridCol w="2743200"/>
+                    <a:gridCol w="1905000">
+                      <a:extLst>
+                        <a:ext uri="{9D8B030D-6E8A-4147-A177-3AD203B41FA5}">
+                          <a16:colId xmlns:a16="http://schemas.microsoft.com/office/drawing/2014/main" val="20000"/>
+                        </a:ext>
+                      </a:extLst>
+                    </a:gridCol>
+                    <a:gridCol w="2133600">
+                      <a:extLst>
+                        <a:ext uri="{9D8B030D-6E8A-4147-A177-3AD203B41FA5}">
+                          <a16:colId xmlns:a16="http://schemas.microsoft.com/office/drawing/2014/main" val="20001"/>
+                        </a:ext>
+                      </a:extLst>
+                    </a:gridCol>
+                    <a:gridCol w="2743200">
+                      <a:extLst>
+                        <a:ext uri="{9D8B030D-6E8A-4147-A177-3AD203B41FA5}">
+                          <a16:colId xmlns:a16="http://schemas.microsoft.com/office/drawing/2014/main" val="20002"/>
+                        </a:ext>
+                      </a:extLst>
+                    </a:gridCol>
                   </a:tblGrid>
                   <a:tr h="370840">
                     <a:tc>
@@ -12352,6 +12372,11 @@
                       </a:txBody>
                       <a:tcPr/>
                     </a:tc>
+                    <a:extLst>
+                      <a:ext uri="{0D108BD9-81ED-4DB2-BD59-A6C34878D82A}">
+                        <a16:rowId xmlns:a16="http://schemas.microsoft.com/office/drawing/2014/main" val="10000"/>
+                      </a:ext>
+                    </a:extLst>
                   </a:tr>
                   <a:tr h="370840">
                     <a:tc>
@@ -12381,7 +12406,6 @@
                             <a:rPr lang="en-US" altLang="zh-CN" dirty="0"/>
                             <a:t>x2</a:t>
                           </a:r>
-                          <a:endParaRPr lang="en-US" altLang="zh-CN" dirty="0"/>
                         </a:p>
                         <a:p>
                           <a:r>
@@ -12406,21 +12430,18 @@
                             <a:rPr lang="en-US" altLang="zh-CN" dirty="0"/>
                             <a:t>x1+t1</a:t>
                           </a:r>
-                          <a:endParaRPr lang="en-US" altLang="zh-CN" dirty="0"/>
                         </a:p>
                         <a:p>
                           <a:r>
                             <a:rPr lang="en-US" altLang="zh-CN" dirty="0"/>
                             <a:t>t2=t4-t5</a:t>
                           </a:r>
-                          <a:endParaRPr lang="en-US" altLang="zh-CN" dirty="0"/>
                         </a:p>
                         <a:p>
                           <a:r>
                             <a:rPr lang="en-US" altLang="zh-CN" dirty="0"/>
                             <a:t>t3=0</a:t>
                           </a:r>
-                          <a:endParaRPr lang="en-US" altLang="zh-CN" dirty="0"/>
                         </a:p>
                         <a:p>
                           <a:endParaRPr lang="en-US" altLang="zh-CN" dirty="0"/>
@@ -12456,7 +12477,6 @@
                             <a:rPr lang="en-US" altLang="zh-CN" dirty="0"/>
                             <a:t>t4 = h(x1)</a:t>
                           </a:r>
-                          <a:endParaRPr lang="en-US" altLang="zh-CN" dirty="0"/>
                         </a:p>
                         <a:p>
                           <a:pPr marL="0" marR="0" indent="0" algn="l" defTabSz="914400" rtl="0" eaLnBrk="1" fontAlgn="auto" latinLnBrk="0" hangingPunct="1">
@@ -12479,7 +12499,6 @@
                             <a:rPr lang="en-US" altLang="zh-CN" dirty="0"/>
                             <a:t>t5 = h(x2)</a:t>
                           </a:r>
-                          <a:endParaRPr lang="en-US" altLang="zh-CN" dirty="0"/>
                         </a:p>
                         <a:p>
                           <a:pPr marL="0" marR="0" indent="0" algn="l" defTabSz="914400" rtl="0" eaLnBrk="1" fontAlgn="auto" latinLnBrk="0" hangingPunct="1">
@@ -12502,7 +12521,6 @@
                             <a:rPr lang="en-US" altLang="zh-CN" dirty="0"/>
                             <a:t>p(t2)</a:t>
                           </a:r>
-                          <a:endParaRPr lang="en-US" altLang="zh-CN" dirty="0"/>
                         </a:p>
                         <a:p>
                           <a:pPr marL="0" marR="0" indent="0" algn="l" defTabSz="914400" rtl="0" eaLnBrk="1" fontAlgn="auto" latinLnBrk="0" hangingPunct="1">
@@ -12525,7 +12543,6 @@
                             <a:rPr lang="en-US" altLang="zh-CN" dirty="0"/>
                             <a:t>~p(t3)</a:t>
                           </a:r>
-                          <a:endParaRPr lang="en-US" altLang="zh-CN" dirty="0"/>
                         </a:p>
                         <a:p>
                           <a:pPr marL="0" marR="0" indent="0" algn="l" defTabSz="914400" rtl="0" eaLnBrk="1" fontAlgn="auto" latinLnBrk="0" hangingPunct="1">
@@ -12688,7 +12705,6 @@
                             <a:rPr lang="en-US" altLang="zh-CN" dirty="0"/>
                             <a:t>t1 = car(cons(t3, x1))</a:t>
                           </a:r>
-                          <a:endParaRPr lang="en-US" altLang="zh-CN" dirty="0"/>
                         </a:p>
                         <a:p>
                           <a:pPr marL="0" marR="0" indent="0" algn="l" defTabSz="914400" rtl="0" eaLnBrk="1" fontAlgn="auto" latinLnBrk="0" hangingPunct="1">
@@ -12883,6 +12899,11 @@
                       </a:txBody>
                       <a:tcPr/>
                     </a:tc>
+                    <a:extLst>
+                      <a:ext uri="{0D108BD9-81ED-4DB2-BD59-A6C34878D82A}">
+                        <a16:rowId xmlns:a16="http://schemas.microsoft.com/office/drawing/2014/main" val="10001"/>
+                      </a:ext>
+                    </a:extLst>
                   </a:tr>
                 </a:tbl>
               </a:graphicData>
@@ -12968,7 +12989,7 @@
                       </a:txBody>
                       <a:tcPr>
                         <a:blipFill>
-                          <a:blip r:embed="rId1"/>
+                          <a:blip r:embed="rId2"/>
                         </a:blipFill>
                       </a:tcPr>
                     </a:tc>
@@ -14639,7 +14660,6 @@
               <a:rPr kumimoji="1" lang="zh-CN" altLang="en-US" dirty="0"/>
               <a:t> </a:t>
             </a:r>
-            <a:endParaRPr kumimoji="1" lang="zh-CN" altLang="en-US" dirty="0"/>
           </a:p>
         </p:txBody>
       </p:sp>
@@ -14729,8 +14749,8 @@
           </a:p>
         </p:txBody>
       </p:sp>
-      <mc:AlternateContent xmlns:mc="http://schemas.openxmlformats.org/markup-compatibility/2006">
-        <mc:Choice xmlns:a14="http://schemas.microsoft.com/office/drawing/2010/main" Requires="a14">
+      <mc:AlternateContent xmlns:mc="http://schemas.openxmlformats.org/markup-compatibility/2006" xmlns:a14="http://schemas.microsoft.com/office/drawing/2010/main">
+        <mc:Choice Requires="a14">
           <p:sp>
             <p:nvSpPr>
               <p:cNvPr id="3" name="内容占位符 2"/>
@@ -14813,10 +14833,6 @@
                   </a:rPr>
                   <a:t>):</a:t>
                 </a:r>
-                <a:endParaRPr kumimoji="1" lang="en-US" altLang="zh-CN" sz="2000" b="1" dirty="0">
-                  <a:latin typeface="Courier New" panose="02070309020205020404" pitchFamily="49" charset="0"/>
-                  <a:cs typeface="Courier New" panose="02070309020205020404" pitchFamily="49" charset="0"/>
-                </a:endParaRPr>
               </a:p>
               <a:p>
                 <a:pPr marL="0" indent="0">
@@ -15022,13 +15038,6 @@
                   </a:rPr>
                   <a:t> ~P(2) </a:t>
                 </a:r>
-                <a:endParaRPr kumimoji="1" lang="en-US" altLang="zh-CN" sz="2000" b="1" dirty="0">
-                  <a:solidFill>
-                    <a:srgbClr val="0432FF"/>
-                  </a:solidFill>
-                  <a:latin typeface="Courier New" panose="02070309020205020404" pitchFamily="49" charset="0"/>
-                  <a:cs typeface="Courier New" panose="02070309020205020404" pitchFamily="49" charset="0"/>
-                </a:endParaRPr>
               </a:p>
               <a:p>
                 <a:pPr marL="0" indent="0">
@@ -15067,10 +15076,6 @@
                   </a:rPr>
                   <a:t>After purification:</a:t>
                 </a:r>
-                <a:endParaRPr kumimoji="1" lang="en-US" altLang="zh-CN" sz="2000" b="1" dirty="0">
-                  <a:latin typeface="Courier New" panose="02070309020205020404" pitchFamily="49" charset="0"/>
-                  <a:cs typeface="Courier New" panose="02070309020205020404" pitchFamily="49" charset="0"/>
-                </a:endParaRPr>
               </a:p>
               <a:p>
                 <a:pPr marL="0" indent="0">
@@ -15128,10 +15133,6 @@
                   </a:rPr>
                   <a:t>// Neither theory can imply an equality.</a:t>
                 </a:r>
-                <a:endParaRPr kumimoji="1" lang="en-US" altLang="zh-CN" sz="2000" b="1" dirty="0">
-                  <a:latin typeface="Courier New" panose="02070309020205020404" pitchFamily="49" charset="0"/>
-                  <a:cs typeface="Courier New" panose="02070309020205020404" pitchFamily="49" charset="0"/>
-                </a:endParaRPr>
               </a:p>
               <a:p>
                 <a:pPr marL="0" indent="0">
@@ -15144,15 +15145,11 @@
                   </a:rPr>
                   <a:t>// But the proposition is UNSAT!</a:t>
                 </a:r>
-                <a:endParaRPr kumimoji="1" lang="en-US" altLang="zh-CN" sz="2000" b="1" dirty="0">
-                  <a:latin typeface="Courier New" panose="02070309020205020404" pitchFamily="49" charset="0"/>
-                  <a:cs typeface="Courier New" panose="02070309020205020404" pitchFamily="49" charset="0"/>
-                </a:endParaRPr>
               </a:p>
             </p:txBody>
           </p:sp>
         </mc:Choice>
-        <mc:Fallback>
+        <mc:Fallback xmlns="">
           <p:sp>
             <p:nvSpPr>
               <p:cNvPr id="3" name="内容占位符 2"/>
@@ -15165,7 +15162,7 @@
             </p:nvSpPr>
             <p:spPr>
               <a:blipFill rotWithShape="1">
-                <a:blip r:embed="rId1"/>
+                <a:blip r:embed="rId2"/>
                 <a:stretch>
                   <a:fillRect l="-4" t="-8" r="4" b="8"/>
                 </a:stretch>
@@ -15186,15 +15183,21 @@
           </p:sp>
         </mc:Fallback>
       </mc:AlternateContent>
-      <mc:AlternateContent xmlns:mc="http://schemas.openxmlformats.org/markup-compatibility/2006" xmlns:a14="http://schemas.microsoft.com/office/drawing/2010/main">
-        <mc:Choice Requires="a14">
+      <mc:AlternateContent xmlns:mc="http://schemas.openxmlformats.org/markup-compatibility/2006">
+        <mc:Choice xmlns:a14="http://schemas.microsoft.com/office/drawing/2010/main" Requires="a14">
           <p:graphicFrame>
             <p:nvGraphicFramePr>
               <p:cNvPr id="4" name="表格 3"/>
               <p:cNvGraphicFramePr>
                 <a:graphicFrameLocks noGrp="1"/>
               </p:cNvGraphicFramePr>
-              <p:nvPr/>
+              <p:nvPr>
+                <p:extLst>
+                  <p:ext uri="{D42A27DB-BD31-4B8C-83A1-F6EECF244321}">
+                    <p14:modId xmlns:p14="http://schemas.microsoft.com/office/powerpoint/2010/main" val="249492351"/>
+                  </p:ext>
+                </p:extLst>
+              </p:nvPr>
             </p:nvGraphicFramePr>
             <p:xfrm>
               <a:off x="2209800" y="3581400"/>
@@ -15207,8 +15210,20 @@
                     <a:tableStyleId>{5C22544A-7EE6-4342-B048-85BDC9FD1C3A}</a:tableStyleId>
                   </a:tblPr>
                   <a:tblGrid>
-                    <a:gridCol w="1905000"/>
-                    <a:gridCol w="2133600"/>
+                    <a:gridCol w="1905000">
+                      <a:extLst>
+                        <a:ext uri="{9D8B030D-6E8A-4147-A177-3AD203B41FA5}">
+                          <a16:colId xmlns:a16="http://schemas.microsoft.com/office/drawing/2014/main" val="20000"/>
+                        </a:ext>
+                      </a:extLst>
+                    </a:gridCol>
+                    <a:gridCol w="2133600">
+                      <a:extLst>
+                        <a:ext uri="{9D8B030D-6E8A-4147-A177-3AD203B41FA5}">
+                          <a16:colId xmlns:a16="http://schemas.microsoft.com/office/drawing/2014/main" val="20001"/>
+                        </a:ext>
+                      </a:extLst>
+                    </a:gridCol>
                   </a:tblGrid>
                   <a:tr h="233494">
                     <a:tc>
@@ -15217,10 +15232,18 @@
                         <a:lstStyle/>
                         <a:p>
                           <a:r>
-                            <a:rPr lang="en-US" altLang="zh-CN" dirty="0"/>
+                            <a:rPr lang="en-US" altLang="zh-CN" dirty="0">
+                              <a:solidFill>
+                                <a:schemeClr val="tx1"/>
+                              </a:solidFill>
+                            </a:rPr>
                             <a:t>LA</a:t>
                           </a:r>
-                          <a:endParaRPr lang="zh-CN" altLang="en-US" dirty="0"/>
+                          <a:endParaRPr lang="zh-CN" altLang="en-US" dirty="0">
+                            <a:solidFill>
+                              <a:schemeClr val="tx1"/>
+                            </a:solidFill>
+                          </a:endParaRPr>
                         </a:p>
                       </a:txBody>
                       <a:tcPr/>
@@ -15231,14 +15254,27 @@
                         <a:lstStyle/>
                         <a:p>
                           <a:r>
-                            <a:rPr lang="en-US" altLang="zh-CN" dirty="0"/>
+                            <a:rPr lang="en-US" altLang="zh-CN" dirty="0">
+                              <a:solidFill>
+                                <a:schemeClr val="tx1"/>
+                              </a:solidFill>
+                            </a:rPr>
                             <a:t>EUF</a:t>
                           </a:r>
-                          <a:endParaRPr lang="zh-CN" altLang="en-US" dirty="0"/>
+                          <a:endParaRPr lang="zh-CN" altLang="en-US" dirty="0">
+                            <a:solidFill>
+                              <a:schemeClr val="tx1"/>
+                            </a:solidFill>
+                          </a:endParaRPr>
                         </a:p>
                       </a:txBody>
                       <a:tcPr/>
                     </a:tc>
+                    <a:extLst>
+                      <a:ext uri="{0D108BD9-81ED-4DB2-BD59-A6C34878D82A}">
+                        <a16:rowId xmlns:a16="http://schemas.microsoft.com/office/drawing/2014/main" val="10000"/>
+                      </a:ext>
+                    </a:extLst>
                   </a:tr>
                   <a:tr h="1290506">
                     <a:tc>
@@ -15268,7 +15304,6 @@
                             <a:rPr lang="en-US" altLang="zh-CN" dirty="0"/>
                             <a:t>1</a:t>
                           </a:r>
-                          <a:endParaRPr lang="en-US" altLang="zh-CN" dirty="0"/>
                         </a:p>
                         <a:p>
                           <a:r>
@@ -15293,7 +15328,6 @@
                             <a:rPr lang="en-US" altLang="zh-CN" dirty="0"/>
                             <a:t>2</a:t>
                           </a:r>
-                          <a:endParaRPr lang="en-US" altLang="zh-CN" dirty="0"/>
                         </a:p>
                         <a:p>
                           <a:endParaRPr lang="zh-CN" altLang="en-US" dirty="0"/>
@@ -15326,7 +15360,6 @@
                             <a:rPr lang="en-US" altLang="zh-CN" dirty="0"/>
                             <a:t>P(x)</a:t>
                           </a:r>
-                          <a:endParaRPr lang="en-US" altLang="zh-CN" dirty="0"/>
                         </a:p>
                         <a:p>
                           <a:pPr marL="0" marR="0" indent="0" algn="l" defTabSz="914400" rtl="0" eaLnBrk="1" fontAlgn="auto" latinLnBrk="0" hangingPunct="1">
@@ -15349,7 +15382,6 @@
                             <a:rPr lang="en-US" altLang="zh-CN" dirty="0"/>
                             <a:t>~P(1)</a:t>
                           </a:r>
-                          <a:endParaRPr lang="en-US" altLang="zh-CN" dirty="0"/>
                         </a:p>
                         <a:p>
                           <a:pPr marL="0" marR="0" indent="0" algn="l" defTabSz="914400" rtl="0" eaLnBrk="1" fontAlgn="auto" latinLnBrk="0" hangingPunct="1">
@@ -15372,25 +15404,35 @@
                             <a:rPr lang="en-US" altLang="zh-CN" dirty="0"/>
                             <a:t>~P(2)</a:t>
                           </a:r>
-                          <a:endParaRPr lang="en-US" altLang="zh-CN" dirty="0"/>
                         </a:p>
                       </a:txBody>
                       <a:tcPr/>
                     </a:tc>
+                    <a:extLst>
+                      <a:ext uri="{0D108BD9-81ED-4DB2-BD59-A6C34878D82A}">
+                        <a16:rowId xmlns:a16="http://schemas.microsoft.com/office/drawing/2014/main" val="10001"/>
+                      </a:ext>
+                    </a:extLst>
                   </a:tr>
                 </a:tbl>
               </a:graphicData>
             </a:graphic>
           </p:graphicFrame>
         </mc:Choice>
-        <mc:Fallback xmlns="">
+        <mc:Fallback>
           <p:graphicFrame>
             <p:nvGraphicFramePr>
               <p:cNvPr id="4" name="表格 3"/>
               <p:cNvGraphicFramePr>
                 <a:graphicFrameLocks noGrp="1"/>
               </p:cNvGraphicFramePr>
-              <p:nvPr/>
+              <p:nvPr>
+                <p:extLst>
+                  <p:ext uri="{D42A27DB-BD31-4B8C-83A1-F6EECF244321}">
+                    <p14:modId xmlns:p14="http://schemas.microsoft.com/office/powerpoint/2010/main" val="249492351"/>
+                  </p:ext>
+                </p:extLst>
+              </p:nvPr>
             </p:nvGraphicFramePr>
             <p:xfrm>
               <a:off x="2209800" y="3581400"/>
@@ -15403,20 +15445,40 @@
                     <a:tableStyleId>{5C22544A-7EE6-4342-B048-85BDC9FD1C3A}</a:tableStyleId>
                   </a:tblPr>
                   <a:tblGrid>
-                    <a:gridCol w="1905000"/>
-                    <a:gridCol w="2133600"/>
+                    <a:gridCol w="1905000">
+                      <a:extLst>
+                        <a:ext uri="{9D8B030D-6E8A-4147-A177-3AD203B41FA5}">
+                          <a16:colId xmlns:a16="http://schemas.microsoft.com/office/drawing/2014/main" val="20000"/>
+                        </a:ext>
+                      </a:extLst>
+                    </a:gridCol>
+                    <a:gridCol w="2133600">
+                      <a:extLst>
+                        <a:ext uri="{9D8B030D-6E8A-4147-A177-3AD203B41FA5}">
+                          <a16:colId xmlns:a16="http://schemas.microsoft.com/office/drawing/2014/main" val="20001"/>
+                        </a:ext>
+                      </a:extLst>
+                    </a:gridCol>
                   </a:tblGrid>
-                  <a:tr h="233494">
+                  <a:tr h="365760">
                     <a:tc>
                       <a:txBody>
                         <a:bodyPr/>
                         <a:lstStyle/>
                         <a:p>
                           <a:r>
-                            <a:rPr lang="en-US" altLang="zh-CN" dirty="0"/>
+                            <a:rPr lang="en-US" altLang="zh-CN" dirty="0">
+                              <a:solidFill>
+                                <a:schemeClr val="tx1"/>
+                              </a:solidFill>
+                            </a:rPr>
                             <a:t>LA</a:t>
                           </a:r>
-                          <a:endParaRPr lang="zh-CN" altLang="en-US" dirty="0"/>
+                          <a:endParaRPr lang="zh-CN" altLang="en-US" dirty="0">
+                            <a:solidFill>
+                              <a:schemeClr val="tx1"/>
+                            </a:solidFill>
+                          </a:endParaRPr>
                         </a:p>
                       </a:txBody>
                       <a:tcPr/>
@@ -15427,16 +15489,29 @@
                         <a:lstStyle/>
                         <a:p>
                           <a:r>
-                            <a:rPr lang="en-US" altLang="zh-CN" dirty="0"/>
+                            <a:rPr lang="en-US" altLang="zh-CN" dirty="0">
+                              <a:solidFill>
+                                <a:schemeClr val="tx1"/>
+                              </a:solidFill>
+                            </a:rPr>
                             <a:t>EUF</a:t>
                           </a:r>
-                          <a:endParaRPr lang="zh-CN" altLang="en-US" dirty="0"/>
+                          <a:endParaRPr lang="zh-CN" altLang="en-US" dirty="0">
+                            <a:solidFill>
+                              <a:schemeClr val="tx1"/>
+                            </a:solidFill>
+                          </a:endParaRPr>
                         </a:p>
                       </a:txBody>
                       <a:tcPr/>
                     </a:tc>
+                    <a:extLst>
+                      <a:ext uri="{0D108BD9-81ED-4DB2-BD59-A6C34878D82A}">
+                        <a16:rowId xmlns:a16="http://schemas.microsoft.com/office/drawing/2014/main" val="10000"/>
+                      </a:ext>
+                    </a:extLst>
                   </a:tr>
-                  <a:tr h="1290320">
+                  <a:tr h="1290506">
                     <a:tc>
                       <a:txBody>
                         <a:bodyPr/>
@@ -15447,7 +15522,10 @@
                       </a:txBody>
                       <a:tcPr>
                         <a:blipFill>
-                          <a:blip r:embed="rId2"/>
+                          <a:blip r:embed="rId3"/>
+                          <a:stretch>
+                            <a:fillRect l="-667" t="-31373" r="-114000" b="-980"/>
+                          </a:stretch>
                         </a:blipFill>
                       </a:tcPr>
                     </a:tc>
@@ -15476,7 +15554,6 @@
                             <a:rPr lang="en-US" altLang="zh-CN" dirty="0"/>
                             <a:t>P(x)</a:t>
                           </a:r>
-                          <a:endParaRPr lang="en-US" altLang="zh-CN" dirty="0"/>
                         </a:p>
                         <a:p>
                           <a:pPr marL="0" marR="0" indent="0" algn="l" defTabSz="914400" rtl="0" eaLnBrk="1" fontAlgn="auto" latinLnBrk="0" hangingPunct="1">
@@ -15499,7 +15576,6 @@
                             <a:rPr lang="en-US" altLang="zh-CN" dirty="0"/>
                             <a:t>~P(1)</a:t>
                           </a:r>
-                          <a:endParaRPr lang="en-US" altLang="zh-CN" dirty="0"/>
                         </a:p>
                         <a:p>
                           <a:pPr marL="0" marR="0" indent="0" algn="l" defTabSz="914400" rtl="0" eaLnBrk="1" fontAlgn="auto" latinLnBrk="0" hangingPunct="1">
@@ -15522,11 +15598,15 @@
                             <a:rPr lang="en-US" altLang="zh-CN" dirty="0"/>
                             <a:t>~P(2)</a:t>
                           </a:r>
-                          <a:endParaRPr lang="en-US" altLang="zh-CN" dirty="0"/>
                         </a:p>
                       </a:txBody>
                       <a:tcPr/>
                     </a:tc>
+                    <a:extLst>
+                      <a:ext uri="{0D108BD9-81ED-4DB2-BD59-A6C34878D82A}">
+                        <a16:rowId xmlns:a16="http://schemas.microsoft.com/office/drawing/2014/main" val="10001"/>
+                      </a:ext>
+                    </a:extLst>
                   </a:tr>
                 </a:tbl>
               </a:graphicData>
@@ -15582,8 +15662,8 @@
           </a:p>
         </p:txBody>
       </p:sp>
-      <mc:AlternateContent xmlns:mc="http://schemas.openxmlformats.org/markup-compatibility/2006">
-        <mc:Choice xmlns:a14="http://schemas.microsoft.com/office/drawing/2010/main" Requires="a14">
+      <mc:AlternateContent xmlns:mc="http://schemas.openxmlformats.org/markup-compatibility/2006" xmlns:a14="http://schemas.microsoft.com/office/drawing/2010/main">
+        <mc:Choice Requires="a14">
           <p:sp>
             <p:nvSpPr>
               <p:cNvPr id="3" name="内容占位符 2"/>
@@ -15603,7 +15683,6 @@
                   <a:rPr kumimoji="1" lang="en-US" altLang="zh-CN" dirty="0"/>
                   <a:t>First-order logic:</a:t>
                 </a:r>
-                <a:endParaRPr kumimoji="1" lang="en-US" altLang="zh-CN" dirty="0"/>
               </a:p>
               <a:p>
                 <a:pPr lvl="1"/>
@@ -15611,14 +15690,12 @@
                   <a:rPr kumimoji="1" lang="en-US" altLang="zh-CN" dirty="0"/>
                   <a:t>Syntax, axioms and inference rules</a:t>
                 </a:r>
-                <a:endParaRPr kumimoji="1" lang="en-US" altLang="zh-CN" dirty="0"/>
               </a:p>
               <a:p>
                 <a:r>
                   <a:rPr kumimoji="1" lang="en-US" altLang="zh-CN" dirty="0"/>
                   <a:t>Theories:</a:t>
                 </a:r>
-                <a:endParaRPr kumimoji="1" lang="en-US" altLang="zh-CN" dirty="0"/>
               </a:p>
               <a:p>
                 <a:pPr lvl="1"/>
@@ -15626,7 +15703,6 @@
                   <a:rPr kumimoji="1" lang="en-US" altLang="zh-CN" dirty="0"/>
                   <a:t>Additional syntactic forms</a:t>
                 </a:r>
-                <a:endParaRPr kumimoji="1" lang="en-US" altLang="zh-CN" dirty="0"/>
               </a:p>
               <a:p>
                 <a:pPr lvl="1"/>
@@ -15634,7 +15710,6 @@
                   <a:rPr kumimoji="1" lang="en-US" altLang="zh-CN" dirty="0"/>
                   <a:t>Additional inference rules</a:t>
                 </a:r>
-                <a:endParaRPr kumimoji="1" lang="en-US" altLang="zh-CN" dirty="0"/>
               </a:p>
               <a:p>
                 <a:pPr lvl="1"/>
@@ -15682,7 +15757,7 @@
             </p:txBody>
           </p:sp>
         </mc:Choice>
-        <mc:Fallback>
+        <mc:Fallback xmlns="">
           <p:sp>
             <p:nvSpPr>
               <p:cNvPr id="3" name="内容占位符 2"/>
@@ -15695,7 +15770,7 @@
             </p:nvSpPr>
             <p:spPr>
               <a:blipFill rotWithShape="1">
-                <a:blip r:embed="rId1"/>
+                <a:blip r:embed="rId2"/>
                 <a:stretch>
                   <a:fillRect l="-4" t="-8" r="4" b="8"/>
                 </a:stretch>
@@ -15764,8 +15839,8 @@
           </a:p>
         </p:txBody>
       </p:sp>
-      <mc:AlternateContent xmlns:mc="http://schemas.openxmlformats.org/markup-compatibility/2006">
-        <mc:Choice xmlns:a14="http://schemas.microsoft.com/office/drawing/2010/main" Requires="a14">
+      <mc:AlternateContent xmlns:mc="http://schemas.openxmlformats.org/markup-compatibility/2006" xmlns:a14="http://schemas.microsoft.com/office/drawing/2010/main">
+        <mc:Choice Requires="a14">
           <p:sp>
             <p:nvSpPr>
               <p:cNvPr id="3" name="内容占位符 2"/>
@@ -15831,7 +15906,6 @@
                   <a:rPr kumimoji="1" lang="en-US" altLang="zh-CN" dirty="0"/>
                   <a:t>, it holds that:</a:t>
                 </a:r>
-                <a:endParaRPr kumimoji="1" lang="en-US" altLang="zh-CN" dirty="0"/>
               </a:p>
               <a:p>
                 <a:pPr marL="0" indent="0" algn="ctr">
@@ -15901,16 +15975,7 @@
                             </a:solidFill>
                             <a:latin typeface="Cambria Math" panose="02040503050406030204" pitchFamily="18" charset="0"/>
                           </a:rPr>
-                          <m:t>=</m:t>
-                        </m:r>
-                        <m:r>
-                          <a:rPr kumimoji="1" lang="en-US" altLang="zh-CN" i="1">
-                            <a:solidFill>
-                              <a:srgbClr val="0432FF"/>
-                            </a:solidFill>
-                            <a:latin typeface="Cambria Math" panose="02040503050406030204" pitchFamily="18" charset="0"/>
-                          </a:rPr>
-                          <m:t>1</m:t>
+                          <m:t>=1</m:t>
                         </m:r>
                       </m:sub>
                       <m:sup>
@@ -16153,9 +16218,6 @@
                   </a:rPr>
                   <a:t> </a:t>
                 </a:r>
-                <a:endParaRPr kumimoji="1" lang="en-US" altLang="zh-CN" dirty="0">
-                  <a:sym typeface="Wingdings" panose="05000000000000000000" pitchFamily="2" charset="2"/>
-                </a:endParaRPr>
               </a:p>
               <a:p>
                 <a:pPr marL="0" indent="0" algn="ctr">
@@ -16228,7 +16290,6 @@
                   <a:rPr kumimoji="1" lang="en-US" altLang="zh-CN" dirty="0"/>
                   <a:t> must imply one of them</a:t>
                 </a:r>
-                <a:endParaRPr kumimoji="1" lang="en-US" altLang="zh-CN" dirty="0"/>
               </a:p>
               <a:p>
                 <a:r>
@@ -16265,12 +16326,11 @@
                   <a:rPr kumimoji="1" lang="en-US" altLang="zh-CN" dirty="0"/>
                   <a:t>, if the above condition does not hold</a:t>
                 </a:r>
-                <a:endParaRPr kumimoji="1" lang="en-US" altLang="zh-CN" dirty="0"/>
               </a:p>
             </p:txBody>
           </p:sp>
         </mc:Choice>
-        <mc:Fallback>
+        <mc:Fallback xmlns="">
           <p:sp>
             <p:nvSpPr>
               <p:cNvPr id="3" name="内容占位符 2"/>
@@ -16283,7 +16343,7 @@
             </p:nvSpPr>
             <p:spPr>
               <a:blipFill rotWithShape="1">
-                <a:blip r:embed="rId1"/>
+                <a:blip r:embed="rId2"/>
                 <a:stretch>
                   <a:fillRect l="-4" t="-8" r="4" b="-5826"/>
                 </a:stretch>
@@ -16391,12 +16451,25 @@
                     <a:latin typeface="Courier New" panose="02070309020205020404" pitchFamily="49" charset="0"/>
                     <a:cs typeface="Courier New" panose="02070309020205020404" pitchFamily="49" charset="0"/>
                   </a:rPr>
-                  <a:t>The initial proposition (suppose x</a:t>
+                  <a:t>The initial proposition (suppose </a:t>
+                </a:r>
+                <a:r>
+                  <a:rPr kumimoji="1" lang="en-US" altLang="zh-CN" sz="2000" b="1" dirty="0">
+                    <a:solidFill>
+                      <a:srgbClr val="0432FF"/>
+                    </a:solidFill>
+                    <a:latin typeface="Courier New" panose="02070309020205020404" pitchFamily="49" charset="0"/>
+                    <a:cs typeface="Courier New" panose="02070309020205020404" pitchFamily="49" charset="0"/>
+                  </a:rPr>
+                  <a:t>x</a:t>
                 </a:r>
                 <a14:m>
                   <m:oMath xmlns:m="http://schemas.openxmlformats.org/officeDocument/2006/math">
                     <m:r>
                       <a:rPr kumimoji="1" lang="en-US" altLang="zh-CN" sz="2000" b="1" i="1" smtClean="0">
+                        <a:solidFill>
+                          <a:srgbClr val="0432FF"/>
+                        </a:solidFill>
                         <a:latin typeface="Cambria Math" panose="02040503050406030204" pitchFamily="18" charset="0"/>
                         <a:ea typeface="Cambria Math" panose="02040503050406030204" pitchFamily="18" charset="0"/>
                         <a:cs typeface="Courier New" panose="02070309020205020404" pitchFamily="49" charset="0"/>
@@ -16405,6 +16478,9 @@
                     </m:r>
                     <m:r>
                       <a:rPr kumimoji="1" lang="en-US" altLang="zh-CN" sz="2000" b="1" i="1" smtClean="0">
+                        <a:solidFill>
+                          <a:srgbClr val="0432FF"/>
+                        </a:solidFill>
                         <a:latin typeface="Cambria Math" panose="02040503050406030204" pitchFamily="18" charset="0"/>
                         <a:ea typeface="Cambria Math" panose="02040503050406030204" pitchFamily="18" charset="0"/>
                         <a:cs typeface="Courier New" panose="02070309020205020404" pitchFamily="49" charset="0"/>
@@ -16420,10 +16496,6 @@
                   </a:rPr>
                   <a:t>):</a:t>
                 </a:r>
-                <a:endParaRPr kumimoji="1" lang="en-US" altLang="zh-CN" sz="2000" b="1" dirty="0">
-                  <a:latin typeface="Courier New" panose="02070309020205020404" pitchFamily="49" charset="0"/>
-                  <a:cs typeface="Courier New" panose="02070309020205020404" pitchFamily="49" charset="0"/>
-                </a:endParaRPr>
               </a:p>
               <a:p>
                 <a:pPr marL="0" indent="0">
@@ -16629,13 +16701,6 @@
                   </a:rPr>
                   <a:t> ~P(2) </a:t>
                 </a:r>
-                <a:endParaRPr kumimoji="1" lang="en-US" altLang="zh-CN" sz="2000" b="1" dirty="0">
-                  <a:solidFill>
-                    <a:srgbClr val="0432FF"/>
-                  </a:solidFill>
-                  <a:latin typeface="Courier New" panose="02070309020205020404" pitchFamily="49" charset="0"/>
-                  <a:cs typeface="Courier New" panose="02070309020205020404" pitchFamily="49" charset="0"/>
-                </a:endParaRPr>
               </a:p>
               <a:p>
                 <a:pPr marL="0" indent="0">
@@ -16674,10 +16739,6 @@
                   </a:rPr>
                   <a:t>After purification:</a:t>
                 </a:r>
-                <a:endParaRPr kumimoji="1" lang="en-US" altLang="zh-CN" sz="2000" b="1" dirty="0">
-                  <a:latin typeface="Courier New" panose="02070309020205020404" pitchFamily="49" charset="0"/>
-                  <a:cs typeface="Courier New" panose="02070309020205020404" pitchFamily="49" charset="0"/>
-                </a:endParaRPr>
               </a:p>
               <a:p>
                 <a:pPr marL="0" indent="0">
@@ -16916,10 +16977,6 @@
                   </a:rPr>
                   <a:t> (just one).</a:t>
                 </a:r>
-                <a:endParaRPr kumimoji="1" lang="en-US" altLang="zh-CN" sz="2000" b="1" dirty="0">
-                  <a:latin typeface="Courier New" panose="02070309020205020404" pitchFamily="49" charset="0"/>
-                  <a:cs typeface="Courier New" panose="02070309020205020404" pitchFamily="49" charset="0"/>
-                </a:endParaRPr>
               </a:p>
               <a:p>
                 <a:pPr marL="0" indent="0">
@@ -16932,10 +16989,6 @@
                   </a:rPr>
                   <a:t>So we cannot broadcast either equality.</a:t>
                 </a:r>
-                <a:endParaRPr kumimoji="1" lang="en-US" altLang="zh-CN" sz="2000" b="1" dirty="0">
-                  <a:latin typeface="Courier New" panose="02070309020205020404" pitchFamily="49" charset="0"/>
-                  <a:cs typeface="Courier New" panose="02070309020205020404" pitchFamily="49" charset="0"/>
-                </a:endParaRPr>
               </a:p>
             </p:txBody>
           </p:sp>
@@ -16945,17 +16998,17 @@
             <p:nvSpPr>
               <p:cNvPr id="3" name="内容占位符 2"/>
               <p:cNvSpPr>
-                <a:spLocks noRot="1" noChangeAspect="1" noMove="1" noResize="1" noEditPoints="1" noAdjustHandles="1" noChangeArrowheads="1" noChangeShapeType="1" noTextEdit="1"/>
+                <a:spLocks noGrp="1" noRot="1" noChangeAspect="1" noMove="1" noResize="1" noEditPoints="1" noAdjustHandles="1" noChangeArrowheads="1" noChangeShapeType="1" noTextEdit="1"/>
               </p:cNvSpPr>
               <p:nvPr>
                 <p:ph idx="1"/>
               </p:nvPr>
             </p:nvSpPr>
             <p:spPr>
-              <a:blipFill rotWithShape="1">
-                <a:blip r:embed="rId1"/>
+              <a:blipFill>
+                <a:blip r:embed="rId2"/>
                 <a:stretch>
-                  <a:fillRect l="-4" t="-8" r="4" b="-4807"/>
+                  <a:fillRect l="-816" t="-615" b="-8615"/>
                 </a:stretch>
               </a:blipFill>
             </p:spPr>
@@ -16974,15 +17027,21 @@
           </p:sp>
         </mc:Fallback>
       </mc:AlternateContent>
-      <mc:AlternateContent xmlns:mc="http://schemas.openxmlformats.org/markup-compatibility/2006" xmlns:a14="http://schemas.microsoft.com/office/drawing/2010/main">
-        <mc:Choice Requires="a14">
+      <mc:AlternateContent xmlns:mc="http://schemas.openxmlformats.org/markup-compatibility/2006">
+        <mc:Choice xmlns:a14="http://schemas.microsoft.com/office/drawing/2010/main" Requires="a14">
           <p:graphicFrame>
             <p:nvGraphicFramePr>
               <p:cNvPr id="4" name="表格 3"/>
               <p:cNvGraphicFramePr>
                 <a:graphicFrameLocks noGrp="1"/>
               </p:cNvGraphicFramePr>
-              <p:nvPr/>
+              <p:nvPr>
+                <p:extLst>
+                  <p:ext uri="{D42A27DB-BD31-4B8C-83A1-F6EECF244321}">
+                    <p14:modId xmlns:p14="http://schemas.microsoft.com/office/powerpoint/2010/main" val="1662354572"/>
+                  </p:ext>
+                </p:extLst>
+              </p:nvPr>
             </p:nvGraphicFramePr>
             <p:xfrm>
               <a:off x="2209800" y="3581400"/>
@@ -16995,8 +17054,20 @@
                     <a:tableStyleId>{5C22544A-7EE6-4342-B048-85BDC9FD1C3A}</a:tableStyleId>
                   </a:tblPr>
                   <a:tblGrid>
-                    <a:gridCol w="1905000"/>
-                    <a:gridCol w="2133600"/>
+                    <a:gridCol w="1905000">
+                      <a:extLst>
+                        <a:ext uri="{9D8B030D-6E8A-4147-A177-3AD203B41FA5}">
+                          <a16:colId xmlns:a16="http://schemas.microsoft.com/office/drawing/2014/main" val="20000"/>
+                        </a:ext>
+                      </a:extLst>
+                    </a:gridCol>
+                    <a:gridCol w="2133600">
+                      <a:extLst>
+                        <a:ext uri="{9D8B030D-6E8A-4147-A177-3AD203B41FA5}">
+                          <a16:colId xmlns:a16="http://schemas.microsoft.com/office/drawing/2014/main" val="20001"/>
+                        </a:ext>
+                      </a:extLst>
+                    </a:gridCol>
                   </a:tblGrid>
                   <a:tr h="233494">
                     <a:tc>
@@ -17005,10 +17076,18 @@
                         <a:lstStyle/>
                         <a:p>
                           <a:r>
-                            <a:rPr lang="en-US" altLang="zh-CN" dirty="0"/>
+                            <a:rPr lang="en-US" altLang="zh-CN" dirty="0">
+                              <a:solidFill>
+                                <a:schemeClr val="tx1"/>
+                              </a:solidFill>
+                            </a:rPr>
                             <a:t>LA</a:t>
                           </a:r>
-                          <a:endParaRPr lang="zh-CN" altLang="en-US" dirty="0"/>
+                          <a:endParaRPr lang="zh-CN" altLang="en-US" dirty="0">
+                            <a:solidFill>
+                              <a:schemeClr val="tx1"/>
+                            </a:solidFill>
+                          </a:endParaRPr>
                         </a:p>
                       </a:txBody>
                       <a:tcPr/>
@@ -17019,14 +17098,27 @@
                         <a:lstStyle/>
                         <a:p>
                           <a:r>
-                            <a:rPr lang="en-US" altLang="zh-CN" dirty="0"/>
+                            <a:rPr lang="en-US" altLang="zh-CN" dirty="0">
+                              <a:solidFill>
+                                <a:schemeClr val="tx1"/>
+                              </a:solidFill>
+                            </a:rPr>
                             <a:t>EUF</a:t>
                           </a:r>
-                          <a:endParaRPr lang="zh-CN" altLang="en-US" dirty="0"/>
+                          <a:endParaRPr lang="zh-CN" altLang="en-US" dirty="0">
+                            <a:solidFill>
+                              <a:schemeClr val="tx1"/>
+                            </a:solidFill>
+                          </a:endParaRPr>
                         </a:p>
                       </a:txBody>
                       <a:tcPr/>
                     </a:tc>
+                    <a:extLst>
+                      <a:ext uri="{0D108BD9-81ED-4DB2-BD59-A6C34878D82A}">
+                        <a16:rowId xmlns:a16="http://schemas.microsoft.com/office/drawing/2014/main" val="10000"/>
+                      </a:ext>
+                    </a:extLst>
                   </a:tr>
                   <a:tr h="1290506">
                     <a:tc>
@@ -17056,7 +17148,6 @@
                             <a:rPr lang="en-US" altLang="zh-CN" dirty="0"/>
                             <a:t>1</a:t>
                           </a:r>
-                          <a:endParaRPr lang="en-US" altLang="zh-CN" dirty="0"/>
                         </a:p>
                         <a:p>
                           <a:r>
@@ -17081,7 +17172,6 @@
                             <a:rPr lang="en-US" altLang="zh-CN" dirty="0"/>
                             <a:t>2</a:t>
                           </a:r>
-                          <a:endParaRPr lang="en-US" altLang="zh-CN" dirty="0"/>
                         </a:p>
                         <a:p>
                           <a:endParaRPr lang="zh-CN" altLang="en-US" dirty="0"/>
@@ -17114,7 +17204,6 @@
                             <a:rPr lang="en-US" altLang="zh-CN" dirty="0"/>
                             <a:t>P(x)</a:t>
                           </a:r>
-                          <a:endParaRPr lang="en-US" altLang="zh-CN" dirty="0"/>
                         </a:p>
                         <a:p>
                           <a:pPr marL="0" marR="0" indent="0" algn="l" defTabSz="914400" rtl="0" eaLnBrk="1" fontAlgn="auto" latinLnBrk="0" hangingPunct="1">
@@ -17137,7 +17226,6 @@
                             <a:rPr lang="en-US" altLang="zh-CN" dirty="0"/>
                             <a:t>~P(1)</a:t>
                           </a:r>
-                          <a:endParaRPr lang="en-US" altLang="zh-CN" dirty="0"/>
                         </a:p>
                         <a:p>
                           <a:pPr marL="0" marR="0" indent="0" algn="l" defTabSz="914400" rtl="0" eaLnBrk="1" fontAlgn="auto" latinLnBrk="0" hangingPunct="1">
@@ -17160,25 +17248,35 @@
                             <a:rPr lang="en-US" altLang="zh-CN" dirty="0"/>
                             <a:t>~P(2)</a:t>
                           </a:r>
-                          <a:endParaRPr lang="en-US" altLang="zh-CN" dirty="0"/>
                         </a:p>
                       </a:txBody>
                       <a:tcPr/>
                     </a:tc>
+                    <a:extLst>
+                      <a:ext uri="{0D108BD9-81ED-4DB2-BD59-A6C34878D82A}">
+                        <a16:rowId xmlns:a16="http://schemas.microsoft.com/office/drawing/2014/main" val="10001"/>
+                      </a:ext>
+                    </a:extLst>
                   </a:tr>
                 </a:tbl>
               </a:graphicData>
             </a:graphic>
           </p:graphicFrame>
         </mc:Choice>
-        <mc:Fallback xmlns="">
+        <mc:Fallback>
           <p:graphicFrame>
             <p:nvGraphicFramePr>
               <p:cNvPr id="4" name="表格 3"/>
               <p:cNvGraphicFramePr>
                 <a:graphicFrameLocks noGrp="1"/>
               </p:cNvGraphicFramePr>
-              <p:nvPr/>
+              <p:nvPr>
+                <p:extLst>
+                  <p:ext uri="{D42A27DB-BD31-4B8C-83A1-F6EECF244321}">
+                    <p14:modId xmlns:p14="http://schemas.microsoft.com/office/powerpoint/2010/main" val="1662354572"/>
+                  </p:ext>
+                </p:extLst>
+              </p:nvPr>
             </p:nvGraphicFramePr>
             <p:xfrm>
               <a:off x="2209800" y="3581400"/>
@@ -17191,20 +17289,40 @@
                     <a:tableStyleId>{5C22544A-7EE6-4342-B048-85BDC9FD1C3A}</a:tableStyleId>
                   </a:tblPr>
                   <a:tblGrid>
-                    <a:gridCol w="1905000"/>
-                    <a:gridCol w="2133600"/>
+                    <a:gridCol w="1905000">
+                      <a:extLst>
+                        <a:ext uri="{9D8B030D-6E8A-4147-A177-3AD203B41FA5}">
+                          <a16:colId xmlns:a16="http://schemas.microsoft.com/office/drawing/2014/main" val="20000"/>
+                        </a:ext>
+                      </a:extLst>
+                    </a:gridCol>
+                    <a:gridCol w="2133600">
+                      <a:extLst>
+                        <a:ext uri="{9D8B030D-6E8A-4147-A177-3AD203B41FA5}">
+                          <a16:colId xmlns:a16="http://schemas.microsoft.com/office/drawing/2014/main" val="20001"/>
+                        </a:ext>
+                      </a:extLst>
+                    </a:gridCol>
                   </a:tblGrid>
-                  <a:tr h="233494">
+                  <a:tr h="365760">
                     <a:tc>
                       <a:txBody>
                         <a:bodyPr/>
                         <a:lstStyle/>
                         <a:p>
                           <a:r>
-                            <a:rPr lang="en-US" altLang="zh-CN" dirty="0"/>
+                            <a:rPr lang="en-US" altLang="zh-CN" dirty="0">
+                              <a:solidFill>
+                                <a:schemeClr val="tx1"/>
+                              </a:solidFill>
+                            </a:rPr>
                             <a:t>LA</a:t>
                           </a:r>
-                          <a:endParaRPr lang="zh-CN" altLang="en-US" dirty="0"/>
+                          <a:endParaRPr lang="zh-CN" altLang="en-US" dirty="0">
+                            <a:solidFill>
+                              <a:schemeClr val="tx1"/>
+                            </a:solidFill>
+                          </a:endParaRPr>
                         </a:p>
                       </a:txBody>
                       <a:tcPr/>
@@ -17215,16 +17333,29 @@
                         <a:lstStyle/>
                         <a:p>
                           <a:r>
-                            <a:rPr lang="en-US" altLang="zh-CN" dirty="0"/>
+                            <a:rPr lang="en-US" altLang="zh-CN" dirty="0">
+                              <a:solidFill>
+                                <a:schemeClr val="tx1"/>
+                              </a:solidFill>
+                            </a:rPr>
                             <a:t>EUF</a:t>
                           </a:r>
-                          <a:endParaRPr lang="zh-CN" altLang="en-US" dirty="0"/>
+                          <a:endParaRPr lang="zh-CN" altLang="en-US" dirty="0">
+                            <a:solidFill>
+                              <a:schemeClr val="tx1"/>
+                            </a:solidFill>
+                          </a:endParaRPr>
                         </a:p>
                       </a:txBody>
                       <a:tcPr/>
                     </a:tc>
+                    <a:extLst>
+                      <a:ext uri="{0D108BD9-81ED-4DB2-BD59-A6C34878D82A}">
+                        <a16:rowId xmlns:a16="http://schemas.microsoft.com/office/drawing/2014/main" val="10000"/>
+                      </a:ext>
+                    </a:extLst>
                   </a:tr>
-                  <a:tr h="1290320">
+                  <a:tr h="1290506">
                     <a:tc>
                       <a:txBody>
                         <a:bodyPr/>
@@ -17235,7 +17366,10 @@
                       </a:txBody>
                       <a:tcPr>
                         <a:blipFill>
-                          <a:blip r:embed="rId2"/>
+                          <a:blip r:embed="rId3"/>
+                          <a:stretch>
+                            <a:fillRect l="-667" t="-31373" r="-114000" b="-980"/>
+                          </a:stretch>
                         </a:blipFill>
                       </a:tcPr>
                     </a:tc>
@@ -17264,7 +17398,6 @@
                             <a:rPr lang="en-US" altLang="zh-CN" dirty="0"/>
                             <a:t>P(x)</a:t>
                           </a:r>
-                          <a:endParaRPr lang="en-US" altLang="zh-CN" dirty="0"/>
                         </a:p>
                         <a:p>
                           <a:pPr marL="0" marR="0" indent="0" algn="l" defTabSz="914400" rtl="0" eaLnBrk="1" fontAlgn="auto" latinLnBrk="0" hangingPunct="1">
@@ -17287,7 +17420,6 @@
                             <a:rPr lang="en-US" altLang="zh-CN" dirty="0"/>
                             <a:t>~P(1)</a:t>
                           </a:r>
-                          <a:endParaRPr lang="en-US" altLang="zh-CN" dirty="0"/>
                         </a:p>
                         <a:p>
                           <a:pPr marL="0" marR="0" indent="0" algn="l" defTabSz="914400" rtl="0" eaLnBrk="1" fontAlgn="auto" latinLnBrk="0" hangingPunct="1">
@@ -17310,11 +17442,15 @@
                             <a:rPr lang="en-US" altLang="zh-CN" dirty="0"/>
                             <a:t>~P(2)</a:t>
                           </a:r>
-                          <a:endParaRPr lang="en-US" altLang="zh-CN" dirty="0"/>
                         </a:p>
                       </a:txBody>
                       <a:tcPr/>
                     </a:tc>
+                    <a:extLst>
+                      <a:ext uri="{0D108BD9-81ED-4DB2-BD59-A6C34878D82A}">
+                        <a16:rowId xmlns:a16="http://schemas.microsoft.com/office/drawing/2014/main" val="10001"/>
+                      </a:ext>
+                    </a:extLst>
                   </a:tr>
                 </a:tbl>
               </a:graphicData>
@@ -17409,12 +17545,25 @@
                     <a:latin typeface="Courier New" panose="02070309020205020404" pitchFamily="49" charset="0"/>
                     <a:cs typeface="Courier New" panose="02070309020205020404" pitchFamily="49" charset="0"/>
                   </a:rPr>
-                  <a:t>The initial proposition (suppose x</a:t>
+                  <a:t>The initial proposition (suppose </a:t>
+                </a:r>
+                <a:r>
+                  <a:rPr kumimoji="1" lang="en-US" altLang="zh-CN" sz="2000" b="1" dirty="0">
+                    <a:solidFill>
+                      <a:srgbClr val="0432FF"/>
+                    </a:solidFill>
+                    <a:latin typeface="Courier New" panose="02070309020205020404" pitchFamily="49" charset="0"/>
+                    <a:cs typeface="Courier New" panose="02070309020205020404" pitchFamily="49" charset="0"/>
+                  </a:rPr>
+                  <a:t>x</a:t>
                 </a:r>
                 <a14:m>
                   <m:oMath xmlns:m="http://schemas.openxmlformats.org/officeDocument/2006/math">
                     <m:r>
                       <a:rPr kumimoji="1" lang="en-US" altLang="zh-CN" sz="2000" b="1" i="1" smtClean="0">
+                        <a:solidFill>
+                          <a:srgbClr val="0432FF"/>
+                        </a:solidFill>
                         <a:latin typeface="Cambria Math" panose="02040503050406030204" pitchFamily="18" charset="0"/>
                         <a:ea typeface="Cambria Math" panose="02040503050406030204" pitchFamily="18" charset="0"/>
                         <a:cs typeface="Courier New" panose="02070309020205020404" pitchFamily="49" charset="0"/>
@@ -17423,6 +17572,9 @@
                     </m:r>
                     <m:r>
                       <a:rPr kumimoji="1" lang="en-US" altLang="zh-CN" sz="2000" b="1" i="1" smtClean="0">
+                        <a:solidFill>
+                          <a:srgbClr val="0432FF"/>
+                        </a:solidFill>
                         <a:latin typeface="Cambria Math" panose="02040503050406030204" pitchFamily="18" charset="0"/>
                         <a:ea typeface="Cambria Math" panose="02040503050406030204" pitchFamily="18" charset="0"/>
                         <a:cs typeface="Courier New" panose="02070309020205020404" pitchFamily="49" charset="0"/>
@@ -17438,10 +17590,6 @@
                   </a:rPr>
                   <a:t>):</a:t>
                 </a:r>
-                <a:endParaRPr kumimoji="1" lang="en-US" altLang="zh-CN" sz="2000" b="1" dirty="0">
-                  <a:latin typeface="Courier New" panose="02070309020205020404" pitchFamily="49" charset="0"/>
-                  <a:cs typeface="Courier New" panose="02070309020205020404" pitchFamily="49" charset="0"/>
-                </a:endParaRPr>
               </a:p>
               <a:p>
                 <a:pPr marL="0" indent="0">
@@ -17647,13 +17795,6 @@
                   </a:rPr>
                   <a:t> ~P(2) </a:t>
                 </a:r>
-                <a:endParaRPr kumimoji="1" lang="en-US" altLang="zh-CN" sz="2000" b="1" dirty="0">
-                  <a:solidFill>
-                    <a:srgbClr val="0432FF"/>
-                  </a:solidFill>
-                  <a:latin typeface="Courier New" panose="02070309020205020404" pitchFamily="49" charset="0"/>
-                  <a:cs typeface="Courier New" panose="02070309020205020404" pitchFamily="49" charset="0"/>
-                </a:endParaRPr>
               </a:p>
               <a:p>
                 <a:pPr marL="0" indent="0">
@@ -17692,10 +17833,6 @@
                   </a:rPr>
                   <a:t>After purification:</a:t>
                 </a:r>
-                <a:endParaRPr kumimoji="1" lang="en-US" altLang="zh-CN" sz="2000" b="1" dirty="0">
-                  <a:latin typeface="Courier New" panose="02070309020205020404" pitchFamily="49" charset="0"/>
-                  <a:cs typeface="Courier New" panose="02070309020205020404" pitchFamily="49" charset="0"/>
-                </a:endParaRPr>
               </a:p>
               <a:p>
                 <a:pPr marL="0" indent="0">
@@ -17750,17 +17887,17 @@
             <p:nvSpPr>
               <p:cNvPr id="3" name="内容占位符 2"/>
               <p:cNvSpPr>
-                <a:spLocks noRot="1" noChangeAspect="1" noMove="1" noResize="1" noEditPoints="1" noAdjustHandles="1" noChangeArrowheads="1" noChangeShapeType="1" noTextEdit="1"/>
+                <a:spLocks noGrp="1" noRot="1" noChangeAspect="1" noMove="1" noResize="1" noEditPoints="1" noAdjustHandles="1" noChangeArrowheads="1" noChangeShapeType="1" noTextEdit="1"/>
               </p:cNvSpPr>
               <p:nvPr>
                 <p:ph idx="1"/>
               </p:nvPr>
             </p:nvSpPr>
             <p:spPr>
-              <a:blipFill rotWithShape="1">
-                <a:blip r:embed="rId1"/>
+              <a:blipFill>
+                <a:blip r:embed="rId3"/>
                 <a:stretch>
-                  <a:fillRect l="-4" t="-8" r="4" b="8"/>
+                  <a:fillRect l="-816" t="-615"/>
                 </a:stretch>
               </a:blipFill>
             </p:spPr>
@@ -17779,15 +17916,21 @@
           </p:sp>
         </mc:Fallback>
       </mc:AlternateContent>
-      <mc:AlternateContent xmlns:mc="http://schemas.openxmlformats.org/markup-compatibility/2006" xmlns:a14="http://schemas.microsoft.com/office/drawing/2010/main">
-        <mc:Choice Requires="a14">
+      <mc:AlternateContent xmlns:mc="http://schemas.openxmlformats.org/markup-compatibility/2006">
+        <mc:Choice xmlns:a14="http://schemas.microsoft.com/office/drawing/2010/main" Requires="a14">
           <p:graphicFrame>
             <p:nvGraphicFramePr>
               <p:cNvPr id="4" name="表格 3"/>
               <p:cNvGraphicFramePr>
                 <a:graphicFrameLocks noGrp="1"/>
               </p:cNvGraphicFramePr>
-              <p:nvPr/>
+              <p:nvPr>
+                <p:extLst>
+                  <p:ext uri="{D42A27DB-BD31-4B8C-83A1-F6EECF244321}">
+                    <p14:modId xmlns:p14="http://schemas.microsoft.com/office/powerpoint/2010/main" val="2137026470"/>
+                  </p:ext>
+                </p:extLst>
+              </p:nvPr>
             </p:nvGraphicFramePr>
             <p:xfrm>
               <a:off x="2209800" y="3581400"/>
@@ -17800,8 +17943,20 @@
                     <a:tableStyleId>{5C22544A-7EE6-4342-B048-85BDC9FD1C3A}</a:tableStyleId>
                   </a:tblPr>
                   <a:tblGrid>
-                    <a:gridCol w="1905000"/>
-                    <a:gridCol w="2133600"/>
+                    <a:gridCol w="1905000">
+                      <a:extLst>
+                        <a:ext uri="{9D8B030D-6E8A-4147-A177-3AD203B41FA5}">
+                          <a16:colId xmlns:a16="http://schemas.microsoft.com/office/drawing/2014/main" val="20000"/>
+                        </a:ext>
+                      </a:extLst>
+                    </a:gridCol>
+                    <a:gridCol w="2133600">
+                      <a:extLst>
+                        <a:ext uri="{9D8B030D-6E8A-4147-A177-3AD203B41FA5}">
+                          <a16:colId xmlns:a16="http://schemas.microsoft.com/office/drawing/2014/main" val="20001"/>
+                        </a:ext>
+                      </a:extLst>
+                    </a:gridCol>
                   </a:tblGrid>
                   <a:tr h="454344">
                     <a:tc>
@@ -17810,10 +17965,18 @@
                         <a:lstStyle/>
                         <a:p>
                           <a:r>
-                            <a:rPr lang="en-US" altLang="zh-CN" dirty="0"/>
+                            <a:rPr lang="en-US" altLang="zh-CN" dirty="0">
+                              <a:solidFill>
+                                <a:schemeClr val="tx1"/>
+                              </a:solidFill>
+                            </a:rPr>
                             <a:t>LA</a:t>
                           </a:r>
-                          <a:endParaRPr lang="zh-CN" altLang="en-US" dirty="0"/>
+                          <a:endParaRPr lang="zh-CN" altLang="en-US" dirty="0">
+                            <a:solidFill>
+                              <a:schemeClr val="tx1"/>
+                            </a:solidFill>
+                          </a:endParaRPr>
                         </a:p>
                       </a:txBody>
                       <a:tcPr/>
@@ -17824,14 +17987,27 @@
                         <a:lstStyle/>
                         <a:p>
                           <a:r>
-                            <a:rPr lang="en-US" altLang="zh-CN" dirty="0"/>
+                            <a:rPr lang="en-US" altLang="zh-CN" dirty="0">
+                              <a:solidFill>
+                                <a:schemeClr val="tx1"/>
+                              </a:solidFill>
+                            </a:rPr>
                             <a:t>EUF</a:t>
                           </a:r>
-                          <a:endParaRPr lang="zh-CN" altLang="en-US" dirty="0"/>
+                          <a:endParaRPr lang="zh-CN" altLang="en-US" dirty="0">
+                            <a:solidFill>
+                              <a:schemeClr val="tx1"/>
+                            </a:solidFill>
+                          </a:endParaRPr>
                         </a:p>
                       </a:txBody>
                       <a:tcPr/>
                     </a:tc>
+                    <a:extLst>
+                      <a:ext uri="{0D108BD9-81ED-4DB2-BD59-A6C34878D82A}">
+                        <a16:rowId xmlns:a16="http://schemas.microsoft.com/office/drawing/2014/main" val="10000"/>
+                      </a:ext>
+                    </a:extLst>
                   </a:tr>
                   <a:tr h="1603056">
                     <a:tc>
@@ -17861,7 +18037,6 @@
                             <a:rPr lang="en-US" altLang="zh-CN" dirty="0"/>
                             <a:t>1</a:t>
                           </a:r>
-                          <a:endParaRPr lang="en-US" altLang="zh-CN" dirty="0"/>
                         </a:p>
                         <a:p>
                           <a:r>
@@ -17886,7 +18061,6 @@
                             <a:rPr lang="en-US" altLang="zh-CN" dirty="0"/>
                             <a:t>2</a:t>
                           </a:r>
-                          <a:endParaRPr lang="en-US" altLang="zh-CN" dirty="0"/>
                         </a:p>
                         <a:p>
                           <a:endParaRPr lang="zh-CN" altLang="en-US" dirty="0"/>
@@ -17919,7 +18093,6 @@
                             <a:rPr lang="en-US" altLang="zh-CN" dirty="0"/>
                             <a:t>P(x)</a:t>
                           </a:r>
-                          <a:endParaRPr lang="en-US" altLang="zh-CN" dirty="0"/>
                         </a:p>
                         <a:p>
                           <a:pPr marL="0" marR="0" indent="0" algn="l" defTabSz="914400" rtl="0" eaLnBrk="1" fontAlgn="auto" latinLnBrk="0" hangingPunct="1">
@@ -17942,7 +18115,6 @@
                             <a:rPr lang="en-US" altLang="zh-CN" dirty="0"/>
                             <a:t>~P(1)</a:t>
                           </a:r>
-                          <a:endParaRPr lang="en-US" altLang="zh-CN" dirty="0"/>
                         </a:p>
                         <a:p>
                           <a:pPr marL="0" marR="0" indent="0" algn="l" defTabSz="914400" rtl="0" eaLnBrk="1" fontAlgn="auto" latinLnBrk="0" hangingPunct="1">
@@ -17965,7 +18137,6 @@
                             <a:rPr lang="en-US" altLang="zh-CN" dirty="0"/>
                             <a:t>~P(2)</a:t>
                           </a:r>
-                          <a:endParaRPr lang="en-US" altLang="zh-CN" dirty="0"/>
                         </a:p>
                         <a:p>
                           <a:pPr marL="0" marR="0" indent="0" algn="l" defTabSz="914400" rtl="0" eaLnBrk="1" fontAlgn="auto" latinLnBrk="0" hangingPunct="1">
@@ -18084,20 +18255,31 @@
                       </a:txBody>
                       <a:tcPr/>
                     </a:tc>
+                    <a:extLst>
+                      <a:ext uri="{0D108BD9-81ED-4DB2-BD59-A6C34878D82A}">
+                        <a16:rowId xmlns:a16="http://schemas.microsoft.com/office/drawing/2014/main" val="10001"/>
+                      </a:ext>
+                    </a:extLst>
                   </a:tr>
                 </a:tbl>
               </a:graphicData>
             </a:graphic>
           </p:graphicFrame>
         </mc:Choice>
-        <mc:Fallback xmlns="">
+        <mc:Fallback>
           <p:graphicFrame>
             <p:nvGraphicFramePr>
               <p:cNvPr id="4" name="表格 3"/>
               <p:cNvGraphicFramePr>
                 <a:graphicFrameLocks noGrp="1"/>
               </p:cNvGraphicFramePr>
-              <p:nvPr/>
+              <p:nvPr>
+                <p:extLst>
+                  <p:ext uri="{D42A27DB-BD31-4B8C-83A1-F6EECF244321}">
+                    <p14:modId xmlns:p14="http://schemas.microsoft.com/office/powerpoint/2010/main" val="2137026470"/>
+                  </p:ext>
+                </p:extLst>
+              </p:nvPr>
             </p:nvGraphicFramePr>
             <p:xfrm>
               <a:off x="2209800" y="3581400"/>
@@ -18110,8 +18292,20 @@
                     <a:tableStyleId>{5C22544A-7EE6-4342-B048-85BDC9FD1C3A}</a:tableStyleId>
                   </a:tblPr>
                   <a:tblGrid>
-                    <a:gridCol w="1905000"/>
-                    <a:gridCol w="2133600"/>
+                    <a:gridCol w="1905000">
+                      <a:extLst>
+                        <a:ext uri="{9D8B030D-6E8A-4147-A177-3AD203B41FA5}">
+                          <a16:colId xmlns:a16="http://schemas.microsoft.com/office/drawing/2014/main" val="20000"/>
+                        </a:ext>
+                      </a:extLst>
+                    </a:gridCol>
+                    <a:gridCol w="2133600">
+                      <a:extLst>
+                        <a:ext uri="{9D8B030D-6E8A-4147-A177-3AD203B41FA5}">
+                          <a16:colId xmlns:a16="http://schemas.microsoft.com/office/drawing/2014/main" val="20001"/>
+                        </a:ext>
+                      </a:extLst>
+                    </a:gridCol>
                   </a:tblGrid>
                   <a:tr h="454344">
                     <a:tc>
@@ -18120,10 +18314,18 @@
                         <a:lstStyle/>
                         <a:p>
                           <a:r>
-                            <a:rPr lang="en-US" altLang="zh-CN" dirty="0"/>
+                            <a:rPr lang="en-US" altLang="zh-CN" dirty="0">
+                              <a:solidFill>
+                                <a:schemeClr val="tx1"/>
+                              </a:solidFill>
+                            </a:rPr>
                             <a:t>LA</a:t>
                           </a:r>
-                          <a:endParaRPr lang="zh-CN" altLang="en-US" dirty="0"/>
+                          <a:endParaRPr lang="zh-CN" altLang="en-US" dirty="0">
+                            <a:solidFill>
+                              <a:schemeClr val="tx1"/>
+                            </a:solidFill>
+                          </a:endParaRPr>
                         </a:p>
                       </a:txBody>
                       <a:tcPr/>
@@ -18134,14 +18336,27 @@
                         <a:lstStyle/>
                         <a:p>
                           <a:r>
-                            <a:rPr lang="en-US" altLang="zh-CN" dirty="0"/>
+                            <a:rPr lang="en-US" altLang="zh-CN" dirty="0">
+                              <a:solidFill>
+                                <a:schemeClr val="tx1"/>
+                              </a:solidFill>
+                            </a:rPr>
                             <a:t>EUF</a:t>
                           </a:r>
-                          <a:endParaRPr lang="zh-CN" altLang="en-US" dirty="0"/>
+                          <a:endParaRPr lang="zh-CN" altLang="en-US" dirty="0">
+                            <a:solidFill>
+                              <a:schemeClr val="tx1"/>
+                            </a:solidFill>
+                          </a:endParaRPr>
                         </a:p>
                       </a:txBody>
                       <a:tcPr/>
                     </a:tc>
+                    <a:extLst>
+                      <a:ext uri="{0D108BD9-81ED-4DB2-BD59-A6C34878D82A}">
+                        <a16:rowId xmlns:a16="http://schemas.microsoft.com/office/drawing/2014/main" val="10000"/>
+                      </a:ext>
+                    </a:extLst>
                   </a:tr>
                   <a:tr h="2560320">
                     <a:tc>
@@ -18154,7 +18369,10 @@
                       </a:txBody>
                       <a:tcPr>
                         <a:blipFill>
-                          <a:blip r:embed="rId2"/>
+                          <a:blip r:embed="rId4"/>
+                          <a:stretch>
+                            <a:fillRect l="-667" t="-19307" r="-114000" b="-495"/>
+                          </a:stretch>
                         </a:blipFill>
                       </a:tcPr>
                     </a:tc>
@@ -18183,7 +18401,6 @@
                             <a:rPr lang="en-US" altLang="zh-CN" dirty="0"/>
                             <a:t>P(x)</a:t>
                           </a:r>
-                          <a:endParaRPr lang="en-US" altLang="zh-CN" dirty="0"/>
                         </a:p>
                         <a:p>
                           <a:pPr marL="0" marR="0" indent="0" algn="l" defTabSz="914400" rtl="0" eaLnBrk="1" fontAlgn="auto" latinLnBrk="0" hangingPunct="1">
@@ -18206,7 +18423,6 @@
                             <a:rPr lang="en-US" altLang="zh-CN" dirty="0"/>
                             <a:t>~P(1)</a:t>
                           </a:r>
-                          <a:endParaRPr lang="en-US" altLang="zh-CN" dirty="0"/>
                         </a:p>
                         <a:p>
                           <a:pPr marL="0" marR="0" indent="0" algn="l" defTabSz="914400" rtl="0" eaLnBrk="1" fontAlgn="auto" latinLnBrk="0" hangingPunct="1">
@@ -18229,7 +18445,6 @@
                             <a:rPr lang="en-US" altLang="zh-CN" dirty="0"/>
                             <a:t>~P(2)</a:t>
                           </a:r>
-                          <a:endParaRPr lang="en-US" altLang="zh-CN" dirty="0"/>
                         </a:p>
                         <a:p>
                           <a:pPr marL="0" marR="0" indent="0" algn="l" defTabSz="914400" rtl="0" eaLnBrk="1" fontAlgn="auto" latinLnBrk="0" hangingPunct="1">
@@ -18348,6 +18563,11 @@
                       </a:txBody>
                       <a:tcPr/>
                     </a:tc>
+                    <a:extLst>
+                      <a:ext uri="{0D108BD9-81ED-4DB2-BD59-A6C34878D82A}">
+                        <a16:rowId xmlns:a16="http://schemas.microsoft.com/office/drawing/2014/main" val="10001"/>
+                      </a:ext>
+                    </a:extLst>
                   </a:tr>
                 </a:tbl>
               </a:graphicData>
@@ -18355,8 +18575,8 @@
           </p:graphicFrame>
         </mc:Fallback>
       </mc:AlternateContent>
-      <mc:AlternateContent xmlns:mc="http://schemas.openxmlformats.org/markup-compatibility/2006">
-        <mc:Choice xmlns:a14="http://schemas.microsoft.com/office/drawing/2010/main" Requires="a14">
+      <mc:AlternateContent xmlns:mc="http://schemas.openxmlformats.org/markup-compatibility/2006" xmlns:a14="http://schemas.microsoft.com/office/drawing/2010/main">
+        <mc:Choice Requires="a14">
           <p:sp>
             <p:nvSpPr>
               <p:cNvPr id="5" name="文本框 4"/>
@@ -18418,7 +18638,7 @@
             </p:txBody>
           </p:sp>
         </mc:Choice>
-        <mc:Fallback>
+        <mc:Fallback xmlns="">
           <p:sp>
             <p:nvSpPr>
               <p:cNvPr id="5" name="文本框 4"/>
@@ -18436,7 +18656,7 @@
                 <a:avLst/>
               </a:prstGeom>
               <a:blipFill rotWithShape="1">
-                <a:blip r:embed="rId3"/>
+                <a:blip r:embed="rId5"/>
                 <a:stretch>
                   <a:fillRect t="-134" b="70"/>
                 </a:stretch>
@@ -19113,8 +19333,8 @@
           </a:p>
         </p:txBody>
       </p:sp>
-      <mc:AlternateContent xmlns:mc="http://schemas.openxmlformats.org/markup-compatibility/2006">
-        <mc:Choice xmlns:a14="http://schemas.microsoft.com/office/drawing/2010/main" Requires="a14">
+      <mc:AlternateContent xmlns:mc="http://schemas.openxmlformats.org/markup-compatibility/2006" xmlns:a14="http://schemas.microsoft.com/office/drawing/2010/main">
+        <mc:Choice Requires="a14">
           <p:sp>
             <p:nvSpPr>
               <p:cNvPr id="3" name="内容占位符 2"/>
@@ -19153,13 +19373,6 @@
                   </a:rPr>
                   <a:t>(P){</a:t>
                 </a:r>
-                <a:endParaRPr kumimoji="1" lang="en-US" altLang="zh-CN" sz="2000" b="1" dirty="0">
-                  <a:solidFill>
-                    <a:srgbClr val="0432FF"/>
-                  </a:solidFill>
-                  <a:latin typeface="Courier New" panose="02070309020205020404" pitchFamily="49" charset="0"/>
-                  <a:cs typeface="Courier New" panose="02070309020205020404" pitchFamily="49" charset="0"/>
-                </a:endParaRPr>
               </a:p>
               <a:p>
                 <a:pPr marL="0" indent="0">
@@ -19251,13 +19464,6 @@
                   </a:rPr>
                   <a:t> = purify(P);</a:t>
                 </a:r>
-                <a:endParaRPr kumimoji="1" lang="en-US" altLang="zh-CN" sz="2000" b="1" dirty="0">
-                  <a:solidFill>
-                    <a:srgbClr val="0432FF"/>
-                  </a:solidFill>
-                  <a:latin typeface="Courier New" panose="02070309020205020404" pitchFamily="49" charset="0"/>
-                  <a:cs typeface="Courier New" panose="02070309020205020404" pitchFamily="49" charset="0"/>
-                </a:endParaRPr>
               </a:p>
               <a:p>
                 <a:pPr marL="0" indent="0">
@@ -19273,13 +19479,6 @@
                   </a:rPr>
                   <a:t>L:</a:t>
                 </a:r>
-                <a:endParaRPr kumimoji="1" lang="en-US" altLang="zh-CN" sz="2000" b="1" dirty="0">
-                  <a:solidFill>
-                    <a:srgbClr val="0432FF"/>
-                  </a:solidFill>
-                  <a:latin typeface="Courier New" panose="02070309020205020404" pitchFamily="49" charset="0"/>
-                  <a:cs typeface="Courier New" panose="02070309020205020404" pitchFamily="49" charset="0"/>
-                </a:endParaRPr>
               </a:p>
               <a:p>
                 <a:pPr marL="0" indent="0">
@@ -19295,13 +19494,6 @@
                   </a:rPr>
                   <a:t>  if(some Pi is UNSAT)</a:t>
                 </a:r>
-                <a:endParaRPr kumimoji="1" lang="en-US" altLang="zh-CN" sz="2000" b="1" dirty="0">
-                  <a:solidFill>
-                    <a:srgbClr val="0432FF"/>
-                  </a:solidFill>
-                  <a:latin typeface="Courier New" panose="02070309020205020404" pitchFamily="49" charset="0"/>
-                  <a:cs typeface="Courier New" panose="02070309020205020404" pitchFamily="49" charset="0"/>
-                </a:endParaRPr>
               </a:p>
               <a:p>
                 <a:pPr marL="0" indent="0">
@@ -19317,13 +19509,6 @@
                   </a:rPr>
                   <a:t>    return UNSAT;</a:t>
                 </a:r>
-                <a:endParaRPr kumimoji="1" lang="en-US" altLang="zh-CN" sz="2000" b="1" dirty="0">
-                  <a:solidFill>
-                    <a:srgbClr val="0432FF"/>
-                  </a:solidFill>
-                  <a:latin typeface="Courier New" panose="02070309020205020404" pitchFamily="49" charset="0"/>
-                  <a:cs typeface="Courier New" panose="02070309020205020404" pitchFamily="49" charset="0"/>
-                </a:endParaRPr>
               </a:p>
               <a:p>
                 <a:pPr marL="0" indent="0">
@@ -19339,13 +19524,6 @@
                   </a:rPr>
                   <a:t>  if(some Pi implies x=y){</a:t>
                 </a:r>
-                <a:endParaRPr kumimoji="1" lang="en-US" altLang="zh-CN" sz="2000" b="1" dirty="0">
-                  <a:solidFill>
-                    <a:srgbClr val="0432FF"/>
-                  </a:solidFill>
-                  <a:latin typeface="Courier New" panose="02070309020205020404" pitchFamily="49" charset="0"/>
-                  <a:cs typeface="Courier New" panose="02070309020205020404" pitchFamily="49" charset="0"/>
-                </a:endParaRPr>
               </a:p>
               <a:p>
                 <a:pPr marL="0" indent="0">
@@ -19361,13 +19539,6 @@
                   </a:rPr>
                   <a:t>    broadcast(x=y);</a:t>
                 </a:r>
-                <a:endParaRPr kumimoji="1" lang="en-US" altLang="zh-CN" sz="2000" b="1" dirty="0">
-                  <a:solidFill>
-                    <a:srgbClr val="0432FF"/>
-                  </a:solidFill>
-                  <a:latin typeface="Courier New" panose="02070309020205020404" pitchFamily="49" charset="0"/>
-                  <a:cs typeface="Courier New" panose="02070309020205020404" pitchFamily="49" charset="0"/>
-                </a:endParaRPr>
               </a:p>
               <a:p>
                 <a:pPr marL="0" indent="0">
@@ -19403,13 +19574,6 @@
                   </a:rPr>
                   <a:t> L;</a:t>
                 </a:r>
-                <a:endParaRPr kumimoji="1" lang="en-US" altLang="zh-CN" sz="2000" b="1" dirty="0">
-                  <a:solidFill>
-                    <a:srgbClr val="0432FF"/>
-                  </a:solidFill>
-                  <a:latin typeface="Courier New" panose="02070309020205020404" pitchFamily="49" charset="0"/>
-                  <a:cs typeface="Courier New" panose="02070309020205020404" pitchFamily="49" charset="0"/>
-                </a:endParaRPr>
               </a:p>
               <a:p>
                 <a:pPr marL="0" indent="0">
@@ -19425,13 +19589,6 @@
                   </a:rPr>
                   <a:t>  }</a:t>
                 </a:r>
-                <a:endParaRPr kumimoji="1" lang="en-US" altLang="zh-CN" sz="2000" b="1" dirty="0">
-                  <a:solidFill>
-                    <a:srgbClr val="0432FF"/>
-                  </a:solidFill>
-                  <a:latin typeface="Courier New" panose="02070309020205020404" pitchFamily="49" charset="0"/>
-                  <a:cs typeface="Courier New" panose="02070309020205020404" pitchFamily="49" charset="0"/>
-                </a:endParaRPr>
               </a:p>
               <a:p>
                 <a:pPr marL="0" indent="0">
@@ -19593,13 +19750,6 @@
                   </a:rPr>
                   <a:t>)</a:t>
                 </a:r>
-                <a:endParaRPr kumimoji="1" lang="en-US" altLang="zh-CN" sz="2000" b="1" dirty="0">
-                  <a:solidFill>
-                    <a:srgbClr val="0432FF"/>
-                  </a:solidFill>
-                  <a:latin typeface="Courier New" panose="02070309020205020404" pitchFamily="49" charset="0"/>
-                  <a:cs typeface="Courier New" panose="02070309020205020404" pitchFamily="49" charset="0"/>
-                </a:endParaRPr>
               </a:p>
               <a:p>
                 <a:pPr marL="0" indent="0">
@@ -19685,13 +19835,6 @@
                   </a:rPr>
                   <a:t>);</a:t>
                 </a:r>
-                <a:endParaRPr kumimoji="1" lang="en-US" altLang="zh-CN" sz="2000" b="1" dirty="0">
-                  <a:solidFill>
-                    <a:srgbClr val="0432FF"/>
-                  </a:solidFill>
-                  <a:latin typeface="Courier New" panose="02070309020205020404" pitchFamily="49" charset="0"/>
-                  <a:cs typeface="Courier New" panose="02070309020205020404" pitchFamily="49" charset="0"/>
-                </a:endParaRPr>
               </a:p>
               <a:p>
                 <a:pPr marL="0" indent="0">
@@ -19707,13 +19850,6 @@
                   </a:rPr>
                   <a:t>  return SAT;</a:t>
                 </a:r>
-                <a:endParaRPr kumimoji="1" lang="en-US" altLang="zh-CN" sz="2000" b="1" dirty="0">
-                  <a:solidFill>
-                    <a:srgbClr val="0432FF"/>
-                  </a:solidFill>
-                  <a:latin typeface="Courier New" panose="02070309020205020404" pitchFamily="49" charset="0"/>
-                  <a:cs typeface="Courier New" panose="02070309020205020404" pitchFamily="49" charset="0"/>
-                </a:endParaRPr>
               </a:p>
               <a:p>
                 <a:pPr marL="0" indent="0">
@@ -19729,18 +19865,11 @@
                   </a:rPr>
                   <a:t>}</a:t>
                 </a:r>
-                <a:endParaRPr kumimoji="1" lang="en-US" altLang="zh-CN" sz="2000" b="1" dirty="0">
-                  <a:solidFill>
-                    <a:srgbClr val="0432FF"/>
-                  </a:solidFill>
-                  <a:latin typeface="Courier New" panose="02070309020205020404" pitchFamily="49" charset="0"/>
-                  <a:cs typeface="Courier New" panose="02070309020205020404" pitchFamily="49" charset="0"/>
-                </a:endParaRPr>
               </a:p>
             </p:txBody>
           </p:sp>
         </mc:Choice>
-        <mc:Fallback>
+        <mc:Fallback xmlns="">
           <p:sp>
             <p:nvSpPr>
               <p:cNvPr id="3" name="内容占位符 2"/>
@@ -19753,7 +19882,7 @@
             </p:nvSpPr>
             <p:spPr>
               <a:blipFill rotWithShape="1">
-                <a:blip r:embed="rId1"/>
+                <a:blip r:embed="rId2"/>
                 <a:stretch>
                   <a:fillRect l="-4" t="-8" r="4" b="-15177"/>
                 </a:stretch>
@@ -19861,7 +19990,6 @@
               <a:rPr kumimoji="1" lang="en-US" altLang="zh-CN" dirty="0"/>
               <a:t>, the proposition is satisfiable</a:t>
             </a:r>
-            <a:endParaRPr kumimoji="1" lang="en-US" altLang="zh-CN" dirty="0"/>
           </a:p>
           <a:p>
             <a:pPr lvl="1"/>
@@ -19869,14 +19997,12 @@
               <a:rPr kumimoji="1" lang="en-US" altLang="zh-CN" dirty="0"/>
               <a:t>easy to prove</a:t>
             </a:r>
-            <a:endParaRPr kumimoji="1" lang="en-US" altLang="zh-CN" dirty="0"/>
           </a:p>
           <a:p>
             <a:r>
               <a:rPr kumimoji="1" lang="en-US" altLang="zh-CN" dirty="0"/>
               <a:t>Completeness:</a:t>
             </a:r>
-            <a:endParaRPr kumimoji="1" lang="en-US" altLang="zh-CN" dirty="0"/>
           </a:p>
           <a:p>
             <a:pPr lvl="1"/>
@@ -19896,7 +20022,6 @@
               <a:rPr kumimoji="1" lang="en-US" altLang="zh-CN" dirty="0"/>
               <a:t>, the proposition is unsatisfiable</a:t>
             </a:r>
-            <a:endParaRPr kumimoji="1" lang="en-US" altLang="zh-CN" dirty="0"/>
           </a:p>
           <a:p>
             <a:pPr lvl="1"/>
@@ -20043,7 +20168,6 @@
               <a:rPr kumimoji="1" lang="en-US" altLang="zh-CN" dirty="0"/>
               <a:t>theories</a:t>
             </a:r>
-            <a:endParaRPr kumimoji="1" lang="en-US" altLang="zh-CN" dirty="0"/>
           </a:p>
           <a:p>
             <a:r>
@@ -20074,7 +20198,6 @@
               <a:rPr kumimoji="1" lang="en-US" altLang="zh-CN" dirty="0"/>
               <a:t>non-trivial:</a:t>
             </a:r>
-            <a:endParaRPr kumimoji="1" lang="en-US" altLang="zh-CN" dirty="0"/>
           </a:p>
           <a:p>
             <a:pPr lvl="1"/>
@@ -20138,7 +20261,6 @@
               <a:rPr kumimoji="1" lang="en-US" altLang="zh-CN" dirty="0"/>
               <a:t>1924</a:t>
             </a:r>
-            <a:endParaRPr kumimoji="1" lang="en-US" altLang="zh-CN" dirty="0"/>
           </a:p>
           <a:p>
             <a:pPr lvl="1"/>
@@ -20186,7 +20308,6 @@
               <a:rPr kumimoji="1" lang="en-US" altLang="zh-CN" dirty="0"/>
               <a:t>1826</a:t>
             </a:r>
-            <a:endParaRPr kumimoji="1" lang="en-US" altLang="zh-CN" dirty="0"/>
           </a:p>
           <a:p>
             <a:pPr lvl="1"/>
@@ -20299,7 +20420,6 @@
                   <a:rPr kumimoji="1" lang="en-US" altLang="zh-CN" dirty="0"/>
                   <a:t>EUF theory, for example:</a:t>
                 </a:r>
-                <a:endParaRPr kumimoji="1" lang="en-US" altLang="zh-CN" dirty="0"/>
               </a:p>
               <a:p>
                 <a:pPr lvl="1"/>
@@ -20419,18 +20539,12 @@
                   </a:rPr>
                   <a:t> …</a:t>
                 </a:r>
-                <a:endParaRPr kumimoji="1" lang="en-US" altLang="zh-CN" dirty="0">
-                  <a:solidFill>
-                    <a:srgbClr val="0432FF"/>
-                  </a:solidFill>
-                </a:endParaRPr>
               </a:p>
               <a:p>
                 <a:r>
                   <a:rPr kumimoji="1" lang="en-US" altLang="zh-CN" dirty="0"/>
                   <a:t>LA theory, for example:</a:t>
                 </a:r>
-                <a:endParaRPr kumimoji="1" lang="en-US" altLang="zh-CN" dirty="0"/>
               </a:p>
               <a:p>
                 <a:pPr lvl="1"/>
@@ -20653,11 +20767,6 @@
                   </a:rPr>
                   <a:t>…</a:t>
                 </a:r>
-                <a:endParaRPr kumimoji="1" lang="en-US" altLang="zh-CN" dirty="0">
-                  <a:solidFill>
-                    <a:srgbClr val="0432FF"/>
-                  </a:solidFill>
-                </a:endParaRPr>
               </a:p>
               <a:p>
                 <a:r>
@@ -20672,7 +20781,6 @@
                   <a:rPr kumimoji="1" lang="en-US" altLang="zh-CN" dirty="0"/>
                   <a:t>EUF and LA?</a:t>
                 </a:r>
-                <a:endParaRPr kumimoji="1" lang="en-US" altLang="zh-CN" dirty="0"/>
               </a:p>
               <a:p>
                 <a:pPr lvl="1"/>
@@ -20682,7 +20790,15 @@
                       <a:srgbClr val="0432FF"/>
                     </a:solidFill>
                   </a:rPr>
-                  <a:t>(x2</a:t>
+                  <a:t>(x</a:t>
+                </a:r>
+                <a:r>
+                  <a:rPr kumimoji="1" lang="en-US" altLang="zh-CN" baseline="-25000" dirty="0">
+                    <a:solidFill>
+                      <a:srgbClr val="0432FF"/>
+                    </a:solidFill>
+                  </a:rPr>
+                  <a:t>2</a:t>
                 </a:r>
                 <a14:m>
                   <m:oMath xmlns:m="http://schemas.openxmlformats.org/officeDocument/2006/math">
@@ -20704,7 +20820,23 @@
                       <a:srgbClr val="0432FF"/>
                     </a:solidFill>
                   </a:rPr>
-                  <a:t>x1)</a:t>
+                  <a:t>x</a:t>
+                </a:r>
+                <a:r>
+                  <a:rPr kumimoji="1" lang="en-US" altLang="zh-CN" baseline="-25000" dirty="0">
+                    <a:solidFill>
+                      <a:srgbClr val="0432FF"/>
+                    </a:solidFill>
+                  </a:rPr>
+                  <a:t>1</a:t>
+                </a:r>
+                <a:r>
+                  <a:rPr kumimoji="1" lang="en-US" altLang="zh-CN" dirty="0">
+                    <a:solidFill>
+                      <a:srgbClr val="0432FF"/>
+                    </a:solidFill>
+                  </a:rPr>
+                  <a:t>)</a:t>
                 </a:r>
                 <a:r>
                   <a:rPr kumimoji="1" lang="en-US" altLang="zh-CN" dirty="0">
@@ -20746,7 +20878,31 @@
                       <a:srgbClr val="0432FF"/>
                     </a:solidFill>
                   </a:rPr>
-                  <a:t>(x1-x3</a:t>
+                  <a:t>(x</a:t>
+                </a:r>
+                <a:r>
+                  <a:rPr kumimoji="1" lang="en-US" altLang="zh-CN" baseline="-25000" dirty="0">
+                    <a:solidFill>
+                      <a:srgbClr val="0432FF"/>
+                    </a:solidFill>
+                  </a:rPr>
+                  <a:t>1</a:t>
+                </a:r>
+                <a:r>
+                  <a:rPr kumimoji="1" lang="en-US" altLang="zh-CN" dirty="0">
+                    <a:solidFill>
+                      <a:srgbClr val="0432FF"/>
+                    </a:solidFill>
+                  </a:rPr>
+                  <a:t>-x</a:t>
+                </a:r>
+                <a:r>
+                  <a:rPr kumimoji="1" lang="en-US" altLang="zh-CN" baseline="-25000" dirty="0">
+                    <a:solidFill>
+                      <a:srgbClr val="0432FF"/>
+                    </a:solidFill>
+                  </a:rPr>
+                  <a:t>3</a:t>
                 </a:r>
                 <a:r>
                   <a:rPr kumimoji="1" lang="en-US" altLang="zh-CN" dirty="0">
@@ -20777,7 +20933,23 @@
                       <a:srgbClr val="0432FF"/>
                     </a:solidFill>
                   </a:rPr>
-                  <a:t>x2)</a:t>
+                  <a:t>x</a:t>
+                </a:r>
+                <a:r>
+                  <a:rPr kumimoji="1" lang="en-US" altLang="zh-CN" baseline="-25000" dirty="0">
+                    <a:solidFill>
+                      <a:srgbClr val="0432FF"/>
+                    </a:solidFill>
+                  </a:rPr>
+                  <a:t>2</a:t>
+                </a:r>
+                <a:r>
+                  <a:rPr kumimoji="1" lang="en-US" altLang="zh-CN" dirty="0">
+                    <a:solidFill>
+                      <a:srgbClr val="0432FF"/>
+                    </a:solidFill>
+                  </a:rPr>
+                  <a:t>)</a:t>
                 </a:r>
                 <a:r>
                   <a:rPr kumimoji="1" lang="en-US" altLang="zh-CN" dirty="0">
@@ -20818,7 +20990,15 @@
                       <a:srgbClr val="0432FF"/>
                     </a:solidFill>
                   </a:rPr>
-                  <a:t>(x3</a:t>
+                  <a:t>(x</a:t>
+                </a:r>
+                <a:r>
+                  <a:rPr kumimoji="1" lang="en-US" altLang="zh-CN" baseline="-25000" dirty="0">
+                    <a:solidFill>
+                      <a:srgbClr val="0432FF"/>
+                    </a:solidFill>
+                  </a:rPr>
+                  <a:t>3</a:t>
                 </a:r>
                 <a:r>
                   <a:rPr kumimoji="1" lang="en-US" altLang="zh-CN" dirty="0">
@@ -20882,11 +21062,6 @@
                   </a:rPr>
                   <a:t> </a:t>
                 </a:r>
-                <a:endParaRPr kumimoji="1" lang="en-US" altLang="zh-CN" dirty="0">
-                  <a:solidFill>
-                    <a:srgbClr val="0432FF"/>
-                  </a:solidFill>
-                </a:endParaRPr>
               </a:p>
               <a:p>
                 <a:pPr marL="457200" lvl="1" indent="0">
@@ -20898,7 +21073,55 @@
                       <a:srgbClr val="0432FF"/>
                     </a:solidFill>
                   </a:rPr>
-                  <a:t>f(f(x1) - f(x2)) != f(x3) </a:t>
+                  <a:t>f(f(x</a:t>
+                </a:r>
+                <a:r>
+                  <a:rPr kumimoji="1" lang="en-US" altLang="zh-CN" baseline="-25000" dirty="0">
+                    <a:solidFill>
+                      <a:srgbClr val="0432FF"/>
+                    </a:solidFill>
+                  </a:rPr>
+                  <a:t>1</a:t>
+                </a:r>
+                <a:r>
+                  <a:rPr kumimoji="1" lang="en-US" altLang="zh-CN" dirty="0">
+                    <a:solidFill>
+                      <a:srgbClr val="0432FF"/>
+                    </a:solidFill>
+                  </a:rPr>
+                  <a:t>) - f(x</a:t>
+                </a:r>
+                <a:r>
+                  <a:rPr kumimoji="1" lang="en-US" altLang="zh-CN" baseline="-25000" dirty="0">
+                    <a:solidFill>
+                      <a:srgbClr val="0432FF"/>
+                    </a:solidFill>
+                  </a:rPr>
+                  <a:t>2</a:t>
+                </a:r>
+                <a:r>
+                  <a:rPr kumimoji="1" lang="en-US" altLang="zh-CN" dirty="0">
+                    <a:solidFill>
+                      <a:srgbClr val="0432FF"/>
+                    </a:solidFill>
+                  </a:rPr>
+                  <a:t>)) != f(x</a:t>
+                </a:r>
+                <a:r>
+                  <a:rPr kumimoji="1" lang="en-US" altLang="zh-CN" baseline="-25000" dirty="0">
+                    <a:solidFill>
+                      <a:srgbClr val="0432FF"/>
+                    </a:solidFill>
+                  </a:rPr>
+                  <a:t>3</a:t>
+                </a:r>
+                <a:r>
+                  <a:rPr kumimoji="1" lang="en-US" altLang="zh-CN" dirty="0">
+                    <a:solidFill>
+                      <a:srgbClr val="0432FF"/>
+                    </a:solidFill>
+                  </a:rPr>
+                  <a:t>) </a:t>
                 </a:r>
                 <a:endParaRPr kumimoji="1" lang="zh-CN" altLang="en-US" dirty="0">
                   <a:solidFill>
@@ -20914,17 +21137,17 @@
             <p:nvSpPr>
               <p:cNvPr id="3" name="内容占位符 2"/>
               <p:cNvSpPr>
-                <a:spLocks noRot="1" noChangeAspect="1" noMove="1" noResize="1" noEditPoints="1" noAdjustHandles="1" noChangeArrowheads="1" noChangeShapeType="1" noTextEdit="1"/>
+                <a:spLocks noGrp="1" noRot="1" noChangeAspect="1" noMove="1" noResize="1" noEditPoints="1" noAdjustHandles="1" noChangeArrowheads="1" noChangeShapeType="1" noTextEdit="1"/>
               </p:cNvSpPr>
               <p:nvPr>
                 <p:ph idx="1"/>
               </p:nvPr>
             </p:nvSpPr>
             <p:spPr>
-              <a:blipFill rotWithShape="1">
-                <a:blip r:embed="rId1"/>
+              <a:blipFill>
+                <a:blip r:embed="rId2"/>
                 <a:stretch>
-                  <a:fillRect l="-4" t="-8" r="4" b="-16011"/>
+                  <a:fillRect l="-653" t="-1846" b="-21538"/>
                 </a:stretch>
               </a:blipFill>
             </p:spPr>
@@ -20991,8 +21214,8 @@
           </a:p>
         </p:txBody>
       </p:sp>
-      <mc:AlternateContent xmlns:mc="http://schemas.openxmlformats.org/markup-compatibility/2006">
-        <mc:Choice xmlns:a14="http://schemas.microsoft.com/office/drawing/2010/main" Requires="a14">
+      <mc:AlternateContent xmlns:mc="http://schemas.openxmlformats.org/markup-compatibility/2006" xmlns:a14="http://schemas.microsoft.com/office/drawing/2010/main">
+        <mc:Choice Requires="a14">
           <p:sp>
             <p:nvSpPr>
               <p:cNvPr id="3" name="内容占位符 2"/>
@@ -21012,7 +21235,6 @@
                   <a:rPr kumimoji="1" lang="en-US" altLang="zh-CN" dirty="0"/>
                   <a:t>Bit vectors, for example:</a:t>
                 </a:r>
-                <a:endParaRPr kumimoji="1" lang="en-US" altLang="zh-CN" dirty="0"/>
               </a:p>
               <a:p>
                 <a:pPr lvl="1"/>
@@ -21024,18 +21246,12 @@
                   </a:rPr>
                   <a:t>a[32] * b[32] = b[32] * a[32]</a:t>
                 </a:r>
-                <a:endParaRPr kumimoji="1" lang="en-US" altLang="zh-CN" dirty="0">
-                  <a:solidFill>
-                    <a:srgbClr val="0432FF"/>
-                  </a:solidFill>
-                </a:endParaRPr>
               </a:p>
               <a:p>
                 <a:r>
                   <a:rPr kumimoji="1" lang="en-US" altLang="zh-CN" dirty="0"/>
                   <a:t>What about combining EUF and BV?</a:t>
                 </a:r>
-                <a:endParaRPr kumimoji="1" lang="en-US" altLang="zh-CN" dirty="0"/>
               </a:p>
               <a:p>
                 <a:pPr lvl="1"/>
@@ -21088,7 +21304,7 @@
             </p:txBody>
           </p:sp>
         </mc:Choice>
-        <mc:Fallback>
+        <mc:Fallback xmlns="">
           <p:sp>
             <p:nvSpPr>
               <p:cNvPr id="3" name="内容占位符 2"/>
@@ -21101,7 +21317,7 @@
             </p:nvSpPr>
             <p:spPr>
               <a:blipFill rotWithShape="1">
-                <a:blip r:embed="rId1"/>
+                <a:blip r:embed="rId2"/>
                 <a:stretch>
                   <a:fillRect l="-4" t="-8" r="4" b="8"/>
                 </a:stretch>
@@ -21170,8 +21386,8 @@
           </a:p>
         </p:txBody>
       </p:sp>
-      <mc:AlternateContent xmlns:mc="http://schemas.openxmlformats.org/markup-compatibility/2006">
-        <mc:Choice xmlns:a14="http://schemas.microsoft.com/office/drawing/2010/main" Requires="a14">
+      <mc:AlternateContent xmlns:mc="http://schemas.openxmlformats.org/markup-compatibility/2006" xmlns:a14="http://schemas.microsoft.com/office/drawing/2010/main">
+        <mc:Choice Requires="a14">
           <p:sp>
             <p:nvSpPr>
               <p:cNvPr id="3" name="内容占位符 2"/>
@@ -21191,7 +21407,6 @@
                   <a:rPr kumimoji="1" lang="en-US" altLang="zh-CN" dirty="0"/>
                   <a:t>List, LA, and EUF:</a:t>
                 </a:r>
-                <a:endParaRPr kumimoji="1" lang="en-US" altLang="zh-CN" dirty="0"/>
               </a:p>
               <a:p>
                 <a:pPr lvl="1"/>
@@ -21418,18 +21633,12 @@
                   </a:rPr>
                   <a:t>~p(0)</a:t>
                 </a:r>
-                <a:endParaRPr kumimoji="1" lang="en-US" altLang="zh-CN" dirty="0">
-                  <a:solidFill>
-                    <a:srgbClr val="0432FF"/>
-                  </a:solidFill>
-                </a:endParaRPr>
               </a:p>
               <a:p>
                 <a:r>
                   <a:rPr kumimoji="1" lang="en-US" altLang="zh-CN" dirty="0"/>
                   <a:t>Arrays and LA:</a:t>
                 </a:r>
-                <a:endParaRPr kumimoji="1" lang="en-US" altLang="zh-CN" dirty="0"/>
               </a:p>
               <a:p>
                 <a:pPr lvl="1"/>
@@ -21523,18 +21732,12 @@
                   </a:rPr>
                   <a:t> x &gt; y</a:t>
                 </a:r>
-                <a:endParaRPr kumimoji="1" lang="en-US" altLang="zh-CN" dirty="0">
-                  <a:solidFill>
-                    <a:srgbClr val="0432FF"/>
-                  </a:solidFill>
-                </a:endParaRPr>
               </a:p>
               <a:p>
                 <a:r>
                   <a:rPr kumimoji="1" lang="en-US" altLang="zh-CN" dirty="0"/>
                   <a:t>Pointers:</a:t>
                 </a:r>
-                <a:endParaRPr kumimoji="1" lang="en-US" altLang="zh-CN" dirty="0"/>
               </a:p>
               <a:p>
                 <a:pPr lvl="1"/>
@@ -21563,7 +21766,7 @@
             </p:txBody>
           </p:sp>
         </mc:Choice>
-        <mc:Fallback>
+        <mc:Fallback xmlns="">
           <p:sp>
             <p:nvSpPr>
               <p:cNvPr id="3" name="内容占位符 2"/>
@@ -21576,7 +21779,7 @@
             </p:nvSpPr>
             <p:spPr>
               <a:blipFill rotWithShape="1">
-                <a:blip r:embed="rId1"/>
+                <a:blip r:embed="rId2"/>
                 <a:stretch>
                   <a:fillRect l="-4" t="-8" r="4" b="8"/>
                 </a:stretch>
@@ -21702,7 +21905,7 @@
             </a:r>
             <a:r>
               <a:rPr kumimoji="1" lang="en-US" altLang="zh-CN" dirty="0"/>
-              <a:t>whether</a:t>
+              <a:t>does</a:t>
             </a:r>
             <a:r>
               <a:rPr kumimoji="1" lang="zh-CN" altLang="en-US" dirty="0"/>
@@ -21710,7 +21913,7 @@
             </a:r>
             <a:r>
               <a:rPr kumimoji="1" lang="en-US" altLang="zh-CN" dirty="0"/>
-              <a:t>or</a:t>
+              <a:t>their</a:t>
             </a:r>
             <a:r>
               <a:rPr kumimoji="1" lang="zh-CN" altLang="en-US" dirty="0"/>
@@ -21718,7 +21921,7 @@
             </a:r>
             <a:r>
               <a:rPr kumimoji="1" lang="en-US" altLang="zh-CN" dirty="0"/>
-              <a:t>not</a:t>
+              <a:t>combination</a:t>
             </a:r>
             <a:r>
               <a:rPr kumimoji="1" lang="zh-CN" altLang="en-US" dirty="0"/>
@@ -21726,7 +21929,7 @@
             </a:r>
             <a:r>
               <a:rPr kumimoji="1" lang="en-US" altLang="zh-CN" dirty="0"/>
-              <a:t>their</a:t>
+              <a:t>is</a:t>
             </a:r>
             <a:r>
               <a:rPr kumimoji="1" lang="zh-CN" altLang="en-US" dirty="0"/>
@@ -21734,7 +21937,7 @@
             </a:r>
             <a:r>
               <a:rPr kumimoji="1" lang="en-US" altLang="zh-CN" dirty="0"/>
-              <a:t>combination</a:t>
+              <a:t>still</a:t>
             </a:r>
             <a:r>
               <a:rPr kumimoji="1" lang="zh-CN" altLang="en-US" dirty="0"/>
@@ -21742,25 +21945,8 @@
             </a:r>
             <a:r>
               <a:rPr kumimoji="1" lang="en-US" altLang="zh-CN" dirty="0"/>
-              <a:t>is</a:t>
-            </a:r>
-            <a:r>
-              <a:rPr kumimoji="1" lang="zh-CN" altLang="en-US" dirty="0"/>
-              <a:t> </a:t>
-            </a:r>
-            <a:r>
-              <a:rPr kumimoji="1" lang="en-US" altLang="zh-CN" dirty="0"/>
-              <a:t>still</a:t>
-            </a:r>
-            <a:r>
-              <a:rPr kumimoji="1" lang="zh-CN" altLang="en-US" dirty="0"/>
-              <a:t> </a:t>
-            </a:r>
-            <a:r>
-              <a:rPr kumimoji="1" lang="en-US" altLang="zh-CN" dirty="0"/>
               <a:t>decidable?</a:t>
             </a:r>
-            <a:endParaRPr kumimoji="1" lang="en-US" altLang="zh-CN" dirty="0"/>
           </a:p>
           <a:p>
             <a:pPr lvl="1"/>
@@ -21782,7 +21968,7 @@
             </a:r>
             <a:r>
               <a:rPr kumimoji="1" lang="en-US" altLang="zh-CN" dirty="0"/>
-              <a:t>what’s</a:t>
+              <a:t>what is</a:t>
             </a:r>
             <a:r>
               <a:rPr kumimoji="1" lang="zh-CN" altLang="en-US" dirty="0"/>
@@ -21816,7 +22002,6 @@
               <a:rPr kumimoji="1" lang="en-US" altLang="zh-CN" dirty="0"/>
               <a:t>procedure?</a:t>
             </a:r>
-            <a:endParaRPr kumimoji="1" lang="en-US" altLang="zh-CN" dirty="0"/>
           </a:p>
           <a:p>
             <a:r>
@@ -21883,11 +22068,6 @@
               </a:rPr>
               <a:t>combination</a:t>
             </a:r>
-            <a:endParaRPr kumimoji="1" lang="en-US" altLang="zh-CN" dirty="0">
-              <a:solidFill>
-                <a:srgbClr val="0432FF"/>
-              </a:solidFill>
-            </a:endParaRPr>
           </a:p>
         </p:txBody>
       </p:sp>
@@ -21973,7 +22153,7 @@
                       <m:t>𝒯</m:t>
                     </m:r>
                     <m:r>
-                      <a:rPr kumimoji="1" lang="en-US" altLang="zh-CN" b="0" i="1" smtClean="0">
+                      <a:rPr kumimoji="1" lang="en-US" altLang="zh-CN" b="0" i="1" baseline="-25000" smtClean="0">
                         <a:solidFill>
                           <a:srgbClr val="0432FF"/>
                         </a:solidFill>
@@ -22001,7 +22181,7 @@
                       <m:t>𝒯</m:t>
                     </m:r>
                     <m:r>
-                      <a:rPr kumimoji="1" lang="en-US" altLang="zh-CN" b="0" i="1" smtClean="0">
+                      <a:rPr kumimoji="1" lang="en-US" altLang="zh-CN" b="0" i="1" baseline="-25000" smtClean="0">
                         <a:solidFill>
                           <a:srgbClr val="0432FF"/>
                         </a:solidFill>
@@ -22032,7 +22212,7 @@
                       <m:t>Σ</m:t>
                     </m:r>
                     <m:r>
-                      <a:rPr kumimoji="1" lang="en-US" altLang="zh-CN" b="0" i="1" smtClean="0">
+                      <a:rPr kumimoji="1" lang="en-US" altLang="zh-CN" b="0" i="1" baseline="-25000" smtClean="0">
                         <a:solidFill>
                           <a:srgbClr val="0432FF"/>
                         </a:solidFill>
@@ -22063,7 +22243,7 @@
                       <m:t>Σ</m:t>
                     </m:r>
                     <m:r>
-                      <a:rPr kumimoji="1" lang="en-US" altLang="zh-CN" b="0" i="1" smtClean="0">
+                      <a:rPr kumimoji="1" lang="en-US" altLang="zh-CN" b="0" i="1" baseline="-25000" smtClean="0">
                         <a:solidFill>
                           <a:srgbClr val="0432FF"/>
                         </a:solidFill>
@@ -22091,7 +22271,7 @@
                       <m:t>𝒯</m:t>
                     </m:r>
                     <m:r>
-                      <a:rPr kumimoji="1" lang="en-US" altLang="zh-CN" i="1" smtClean="0">
+                      <a:rPr kumimoji="1" lang="en-US" altLang="zh-CN" i="1" baseline="-25000" smtClean="0">
                         <a:solidFill>
                           <a:srgbClr val="0432FF"/>
                         </a:solidFill>
@@ -22121,7 +22301,7 @@
                       <m:t>𝒯</m:t>
                     </m:r>
                     <m:r>
-                      <a:rPr kumimoji="1" lang="en-US" altLang="zh-CN" i="1" smtClean="0">
+                      <a:rPr kumimoji="1" lang="en-US" altLang="zh-CN" i="1" baseline="-25000" smtClean="0">
                         <a:solidFill>
                           <a:srgbClr val="0432FF"/>
                         </a:solidFill>
@@ -22132,7 +22312,7 @@
                     </m:r>
                   </m:oMath>
                 </a14:m>
-                <a:endParaRPr kumimoji="1" lang="en-US" altLang="zh-CN" dirty="0">
+                <a:endParaRPr kumimoji="1" lang="en-US" altLang="zh-CN" baseline="-25000" dirty="0">
                   <a:solidFill>
                     <a:srgbClr val="0432FF"/>
                   </a:solidFill>
@@ -22160,7 +22340,7 @@
                       <m:t>Σ</m:t>
                     </m:r>
                     <m:r>
-                      <a:rPr kumimoji="1" lang="en-US" altLang="zh-CN" i="1">
+                      <a:rPr kumimoji="1" lang="en-US" altLang="zh-CN" i="1" baseline="-25000">
                         <a:solidFill>
                           <a:srgbClr val="0432FF"/>
                         </a:solidFill>
@@ -22217,7 +22397,7 @@
                       <m:t>Σ</m:t>
                     </m:r>
                     <m:r>
-                      <a:rPr kumimoji="1" lang="en-US" altLang="zh-CN" i="1">
+                      <a:rPr kumimoji="1" lang="en-US" altLang="zh-CN" i="1" baseline="-25000">
                         <a:solidFill>
                           <a:srgbClr val="0432FF"/>
                         </a:solidFill>
@@ -22246,14 +22426,12 @@
                   <a:rPr kumimoji="1" lang="en-US" altLang="zh-CN" dirty="0"/>
                   <a:t>Union of axioms and inference rules</a:t>
                 </a:r>
-                <a:endParaRPr kumimoji="1" lang="en-US" altLang="zh-CN" dirty="0"/>
               </a:p>
               <a:p>
                 <a:r>
                   <a:rPr kumimoji="1" lang="en-US" altLang="zh-CN" dirty="0"/>
                   <a:t>Problem:</a:t>
                 </a:r>
-                <a:endParaRPr kumimoji="1" lang="en-US" altLang="zh-CN" dirty="0"/>
               </a:p>
               <a:p>
                 <a:pPr lvl="1"/>
@@ -22276,7 +22454,7 @@
                       <m:t>𝒯</m:t>
                     </m:r>
                     <m:r>
-                      <a:rPr kumimoji="1" lang="en-US" altLang="zh-CN" i="1" smtClean="0">
+                      <a:rPr kumimoji="1" lang="en-US" altLang="zh-CN" i="1" baseline="-25000" smtClean="0">
                         <a:solidFill>
                           <a:srgbClr val="0432FF"/>
                         </a:solidFill>
@@ -22306,7 +22484,7 @@
                       <m:t>𝒯</m:t>
                     </m:r>
                     <m:r>
-                      <a:rPr kumimoji="1" lang="en-US" altLang="zh-CN" i="1" smtClean="0">
+                      <a:rPr kumimoji="1" lang="en-US" altLang="zh-CN" i="1" baseline="-25000" smtClean="0">
                         <a:solidFill>
                           <a:srgbClr val="0432FF"/>
                         </a:solidFill>
@@ -22351,17 +22529,17 @@
             <p:nvSpPr>
               <p:cNvPr id="3" name="内容占位符 2"/>
               <p:cNvSpPr>
-                <a:spLocks noRot="1" noChangeAspect="1" noMove="1" noResize="1" noEditPoints="1" noAdjustHandles="1" noChangeArrowheads="1" noChangeShapeType="1" noTextEdit="1"/>
+                <a:spLocks noGrp="1" noRot="1" noChangeAspect="1" noMove="1" noResize="1" noEditPoints="1" noAdjustHandles="1" noChangeArrowheads="1" noChangeShapeType="1" noTextEdit="1"/>
               </p:cNvSpPr>
               <p:nvPr>
                 <p:ph idx="1"/>
               </p:nvPr>
             </p:nvSpPr>
             <p:spPr>
-              <a:blipFill rotWithShape="1">
-                <a:blip r:embed="rId1"/>
+              <a:blipFill>
+                <a:blip r:embed="rId2"/>
                 <a:stretch>
-                  <a:fillRect l="-4" t="-8" r="4" b="8"/>
+                  <a:fillRect l="-653" t="-2154"/>
                 </a:stretch>
               </a:blipFill>
             </p:spPr>
@@ -22447,7 +22625,6 @@
               <a:rPr kumimoji="1" lang="en-US" altLang="zh-CN" dirty="0"/>
               <a:t>Approach #1: reduce all theories to propositional logic, and use SAT</a:t>
             </a:r>
-            <a:endParaRPr kumimoji="1" lang="en-US" altLang="zh-CN" dirty="0"/>
           </a:p>
           <a:p>
             <a:pPr lvl="1"/>
@@ -22471,14 +22648,12 @@
               <a:rPr kumimoji="1" lang="en-US" altLang="zh-CN" dirty="0"/>
               <a:t>BV</a:t>
             </a:r>
-            <a:endParaRPr kumimoji="1" lang="en-US" altLang="zh-CN" dirty="0"/>
           </a:p>
           <a:p>
             <a:r>
               <a:rPr kumimoji="1" lang="en-US" altLang="zh-CN" dirty="0"/>
               <a:t>Approach #2: combine theories directly</a:t>
             </a:r>
-            <a:endParaRPr kumimoji="1" lang="en-US" altLang="zh-CN" dirty="0"/>
           </a:p>
           <a:p>
             <a:pPr lvl="1"/>
@@ -22494,7 +22669,6 @@
               <a:rPr kumimoji="1" lang="en-US" altLang="zh-CN" dirty="0"/>
               <a:t> method</a:t>
             </a:r>
-            <a:endParaRPr kumimoji="1" lang="en-US" altLang="zh-CN" dirty="0"/>
           </a:p>
           <a:p>
             <a:pPr lvl="1"/>
@@ -22566,7 +22740,6 @@
               <a:rPr kumimoji="1" lang="zh-CN" altLang="en-US" dirty="0"/>
               <a:t> </a:t>
             </a:r>
-            <a:endParaRPr kumimoji="1" lang="zh-CN" altLang="en-US" dirty="0"/>
           </a:p>
         </p:txBody>
       </p:sp>
@@ -22848,6 +23021,7 @@
       </a:bgFillStyleLst>
     </a:fmtScheme>
   </a:themeElements>
+  <a:objectDefaults/>
   <a:extraClrSchemeLst>
     <a:extraClrScheme>
       <a:clrScheme name="Blends 1">
@@ -23355,6 +23529,8 @@
       </a:bgFillStyleLst>
     </a:fmtScheme>
   </a:themeElements>
+  <a:objectDefaults/>
+  <a:extraClrSchemeLst/>
   <a:extLst>
     <a:ext uri="{05A4C25C-085E-4340-85A3-A5531E510DB2}">
       <thm15:themeFamily xmlns:thm15="http://schemas.microsoft.com/office/thememl/2012/main" name="Office Theme" id="{62F939B6-93AF-4DB8-9C6B-D6C7DFDC589F}" vid="{4A3C46E8-61CC-4603-A589-7422A47A8E4A}"/>
@@ -23641,6 +23817,8 @@
       </a:bgFillStyleLst>
     </a:fmtScheme>
   </a:themeElements>
+  <a:objectDefaults/>
+  <a:extraClrSchemeLst/>
   <a:extLst>
     <a:ext uri="{05A4C25C-085E-4340-85A3-A5531E510DB2}">
       <thm15:themeFamily xmlns:thm15="http://schemas.microsoft.com/office/thememl/2012/main" name="Office Theme" id="{62F939B6-93AF-4DB8-9C6B-D6C7DFDC589F}" vid="{4A3C46E8-61CC-4603-A589-7422A47A8E4A}"/>
